--- a/LectureFiles/cbw/2015/RNASeq_Module0_AmazonPreTutorial.pptx
+++ b/LectureFiles/cbw/2015/RNASeq_Module0_AmazonPreTutorial.pptx
@@ -4433,6 +4433,13 @@
   <p:clrMapOvr>
     <a:masterClrMapping/>
   </p:clrMapOvr>
+  <p:timing>
+    <p:tnLst>
+      <p:par>
+        <p:cTn xmlns:p14="http://schemas.microsoft.com/office/powerpoint/2010/main" id="1" dur="indefinite" restart="never" nodeType="tmRoot"/>
+      </p:par>
+    </p:tnLst>
+  </p:timing>
 </p:sld>
 </file>
 
@@ -4474,7 +4481,7 @@
           <a:lstStyle/>
           <a:p>
             <a:r>
-              <a:rPr lang="en-US" sz="2800">
+              <a:rPr lang="en-US" sz="3600" dirty="0">
                 <a:ea typeface="ＭＳ Ｐゴシック" charset="0"/>
               </a:rPr>
               <a:t>Some of the challenges of cloud computing:</a:t>
@@ -4627,7 +4634,7 @@
           <a:lstStyle/>
           <a:p>
             <a:r>
-              <a:rPr lang="en-US" sz="2800">
+              <a:rPr lang="en-US" sz="3600" dirty="0">
                 <a:ea typeface="ＭＳ Ｐゴシック" charset="0"/>
               </a:rPr>
               <a:t>Some of the advantages of cloud computing:</a:t>
@@ -5066,7 +5073,7 @@
           <a:lstStyle/>
           <a:p>
             <a:r>
-              <a:rPr lang="en-US">
+              <a:rPr lang="en-US" dirty="0">
                 <a:ea typeface="ＭＳ Ｐゴシック" charset="0"/>
               </a:rPr>
               <a:t>In this workshop:</a:t>
@@ -5587,7 +5594,7 @@
           <a:lstStyle/>
           <a:p>
             <a:r>
-              <a:rPr lang="en-US">
+              <a:rPr lang="en-US" dirty="0">
                 <a:ea typeface="ＭＳ Ｐゴシック" charset="0"/>
               </a:rPr>
               <a:t>Things we have set up:</a:t>
@@ -6045,14 +6052,7 @@
                 <a:latin typeface="Calibri"/>
                 <a:cs typeface="Calibri"/>
               </a:rPr>
-              <a:t>Login</a:t>
-            </a:r>
-            <a:r>
-              <a:rPr lang="en-US" sz="2800" dirty="0" smtClean="0">
-                <a:latin typeface="Calibri"/>
-                <a:cs typeface="Calibri"/>
-              </a:rPr>
-              <a:t>: </a:t>
+              <a:t>Login: </a:t>
             </a:r>
             <a:r>
               <a:rPr lang="en-US" sz="2800" dirty="0" err="1">
@@ -6633,7 +6633,7 @@
           <a:lstStyle/>
           <a:p>
             <a:r>
-              <a:rPr lang="en-US">
+              <a:rPr lang="en-US" dirty="0">
                 <a:ea typeface="ＭＳ Ｐゴシック" charset="0"/>
               </a:rPr>
               <a:t>Macintosh users</a:t>
@@ -10129,7 +10129,7 @@
           <a:lstStyle/>
           <a:p>
             <a:r>
-              <a:rPr lang="en-US">
+              <a:rPr lang="en-US" dirty="0">
                 <a:ea typeface="ＭＳ Ｐゴシック" charset="0"/>
               </a:rPr>
               <a:t>So, at this point:</a:t>
@@ -10854,22 +10854,7 @@
                 <a:ea typeface="+mn-ea"/>
                 <a:cs typeface="Calibri"/>
               </a:rPr>
-              <a:t>June 8-9, </a:t>
-            </a:r>
-            <a:r>
-              <a:rPr lang="en-US" sz="1400" dirty="0" smtClean="0">
-                <a:ln w="1270">
-                  <a:solidFill>
-                    <a:schemeClr val="tx1">
-                      <a:alpha val="38000"/>
-                    </a:schemeClr>
-                  </a:solidFill>
-                </a:ln>
-                <a:latin typeface="Calibri"/>
-                <a:ea typeface="+mn-ea"/>
-                <a:cs typeface="Calibri"/>
-              </a:rPr>
-              <a:t>2015</a:t>
+              <a:t>June 8-9, 2015</a:t>
             </a:r>
           </a:p>
         </p:txBody>
@@ -11011,7 +10996,7 @@
           <a:lstStyle/>
           <a:p>
             <a:r>
-              <a:rPr lang="en-US">
+              <a:rPr lang="en-US" dirty="0">
                 <a:latin typeface="Calibri" charset="0"/>
                 <a:ea typeface="ＭＳ Ｐゴシック" charset="0"/>
               </a:rPr>
@@ -11248,6 +11233,13 @@
   <p:clrMapOvr>
     <a:masterClrMapping/>
   </p:clrMapOvr>
+  <p:timing>
+    <p:tnLst>
+      <p:par>
+        <p:cTn xmlns:p14="http://schemas.microsoft.com/office/powerpoint/2010/main" id="1" dur="indefinite" restart="never" nodeType="tmRoot"/>
+      </p:par>
+    </p:tnLst>
+  </p:timing>
 </p:sld>
 </file>
 
@@ -11298,13 +11290,7 @@
               <a:rPr lang="en-US" dirty="0" smtClean="0">
                 <a:ea typeface="ＭＳ Ｐゴシック" charset="0"/>
               </a:rPr>
-              <a:t>module </a:t>
-            </a:r>
-            <a:r>
-              <a:rPr lang="en-US" dirty="0" smtClean="0">
-                <a:ea typeface="ＭＳ Ｐゴシック" charset="0"/>
-              </a:rPr>
-              <a:t>0</a:t>
+              <a:t>module 0</a:t>
             </a:r>
             <a:endParaRPr lang="en-US" dirty="0">
               <a:ea typeface="ＭＳ Ｐゴシック" charset="0"/>
@@ -11339,7 +11325,19 @@
               <a:rPr lang="en-US" dirty="0">
                 <a:ea typeface="ＭＳ Ｐゴシック" charset="0"/>
               </a:rPr>
-              <a:t>Use of the wiki in this workshop</a:t>
+              <a:t>Use of the </a:t>
+            </a:r>
+            <a:r>
+              <a:rPr lang="en-US" dirty="0" smtClean="0">
+                <a:ea typeface="ＭＳ Ｐゴシック" charset="0"/>
+              </a:rPr>
+              <a:t>wiki(s) </a:t>
+            </a:r>
+            <a:r>
+              <a:rPr lang="en-US" dirty="0">
+                <a:ea typeface="ＭＳ Ｐゴシック" charset="0"/>
+              </a:rPr>
+              <a:t>in this workshop</a:t>
             </a:r>
           </a:p>
           <a:p>
@@ -23217,16 +23215,36 @@
           <a:p>
             <a:pPr algn="ctr"/>
             <a:r>
-              <a:rPr lang="en-US" b="1">
+              <a:rPr lang="en-US" sz="3200" b="1" dirty="0">
                 <a:solidFill>
                   <a:srgbClr val="1A1A1A"/>
                 </a:solidFill>
                 <a:latin typeface="Calibri"/>
                 <a:cs typeface="Calibri"/>
               </a:rPr>
-              <a:t>Disk Capacity vs Sequencing Capacity, 1990-2012</a:t>
-            </a:r>
-            <a:endParaRPr lang="en-US" b="1">
+              <a:t>Disk Capacity </a:t>
+            </a:r>
+            <a:r>
+              <a:rPr lang="en-US" sz="3200" b="1" dirty="0" err="1">
+                <a:solidFill>
+                  <a:srgbClr val="1A1A1A"/>
+                </a:solidFill>
+                <a:latin typeface="Calibri"/>
+                <a:cs typeface="Calibri"/>
+              </a:rPr>
+              <a:t>vs</a:t>
+            </a:r>
+            <a:r>
+              <a:rPr lang="en-US" sz="3200" b="1" dirty="0">
+                <a:solidFill>
+                  <a:srgbClr val="1A1A1A"/>
+                </a:solidFill>
+                <a:latin typeface="Calibri"/>
+                <a:cs typeface="Calibri"/>
+              </a:rPr>
+              <a:t> Sequencing Capacity, 1990-2012</a:t>
+            </a:r>
+            <a:endParaRPr lang="en-US" sz="3200" b="1" dirty="0">
               <a:latin typeface="Calibri"/>
               <a:cs typeface="Calibri"/>
             </a:endParaRPr>
@@ -23422,7 +23440,7 @@
           <a:p>
             <a:pPr eaLnBrk="1"/>
             <a:r>
-              <a:rPr lang="en-US" sz="3200" dirty="0">
+              <a:rPr lang="en-US" dirty="0">
                 <a:ea typeface="ＭＳ Ｐゴシック" charset="0"/>
               </a:rPr>
               <a:t>About DNA and computers</a:t>
@@ -23456,7 +23474,7 @@
               <a:rPr lang="en-US" dirty="0" smtClean="0">
                 <a:ea typeface="ＭＳ Ｐゴシック" charset="0"/>
               </a:rPr>
-              <a:t>2014-</a:t>
+              <a:t>2015-</a:t>
             </a:r>
             <a:r>
               <a:rPr lang="en-US" dirty="0">
@@ -23567,7 +23585,7 @@
           <a:lstStyle/>
           <a:p>
             <a:r>
-              <a:rPr lang="en-US">
+              <a:rPr lang="en-US" dirty="0">
                 <a:ea typeface="ＭＳ Ｐゴシック" charset="0"/>
               </a:rPr>
               <a:t>What is the general biomedical scientist to do?</a:t>
@@ -23694,7 +23712,7 @@
           <a:lstStyle/>
           <a:p>
             <a:r>
-              <a:rPr lang="en-US">
+              <a:rPr lang="en-US" dirty="0">
                 <a:ea typeface="ＭＳ Ｐゴシック" charset="0"/>
               </a:rPr>
               <a:t>Amazon Web Services (AWS)</a:t>

--- a/LectureFiles/cbw/2015/RNASeq_Module0_AmazonPreTutorial.pptx
+++ b/LectureFiles/cbw/2015/RNASeq_Module0_AmazonPreTutorial.pptx
@@ -5,10 +5,10 @@
     <p:sldMasterId id="2147483648" r:id="rId1"/>
   </p:sldMasterIdLst>
   <p:notesMasterIdLst>
-    <p:notesMasterId r:id="rId31"/>
+    <p:notesMasterId r:id="rId35"/>
   </p:notesMasterIdLst>
   <p:handoutMasterIdLst>
-    <p:handoutMasterId r:id="rId32"/>
+    <p:handoutMasterId r:id="rId36"/>
   </p:handoutMasterIdLst>
   <p:sldIdLst>
     <p:sldId id="341" r:id="rId2"/>
@@ -31,15 +31,19 @@
     <p:sldId id="530" r:id="rId19"/>
     <p:sldId id="531" r:id="rId20"/>
     <p:sldId id="532" r:id="rId21"/>
-    <p:sldId id="533" r:id="rId22"/>
-    <p:sldId id="534" r:id="rId23"/>
-    <p:sldId id="535" r:id="rId24"/>
-    <p:sldId id="536" r:id="rId25"/>
-    <p:sldId id="540" r:id="rId26"/>
-    <p:sldId id="537" r:id="rId27"/>
-    <p:sldId id="538" r:id="rId28"/>
-    <p:sldId id="541" r:id="rId29"/>
-    <p:sldId id="512" r:id="rId30"/>
+    <p:sldId id="543" r:id="rId22"/>
+    <p:sldId id="533" r:id="rId23"/>
+    <p:sldId id="534" r:id="rId24"/>
+    <p:sldId id="535" r:id="rId25"/>
+    <p:sldId id="536" r:id="rId26"/>
+    <p:sldId id="548" r:id="rId27"/>
+    <p:sldId id="545" r:id="rId28"/>
+    <p:sldId id="546" r:id="rId29"/>
+    <p:sldId id="547" r:id="rId30"/>
+    <p:sldId id="537" r:id="rId31"/>
+    <p:sldId id="538" r:id="rId32"/>
+    <p:sldId id="541" r:id="rId33"/>
+    <p:sldId id="512" r:id="rId34"/>
   </p:sldIdLst>
   <p:sldSz cx="9144000" cy="6858000" type="screen4x3"/>
   <p:notesSz cx="7315200" cy="9601200"/>
@@ -278,7 +282,7 @@
               <a:pPr>
                 <a:defRPr/>
               </a:pPr>
-              <a:t>6/1/15</a:t>
+              <a:t>6/3/15</a:t>
             </a:fld>
             <a:endParaRPr lang="en-US"/>
           </a:p>
@@ -493,7 +497,7 @@
               <a:pPr>
                 <a:defRPr/>
               </a:pPr>
-              <a:t>6/1/15</a:t>
+              <a:t>6/3/15</a:t>
             </a:fld>
             <a:endParaRPr lang="en-US"/>
           </a:p>
@@ -3586,7 +3590,7 @@
               <a:pPr>
                 <a:defRPr/>
               </a:pPr>
-              <a:t>6/1/15</a:t>
+              <a:t>6/3/15</a:t>
             </a:fld>
             <a:endParaRPr lang="en-US"/>
           </a:p>
@@ -6271,7 +6275,19 @@
               <a:rPr lang="en-US" dirty="0" smtClean="0">
                 <a:ea typeface="ＭＳ Ｐゴシック" charset="0"/>
               </a:rPr>
-              <a:t>The main CBW Wiki</a:t>
+              <a:t>The </a:t>
+            </a:r>
+            <a:r>
+              <a:rPr lang="en-US" dirty="0" smtClean="0">
+                <a:ea typeface="ＭＳ Ｐゴシック" charset="0"/>
+              </a:rPr>
+              <a:t>CBW </a:t>
+            </a:r>
+            <a:r>
+              <a:rPr lang="en-US" dirty="0" smtClean="0">
+                <a:ea typeface="ＭＳ Ｐゴシック" charset="0"/>
+              </a:rPr>
+              <a:t>Wiki</a:t>
             </a:r>
             <a:endParaRPr lang="en-US" dirty="0">
               <a:ea typeface="ＭＳ Ｐゴシック" charset="0"/>
@@ -6624,7 +6640,7 @@
         </p:nvSpPr>
         <p:spPr>
           <a:xfrm>
-            <a:off x="152400" y="44450"/>
+            <a:off x="179512" y="2492896"/>
             <a:ext cx="8839200" cy="1143000"/>
           </a:xfrm>
         </p:spPr>
@@ -6633,68 +6649,17 @@
           <a:lstStyle/>
           <a:p>
             <a:r>
-              <a:rPr lang="en-US" dirty="0">
+              <a:rPr lang="en-US" dirty="0" smtClean="0">
                 <a:ea typeface="ＭＳ Ｐゴシック" charset="0"/>
               </a:rPr>
-              <a:t>Macintosh users</a:t>
-            </a:r>
+              <a:t>Logging into Amazon AWS</a:t>
+            </a:r>
+            <a:endParaRPr lang="en-US" dirty="0">
+              <a:ea typeface="ＭＳ Ｐゴシック" charset="0"/>
+            </a:endParaRPr>
           </a:p>
         </p:txBody>
       </p:sp>
-      <p:pic>
-        <p:nvPicPr>
-          <p:cNvPr id="24578" name="Picture 1" descr="apple_ipad_logo.png"/>
-          <p:cNvPicPr>
-            <a:picLocks noChangeAspect="1"/>
-          </p:cNvPicPr>
-          <p:nvPr/>
-        </p:nvPicPr>
-        <p:blipFill>
-          <a:blip r:embed="rId2">
-            <a:extLst>
-              <a:ext uri="{28A0092B-C50C-407E-A947-70E740481C1C}">
-                <a14:useLocalDpi xmlns:a14="http://schemas.microsoft.com/office/drawing/2010/main" val="0"/>
-              </a:ext>
-            </a:extLst>
-          </a:blip>
-          <a:srcRect/>
-          <a:stretch>
-            <a:fillRect/>
-          </a:stretch>
-        </p:blipFill>
-        <p:spPr bwMode="auto">
-          <a:xfrm>
-            <a:off x="2700338" y="1341438"/>
-            <a:ext cx="3695700" cy="4322762"/>
-          </a:xfrm>
-          <a:prstGeom prst="rect">
-            <a:avLst/>
-          </a:prstGeom>
-          <a:noFill/>
-          <a:ln>
-            <a:noFill/>
-          </a:ln>
-          <a:extLst>
-            <a:ext uri="{909E8E84-426E-40dd-AFC4-6F175D3DCCD1}">
-              <a14:hiddenFill xmlns:a14="http://schemas.microsoft.com/office/drawing/2010/main">
-                <a:solidFill>
-                  <a:srgbClr val="FFFFFF"/>
-                </a:solidFill>
-              </a14:hiddenFill>
-            </a:ext>
-            <a:ext uri="{91240B29-F687-4f45-9708-019B960494DF}">
-              <a14:hiddenLine xmlns:a14="http://schemas.microsoft.com/office/drawing/2010/main" w="9525">
-                <a:solidFill>
-                  <a:srgbClr val="000000"/>
-                </a:solidFill>
-                <a:miter lim="800000"/>
-                <a:headEnd/>
-                <a:tailEnd/>
-              </a14:hiddenLine>
-            </a:ext>
-          </a:extLst>
-        </p:spPr>
-      </p:pic>
     </p:spTree>
     <p:extLst>
       <p:ext uri="{BB962C8B-B14F-4D97-AF65-F5344CB8AC3E}">
@@ -6725,321 +6690,6 @@
           <a:chExt cx="0" cy="0"/>
         </a:xfrm>
       </p:grpSpPr>
-      <p:pic>
-        <p:nvPicPr>
-          <p:cNvPr id="25601" name="Picture 13" descr="Terminal 5.png"/>
-          <p:cNvPicPr>
-            <a:picLocks noChangeAspect="1"/>
-          </p:cNvPicPr>
-          <p:nvPr/>
-        </p:nvPicPr>
-        <p:blipFill>
-          <a:blip r:embed="rId2">
-            <a:extLst>
-              <a:ext uri="{28A0092B-C50C-407E-A947-70E740481C1C}">
-                <a14:useLocalDpi xmlns:a14="http://schemas.microsoft.com/office/drawing/2010/main" val="0"/>
-              </a:ext>
-            </a:extLst>
-          </a:blip>
-          <a:srcRect/>
-          <a:stretch>
-            <a:fillRect/>
-          </a:stretch>
-        </p:blipFill>
-        <p:spPr bwMode="auto">
-          <a:xfrm>
-            <a:off x="5292725" y="765175"/>
-            <a:ext cx="3276600" cy="1092200"/>
-          </a:xfrm>
-          <a:prstGeom prst="rect">
-            <a:avLst/>
-          </a:prstGeom>
-          <a:noFill/>
-          <a:ln>
-            <a:noFill/>
-          </a:ln>
-          <a:extLst>
-            <a:ext uri="{909E8E84-426E-40dd-AFC4-6F175D3DCCD1}">
-              <a14:hiddenFill xmlns:a14="http://schemas.microsoft.com/office/drawing/2010/main">
-                <a:solidFill>
-                  <a:srgbClr val="FFFFFF"/>
-                </a:solidFill>
-              </a14:hiddenFill>
-            </a:ext>
-            <a:ext uri="{91240B29-F687-4f45-9708-019B960494DF}">
-              <a14:hiddenLine xmlns:a14="http://schemas.microsoft.com/office/drawing/2010/main" w="9525">
-                <a:solidFill>
-                  <a:srgbClr val="000000"/>
-                </a:solidFill>
-                <a:miter lim="800000"/>
-                <a:headEnd/>
-                <a:tailEnd/>
-              </a14:hiddenLine>
-            </a:ext>
-          </a:extLst>
-        </p:spPr>
-      </p:pic>
-      <p:pic>
-        <p:nvPicPr>
-          <p:cNvPr id="25602" name="Picture 3" descr="Terminal 3.png"/>
-          <p:cNvPicPr>
-            <a:picLocks noChangeAspect="1"/>
-          </p:cNvPicPr>
-          <p:nvPr/>
-        </p:nvPicPr>
-        <p:blipFill>
-          <a:blip r:embed="rId3">
-            <a:extLst>
-              <a:ext uri="{28A0092B-C50C-407E-A947-70E740481C1C}">
-                <a14:useLocalDpi xmlns:a14="http://schemas.microsoft.com/office/drawing/2010/main" val="0"/>
-              </a:ext>
-            </a:extLst>
-          </a:blip>
-          <a:srcRect/>
-          <a:stretch>
-            <a:fillRect/>
-          </a:stretch>
-        </p:blipFill>
-        <p:spPr bwMode="auto">
-          <a:xfrm>
-            <a:off x="107950" y="836613"/>
-            <a:ext cx="4457700" cy="5300662"/>
-          </a:xfrm>
-          <a:prstGeom prst="rect">
-            <a:avLst/>
-          </a:prstGeom>
-          <a:noFill/>
-          <a:ln>
-            <a:noFill/>
-          </a:ln>
-          <a:extLst>
-            <a:ext uri="{909E8E84-426E-40dd-AFC4-6F175D3DCCD1}">
-              <a14:hiddenFill xmlns:a14="http://schemas.microsoft.com/office/drawing/2010/main">
-                <a:solidFill>
-                  <a:srgbClr val="FFFFFF"/>
-                </a:solidFill>
-              </a14:hiddenFill>
-            </a:ext>
-            <a:ext uri="{91240B29-F687-4f45-9708-019B960494DF}">
-              <a14:hiddenLine xmlns:a14="http://schemas.microsoft.com/office/drawing/2010/main" w="9525">
-                <a:solidFill>
-                  <a:srgbClr val="000000"/>
-                </a:solidFill>
-                <a:miter lim="800000"/>
-                <a:headEnd/>
-                <a:tailEnd/>
-              </a14:hiddenLine>
-            </a:ext>
-          </a:extLst>
-        </p:spPr>
-      </p:pic>
-      <p:sp>
-        <p:nvSpPr>
-          <p:cNvPr id="11" name="Donut 10"/>
-          <p:cNvSpPr/>
-          <p:nvPr/>
-        </p:nvSpPr>
-        <p:spPr>
-          <a:xfrm>
-            <a:off x="1042988" y="4725988"/>
-            <a:ext cx="1223962" cy="935037"/>
-          </a:xfrm>
-          <a:prstGeom prst="donut">
-            <a:avLst>
-              <a:gd name="adj" fmla="val 8941"/>
-            </a:avLst>
-          </a:prstGeom>
-          <a:solidFill>
-            <a:srgbClr val="800000"/>
-          </a:solidFill>
-        </p:spPr>
-        <p:style>
-          <a:lnRef idx="1">
-            <a:schemeClr val="accent1"/>
-          </a:lnRef>
-          <a:fillRef idx="3">
-            <a:schemeClr val="accent1"/>
-          </a:fillRef>
-          <a:effectRef idx="2">
-            <a:schemeClr val="accent1"/>
-          </a:effectRef>
-          <a:fontRef idx="minor">
-            <a:schemeClr val="lt1"/>
-          </a:fontRef>
-        </p:style>
-        <p:txBody>
-          <a:bodyPr anchor="ctr"/>
-          <a:lstStyle/>
-          <a:p>
-            <a:pPr algn="ctr">
-              <a:defRPr/>
-            </a:pPr>
-            <a:endParaRPr lang="en-US">
-              <a:solidFill>
-                <a:schemeClr val="tx1"/>
-              </a:solidFill>
-              <a:latin typeface="Calibri"/>
-              <a:cs typeface="Calibri"/>
-            </a:endParaRPr>
-          </a:p>
-        </p:txBody>
-      </p:sp>
-      <p:sp>
-        <p:nvSpPr>
-          <p:cNvPr id="12" name="Donut 11"/>
-          <p:cNvSpPr/>
-          <p:nvPr/>
-        </p:nvSpPr>
-        <p:spPr>
-          <a:xfrm>
-            <a:off x="1044575" y="1844675"/>
-            <a:ext cx="1223963" cy="935038"/>
-          </a:xfrm>
-          <a:prstGeom prst="donut">
-            <a:avLst>
-              <a:gd name="adj" fmla="val 8941"/>
-            </a:avLst>
-          </a:prstGeom>
-          <a:solidFill>
-            <a:srgbClr val="800000"/>
-          </a:solidFill>
-        </p:spPr>
-        <p:style>
-          <a:lnRef idx="1">
-            <a:schemeClr val="accent1"/>
-          </a:lnRef>
-          <a:fillRef idx="3">
-            <a:schemeClr val="accent1"/>
-          </a:fillRef>
-          <a:effectRef idx="2">
-            <a:schemeClr val="accent1"/>
-          </a:effectRef>
-          <a:fontRef idx="minor">
-            <a:schemeClr val="lt1"/>
-          </a:fontRef>
-        </p:style>
-        <p:txBody>
-          <a:bodyPr anchor="ctr"/>
-          <a:lstStyle/>
-          <a:p>
-            <a:pPr algn="ctr">
-              <a:defRPr/>
-            </a:pPr>
-            <a:endParaRPr lang="en-US">
-              <a:solidFill>
-                <a:schemeClr val="tx1"/>
-              </a:solidFill>
-              <a:latin typeface="Calibri"/>
-              <a:cs typeface="Calibri"/>
-            </a:endParaRPr>
-          </a:p>
-        </p:txBody>
-      </p:sp>
-      <p:sp>
-        <p:nvSpPr>
-          <p:cNvPr id="13" name="Donut 12"/>
-          <p:cNvSpPr/>
-          <p:nvPr/>
-        </p:nvSpPr>
-        <p:spPr>
-          <a:xfrm>
-            <a:off x="6300788" y="908050"/>
-            <a:ext cx="1223962" cy="936625"/>
-          </a:xfrm>
-          <a:prstGeom prst="donut">
-            <a:avLst>
-              <a:gd name="adj" fmla="val 8941"/>
-            </a:avLst>
-          </a:prstGeom>
-          <a:solidFill>
-            <a:srgbClr val="800000"/>
-          </a:solidFill>
-        </p:spPr>
-        <p:style>
-          <a:lnRef idx="1">
-            <a:schemeClr val="accent1"/>
-          </a:lnRef>
-          <a:fillRef idx="3">
-            <a:schemeClr val="accent1"/>
-          </a:fillRef>
-          <a:effectRef idx="2">
-            <a:schemeClr val="accent1"/>
-          </a:effectRef>
-          <a:fontRef idx="minor">
-            <a:schemeClr val="lt1"/>
-          </a:fontRef>
-        </p:style>
-        <p:txBody>
-          <a:bodyPr anchor="ctr"/>
-          <a:lstStyle/>
-          <a:p>
-            <a:pPr algn="ctr">
-              <a:defRPr/>
-            </a:pPr>
-            <a:endParaRPr lang="en-US">
-              <a:solidFill>
-                <a:schemeClr val="tx1"/>
-              </a:solidFill>
-              <a:latin typeface="Calibri"/>
-              <a:cs typeface="Calibri"/>
-            </a:endParaRPr>
-          </a:p>
-        </p:txBody>
-      </p:sp>
-      <p:pic>
-        <p:nvPicPr>
-          <p:cNvPr id="25606" name="Picture 6" descr="Terminal 4.png"/>
-          <p:cNvPicPr>
-            <a:picLocks noChangeAspect="1"/>
-          </p:cNvPicPr>
-          <p:nvPr/>
-        </p:nvPicPr>
-        <p:blipFill>
-          <a:blip r:embed="rId4">
-            <a:extLst>
-              <a:ext uri="{28A0092B-C50C-407E-A947-70E740481C1C}">
-                <a14:useLocalDpi xmlns:a14="http://schemas.microsoft.com/office/drawing/2010/main" val="0"/>
-              </a:ext>
-            </a:extLst>
-          </a:blip>
-          <a:srcRect/>
-          <a:stretch>
-            <a:fillRect/>
-          </a:stretch>
-        </p:blipFill>
-        <p:spPr bwMode="auto">
-          <a:xfrm>
-            <a:off x="4643438" y="1989138"/>
-            <a:ext cx="4440237" cy="4221162"/>
-          </a:xfrm>
-          <a:prstGeom prst="rect">
-            <a:avLst/>
-          </a:prstGeom>
-          <a:noFill/>
-          <a:ln>
-            <a:noFill/>
-          </a:ln>
-          <a:extLst>
-            <a:ext uri="{909E8E84-426E-40dd-AFC4-6F175D3DCCD1}">
-              <a14:hiddenFill xmlns:a14="http://schemas.microsoft.com/office/drawing/2010/main">
-                <a:solidFill>
-                  <a:srgbClr val="FFFFFF"/>
-                </a:solidFill>
-              </a14:hiddenFill>
-            </a:ext>
-            <a:ext uri="{91240B29-F687-4f45-9708-019B960494DF}">
-              <a14:hiddenLine xmlns:a14="http://schemas.microsoft.com/office/drawing/2010/main" w="9525">
-                <a:solidFill>
-                  <a:srgbClr val="000000"/>
-                </a:solidFill>
-                <a:miter lim="800000"/>
-                <a:headEnd/>
-                <a:tailEnd/>
-              </a14:hiddenLine>
-            </a:ext>
-          </a:extLst>
-        </p:spPr>
-      </p:pic>
       <p:sp>
         <p:nvSpPr>
           <p:cNvPr id="25607" name="Title 1"/>
@@ -7061,10 +6711,1183 @@
           <a:lstStyle/>
           <a:p>
             <a:r>
-              <a:rPr lang="en-US" sz="3200">
+              <a:rPr lang="en-US" sz="3200" dirty="0">
                 <a:ea typeface="ＭＳ Ｐゴシック" charset="0"/>
               </a:rPr>
               <a:t>Opening a ‘terminal session’</a:t>
+            </a:r>
+          </a:p>
+        </p:txBody>
+      </p:sp>
+      <p:pic>
+        <p:nvPicPr>
+          <p:cNvPr id="9" name="Picture 1"/>
+          <p:cNvPicPr>
+            <a:picLocks noChangeAspect="1" noChangeArrowheads="1"/>
+          </p:cNvPicPr>
+          <p:nvPr/>
+        </p:nvPicPr>
+        <p:blipFill>
+          <a:blip r:embed="rId2">
+            <a:extLst>
+              <a:ext uri="{28A0092B-C50C-407E-A947-70E740481C1C}">
+                <a14:useLocalDpi xmlns:a14="http://schemas.microsoft.com/office/drawing/2010/main" val="0"/>
+              </a:ext>
+            </a:extLst>
+          </a:blip>
+          <a:srcRect/>
+          <a:stretch>
+            <a:fillRect/>
+          </a:stretch>
+        </p:blipFill>
+        <p:spPr bwMode="auto">
+          <a:xfrm>
+            <a:off x="485775" y="1189038"/>
+            <a:ext cx="2160588" cy="4710112"/>
+          </a:xfrm>
+          <a:prstGeom prst="rect">
+            <a:avLst/>
+          </a:prstGeom>
+          <a:noFill/>
+          <a:ln>
+            <a:noFill/>
+          </a:ln>
+          <a:effectLst>
+            <a:outerShdw blurRad="63500" dist="139498" dir="2700000" algn="ctr" rotWithShape="0">
+              <a:srgbClr val="333333">
+                <a:alpha val="65019"/>
+              </a:srgbClr>
+            </a:outerShdw>
+          </a:effectLst>
+          <a:extLst>
+            <a:ext uri="{909E8E84-426E-40dd-AFC4-6F175D3DCCD1}">
+              <a14:hiddenFill xmlns:a14="http://schemas.microsoft.com/office/drawing/2010/main">
+                <a:blipFill dpi="0" rotWithShape="0">
+                  <a:blip/>
+                  <a:srcRect/>
+                  <a:stretch>
+                    <a:fillRect/>
+                  </a:stretch>
+                </a:blipFill>
+              </a14:hiddenFill>
+            </a:ext>
+            <a:ext uri="{91240B29-F687-4f45-9708-019B960494DF}">
+              <a14:hiddenLine xmlns:a14="http://schemas.microsoft.com/office/drawing/2010/main" w="9525" cap="flat">
+                <a:solidFill>
+                  <a:srgbClr val="808080"/>
+                </a:solidFill>
+                <a:round/>
+                <a:headEnd/>
+                <a:tailEnd/>
+              </a14:hiddenLine>
+            </a:ext>
+          </a:extLst>
+        </p:spPr>
+      </p:pic>
+      <p:sp>
+        <p:nvSpPr>
+          <p:cNvPr id="10" name="Oval 2"/>
+          <p:cNvSpPr>
+            <a:spLocks noChangeArrowheads="1"/>
+          </p:cNvSpPr>
+          <p:nvPr/>
+        </p:nvSpPr>
+        <p:spPr bwMode="auto">
+          <a:xfrm>
+            <a:off x="1035050" y="2697163"/>
+            <a:ext cx="1279525" cy="731837"/>
+          </a:xfrm>
+          <a:prstGeom prst="ellipse">
+            <a:avLst/>
+          </a:prstGeom>
+          <a:noFill/>
+          <a:ln w="57240" cap="flat">
+            <a:solidFill>
+              <a:srgbClr val="FF0000"/>
+            </a:solidFill>
+            <a:round/>
+            <a:headEnd/>
+            <a:tailEnd/>
+          </a:ln>
+          <a:effectLst/>
+          <a:extLst>
+            <a:ext uri="{909E8E84-426E-40dd-AFC4-6F175D3DCCD1}">
+              <a14:hiddenFill xmlns:a14="http://schemas.microsoft.com/office/drawing/2010/main">
+                <a:solidFill>
+                  <a:srgbClr val="FFFFFF"/>
+                </a:solidFill>
+              </a14:hiddenFill>
+            </a:ext>
+            <a:ext uri="{AF507438-7753-43e0-B8FC-AC1667EBCBE1}">
+              <a14:hiddenEffects xmlns:a14="http://schemas.microsoft.com/office/drawing/2010/main">
+                <a:effectLst>
+                  <a:outerShdw blurRad="63500" dist="38099" dir="2700000" algn="ctr" rotWithShape="0">
+                    <a:srgbClr val="000000">
+                      <a:alpha val="74998"/>
+                    </a:srgbClr>
+                  </a:outerShdw>
+                </a:effectLst>
+              </a14:hiddenEffects>
+            </a:ext>
+          </a:extLst>
+        </p:spPr>
+        <p:txBody>
+          <a:bodyPr wrap="none" anchor="ctr"/>
+          <a:lstStyle/>
+          <a:p>
+            <a:endParaRPr lang="en-US"/>
+          </a:p>
+        </p:txBody>
+      </p:sp>
+      <p:sp>
+        <p:nvSpPr>
+          <p:cNvPr id="14" name="Oval 3"/>
+          <p:cNvSpPr>
+            <a:spLocks noChangeArrowheads="1"/>
+          </p:cNvSpPr>
+          <p:nvPr/>
+        </p:nvSpPr>
+        <p:spPr bwMode="auto">
+          <a:xfrm>
+            <a:off x="1096963" y="4846638"/>
+            <a:ext cx="1279525" cy="731837"/>
+          </a:xfrm>
+          <a:prstGeom prst="ellipse">
+            <a:avLst/>
+          </a:prstGeom>
+          <a:noFill/>
+          <a:ln w="57240" cap="flat">
+            <a:solidFill>
+              <a:srgbClr val="FF0000"/>
+            </a:solidFill>
+            <a:round/>
+            <a:headEnd/>
+            <a:tailEnd/>
+          </a:ln>
+          <a:effectLst/>
+          <a:extLst>
+            <a:ext uri="{909E8E84-426E-40dd-AFC4-6F175D3DCCD1}">
+              <a14:hiddenFill xmlns:a14="http://schemas.microsoft.com/office/drawing/2010/main">
+                <a:solidFill>
+                  <a:srgbClr val="FFFFFF"/>
+                </a:solidFill>
+              </a14:hiddenFill>
+            </a:ext>
+            <a:ext uri="{AF507438-7753-43e0-B8FC-AC1667EBCBE1}">
+              <a14:hiddenEffects xmlns:a14="http://schemas.microsoft.com/office/drawing/2010/main">
+                <a:effectLst>
+                  <a:outerShdw blurRad="63500" dist="38099" dir="2700000" algn="ctr" rotWithShape="0">
+                    <a:srgbClr val="000000">
+                      <a:alpha val="74998"/>
+                    </a:srgbClr>
+                  </a:outerShdw>
+                </a:effectLst>
+              </a14:hiddenEffects>
+            </a:ext>
+          </a:extLst>
+        </p:spPr>
+        <p:txBody>
+          <a:bodyPr wrap="none" anchor="ctr"/>
+          <a:lstStyle/>
+          <a:p>
+            <a:endParaRPr lang="en-US"/>
+          </a:p>
+        </p:txBody>
+      </p:sp>
+      <p:sp>
+        <p:nvSpPr>
+          <p:cNvPr id="15" name="Line 4"/>
+          <p:cNvSpPr>
+            <a:spLocks noChangeShapeType="1"/>
+          </p:cNvSpPr>
+          <p:nvPr/>
+        </p:nvSpPr>
+        <p:spPr bwMode="auto">
+          <a:xfrm>
+            <a:off x="4448175" y="660400"/>
+            <a:ext cx="1588" cy="5211763"/>
+          </a:xfrm>
+          <a:prstGeom prst="line">
+            <a:avLst/>
+          </a:prstGeom>
+          <a:noFill/>
+          <a:ln w="76320" cap="flat">
+            <a:solidFill>
+              <a:srgbClr val="000000"/>
+            </a:solidFill>
+            <a:round/>
+            <a:headEnd/>
+            <a:tailEnd/>
+          </a:ln>
+          <a:effectLst/>
+          <a:extLst>
+            <a:ext uri="{909E8E84-426E-40dd-AFC4-6F175D3DCCD1}">
+              <a14:hiddenFill xmlns:a14="http://schemas.microsoft.com/office/drawing/2010/main">
+                <a:noFill/>
+              </a14:hiddenFill>
+            </a:ext>
+            <a:ext uri="{AF507438-7753-43e0-B8FC-AC1667EBCBE1}">
+              <a14:hiddenEffects xmlns:a14="http://schemas.microsoft.com/office/drawing/2010/main">
+                <a:effectLst>
+                  <a:outerShdw blurRad="63500" dist="38099" dir="2700000" algn="ctr" rotWithShape="0">
+                    <a:srgbClr val="000000">
+                      <a:alpha val="74998"/>
+                    </a:srgbClr>
+                  </a:outerShdw>
+                </a:effectLst>
+              </a14:hiddenEffects>
+            </a:ext>
+          </a:extLst>
+        </p:spPr>
+        <p:txBody>
+          <a:bodyPr/>
+          <a:lstStyle/>
+          <a:p>
+            <a:endParaRPr lang="en-US"/>
+          </a:p>
+        </p:txBody>
+      </p:sp>
+      <p:pic>
+        <p:nvPicPr>
+          <p:cNvPr id="16" name="Picture 7"/>
+          <p:cNvPicPr>
+            <a:picLocks noChangeAspect="1" noChangeArrowheads="1"/>
+          </p:cNvPicPr>
+          <p:nvPr/>
+        </p:nvPicPr>
+        <p:blipFill>
+          <a:blip r:embed="rId3">
+            <a:extLst>
+              <a:ext uri="{28A0092B-C50C-407E-A947-70E740481C1C}">
+                <a14:useLocalDpi xmlns:a14="http://schemas.microsoft.com/office/drawing/2010/main" val="0"/>
+              </a:ext>
+            </a:extLst>
+          </a:blip>
+          <a:srcRect/>
+          <a:stretch>
+            <a:fillRect/>
+          </a:stretch>
+        </p:blipFill>
+        <p:spPr bwMode="auto">
+          <a:xfrm>
+            <a:off x="4857750" y="1209675"/>
+            <a:ext cx="3514725" cy="4060825"/>
+          </a:xfrm>
+          <a:prstGeom prst="rect">
+            <a:avLst/>
+          </a:prstGeom>
+          <a:noFill/>
+          <a:ln>
+            <a:noFill/>
+          </a:ln>
+          <a:effectLst/>
+          <a:extLst>
+            <a:ext uri="{909E8E84-426E-40dd-AFC4-6F175D3DCCD1}">
+              <a14:hiddenFill xmlns:a14="http://schemas.microsoft.com/office/drawing/2010/main">
+                <a:blipFill dpi="0" rotWithShape="0">
+                  <a:blip/>
+                  <a:srcRect/>
+                  <a:stretch>
+                    <a:fillRect/>
+                  </a:stretch>
+                </a:blipFill>
+              </a14:hiddenFill>
+            </a:ext>
+            <a:ext uri="{91240B29-F687-4f45-9708-019B960494DF}">
+              <a14:hiddenLine xmlns:a14="http://schemas.microsoft.com/office/drawing/2010/main" w="9525" cap="flat">
+                <a:solidFill>
+                  <a:srgbClr val="808080"/>
+                </a:solidFill>
+                <a:round/>
+                <a:headEnd/>
+                <a:tailEnd/>
+              </a14:hiddenLine>
+            </a:ext>
+            <a:ext uri="{AF507438-7753-43e0-B8FC-AC1667EBCBE1}">
+              <a14:hiddenEffects xmlns:a14="http://schemas.microsoft.com/office/drawing/2010/main">
+                <a:effectLst>
+                  <a:outerShdw blurRad="63500" dist="38099" dir="2700000" algn="ctr" rotWithShape="0">
+                    <a:srgbClr val="000000">
+                      <a:alpha val="74998"/>
+                    </a:srgbClr>
+                  </a:outerShdw>
+                </a:effectLst>
+              </a14:hiddenEffects>
+            </a:ext>
+          </a:extLst>
+        </p:spPr>
+      </p:pic>
+      <p:sp>
+        <p:nvSpPr>
+          <p:cNvPr id="17" name="Oval 8"/>
+          <p:cNvSpPr>
+            <a:spLocks noChangeArrowheads="1"/>
+          </p:cNvSpPr>
+          <p:nvPr/>
+        </p:nvSpPr>
+        <p:spPr bwMode="auto">
+          <a:xfrm>
+            <a:off x="4572000" y="1096963"/>
+            <a:ext cx="1279525" cy="731837"/>
+          </a:xfrm>
+          <a:prstGeom prst="ellipse">
+            <a:avLst/>
+          </a:prstGeom>
+          <a:noFill/>
+          <a:ln w="57240" cap="flat">
+            <a:solidFill>
+              <a:srgbClr val="FF0000"/>
+            </a:solidFill>
+            <a:round/>
+            <a:headEnd/>
+            <a:tailEnd/>
+          </a:ln>
+          <a:effectLst/>
+          <a:extLst>
+            <a:ext uri="{909E8E84-426E-40dd-AFC4-6F175D3DCCD1}">
+              <a14:hiddenFill xmlns:a14="http://schemas.microsoft.com/office/drawing/2010/main">
+                <a:solidFill>
+                  <a:srgbClr val="FFFFFF"/>
+                </a:solidFill>
+              </a14:hiddenFill>
+            </a:ext>
+            <a:ext uri="{AF507438-7753-43e0-B8FC-AC1667EBCBE1}">
+              <a14:hiddenEffects xmlns:a14="http://schemas.microsoft.com/office/drawing/2010/main">
+                <a:effectLst>
+                  <a:outerShdw blurRad="63500" dist="38099" dir="2700000" algn="ctr" rotWithShape="0">
+                    <a:srgbClr val="000000">
+                      <a:alpha val="74998"/>
+                    </a:srgbClr>
+                  </a:outerShdw>
+                </a:effectLst>
+              </a14:hiddenEffects>
+            </a:ext>
+          </a:extLst>
+        </p:spPr>
+        <p:txBody>
+          <a:bodyPr wrap="none" anchor="ctr"/>
+          <a:lstStyle/>
+          <a:p>
+            <a:endParaRPr lang="en-US"/>
+          </a:p>
+        </p:txBody>
+      </p:sp>
+      <p:sp>
+        <p:nvSpPr>
+          <p:cNvPr id="18" name="Text Box 5"/>
+          <p:cNvSpPr txBox="1">
+            <a:spLocks noChangeArrowheads="1"/>
+          </p:cNvSpPr>
+          <p:nvPr/>
+        </p:nvSpPr>
+        <p:spPr bwMode="auto">
+          <a:xfrm>
+            <a:off x="1259632" y="739552"/>
+            <a:ext cx="755650" cy="455613"/>
+          </a:xfrm>
+          <a:prstGeom prst="rect">
+            <a:avLst/>
+          </a:prstGeom>
+          <a:noFill/>
+          <a:ln>
+            <a:noFill/>
+          </a:ln>
+          <a:effectLst/>
+          <a:extLst>
+            <a:ext uri="{909E8E84-426E-40dd-AFC4-6F175D3DCCD1}">
+              <a14:hiddenFill xmlns:a14="http://schemas.microsoft.com/office/drawing/2010/main">
+                <a:solidFill>
+                  <a:srgbClr val="FFFFFF"/>
+                </a:solidFill>
+              </a14:hiddenFill>
+            </a:ext>
+            <a:ext uri="{91240B29-F687-4f45-9708-019B960494DF}">
+              <a14:hiddenLine xmlns:a14="http://schemas.microsoft.com/office/drawing/2010/main" w="9525" cap="flat">
+                <a:solidFill>
+                  <a:srgbClr val="808080"/>
+                </a:solidFill>
+                <a:round/>
+                <a:headEnd/>
+                <a:tailEnd/>
+              </a14:hiddenLine>
+            </a:ext>
+            <a:ext uri="{AF507438-7753-43e0-B8FC-AC1667EBCBE1}">
+              <a14:hiddenEffects xmlns:a14="http://schemas.microsoft.com/office/drawing/2010/main">
+                <a:effectLst>
+                  <a:outerShdw blurRad="63500" dist="38099" dir="2700000" algn="ctr" rotWithShape="0">
+                    <a:srgbClr val="000000">
+                      <a:alpha val="74998"/>
+                    </a:srgbClr>
+                  </a:outerShdw>
+                </a:effectLst>
+              </a14:hiddenEffects>
+            </a:ext>
+          </a:extLst>
+        </p:spPr>
+        <p:txBody>
+          <a:bodyPr wrap="none" lIns="90000" tIns="45000" rIns="90000" bIns="45000"/>
+          <a:lstStyle>
+            <a:lvl1pPr>
+              <a:tabLst>
+                <a:tab pos="0" algn="l"/>
+                <a:tab pos="447675" algn="l"/>
+                <a:tab pos="896938" algn="l"/>
+                <a:tab pos="1346200" algn="l"/>
+                <a:tab pos="1795463" algn="l"/>
+                <a:tab pos="2244725" algn="l"/>
+                <a:tab pos="2693988" algn="l"/>
+                <a:tab pos="3143250" algn="l"/>
+                <a:tab pos="3592513" algn="l"/>
+                <a:tab pos="4041775" algn="l"/>
+                <a:tab pos="4491038" algn="l"/>
+                <a:tab pos="4940300" algn="l"/>
+                <a:tab pos="5389563" algn="l"/>
+                <a:tab pos="5838825" algn="l"/>
+                <a:tab pos="6288088" algn="l"/>
+                <a:tab pos="6737350" algn="l"/>
+                <a:tab pos="7186613" algn="l"/>
+                <a:tab pos="7635875" algn="l"/>
+                <a:tab pos="8085138" algn="l"/>
+                <a:tab pos="8534400" algn="l"/>
+                <a:tab pos="8983663" algn="l"/>
+              </a:tabLst>
+              <a:defRPr sz="2400">
+                <a:solidFill>
+                  <a:srgbClr val="000000"/>
+                </a:solidFill>
+                <a:latin typeface="Arial" charset="0"/>
+                <a:ea typeface="ＭＳ Ｐゴシック" charset="0"/>
+                <a:cs typeface="ＭＳ Ｐゴシック" charset="0"/>
+              </a:defRPr>
+            </a:lvl1pPr>
+            <a:lvl2pPr>
+              <a:tabLst>
+                <a:tab pos="0" algn="l"/>
+                <a:tab pos="447675" algn="l"/>
+                <a:tab pos="896938" algn="l"/>
+                <a:tab pos="1346200" algn="l"/>
+                <a:tab pos="1795463" algn="l"/>
+                <a:tab pos="2244725" algn="l"/>
+                <a:tab pos="2693988" algn="l"/>
+                <a:tab pos="3143250" algn="l"/>
+                <a:tab pos="3592513" algn="l"/>
+                <a:tab pos="4041775" algn="l"/>
+                <a:tab pos="4491038" algn="l"/>
+                <a:tab pos="4940300" algn="l"/>
+                <a:tab pos="5389563" algn="l"/>
+                <a:tab pos="5838825" algn="l"/>
+                <a:tab pos="6288088" algn="l"/>
+                <a:tab pos="6737350" algn="l"/>
+                <a:tab pos="7186613" algn="l"/>
+                <a:tab pos="7635875" algn="l"/>
+                <a:tab pos="8085138" algn="l"/>
+                <a:tab pos="8534400" algn="l"/>
+                <a:tab pos="8983663" algn="l"/>
+              </a:tabLst>
+              <a:defRPr sz="2400">
+                <a:solidFill>
+                  <a:srgbClr val="000000"/>
+                </a:solidFill>
+                <a:latin typeface="Arial" charset="0"/>
+                <a:ea typeface="ＭＳ Ｐゴシック" charset="0"/>
+                <a:cs typeface="ＭＳ Ｐゴシック" charset="0"/>
+              </a:defRPr>
+            </a:lvl2pPr>
+            <a:lvl3pPr>
+              <a:tabLst>
+                <a:tab pos="0" algn="l"/>
+                <a:tab pos="447675" algn="l"/>
+                <a:tab pos="896938" algn="l"/>
+                <a:tab pos="1346200" algn="l"/>
+                <a:tab pos="1795463" algn="l"/>
+                <a:tab pos="2244725" algn="l"/>
+                <a:tab pos="2693988" algn="l"/>
+                <a:tab pos="3143250" algn="l"/>
+                <a:tab pos="3592513" algn="l"/>
+                <a:tab pos="4041775" algn="l"/>
+                <a:tab pos="4491038" algn="l"/>
+                <a:tab pos="4940300" algn="l"/>
+                <a:tab pos="5389563" algn="l"/>
+                <a:tab pos="5838825" algn="l"/>
+                <a:tab pos="6288088" algn="l"/>
+                <a:tab pos="6737350" algn="l"/>
+                <a:tab pos="7186613" algn="l"/>
+                <a:tab pos="7635875" algn="l"/>
+                <a:tab pos="8085138" algn="l"/>
+                <a:tab pos="8534400" algn="l"/>
+                <a:tab pos="8983663" algn="l"/>
+              </a:tabLst>
+              <a:defRPr sz="2400">
+                <a:solidFill>
+                  <a:srgbClr val="000000"/>
+                </a:solidFill>
+                <a:latin typeface="Arial" charset="0"/>
+                <a:ea typeface="ＭＳ Ｐゴシック" charset="0"/>
+                <a:cs typeface="ＭＳ Ｐゴシック" charset="0"/>
+              </a:defRPr>
+            </a:lvl3pPr>
+            <a:lvl4pPr>
+              <a:tabLst>
+                <a:tab pos="0" algn="l"/>
+                <a:tab pos="447675" algn="l"/>
+                <a:tab pos="896938" algn="l"/>
+                <a:tab pos="1346200" algn="l"/>
+                <a:tab pos="1795463" algn="l"/>
+                <a:tab pos="2244725" algn="l"/>
+                <a:tab pos="2693988" algn="l"/>
+                <a:tab pos="3143250" algn="l"/>
+                <a:tab pos="3592513" algn="l"/>
+                <a:tab pos="4041775" algn="l"/>
+                <a:tab pos="4491038" algn="l"/>
+                <a:tab pos="4940300" algn="l"/>
+                <a:tab pos="5389563" algn="l"/>
+                <a:tab pos="5838825" algn="l"/>
+                <a:tab pos="6288088" algn="l"/>
+                <a:tab pos="6737350" algn="l"/>
+                <a:tab pos="7186613" algn="l"/>
+                <a:tab pos="7635875" algn="l"/>
+                <a:tab pos="8085138" algn="l"/>
+                <a:tab pos="8534400" algn="l"/>
+                <a:tab pos="8983663" algn="l"/>
+              </a:tabLst>
+              <a:defRPr sz="2400">
+                <a:solidFill>
+                  <a:srgbClr val="000000"/>
+                </a:solidFill>
+                <a:latin typeface="Arial" charset="0"/>
+                <a:ea typeface="ＭＳ Ｐゴシック" charset="0"/>
+                <a:cs typeface="ＭＳ Ｐゴシック" charset="0"/>
+              </a:defRPr>
+            </a:lvl4pPr>
+            <a:lvl5pPr>
+              <a:tabLst>
+                <a:tab pos="0" algn="l"/>
+                <a:tab pos="447675" algn="l"/>
+                <a:tab pos="896938" algn="l"/>
+                <a:tab pos="1346200" algn="l"/>
+                <a:tab pos="1795463" algn="l"/>
+                <a:tab pos="2244725" algn="l"/>
+                <a:tab pos="2693988" algn="l"/>
+                <a:tab pos="3143250" algn="l"/>
+                <a:tab pos="3592513" algn="l"/>
+                <a:tab pos="4041775" algn="l"/>
+                <a:tab pos="4491038" algn="l"/>
+                <a:tab pos="4940300" algn="l"/>
+                <a:tab pos="5389563" algn="l"/>
+                <a:tab pos="5838825" algn="l"/>
+                <a:tab pos="6288088" algn="l"/>
+                <a:tab pos="6737350" algn="l"/>
+                <a:tab pos="7186613" algn="l"/>
+                <a:tab pos="7635875" algn="l"/>
+                <a:tab pos="8085138" algn="l"/>
+                <a:tab pos="8534400" algn="l"/>
+                <a:tab pos="8983663" algn="l"/>
+              </a:tabLst>
+              <a:defRPr sz="2400">
+                <a:solidFill>
+                  <a:srgbClr val="000000"/>
+                </a:solidFill>
+                <a:latin typeface="Arial" charset="0"/>
+                <a:ea typeface="ＭＳ Ｐゴシック" charset="0"/>
+                <a:cs typeface="ＭＳ Ｐゴシック" charset="0"/>
+              </a:defRPr>
+            </a:lvl5pPr>
+            <a:lvl6pPr marL="2514600" indent="-228600" defTabSz="449263" fontAlgn="base">
+              <a:spcBef>
+                <a:spcPct val="0"/>
+              </a:spcBef>
+              <a:spcAft>
+                <a:spcPct val="0"/>
+              </a:spcAft>
+              <a:buClr>
+                <a:srgbClr val="000000"/>
+              </a:buClr>
+              <a:buSzPct val="100000"/>
+              <a:buFont typeface="Times New Roman" charset="0"/>
+              <a:tabLst>
+                <a:tab pos="0" algn="l"/>
+                <a:tab pos="447675" algn="l"/>
+                <a:tab pos="896938" algn="l"/>
+                <a:tab pos="1346200" algn="l"/>
+                <a:tab pos="1795463" algn="l"/>
+                <a:tab pos="2244725" algn="l"/>
+                <a:tab pos="2693988" algn="l"/>
+                <a:tab pos="3143250" algn="l"/>
+                <a:tab pos="3592513" algn="l"/>
+                <a:tab pos="4041775" algn="l"/>
+                <a:tab pos="4491038" algn="l"/>
+                <a:tab pos="4940300" algn="l"/>
+                <a:tab pos="5389563" algn="l"/>
+                <a:tab pos="5838825" algn="l"/>
+                <a:tab pos="6288088" algn="l"/>
+                <a:tab pos="6737350" algn="l"/>
+                <a:tab pos="7186613" algn="l"/>
+                <a:tab pos="7635875" algn="l"/>
+                <a:tab pos="8085138" algn="l"/>
+                <a:tab pos="8534400" algn="l"/>
+                <a:tab pos="8983663" algn="l"/>
+              </a:tabLst>
+              <a:defRPr sz="2400">
+                <a:solidFill>
+                  <a:srgbClr val="000000"/>
+                </a:solidFill>
+                <a:latin typeface="Arial" charset="0"/>
+                <a:ea typeface="ＭＳ Ｐゴシック" charset="0"/>
+                <a:cs typeface="ＭＳ Ｐゴシック" charset="0"/>
+              </a:defRPr>
+            </a:lvl6pPr>
+            <a:lvl7pPr marL="2971800" indent="-228600" defTabSz="449263" fontAlgn="base">
+              <a:spcBef>
+                <a:spcPct val="0"/>
+              </a:spcBef>
+              <a:spcAft>
+                <a:spcPct val="0"/>
+              </a:spcAft>
+              <a:buClr>
+                <a:srgbClr val="000000"/>
+              </a:buClr>
+              <a:buSzPct val="100000"/>
+              <a:buFont typeface="Times New Roman" charset="0"/>
+              <a:tabLst>
+                <a:tab pos="0" algn="l"/>
+                <a:tab pos="447675" algn="l"/>
+                <a:tab pos="896938" algn="l"/>
+                <a:tab pos="1346200" algn="l"/>
+                <a:tab pos="1795463" algn="l"/>
+                <a:tab pos="2244725" algn="l"/>
+                <a:tab pos="2693988" algn="l"/>
+                <a:tab pos="3143250" algn="l"/>
+                <a:tab pos="3592513" algn="l"/>
+                <a:tab pos="4041775" algn="l"/>
+                <a:tab pos="4491038" algn="l"/>
+                <a:tab pos="4940300" algn="l"/>
+                <a:tab pos="5389563" algn="l"/>
+                <a:tab pos="5838825" algn="l"/>
+                <a:tab pos="6288088" algn="l"/>
+                <a:tab pos="6737350" algn="l"/>
+                <a:tab pos="7186613" algn="l"/>
+                <a:tab pos="7635875" algn="l"/>
+                <a:tab pos="8085138" algn="l"/>
+                <a:tab pos="8534400" algn="l"/>
+                <a:tab pos="8983663" algn="l"/>
+              </a:tabLst>
+              <a:defRPr sz="2400">
+                <a:solidFill>
+                  <a:srgbClr val="000000"/>
+                </a:solidFill>
+                <a:latin typeface="Arial" charset="0"/>
+                <a:ea typeface="ＭＳ Ｐゴシック" charset="0"/>
+                <a:cs typeface="ＭＳ Ｐゴシック" charset="0"/>
+              </a:defRPr>
+            </a:lvl7pPr>
+            <a:lvl8pPr marL="3429000" indent="-228600" defTabSz="449263" fontAlgn="base">
+              <a:spcBef>
+                <a:spcPct val="0"/>
+              </a:spcBef>
+              <a:spcAft>
+                <a:spcPct val="0"/>
+              </a:spcAft>
+              <a:buClr>
+                <a:srgbClr val="000000"/>
+              </a:buClr>
+              <a:buSzPct val="100000"/>
+              <a:buFont typeface="Times New Roman" charset="0"/>
+              <a:tabLst>
+                <a:tab pos="0" algn="l"/>
+                <a:tab pos="447675" algn="l"/>
+                <a:tab pos="896938" algn="l"/>
+                <a:tab pos="1346200" algn="l"/>
+                <a:tab pos="1795463" algn="l"/>
+                <a:tab pos="2244725" algn="l"/>
+                <a:tab pos="2693988" algn="l"/>
+                <a:tab pos="3143250" algn="l"/>
+                <a:tab pos="3592513" algn="l"/>
+                <a:tab pos="4041775" algn="l"/>
+                <a:tab pos="4491038" algn="l"/>
+                <a:tab pos="4940300" algn="l"/>
+                <a:tab pos="5389563" algn="l"/>
+                <a:tab pos="5838825" algn="l"/>
+                <a:tab pos="6288088" algn="l"/>
+                <a:tab pos="6737350" algn="l"/>
+                <a:tab pos="7186613" algn="l"/>
+                <a:tab pos="7635875" algn="l"/>
+                <a:tab pos="8085138" algn="l"/>
+                <a:tab pos="8534400" algn="l"/>
+                <a:tab pos="8983663" algn="l"/>
+              </a:tabLst>
+              <a:defRPr sz="2400">
+                <a:solidFill>
+                  <a:srgbClr val="000000"/>
+                </a:solidFill>
+                <a:latin typeface="Arial" charset="0"/>
+                <a:ea typeface="ＭＳ Ｐゴシック" charset="0"/>
+                <a:cs typeface="ＭＳ Ｐゴシック" charset="0"/>
+              </a:defRPr>
+            </a:lvl8pPr>
+            <a:lvl9pPr marL="3886200" indent="-228600" defTabSz="449263" fontAlgn="base">
+              <a:spcBef>
+                <a:spcPct val="0"/>
+              </a:spcBef>
+              <a:spcAft>
+                <a:spcPct val="0"/>
+              </a:spcAft>
+              <a:buClr>
+                <a:srgbClr val="000000"/>
+              </a:buClr>
+              <a:buSzPct val="100000"/>
+              <a:buFont typeface="Times New Roman" charset="0"/>
+              <a:tabLst>
+                <a:tab pos="0" algn="l"/>
+                <a:tab pos="447675" algn="l"/>
+                <a:tab pos="896938" algn="l"/>
+                <a:tab pos="1346200" algn="l"/>
+                <a:tab pos="1795463" algn="l"/>
+                <a:tab pos="2244725" algn="l"/>
+                <a:tab pos="2693988" algn="l"/>
+                <a:tab pos="3143250" algn="l"/>
+                <a:tab pos="3592513" algn="l"/>
+                <a:tab pos="4041775" algn="l"/>
+                <a:tab pos="4491038" algn="l"/>
+                <a:tab pos="4940300" algn="l"/>
+                <a:tab pos="5389563" algn="l"/>
+                <a:tab pos="5838825" algn="l"/>
+                <a:tab pos="6288088" algn="l"/>
+                <a:tab pos="6737350" algn="l"/>
+                <a:tab pos="7186613" algn="l"/>
+                <a:tab pos="7635875" algn="l"/>
+                <a:tab pos="8085138" algn="l"/>
+                <a:tab pos="8534400" algn="l"/>
+                <a:tab pos="8983663" algn="l"/>
+              </a:tabLst>
+              <a:defRPr sz="2400">
+                <a:solidFill>
+                  <a:srgbClr val="000000"/>
+                </a:solidFill>
+                <a:latin typeface="Arial" charset="0"/>
+                <a:ea typeface="ＭＳ Ｐゴシック" charset="0"/>
+                <a:cs typeface="ＭＳ Ｐゴシック" charset="0"/>
+              </a:defRPr>
+            </a:lvl9pPr>
+          </a:lstStyle>
+          <a:p>
+            <a:pPr>
+              <a:buClrTx/>
+              <a:buFontTx/>
+              <a:buNone/>
+            </a:pPr>
+            <a:r>
+              <a:rPr lang="en-US" b="1" dirty="0"/>
+              <a:t>Mac</a:t>
+            </a:r>
+          </a:p>
+        </p:txBody>
+      </p:sp>
+      <p:sp>
+        <p:nvSpPr>
+          <p:cNvPr id="19" name="Text Box 6"/>
+          <p:cNvSpPr txBox="1">
+            <a:spLocks noChangeArrowheads="1"/>
+          </p:cNvSpPr>
+          <p:nvPr/>
+        </p:nvSpPr>
+        <p:spPr bwMode="auto">
+          <a:xfrm>
+            <a:off x="5940152" y="741140"/>
+            <a:ext cx="1416050" cy="455612"/>
+          </a:xfrm>
+          <a:prstGeom prst="rect">
+            <a:avLst/>
+          </a:prstGeom>
+          <a:noFill/>
+          <a:ln>
+            <a:noFill/>
+          </a:ln>
+          <a:effectLst/>
+          <a:extLst>
+            <a:ext uri="{909E8E84-426E-40dd-AFC4-6F175D3DCCD1}">
+              <a14:hiddenFill xmlns:a14="http://schemas.microsoft.com/office/drawing/2010/main">
+                <a:solidFill>
+                  <a:srgbClr val="FFFFFF"/>
+                </a:solidFill>
+              </a14:hiddenFill>
+            </a:ext>
+            <a:ext uri="{91240B29-F687-4f45-9708-019B960494DF}">
+              <a14:hiddenLine xmlns:a14="http://schemas.microsoft.com/office/drawing/2010/main" w="9525" cap="flat">
+                <a:solidFill>
+                  <a:srgbClr val="808080"/>
+                </a:solidFill>
+                <a:round/>
+                <a:headEnd/>
+                <a:tailEnd/>
+              </a14:hiddenLine>
+            </a:ext>
+            <a:ext uri="{AF507438-7753-43e0-B8FC-AC1667EBCBE1}">
+              <a14:hiddenEffects xmlns:a14="http://schemas.microsoft.com/office/drawing/2010/main">
+                <a:effectLst>
+                  <a:outerShdw blurRad="63500" dist="38099" dir="2700000" algn="ctr" rotWithShape="0">
+                    <a:srgbClr val="000000">
+                      <a:alpha val="74998"/>
+                    </a:srgbClr>
+                  </a:outerShdw>
+                </a:effectLst>
+              </a14:hiddenEffects>
+            </a:ext>
+          </a:extLst>
+        </p:spPr>
+        <p:txBody>
+          <a:bodyPr wrap="none" lIns="90000" tIns="45000" rIns="90000" bIns="45000"/>
+          <a:lstStyle>
+            <a:lvl1pPr>
+              <a:tabLst>
+                <a:tab pos="0" algn="l"/>
+                <a:tab pos="447675" algn="l"/>
+                <a:tab pos="896938" algn="l"/>
+                <a:tab pos="1346200" algn="l"/>
+                <a:tab pos="1795463" algn="l"/>
+                <a:tab pos="2244725" algn="l"/>
+                <a:tab pos="2693988" algn="l"/>
+                <a:tab pos="3143250" algn="l"/>
+                <a:tab pos="3592513" algn="l"/>
+                <a:tab pos="4041775" algn="l"/>
+                <a:tab pos="4491038" algn="l"/>
+                <a:tab pos="4940300" algn="l"/>
+                <a:tab pos="5389563" algn="l"/>
+                <a:tab pos="5838825" algn="l"/>
+                <a:tab pos="6288088" algn="l"/>
+                <a:tab pos="6737350" algn="l"/>
+                <a:tab pos="7186613" algn="l"/>
+                <a:tab pos="7635875" algn="l"/>
+                <a:tab pos="8085138" algn="l"/>
+                <a:tab pos="8534400" algn="l"/>
+                <a:tab pos="8983663" algn="l"/>
+              </a:tabLst>
+              <a:defRPr sz="2400">
+                <a:solidFill>
+                  <a:srgbClr val="000000"/>
+                </a:solidFill>
+                <a:latin typeface="Arial" charset="0"/>
+                <a:ea typeface="ＭＳ Ｐゴシック" charset="0"/>
+                <a:cs typeface="ＭＳ Ｐゴシック" charset="0"/>
+              </a:defRPr>
+            </a:lvl1pPr>
+            <a:lvl2pPr>
+              <a:tabLst>
+                <a:tab pos="0" algn="l"/>
+                <a:tab pos="447675" algn="l"/>
+                <a:tab pos="896938" algn="l"/>
+                <a:tab pos="1346200" algn="l"/>
+                <a:tab pos="1795463" algn="l"/>
+                <a:tab pos="2244725" algn="l"/>
+                <a:tab pos="2693988" algn="l"/>
+                <a:tab pos="3143250" algn="l"/>
+                <a:tab pos="3592513" algn="l"/>
+                <a:tab pos="4041775" algn="l"/>
+                <a:tab pos="4491038" algn="l"/>
+                <a:tab pos="4940300" algn="l"/>
+                <a:tab pos="5389563" algn="l"/>
+                <a:tab pos="5838825" algn="l"/>
+                <a:tab pos="6288088" algn="l"/>
+                <a:tab pos="6737350" algn="l"/>
+                <a:tab pos="7186613" algn="l"/>
+                <a:tab pos="7635875" algn="l"/>
+                <a:tab pos="8085138" algn="l"/>
+                <a:tab pos="8534400" algn="l"/>
+                <a:tab pos="8983663" algn="l"/>
+              </a:tabLst>
+              <a:defRPr sz="2400">
+                <a:solidFill>
+                  <a:srgbClr val="000000"/>
+                </a:solidFill>
+                <a:latin typeface="Arial" charset="0"/>
+                <a:ea typeface="ＭＳ Ｐゴシック" charset="0"/>
+                <a:cs typeface="ＭＳ Ｐゴシック" charset="0"/>
+              </a:defRPr>
+            </a:lvl2pPr>
+            <a:lvl3pPr>
+              <a:tabLst>
+                <a:tab pos="0" algn="l"/>
+                <a:tab pos="447675" algn="l"/>
+                <a:tab pos="896938" algn="l"/>
+                <a:tab pos="1346200" algn="l"/>
+                <a:tab pos="1795463" algn="l"/>
+                <a:tab pos="2244725" algn="l"/>
+                <a:tab pos="2693988" algn="l"/>
+                <a:tab pos="3143250" algn="l"/>
+                <a:tab pos="3592513" algn="l"/>
+                <a:tab pos="4041775" algn="l"/>
+                <a:tab pos="4491038" algn="l"/>
+                <a:tab pos="4940300" algn="l"/>
+                <a:tab pos="5389563" algn="l"/>
+                <a:tab pos="5838825" algn="l"/>
+                <a:tab pos="6288088" algn="l"/>
+                <a:tab pos="6737350" algn="l"/>
+                <a:tab pos="7186613" algn="l"/>
+                <a:tab pos="7635875" algn="l"/>
+                <a:tab pos="8085138" algn="l"/>
+                <a:tab pos="8534400" algn="l"/>
+                <a:tab pos="8983663" algn="l"/>
+              </a:tabLst>
+              <a:defRPr sz="2400">
+                <a:solidFill>
+                  <a:srgbClr val="000000"/>
+                </a:solidFill>
+                <a:latin typeface="Arial" charset="0"/>
+                <a:ea typeface="ＭＳ Ｐゴシック" charset="0"/>
+                <a:cs typeface="ＭＳ Ｐゴシック" charset="0"/>
+              </a:defRPr>
+            </a:lvl3pPr>
+            <a:lvl4pPr>
+              <a:tabLst>
+                <a:tab pos="0" algn="l"/>
+                <a:tab pos="447675" algn="l"/>
+                <a:tab pos="896938" algn="l"/>
+                <a:tab pos="1346200" algn="l"/>
+                <a:tab pos="1795463" algn="l"/>
+                <a:tab pos="2244725" algn="l"/>
+                <a:tab pos="2693988" algn="l"/>
+                <a:tab pos="3143250" algn="l"/>
+                <a:tab pos="3592513" algn="l"/>
+                <a:tab pos="4041775" algn="l"/>
+                <a:tab pos="4491038" algn="l"/>
+                <a:tab pos="4940300" algn="l"/>
+                <a:tab pos="5389563" algn="l"/>
+                <a:tab pos="5838825" algn="l"/>
+                <a:tab pos="6288088" algn="l"/>
+                <a:tab pos="6737350" algn="l"/>
+                <a:tab pos="7186613" algn="l"/>
+                <a:tab pos="7635875" algn="l"/>
+                <a:tab pos="8085138" algn="l"/>
+                <a:tab pos="8534400" algn="l"/>
+                <a:tab pos="8983663" algn="l"/>
+              </a:tabLst>
+              <a:defRPr sz="2400">
+                <a:solidFill>
+                  <a:srgbClr val="000000"/>
+                </a:solidFill>
+                <a:latin typeface="Arial" charset="0"/>
+                <a:ea typeface="ＭＳ Ｐゴシック" charset="0"/>
+                <a:cs typeface="ＭＳ Ｐゴシック" charset="0"/>
+              </a:defRPr>
+            </a:lvl4pPr>
+            <a:lvl5pPr>
+              <a:tabLst>
+                <a:tab pos="0" algn="l"/>
+                <a:tab pos="447675" algn="l"/>
+                <a:tab pos="896938" algn="l"/>
+                <a:tab pos="1346200" algn="l"/>
+                <a:tab pos="1795463" algn="l"/>
+                <a:tab pos="2244725" algn="l"/>
+                <a:tab pos="2693988" algn="l"/>
+                <a:tab pos="3143250" algn="l"/>
+                <a:tab pos="3592513" algn="l"/>
+                <a:tab pos="4041775" algn="l"/>
+                <a:tab pos="4491038" algn="l"/>
+                <a:tab pos="4940300" algn="l"/>
+                <a:tab pos="5389563" algn="l"/>
+                <a:tab pos="5838825" algn="l"/>
+                <a:tab pos="6288088" algn="l"/>
+                <a:tab pos="6737350" algn="l"/>
+                <a:tab pos="7186613" algn="l"/>
+                <a:tab pos="7635875" algn="l"/>
+                <a:tab pos="8085138" algn="l"/>
+                <a:tab pos="8534400" algn="l"/>
+                <a:tab pos="8983663" algn="l"/>
+              </a:tabLst>
+              <a:defRPr sz="2400">
+                <a:solidFill>
+                  <a:srgbClr val="000000"/>
+                </a:solidFill>
+                <a:latin typeface="Arial" charset="0"/>
+                <a:ea typeface="ＭＳ Ｐゴシック" charset="0"/>
+                <a:cs typeface="ＭＳ Ｐゴシック" charset="0"/>
+              </a:defRPr>
+            </a:lvl5pPr>
+            <a:lvl6pPr marL="2514600" indent="-228600" defTabSz="449263" fontAlgn="base">
+              <a:spcBef>
+                <a:spcPct val="0"/>
+              </a:spcBef>
+              <a:spcAft>
+                <a:spcPct val="0"/>
+              </a:spcAft>
+              <a:buClr>
+                <a:srgbClr val="000000"/>
+              </a:buClr>
+              <a:buSzPct val="100000"/>
+              <a:buFont typeface="Times New Roman" charset="0"/>
+              <a:tabLst>
+                <a:tab pos="0" algn="l"/>
+                <a:tab pos="447675" algn="l"/>
+                <a:tab pos="896938" algn="l"/>
+                <a:tab pos="1346200" algn="l"/>
+                <a:tab pos="1795463" algn="l"/>
+                <a:tab pos="2244725" algn="l"/>
+                <a:tab pos="2693988" algn="l"/>
+                <a:tab pos="3143250" algn="l"/>
+                <a:tab pos="3592513" algn="l"/>
+                <a:tab pos="4041775" algn="l"/>
+                <a:tab pos="4491038" algn="l"/>
+                <a:tab pos="4940300" algn="l"/>
+                <a:tab pos="5389563" algn="l"/>
+                <a:tab pos="5838825" algn="l"/>
+                <a:tab pos="6288088" algn="l"/>
+                <a:tab pos="6737350" algn="l"/>
+                <a:tab pos="7186613" algn="l"/>
+                <a:tab pos="7635875" algn="l"/>
+                <a:tab pos="8085138" algn="l"/>
+                <a:tab pos="8534400" algn="l"/>
+                <a:tab pos="8983663" algn="l"/>
+              </a:tabLst>
+              <a:defRPr sz="2400">
+                <a:solidFill>
+                  <a:srgbClr val="000000"/>
+                </a:solidFill>
+                <a:latin typeface="Arial" charset="0"/>
+                <a:ea typeface="ＭＳ Ｐゴシック" charset="0"/>
+                <a:cs typeface="ＭＳ Ｐゴシック" charset="0"/>
+              </a:defRPr>
+            </a:lvl6pPr>
+            <a:lvl7pPr marL="2971800" indent="-228600" defTabSz="449263" fontAlgn="base">
+              <a:spcBef>
+                <a:spcPct val="0"/>
+              </a:spcBef>
+              <a:spcAft>
+                <a:spcPct val="0"/>
+              </a:spcAft>
+              <a:buClr>
+                <a:srgbClr val="000000"/>
+              </a:buClr>
+              <a:buSzPct val="100000"/>
+              <a:buFont typeface="Times New Roman" charset="0"/>
+              <a:tabLst>
+                <a:tab pos="0" algn="l"/>
+                <a:tab pos="447675" algn="l"/>
+                <a:tab pos="896938" algn="l"/>
+                <a:tab pos="1346200" algn="l"/>
+                <a:tab pos="1795463" algn="l"/>
+                <a:tab pos="2244725" algn="l"/>
+                <a:tab pos="2693988" algn="l"/>
+                <a:tab pos="3143250" algn="l"/>
+                <a:tab pos="3592513" algn="l"/>
+                <a:tab pos="4041775" algn="l"/>
+                <a:tab pos="4491038" algn="l"/>
+                <a:tab pos="4940300" algn="l"/>
+                <a:tab pos="5389563" algn="l"/>
+                <a:tab pos="5838825" algn="l"/>
+                <a:tab pos="6288088" algn="l"/>
+                <a:tab pos="6737350" algn="l"/>
+                <a:tab pos="7186613" algn="l"/>
+                <a:tab pos="7635875" algn="l"/>
+                <a:tab pos="8085138" algn="l"/>
+                <a:tab pos="8534400" algn="l"/>
+                <a:tab pos="8983663" algn="l"/>
+              </a:tabLst>
+              <a:defRPr sz="2400">
+                <a:solidFill>
+                  <a:srgbClr val="000000"/>
+                </a:solidFill>
+                <a:latin typeface="Arial" charset="0"/>
+                <a:ea typeface="ＭＳ Ｐゴシック" charset="0"/>
+                <a:cs typeface="ＭＳ Ｐゴシック" charset="0"/>
+              </a:defRPr>
+            </a:lvl7pPr>
+            <a:lvl8pPr marL="3429000" indent="-228600" defTabSz="449263" fontAlgn="base">
+              <a:spcBef>
+                <a:spcPct val="0"/>
+              </a:spcBef>
+              <a:spcAft>
+                <a:spcPct val="0"/>
+              </a:spcAft>
+              <a:buClr>
+                <a:srgbClr val="000000"/>
+              </a:buClr>
+              <a:buSzPct val="100000"/>
+              <a:buFont typeface="Times New Roman" charset="0"/>
+              <a:tabLst>
+                <a:tab pos="0" algn="l"/>
+                <a:tab pos="447675" algn="l"/>
+                <a:tab pos="896938" algn="l"/>
+                <a:tab pos="1346200" algn="l"/>
+                <a:tab pos="1795463" algn="l"/>
+                <a:tab pos="2244725" algn="l"/>
+                <a:tab pos="2693988" algn="l"/>
+                <a:tab pos="3143250" algn="l"/>
+                <a:tab pos="3592513" algn="l"/>
+                <a:tab pos="4041775" algn="l"/>
+                <a:tab pos="4491038" algn="l"/>
+                <a:tab pos="4940300" algn="l"/>
+                <a:tab pos="5389563" algn="l"/>
+                <a:tab pos="5838825" algn="l"/>
+                <a:tab pos="6288088" algn="l"/>
+                <a:tab pos="6737350" algn="l"/>
+                <a:tab pos="7186613" algn="l"/>
+                <a:tab pos="7635875" algn="l"/>
+                <a:tab pos="8085138" algn="l"/>
+                <a:tab pos="8534400" algn="l"/>
+                <a:tab pos="8983663" algn="l"/>
+              </a:tabLst>
+              <a:defRPr sz="2400">
+                <a:solidFill>
+                  <a:srgbClr val="000000"/>
+                </a:solidFill>
+                <a:latin typeface="Arial" charset="0"/>
+                <a:ea typeface="ＭＳ Ｐゴシック" charset="0"/>
+                <a:cs typeface="ＭＳ Ｐゴシック" charset="0"/>
+              </a:defRPr>
+            </a:lvl8pPr>
+            <a:lvl9pPr marL="3886200" indent="-228600" defTabSz="449263" fontAlgn="base">
+              <a:spcBef>
+                <a:spcPct val="0"/>
+              </a:spcBef>
+              <a:spcAft>
+                <a:spcPct val="0"/>
+              </a:spcAft>
+              <a:buClr>
+                <a:srgbClr val="000000"/>
+              </a:buClr>
+              <a:buSzPct val="100000"/>
+              <a:buFont typeface="Times New Roman" charset="0"/>
+              <a:tabLst>
+                <a:tab pos="0" algn="l"/>
+                <a:tab pos="447675" algn="l"/>
+                <a:tab pos="896938" algn="l"/>
+                <a:tab pos="1346200" algn="l"/>
+                <a:tab pos="1795463" algn="l"/>
+                <a:tab pos="2244725" algn="l"/>
+                <a:tab pos="2693988" algn="l"/>
+                <a:tab pos="3143250" algn="l"/>
+                <a:tab pos="3592513" algn="l"/>
+                <a:tab pos="4041775" algn="l"/>
+                <a:tab pos="4491038" algn="l"/>
+                <a:tab pos="4940300" algn="l"/>
+                <a:tab pos="5389563" algn="l"/>
+                <a:tab pos="5838825" algn="l"/>
+                <a:tab pos="6288088" algn="l"/>
+                <a:tab pos="6737350" algn="l"/>
+                <a:tab pos="7186613" algn="l"/>
+                <a:tab pos="7635875" algn="l"/>
+                <a:tab pos="8085138" algn="l"/>
+                <a:tab pos="8534400" algn="l"/>
+                <a:tab pos="8983663" algn="l"/>
+              </a:tabLst>
+              <a:defRPr sz="2400">
+                <a:solidFill>
+                  <a:srgbClr val="000000"/>
+                </a:solidFill>
+                <a:latin typeface="Arial" charset="0"/>
+                <a:ea typeface="ＭＳ Ｐゴシック" charset="0"/>
+                <a:cs typeface="ＭＳ Ｐゴシック" charset="0"/>
+              </a:defRPr>
+            </a:lvl9pPr>
+          </a:lstStyle>
+          <a:p>
+            <a:pPr>
+              <a:buClrTx/>
+              <a:buFontTx/>
+              <a:buNone/>
+            </a:pPr>
+            <a:r>
+              <a:rPr lang="en-US" b="1" dirty="0"/>
+              <a:t>Windows</a:t>
             </a:r>
           </a:p>
         </p:txBody>
@@ -7705,13 +8528,19 @@
               <a:rPr lang="en-US" sz="3200" dirty="0">
                 <a:ea typeface="ＭＳ Ｐゴシック" charset="0"/>
               </a:rPr>
-              <a:t>Creating a working directory on your </a:t>
+              <a:t>Creating a working directory </a:t>
             </a:r>
             <a:r>
               <a:rPr lang="en-US" sz="3200" dirty="0" smtClean="0">
                 <a:ea typeface="ＭＳ Ｐゴシック" charset="0"/>
               </a:rPr>
-              <a:t>mac</a:t>
+              <a:t>(</a:t>
+            </a:r>
+            <a:r>
+              <a:rPr lang="en-US" sz="3200" dirty="0" smtClean="0">
+                <a:ea typeface="ＭＳ Ｐゴシック" charset="0"/>
+              </a:rPr>
+              <a:t>Mac/Linux)</a:t>
             </a:r>
             <a:endParaRPr lang="en-US" sz="3200" dirty="0">
               <a:ea typeface="ＭＳ Ｐゴシック" charset="0"/>
@@ -7770,6 +8599,221 @@
 </file>
 
 <file path=ppt/slides/slide21.xml><?xml version="1.0" encoding="utf-8"?>
+<p:sld xmlns:a="http://schemas.openxmlformats.org/drawingml/2006/main" xmlns:r="http://schemas.openxmlformats.org/officeDocument/2006/relationships" xmlns:p="http://schemas.openxmlformats.org/presentationml/2006/main">
+  <p:cSld>
+    <p:spTree>
+      <p:nvGrpSpPr>
+        <p:cNvPr id="1" name=""/>
+        <p:cNvGrpSpPr/>
+        <p:nvPr/>
+      </p:nvGrpSpPr>
+      <p:grpSpPr>
+        <a:xfrm>
+          <a:off x="0" y="0"/>
+          <a:ext cx="0" cy="0"/>
+          <a:chOff x="0" y="0"/>
+          <a:chExt cx="0" cy="0"/>
+        </a:xfrm>
+      </p:grpSpPr>
+      <p:sp>
+        <p:nvSpPr>
+          <p:cNvPr id="26626" name="Title 1"/>
+          <p:cNvSpPr>
+            <a:spLocks noGrp="1"/>
+          </p:cNvSpPr>
+          <p:nvPr>
+            <p:ph type="title" idx="4294967295"/>
+          </p:nvPr>
+        </p:nvSpPr>
+        <p:spPr>
+          <a:xfrm>
+            <a:off x="107950" y="-26988"/>
+            <a:ext cx="8839200" cy="863601"/>
+          </a:xfrm>
+        </p:spPr>
+        <p:txBody>
+          <a:bodyPr/>
+          <a:lstStyle/>
+          <a:p>
+            <a:r>
+              <a:rPr lang="en-US" sz="3200" dirty="0">
+                <a:ea typeface="ＭＳ Ｐゴシック" charset="0"/>
+              </a:rPr>
+              <a:t>Creating a working </a:t>
+            </a:r>
+            <a:r>
+              <a:rPr lang="en-US" sz="3200" dirty="0" smtClean="0">
+                <a:ea typeface="ＭＳ Ｐゴシック" charset="0"/>
+              </a:rPr>
+              <a:t>directory (Windows)</a:t>
+            </a:r>
+            <a:endParaRPr lang="en-US" sz="3200" dirty="0">
+              <a:ea typeface="ＭＳ Ｐゴシック" charset="0"/>
+            </a:endParaRPr>
+          </a:p>
+        </p:txBody>
+      </p:sp>
+      <p:pic>
+        <p:nvPicPr>
+          <p:cNvPr id="4" name="Picture 1"/>
+          <p:cNvPicPr>
+            <a:picLocks noChangeAspect="1" noChangeArrowheads="1"/>
+          </p:cNvPicPr>
+          <p:nvPr/>
+        </p:nvPicPr>
+        <p:blipFill>
+          <a:blip r:embed="rId2">
+            <a:extLst>
+              <a:ext uri="{28A0092B-C50C-407E-A947-70E740481C1C}">
+                <a14:useLocalDpi xmlns:a14="http://schemas.microsoft.com/office/drawing/2010/main" val="0"/>
+              </a:ext>
+            </a:extLst>
+          </a:blip>
+          <a:srcRect/>
+          <a:stretch>
+            <a:fillRect/>
+          </a:stretch>
+        </p:blipFill>
+        <p:spPr bwMode="auto">
+          <a:xfrm>
+            <a:off x="251520" y="1340768"/>
+            <a:ext cx="6303078" cy="4472806"/>
+          </a:xfrm>
+          <a:prstGeom prst="rect">
+            <a:avLst/>
+          </a:prstGeom>
+          <a:noFill/>
+          <a:ln>
+            <a:noFill/>
+          </a:ln>
+          <a:effectLst/>
+          <a:extLst>
+            <a:ext uri="{909E8E84-426E-40dd-AFC4-6F175D3DCCD1}">
+              <a14:hiddenFill xmlns:a14="http://schemas.microsoft.com/office/drawing/2010/main">
+                <a:blipFill dpi="0" rotWithShape="0">
+                  <a:blip/>
+                  <a:srcRect/>
+                  <a:stretch>
+                    <a:fillRect/>
+                  </a:stretch>
+                </a:blipFill>
+              </a14:hiddenFill>
+            </a:ext>
+            <a:ext uri="{91240B29-F687-4f45-9708-019B960494DF}">
+              <a14:hiddenLine xmlns:a14="http://schemas.microsoft.com/office/drawing/2010/main" w="9525" cap="flat">
+                <a:solidFill>
+                  <a:srgbClr val="808080"/>
+                </a:solidFill>
+                <a:round/>
+                <a:headEnd/>
+                <a:tailEnd/>
+              </a14:hiddenLine>
+            </a:ext>
+            <a:ext uri="{AF507438-7753-43e0-B8FC-AC1667EBCBE1}">
+              <a14:hiddenEffects xmlns:a14="http://schemas.microsoft.com/office/drawing/2010/main">
+                <a:effectLst>
+                  <a:outerShdw blurRad="63500" dist="38099" dir="2700000" algn="ctr" rotWithShape="0">
+                    <a:srgbClr val="000000">
+                      <a:alpha val="74998"/>
+                    </a:srgbClr>
+                  </a:outerShdw>
+                </a:effectLst>
+              </a14:hiddenEffects>
+            </a:ext>
+          </a:extLst>
+        </p:spPr>
+      </p:pic>
+      <p:pic>
+        <p:nvPicPr>
+          <p:cNvPr id="5" name="Picture 2"/>
+          <p:cNvPicPr>
+            <a:picLocks noChangeAspect="1" noChangeArrowheads="1"/>
+          </p:cNvPicPr>
+          <p:nvPr/>
+        </p:nvPicPr>
+        <p:blipFill>
+          <a:blip r:embed="rId3">
+            <a:extLst>
+              <a:ext uri="{28A0092B-C50C-407E-A947-70E740481C1C}">
+                <a14:useLocalDpi xmlns:a14="http://schemas.microsoft.com/office/drawing/2010/main" val="0"/>
+              </a:ext>
+            </a:extLst>
+          </a:blip>
+          <a:srcRect/>
+          <a:stretch>
+            <a:fillRect/>
+          </a:stretch>
+        </p:blipFill>
+        <p:spPr bwMode="auto">
+          <a:xfrm>
+            <a:off x="6552728" y="2204864"/>
+            <a:ext cx="2483768" cy="705289"/>
+          </a:xfrm>
+          <a:prstGeom prst="rect">
+            <a:avLst/>
+          </a:prstGeom>
+          <a:noFill/>
+          <a:ln>
+            <a:noFill/>
+          </a:ln>
+          <a:effectLst/>
+          <a:extLst>
+            <a:ext uri="{909E8E84-426E-40dd-AFC4-6F175D3DCCD1}">
+              <a14:hiddenFill xmlns:a14="http://schemas.microsoft.com/office/drawing/2010/main">
+                <a:blipFill dpi="0" rotWithShape="0">
+                  <a:blip/>
+                  <a:srcRect/>
+                  <a:stretch>
+                    <a:fillRect/>
+                  </a:stretch>
+                </a:blipFill>
+              </a14:hiddenFill>
+            </a:ext>
+            <a:ext uri="{91240B29-F687-4f45-9708-019B960494DF}">
+              <a14:hiddenLine xmlns:a14="http://schemas.microsoft.com/office/drawing/2010/main" w="9525" cap="flat">
+                <a:solidFill>
+                  <a:srgbClr val="808080"/>
+                </a:solidFill>
+                <a:round/>
+                <a:headEnd/>
+                <a:tailEnd/>
+              </a14:hiddenLine>
+            </a:ext>
+            <a:ext uri="{AF507438-7753-43e0-B8FC-AC1667EBCBE1}">
+              <a14:hiddenEffects xmlns:a14="http://schemas.microsoft.com/office/drawing/2010/main">
+                <a:effectLst>
+                  <a:outerShdw blurRad="63500" dist="38099" dir="2700000" algn="ctr" rotWithShape="0">
+                    <a:srgbClr val="000000">
+                      <a:alpha val="74998"/>
+                    </a:srgbClr>
+                  </a:outerShdw>
+                </a:effectLst>
+              </a14:hiddenEffects>
+            </a:ext>
+          </a:extLst>
+        </p:spPr>
+      </p:pic>
+    </p:spTree>
+    <p:extLst>
+      <p:ext uri="{BB962C8B-B14F-4D97-AF65-F5344CB8AC3E}">
+        <p14:creationId xmlns:p14="http://schemas.microsoft.com/office/powerpoint/2010/main" val="3119509456"/>
+      </p:ext>
+    </p:extLst>
+  </p:cSld>
+  <p:clrMapOvr>
+    <a:masterClrMapping/>
+  </p:clrMapOvr>
+  <p:timing>
+    <p:tnLst>
+      <p:par>
+        <p:cTn xmlns:p14="http://schemas.microsoft.com/office/powerpoint/2010/main" id="1" dur="indefinite" restart="never" nodeType="tmRoot"/>
+      </p:par>
+    </p:tnLst>
+  </p:timing>
+</p:sld>
+</file>
+
+<file path=ppt/slides/slide22.xml><?xml version="1.0" encoding="utf-8"?>
 <p:sld xmlns:a="http://schemas.openxmlformats.org/drawingml/2006/main" xmlns:r="http://schemas.openxmlformats.org/officeDocument/2006/relationships" xmlns:p="http://schemas.openxmlformats.org/presentationml/2006/main">
   <p:cSld>
     <p:spTree>
@@ -7932,11 +8976,20 @@
           <a:lstStyle/>
           <a:p>
             <a:r>
-              <a:rPr lang="en-US" sz="3200">
+              <a:rPr lang="en-US" sz="3200" dirty="0">
                 <a:ea typeface="ＭＳ Ｐゴシック" charset="0"/>
               </a:rPr>
-              <a:t>Obtaining your AWS ‘key’ file from the wiki</a:t>
-            </a:r>
+              <a:t>Obtaining your AWS ‘key’ file from the </a:t>
+            </a:r>
+            <a:r>
+              <a:rPr lang="en-US" sz="3200" dirty="0" smtClean="0">
+                <a:ea typeface="ＭＳ Ｐゴシック" charset="0"/>
+              </a:rPr>
+              <a:t>CBW wiki</a:t>
+            </a:r>
+            <a:endParaRPr lang="en-US" sz="3200" dirty="0">
+              <a:ea typeface="ＭＳ Ｐゴシック" charset="0"/>
+            </a:endParaRPr>
           </a:p>
         </p:txBody>
       </p:sp>
@@ -8062,7 +9115,7 @@
 </p:sld>
 </file>
 
-<file path=ppt/slides/slide22.xml><?xml version="1.0" encoding="utf-8"?>
+<file path=ppt/slides/slide23.xml><?xml version="1.0" encoding="utf-8"?>
 <p:sld xmlns:a="http://schemas.openxmlformats.org/drawingml/2006/main" xmlns:r="http://schemas.openxmlformats.org/officeDocument/2006/relationships" xmlns:p="http://schemas.openxmlformats.org/presentationml/2006/main">
   <p:cSld>
     <p:spTree>
@@ -8158,7 +9211,7 @@
 </p:sld>
 </file>
 
-<file path=ppt/slides/slide23.xml><?xml version="1.0" encoding="utf-8"?>
+<file path=ppt/slides/slide24.xml><?xml version="1.0" encoding="utf-8"?>
 <p:sld xmlns:a="http://schemas.openxmlformats.org/drawingml/2006/main" xmlns:r="http://schemas.openxmlformats.org/officeDocument/2006/relationships" xmlns:p="http://schemas.openxmlformats.org/presentationml/2006/main">
   <p:cSld>
     <p:spTree>
@@ -8504,8 +9557,28 @@
               <a:rPr lang="en-US" sz="3200" dirty="0">
                 <a:ea typeface="ＭＳ Ｐゴシック" charset="0"/>
               </a:rPr>
-              <a:t>Changing file permissions of your ‘key’ file</a:t>
-            </a:r>
+              <a:t>Changing file permissions of your ‘key’ </a:t>
+            </a:r>
+            <a:r>
+              <a:rPr lang="en-US" sz="3200" dirty="0" smtClean="0">
+                <a:ea typeface="ＭＳ Ｐゴシック" charset="0"/>
+              </a:rPr>
+              <a:t>file </a:t>
+            </a:r>
+            <a:br>
+              <a:rPr lang="en-US" sz="3200" dirty="0" smtClean="0">
+                <a:ea typeface="ＭＳ Ｐゴシック" charset="0"/>
+              </a:rPr>
+            </a:br>
+            <a:r>
+              <a:rPr lang="en-US" sz="3200" dirty="0" smtClean="0">
+                <a:ea typeface="ＭＳ Ｐゴシック" charset="0"/>
+              </a:rPr>
+              <a:t>(Mac/Linux)</a:t>
+            </a:r>
+            <a:endParaRPr lang="en-US" sz="3200" dirty="0">
+              <a:ea typeface="ＭＳ Ｐゴシック" charset="0"/>
+            </a:endParaRPr>
           </a:p>
         </p:txBody>
       </p:sp>
@@ -8519,617 +9592,6 @@
   <p:clrMapOvr>
     <a:masterClrMapping/>
   </p:clrMapOvr>
-</p:sld>
-</file>
-
-<file path=ppt/slides/slide24.xml><?xml version="1.0" encoding="utf-8"?>
-<p:sld xmlns:a="http://schemas.openxmlformats.org/drawingml/2006/main" xmlns:r="http://schemas.openxmlformats.org/officeDocument/2006/relationships" xmlns:p="http://schemas.openxmlformats.org/presentationml/2006/main">
-  <p:cSld>
-    <p:spTree>
-      <p:nvGrpSpPr>
-        <p:cNvPr id="1" name=""/>
-        <p:cNvGrpSpPr/>
-        <p:nvPr/>
-      </p:nvGrpSpPr>
-      <p:grpSpPr>
-        <a:xfrm>
-          <a:off x="0" y="0"/>
-          <a:ext cx="0" cy="0"/>
-          <a:chOff x="0" y="0"/>
-          <a:chExt cx="0" cy="0"/>
-        </a:xfrm>
-      </p:grpSpPr>
-      <p:pic>
-        <p:nvPicPr>
-          <p:cNvPr id="3" name="Picture 2" descr="Screen Shot 2015-06-01 at 6.26.35 PM.png"/>
-          <p:cNvPicPr>
-            <a:picLocks noChangeAspect="1"/>
-          </p:cNvPicPr>
-          <p:nvPr/>
-        </p:nvPicPr>
-        <p:blipFill>
-          <a:blip r:embed="rId2">
-            <a:extLst>
-              <a:ext uri="{28A0092B-C50C-407E-A947-70E740481C1C}">
-                <a14:useLocalDpi xmlns:a14="http://schemas.microsoft.com/office/drawing/2010/main" val="0"/>
-              </a:ext>
-            </a:extLst>
-          </a:blip>
-          <a:stretch>
-            <a:fillRect/>
-          </a:stretch>
-        </p:blipFill>
-        <p:spPr>
-          <a:xfrm>
-            <a:off x="179512" y="1556792"/>
-            <a:ext cx="8784076" cy="3899786"/>
-          </a:xfrm>
-          <a:prstGeom prst="rect">
-            <a:avLst/>
-          </a:prstGeom>
-        </p:spPr>
-      </p:pic>
-      <p:sp>
-        <p:nvSpPr>
-          <p:cNvPr id="30722" name="Title 2"/>
-          <p:cNvSpPr>
-            <a:spLocks noGrp="1"/>
-          </p:cNvSpPr>
-          <p:nvPr>
-            <p:ph type="title"/>
-          </p:nvPr>
-        </p:nvSpPr>
-        <p:spPr>
-          <a:xfrm>
-            <a:off x="152400" y="-26988"/>
-            <a:ext cx="8839200" cy="1143001"/>
-          </a:xfrm>
-        </p:spPr>
-        <p:txBody>
-          <a:bodyPr/>
-          <a:lstStyle/>
-          <a:p>
-            <a:r>
-              <a:rPr lang="en-US" dirty="0">
-                <a:ea typeface="ＭＳ Ｐゴシック" charset="0"/>
-              </a:rPr>
-              <a:t>Logging </a:t>
-            </a:r>
-            <a:r>
-              <a:rPr lang="en-US" dirty="0" smtClean="0">
-                <a:ea typeface="ＭＳ Ｐゴシック" charset="0"/>
-              </a:rPr>
-              <a:t>into AWS (Mac)</a:t>
-            </a:r>
-            <a:endParaRPr lang="en-US" dirty="0">
-              <a:ea typeface="ＭＳ Ｐゴシック" charset="0"/>
-            </a:endParaRPr>
-          </a:p>
-        </p:txBody>
-      </p:sp>
-      <p:cxnSp>
-        <p:nvCxnSpPr>
-          <p:cNvPr id="10" name="Straight Connector 9"/>
-          <p:cNvCxnSpPr/>
-          <p:nvPr/>
-        </p:nvCxnSpPr>
-        <p:spPr>
-          <a:xfrm>
-            <a:off x="1187624" y="4509120"/>
-            <a:ext cx="792088" cy="0"/>
-          </a:xfrm>
-          <a:prstGeom prst="line">
-            <a:avLst/>
-          </a:prstGeom>
-          <a:ln w="57150" cmpd="sng">
-            <a:solidFill>
-              <a:schemeClr val="accent6">
-                <a:lumMod val="50000"/>
-              </a:schemeClr>
-            </a:solidFill>
-          </a:ln>
-        </p:spPr>
-        <p:style>
-          <a:lnRef idx="2">
-            <a:schemeClr val="accent1"/>
-          </a:lnRef>
-          <a:fillRef idx="0">
-            <a:schemeClr val="accent1"/>
-          </a:fillRef>
-          <a:effectRef idx="1">
-            <a:schemeClr val="accent1"/>
-          </a:effectRef>
-          <a:fontRef idx="minor">
-            <a:schemeClr val="tx1"/>
-          </a:fontRef>
-        </p:style>
-      </p:cxnSp>
-      <p:cxnSp>
-        <p:nvCxnSpPr>
-          <p:cNvPr id="12" name="Straight Connector 11"/>
-          <p:cNvCxnSpPr/>
-          <p:nvPr/>
-        </p:nvCxnSpPr>
-        <p:spPr>
-          <a:xfrm>
-            <a:off x="2123728" y="4509120"/>
-            <a:ext cx="720080" cy="0"/>
-          </a:xfrm>
-          <a:prstGeom prst="line">
-            <a:avLst/>
-          </a:prstGeom>
-          <a:ln w="57150" cmpd="sng">
-            <a:solidFill>
-              <a:schemeClr val="accent6">
-                <a:lumMod val="50000"/>
-              </a:schemeClr>
-            </a:solidFill>
-          </a:ln>
-        </p:spPr>
-        <p:style>
-          <a:lnRef idx="2">
-            <a:schemeClr val="accent1"/>
-          </a:lnRef>
-          <a:fillRef idx="0">
-            <a:schemeClr val="accent1"/>
-          </a:fillRef>
-          <a:effectRef idx="1">
-            <a:schemeClr val="accent1"/>
-          </a:effectRef>
-          <a:fontRef idx="minor">
-            <a:schemeClr val="tx1"/>
-          </a:fontRef>
-        </p:style>
-      </p:cxnSp>
-      <p:cxnSp>
-        <p:nvCxnSpPr>
-          <p:cNvPr id="13" name="Straight Connector 12"/>
-          <p:cNvCxnSpPr/>
-          <p:nvPr/>
-        </p:nvCxnSpPr>
-        <p:spPr>
-          <a:xfrm>
-            <a:off x="2987824" y="4509120"/>
-            <a:ext cx="1728192" cy="0"/>
-          </a:xfrm>
-          <a:prstGeom prst="line">
-            <a:avLst/>
-          </a:prstGeom>
-          <a:ln w="57150" cmpd="sng">
-            <a:solidFill>
-              <a:schemeClr val="accent6">
-                <a:lumMod val="50000"/>
-              </a:schemeClr>
-            </a:solidFill>
-          </a:ln>
-        </p:spPr>
-        <p:style>
-          <a:lnRef idx="2">
-            <a:schemeClr val="accent1"/>
-          </a:lnRef>
-          <a:fillRef idx="0">
-            <a:schemeClr val="accent1"/>
-          </a:fillRef>
-          <a:effectRef idx="1">
-            <a:schemeClr val="accent1"/>
-          </a:effectRef>
-          <a:fontRef idx="minor">
-            <a:schemeClr val="tx1"/>
-          </a:fontRef>
-        </p:style>
-      </p:cxnSp>
-      <p:sp>
-        <p:nvSpPr>
-          <p:cNvPr id="30726" name="TextBox 5"/>
-          <p:cNvSpPr txBox="1">
-            <a:spLocks noChangeArrowheads="1"/>
-          </p:cNvSpPr>
-          <p:nvPr/>
-        </p:nvSpPr>
-        <p:spPr bwMode="auto">
-          <a:xfrm>
-            <a:off x="4067944" y="3861048"/>
-            <a:ext cx="2628900" cy="307975"/>
-          </a:xfrm>
-          <a:prstGeom prst="rect">
-            <a:avLst/>
-          </a:prstGeom>
-          <a:ln/>
-          <a:extLst/>
-        </p:spPr>
-        <p:style>
-          <a:lnRef idx="2">
-            <a:schemeClr val="dk1"/>
-          </a:lnRef>
-          <a:fillRef idx="1">
-            <a:schemeClr val="lt1"/>
-          </a:fillRef>
-          <a:effectRef idx="0">
-            <a:schemeClr val="dk1"/>
-          </a:effectRef>
-          <a:fontRef idx="minor">
-            <a:schemeClr val="dk1"/>
-          </a:fontRef>
-        </p:style>
-        <p:txBody>
-          <a:bodyPr wrap="none">
-            <a:spAutoFit/>
-          </a:bodyPr>
-          <a:lstStyle>
-            <a:lvl1pPr eaLnBrk="0" hangingPunct="0">
-              <a:defRPr sz="2400">
-                <a:solidFill>
-                  <a:schemeClr val="tx1"/>
-                </a:solidFill>
-                <a:latin typeface="Arial" charset="0"/>
-                <a:ea typeface="ＭＳ Ｐゴシック" charset="0"/>
-                <a:cs typeface="ＭＳ Ｐゴシック" charset="0"/>
-              </a:defRPr>
-            </a:lvl1pPr>
-            <a:lvl2pPr marL="742950" indent="-285750" eaLnBrk="0" hangingPunct="0">
-              <a:defRPr sz="2400">
-                <a:solidFill>
-                  <a:schemeClr val="tx1"/>
-                </a:solidFill>
-                <a:latin typeface="Arial" charset="0"/>
-                <a:ea typeface="ＭＳ Ｐゴシック" charset="0"/>
-              </a:defRPr>
-            </a:lvl2pPr>
-            <a:lvl3pPr marL="1143000" indent="-228600" eaLnBrk="0" hangingPunct="0">
-              <a:defRPr sz="2400">
-                <a:solidFill>
-                  <a:schemeClr val="tx1"/>
-                </a:solidFill>
-                <a:latin typeface="Arial" charset="0"/>
-                <a:ea typeface="ＭＳ Ｐゴシック" charset="0"/>
-              </a:defRPr>
-            </a:lvl3pPr>
-            <a:lvl4pPr marL="1600200" indent="-228600" eaLnBrk="0" hangingPunct="0">
-              <a:defRPr sz="2400">
-                <a:solidFill>
-                  <a:schemeClr val="tx1"/>
-                </a:solidFill>
-                <a:latin typeface="Arial" charset="0"/>
-                <a:ea typeface="ＭＳ Ｐゴシック" charset="0"/>
-              </a:defRPr>
-            </a:lvl4pPr>
-            <a:lvl5pPr marL="2057400" indent="-228600" eaLnBrk="0" hangingPunct="0">
-              <a:defRPr sz="2400">
-                <a:solidFill>
-                  <a:schemeClr val="tx1"/>
-                </a:solidFill>
-                <a:latin typeface="Arial" charset="0"/>
-                <a:ea typeface="ＭＳ Ｐゴシック" charset="0"/>
-              </a:defRPr>
-            </a:lvl5pPr>
-            <a:lvl6pPr marL="2514600" indent="-228600" eaLnBrk="0" fontAlgn="base" hangingPunct="0">
-              <a:spcBef>
-                <a:spcPct val="0"/>
-              </a:spcBef>
-              <a:spcAft>
-                <a:spcPct val="0"/>
-              </a:spcAft>
-              <a:defRPr sz="2400">
-                <a:solidFill>
-                  <a:schemeClr val="tx1"/>
-                </a:solidFill>
-                <a:latin typeface="Arial" charset="0"/>
-                <a:ea typeface="ＭＳ Ｐゴシック" charset="0"/>
-              </a:defRPr>
-            </a:lvl6pPr>
-            <a:lvl7pPr marL="2971800" indent="-228600" eaLnBrk="0" fontAlgn="base" hangingPunct="0">
-              <a:spcBef>
-                <a:spcPct val="0"/>
-              </a:spcBef>
-              <a:spcAft>
-                <a:spcPct val="0"/>
-              </a:spcAft>
-              <a:defRPr sz="2400">
-                <a:solidFill>
-                  <a:schemeClr val="tx1"/>
-                </a:solidFill>
-                <a:latin typeface="Arial" charset="0"/>
-                <a:ea typeface="ＭＳ Ｐゴシック" charset="0"/>
-              </a:defRPr>
-            </a:lvl7pPr>
-            <a:lvl8pPr marL="3429000" indent="-228600" eaLnBrk="0" fontAlgn="base" hangingPunct="0">
-              <a:spcBef>
-                <a:spcPct val="0"/>
-              </a:spcBef>
-              <a:spcAft>
-                <a:spcPct val="0"/>
-              </a:spcAft>
-              <a:defRPr sz="2400">
-                <a:solidFill>
-                  <a:schemeClr val="tx1"/>
-                </a:solidFill>
-                <a:latin typeface="Arial" charset="0"/>
-                <a:ea typeface="ＭＳ Ｐゴシック" charset="0"/>
-              </a:defRPr>
-            </a:lvl8pPr>
-            <a:lvl9pPr marL="3886200" indent="-228600" eaLnBrk="0" fontAlgn="base" hangingPunct="0">
-              <a:spcBef>
-                <a:spcPct val="0"/>
-              </a:spcBef>
-              <a:spcAft>
-                <a:spcPct val="0"/>
-              </a:spcAft>
-              <a:defRPr sz="2400">
-                <a:solidFill>
-                  <a:schemeClr val="tx1"/>
-                </a:solidFill>
-                <a:latin typeface="Arial" charset="0"/>
-                <a:ea typeface="ＭＳ Ｐゴシック" charset="0"/>
-              </a:defRPr>
-            </a:lvl9pPr>
-          </a:lstStyle>
-          <a:p>
-            <a:pPr eaLnBrk="1" hangingPunct="1"/>
-            <a:r>
-              <a:rPr lang="en-US" sz="1400" b="1" dirty="0"/>
-              <a:t>Use your assigned student # </a:t>
-            </a:r>
-          </a:p>
-        </p:txBody>
-      </p:sp>
-      <p:cxnSp>
-        <p:nvCxnSpPr>
-          <p:cNvPr id="23" name="Straight Arrow Connector 22"/>
-          <p:cNvCxnSpPr>
-            <a:stCxn id="30726" idx="1"/>
-          </p:cNvCxnSpPr>
-          <p:nvPr/>
-        </p:nvCxnSpPr>
-        <p:spPr>
-          <a:xfrm flipH="1">
-            <a:off x="3294831" y="4015036"/>
-            <a:ext cx="773113" cy="206052"/>
-          </a:xfrm>
-          <a:prstGeom prst="straightConnector1">
-            <a:avLst/>
-          </a:prstGeom>
-          <a:ln>
-            <a:tailEnd type="arrow"/>
-          </a:ln>
-        </p:spPr>
-        <p:style>
-          <a:lnRef idx="3">
-            <a:schemeClr val="dk1"/>
-          </a:lnRef>
-          <a:fillRef idx="0">
-            <a:schemeClr val="dk1"/>
-          </a:fillRef>
-          <a:effectRef idx="2">
-            <a:schemeClr val="dk1"/>
-          </a:effectRef>
-          <a:fontRef idx="minor">
-            <a:schemeClr val="tx1"/>
-          </a:fontRef>
-        </p:style>
-      </p:cxnSp>
-    </p:spTree>
-    <p:extLst>
-      <p:ext uri="{BB962C8B-B14F-4D97-AF65-F5344CB8AC3E}">
-        <p14:creationId xmlns:p14="http://schemas.microsoft.com/office/powerpoint/2010/main" val="3417198744"/>
-      </p:ext>
-    </p:extLst>
-  </p:cSld>
-  <p:clrMapOvr>
-    <a:masterClrMapping/>
-  </p:clrMapOvr>
-  <p:timing>
-    <p:tnLst>
-      <p:par>
-        <p:cTn xmlns:p14="http://schemas.microsoft.com/office/powerpoint/2010/main" id="1" dur="indefinite" restart="never" nodeType="tmRoot">
-          <p:childTnLst>
-            <p:seq concurrent="1" nextAc="seek">
-              <p:cTn id="2" dur="indefinite" nodeType="mainSeq">
-                <p:childTnLst>
-                  <p:par>
-                    <p:cTn id="3" fill="hold" nodeType="clickPar">
-                      <p:stCondLst>
-                        <p:cond delay="indefinite"/>
-                      </p:stCondLst>
-                      <p:childTnLst>
-                        <p:par>
-                          <p:cTn id="4" fill="hold" nodeType="withGroup">
-                            <p:stCondLst>
-                              <p:cond delay="0"/>
-                            </p:stCondLst>
-                            <p:childTnLst>
-                              <p:par>
-                                <p:cTn id="5" presetID="1" presetClass="entr" presetSubtype="0" fill="hold" nodeType="clickEffect">
-                                  <p:stCondLst>
-                                    <p:cond delay="0"/>
-                                  </p:stCondLst>
-                                  <p:childTnLst>
-                                    <p:set>
-                                      <p:cBhvr>
-                                        <p:cTn id="6" dur="1" fill="hold">
-                                          <p:stCondLst>
-                                            <p:cond delay="0"/>
-                                          </p:stCondLst>
-                                        </p:cTn>
-                                        <p:tgtEl>
-                                          <p:spTgt spid="10"/>
-                                        </p:tgtEl>
-                                        <p:attrNameLst>
-                                          <p:attrName>style.visibility</p:attrName>
-                                        </p:attrNameLst>
-                                      </p:cBhvr>
-                                      <p:to>
-                                        <p:strVal val="visible"/>
-                                      </p:to>
-                                    </p:set>
-                                  </p:childTnLst>
-                                  <p:subTnLst>
-                                    <p:set>
-                                      <p:cBhvr override="childStyle">
-                                        <p:cTn dur="1" fill="hold" display="0" masterRel="nextClick" afterEffect="1"/>
-                                        <p:tgtEl>
-                                          <p:spTgt spid="10"/>
-                                        </p:tgtEl>
-                                        <p:attrNameLst>
-                                          <p:attrName>style.visibility</p:attrName>
-                                        </p:attrNameLst>
-                                      </p:cBhvr>
-                                      <p:to>
-                                        <p:strVal val="hidden"/>
-                                      </p:to>
-                                    </p:set>
-                                  </p:subTnLst>
-                                </p:cTn>
-                              </p:par>
-                            </p:childTnLst>
-                          </p:cTn>
-                        </p:par>
-                      </p:childTnLst>
-                    </p:cTn>
-                  </p:par>
-                  <p:par>
-                    <p:cTn id="7" fill="hold" nodeType="clickPar">
-                      <p:stCondLst>
-                        <p:cond delay="indefinite"/>
-                      </p:stCondLst>
-                      <p:childTnLst>
-                        <p:par>
-                          <p:cTn id="8" fill="hold" nodeType="withGroup">
-                            <p:stCondLst>
-                              <p:cond delay="0"/>
-                            </p:stCondLst>
-                            <p:childTnLst>
-                              <p:par>
-                                <p:cTn id="9" presetID="1" presetClass="entr" presetSubtype="0" fill="hold" nodeType="clickEffect">
-                                  <p:stCondLst>
-                                    <p:cond delay="0"/>
-                                  </p:stCondLst>
-                                  <p:childTnLst>
-                                    <p:set>
-                                      <p:cBhvr>
-                                        <p:cTn id="10" dur="1" fill="hold">
-                                          <p:stCondLst>
-                                            <p:cond delay="0"/>
-                                          </p:stCondLst>
-                                        </p:cTn>
-                                        <p:tgtEl>
-                                          <p:spTgt spid="12"/>
-                                        </p:tgtEl>
-                                        <p:attrNameLst>
-                                          <p:attrName>style.visibility</p:attrName>
-                                        </p:attrNameLst>
-                                      </p:cBhvr>
-                                      <p:to>
-                                        <p:strVal val="visible"/>
-                                      </p:to>
-                                    </p:set>
-                                  </p:childTnLst>
-                                  <p:subTnLst>
-                                    <p:set>
-                                      <p:cBhvr override="childStyle">
-                                        <p:cTn dur="1" fill="hold" display="0" masterRel="nextClick" afterEffect="1"/>
-                                        <p:tgtEl>
-                                          <p:spTgt spid="12"/>
-                                        </p:tgtEl>
-                                        <p:attrNameLst>
-                                          <p:attrName>style.visibility</p:attrName>
-                                        </p:attrNameLst>
-                                      </p:cBhvr>
-                                      <p:to>
-                                        <p:strVal val="hidden"/>
-                                      </p:to>
-                                    </p:set>
-                                  </p:subTnLst>
-                                </p:cTn>
-                              </p:par>
-                            </p:childTnLst>
-                          </p:cTn>
-                        </p:par>
-                      </p:childTnLst>
-                    </p:cTn>
-                  </p:par>
-                  <p:par>
-                    <p:cTn id="11" fill="hold" nodeType="clickPar">
-                      <p:stCondLst>
-                        <p:cond delay="indefinite"/>
-                      </p:stCondLst>
-                      <p:childTnLst>
-                        <p:par>
-                          <p:cTn id="12" fill="hold" nodeType="withGroup">
-                            <p:stCondLst>
-                              <p:cond delay="0"/>
-                            </p:stCondLst>
-                            <p:childTnLst>
-                              <p:par>
-                                <p:cTn id="13" presetID="1" presetClass="entr" presetSubtype="0" fill="hold" nodeType="clickEffect">
-                                  <p:stCondLst>
-                                    <p:cond delay="0"/>
-                                  </p:stCondLst>
-                                  <p:childTnLst>
-                                    <p:set>
-                                      <p:cBhvr>
-                                        <p:cTn id="14" dur="1" fill="hold">
-                                          <p:stCondLst>
-                                            <p:cond delay="0"/>
-                                          </p:stCondLst>
-                                        </p:cTn>
-                                        <p:tgtEl>
-                                          <p:spTgt spid="13"/>
-                                        </p:tgtEl>
-                                        <p:attrNameLst>
-                                          <p:attrName>style.visibility</p:attrName>
-                                        </p:attrNameLst>
-                                      </p:cBhvr>
-                                      <p:to>
-                                        <p:strVal val="visible"/>
-                                      </p:to>
-                                    </p:set>
-                                  </p:childTnLst>
-                                  <p:subTnLst>
-                                    <p:set>
-                                      <p:cBhvr override="childStyle">
-                                        <p:cTn dur="1" fill="hold" display="0" masterRel="nextClick" afterEffect="1"/>
-                                        <p:tgtEl>
-                                          <p:spTgt spid="13"/>
-                                        </p:tgtEl>
-                                        <p:attrNameLst>
-                                          <p:attrName>style.visibility</p:attrName>
-                                        </p:attrNameLst>
-                                      </p:cBhvr>
-                                      <p:to>
-                                        <p:strVal val="hidden"/>
-                                      </p:to>
-                                    </p:set>
-                                  </p:subTnLst>
-                                </p:cTn>
-                              </p:par>
-                            </p:childTnLst>
-                          </p:cTn>
-                        </p:par>
-                      </p:childTnLst>
-                    </p:cTn>
-                  </p:par>
-                </p:childTnLst>
-              </p:cTn>
-              <p:prevCondLst>
-                <p:cond evt="onPrev" delay="0">
-                  <p:tgtEl>
-                    <p:sldTgt/>
-                  </p:tgtEl>
-                </p:cond>
-              </p:prevCondLst>
-              <p:nextCondLst>
-                <p:cond evt="onNext" delay="0">
-                  <p:tgtEl>
-                    <p:sldTgt/>
-                  </p:tgtEl>
-                </p:cond>
-              </p:nextCondLst>
-            </p:seq>
-          </p:childTnLst>
-        </p:cTn>
-      </p:par>
-    </p:tnLst>
-  </p:timing>
 </p:sld>
 </file>
 
@@ -9162,8 +9624,8 @@
         </p:nvSpPr>
         <p:spPr>
           <a:xfrm>
-            <a:off x="152400" y="-26988"/>
-            <a:ext cx="8839200" cy="1143001"/>
+            <a:off x="152400" y="-26987"/>
+            <a:ext cx="8839200" cy="791691"/>
           </a:xfrm>
         </p:spPr>
         <p:txBody>
@@ -9180,17 +9642,6449 @@
               <a:rPr lang="en-US" dirty="0" smtClean="0">
                 <a:ea typeface="ＭＳ Ｐゴシック" charset="0"/>
               </a:rPr>
-              <a:t>into AWS (Windows)</a:t>
+              <a:t>into AWS</a:t>
             </a:r>
             <a:endParaRPr lang="en-US" dirty="0">
               <a:ea typeface="ＭＳ Ｐゴシック" charset="0"/>
             </a:endParaRPr>
+          </a:p>
+        </p:txBody>
+      </p:sp>
+      <p:sp>
+        <p:nvSpPr>
+          <p:cNvPr id="9" name="Line 1"/>
+          <p:cNvSpPr>
+            <a:spLocks noChangeShapeType="1"/>
+          </p:cNvSpPr>
+          <p:nvPr/>
+        </p:nvSpPr>
+        <p:spPr bwMode="auto">
+          <a:xfrm>
+            <a:off x="4175125" y="1124745"/>
+            <a:ext cx="0" cy="5112568"/>
+          </a:xfrm>
+          <a:prstGeom prst="line">
+            <a:avLst/>
+          </a:prstGeom>
+          <a:noFill/>
+          <a:ln w="76320" cap="flat">
+            <a:solidFill>
+              <a:srgbClr val="000000"/>
+            </a:solidFill>
+            <a:round/>
+            <a:headEnd/>
+            <a:tailEnd/>
+          </a:ln>
+          <a:effectLst/>
+          <a:extLst>
+            <a:ext uri="{909E8E84-426E-40dd-AFC4-6F175D3DCCD1}">
+              <a14:hiddenFill xmlns:a14="http://schemas.microsoft.com/office/drawing/2010/main">
+                <a:noFill/>
+              </a14:hiddenFill>
+            </a:ext>
+            <a:ext uri="{AF507438-7753-43e0-B8FC-AC1667EBCBE1}">
+              <a14:hiddenEffects xmlns:a14="http://schemas.microsoft.com/office/drawing/2010/main">
+                <a:effectLst>
+                  <a:outerShdw blurRad="63500" dist="38099" dir="2700000" algn="ctr" rotWithShape="0">
+                    <a:srgbClr val="000000">
+                      <a:alpha val="74998"/>
+                    </a:srgbClr>
+                  </a:outerShdw>
+                </a:effectLst>
+              </a14:hiddenEffects>
+            </a:ext>
+          </a:extLst>
+        </p:spPr>
+        <p:txBody>
+          <a:bodyPr/>
+          <a:lstStyle/>
+          <a:p>
+            <a:endParaRPr lang="en-US"/>
+          </a:p>
+        </p:txBody>
+      </p:sp>
+      <p:sp>
+        <p:nvSpPr>
+          <p:cNvPr id="11" name="Text Box 2"/>
+          <p:cNvSpPr txBox="1">
+            <a:spLocks noChangeArrowheads="1"/>
+          </p:cNvSpPr>
+          <p:nvPr/>
+        </p:nvSpPr>
+        <p:spPr bwMode="auto">
+          <a:xfrm>
+            <a:off x="457200" y="1028378"/>
+            <a:ext cx="2206625" cy="455613"/>
+          </a:xfrm>
+          <a:prstGeom prst="rect">
+            <a:avLst/>
+          </a:prstGeom>
+          <a:noFill/>
+          <a:ln>
+            <a:noFill/>
+          </a:ln>
+          <a:effectLst/>
+          <a:extLst>
+            <a:ext uri="{909E8E84-426E-40dd-AFC4-6F175D3DCCD1}">
+              <a14:hiddenFill xmlns:a14="http://schemas.microsoft.com/office/drawing/2010/main">
+                <a:solidFill>
+                  <a:srgbClr val="FFFFFF"/>
+                </a:solidFill>
+              </a14:hiddenFill>
+            </a:ext>
+            <a:ext uri="{91240B29-F687-4f45-9708-019B960494DF}">
+              <a14:hiddenLine xmlns:a14="http://schemas.microsoft.com/office/drawing/2010/main" w="9525" cap="flat">
+                <a:solidFill>
+                  <a:srgbClr val="808080"/>
+                </a:solidFill>
+                <a:round/>
+                <a:headEnd/>
+                <a:tailEnd/>
+              </a14:hiddenLine>
+            </a:ext>
+            <a:ext uri="{AF507438-7753-43e0-B8FC-AC1667EBCBE1}">
+              <a14:hiddenEffects xmlns:a14="http://schemas.microsoft.com/office/drawing/2010/main">
+                <a:effectLst>
+                  <a:outerShdw blurRad="63500" dist="38099" dir="2700000" algn="ctr" rotWithShape="0">
+                    <a:srgbClr val="000000">
+                      <a:alpha val="74998"/>
+                    </a:srgbClr>
+                  </a:outerShdw>
+                </a:effectLst>
+              </a14:hiddenEffects>
+            </a:ext>
+          </a:extLst>
+        </p:spPr>
+        <p:txBody>
+          <a:bodyPr wrap="none" lIns="90000" tIns="45000" rIns="90000" bIns="45000"/>
+          <a:lstStyle>
+            <a:lvl1pPr>
+              <a:tabLst>
+                <a:tab pos="0" algn="l"/>
+                <a:tab pos="447675" algn="l"/>
+                <a:tab pos="896938" algn="l"/>
+                <a:tab pos="1346200" algn="l"/>
+                <a:tab pos="1795463" algn="l"/>
+                <a:tab pos="2244725" algn="l"/>
+                <a:tab pos="2693988" algn="l"/>
+                <a:tab pos="3143250" algn="l"/>
+                <a:tab pos="3592513" algn="l"/>
+                <a:tab pos="4041775" algn="l"/>
+                <a:tab pos="4491038" algn="l"/>
+                <a:tab pos="4940300" algn="l"/>
+                <a:tab pos="5389563" algn="l"/>
+                <a:tab pos="5838825" algn="l"/>
+                <a:tab pos="6288088" algn="l"/>
+                <a:tab pos="6737350" algn="l"/>
+                <a:tab pos="7186613" algn="l"/>
+                <a:tab pos="7635875" algn="l"/>
+                <a:tab pos="8085138" algn="l"/>
+                <a:tab pos="8534400" algn="l"/>
+                <a:tab pos="8983663" algn="l"/>
+              </a:tabLst>
+              <a:defRPr sz="2400">
+                <a:solidFill>
+                  <a:srgbClr val="000000"/>
+                </a:solidFill>
+                <a:latin typeface="Arial" charset="0"/>
+                <a:ea typeface="ＭＳ Ｐゴシック" charset="0"/>
+                <a:cs typeface="ＭＳ Ｐゴシック" charset="0"/>
+              </a:defRPr>
+            </a:lvl1pPr>
+            <a:lvl2pPr>
+              <a:tabLst>
+                <a:tab pos="0" algn="l"/>
+                <a:tab pos="447675" algn="l"/>
+                <a:tab pos="896938" algn="l"/>
+                <a:tab pos="1346200" algn="l"/>
+                <a:tab pos="1795463" algn="l"/>
+                <a:tab pos="2244725" algn="l"/>
+                <a:tab pos="2693988" algn="l"/>
+                <a:tab pos="3143250" algn="l"/>
+                <a:tab pos="3592513" algn="l"/>
+                <a:tab pos="4041775" algn="l"/>
+                <a:tab pos="4491038" algn="l"/>
+                <a:tab pos="4940300" algn="l"/>
+                <a:tab pos="5389563" algn="l"/>
+                <a:tab pos="5838825" algn="l"/>
+                <a:tab pos="6288088" algn="l"/>
+                <a:tab pos="6737350" algn="l"/>
+                <a:tab pos="7186613" algn="l"/>
+                <a:tab pos="7635875" algn="l"/>
+                <a:tab pos="8085138" algn="l"/>
+                <a:tab pos="8534400" algn="l"/>
+                <a:tab pos="8983663" algn="l"/>
+              </a:tabLst>
+              <a:defRPr sz="2400">
+                <a:solidFill>
+                  <a:srgbClr val="000000"/>
+                </a:solidFill>
+                <a:latin typeface="Arial" charset="0"/>
+                <a:ea typeface="ＭＳ Ｐゴシック" charset="0"/>
+                <a:cs typeface="ＭＳ Ｐゴシック" charset="0"/>
+              </a:defRPr>
+            </a:lvl2pPr>
+            <a:lvl3pPr>
+              <a:tabLst>
+                <a:tab pos="0" algn="l"/>
+                <a:tab pos="447675" algn="l"/>
+                <a:tab pos="896938" algn="l"/>
+                <a:tab pos="1346200" algn="l"/>
+                <a:tab pos="1795463" algn="l"/>
+                <a:tab pos="2244725" algn="l"/>
+                <a:tab pos="2693988" algn="l"/>
+                <a:tab pos="3143250" algn="l"/>
+                <a:tab pos="3592513" algn="l"/>
+                <a:tab pos="4041775" algn="l"/>
+                <a:tab pos="4491038" algn="l"/>
+                <a:tab pos="4940300" algn="l"/>
+                <a:tab pos="5389563" algn="l"/>
+                <a:tab pos="5838825" algn="l"/>
+                <a:tab pos="6288088" algn="l"/>
+                <a:tab pos="6737350" algn="l"/>
+                <a:tab pos="7186613" algn="l"/>
+                <a:tab pos="7635875" algn="l"/>
+                <a:tab pos="8085138" algn="l"/>
+                <a:tab pos="8534400" algn="l"/>
+                <a:tab pos="8983663" algn="l"/>
+              </a:tabLst>
+              <a:defRPr sz="2400">
+                <a:solidFill>
+                  <a:srgbClr val="000000"/>
+                </a:solidFill>
+                <a:latin typeface="Arial" charset="0"/>
+                <a:ea typeface="ＭＳ Ｐゴシック" charset="0"/>
+                <a:cs typeface="ＭＳ Ｐゴシック" charset="0"/>
+              </a:defRPr>
+            </a:lvl3pPr>
+            <a:lvl4pPr>
+              <a:tabLst>
+                <a:tab pos="0" algn="l"/>
+                <a:tab pos="447675" algn="l"/>
+                <a:tab pos="896938" algn="l"/>
+                <a:tab pos="1346200" algn="l"/>
+                <a:tab pos="1795463" algn="l"/>
+                <a:tab pos="2244725" algn="l"/>
+                <a:tab pos="2693988" algn="l"/>
+                <a:tab pos="3143250" algn="l"/>
+                <a:tab pos="3592513" algn="l"/>
+                <a:tab pos="4041775" algn="l"/>
+                <a:tab pos="4491038" algn="l"/>
+                <a:tab pos="4940300" algn="l"/>
+                <a:tab pos="5389563" algn="l"/>
+                <a:tab pos="5838825" algn="l"/>
+                <a:tab pos="6288088" algn="l"/>
+                <a:tab pos="6737350" algn="l"/>
+                <a:tab pos="7186613" algn="l"/>
+                <a:tab pos="7635875" algn="l"/>
+                <a:tab pos="8085138" algn="l"/>
+                <a:tab pos="8534400" algn="l"/>
+                <a:tab pos="8983663" algn="l"/>
+              </a:tabLst>
+              <a:defRPr sz="2400">
+                <a:solidFill>
+                  <a:srgbClr val="000000"/>
+                </a:solidFill>
+                <a:latin typeface="Arial" charset="0"/>
+                <a:ea typeface="ＭＳ Ｐゴシック" charset="0"/>
+                <a:cs typeface="ＭＳ Ｐゴシック" charset="0"/>
+              </a:defRPr>
+            </a:lvl4pPr>
+            <a:lvl5pPr>
+              <a:tabLst>
+                <a:tab pos="0" algn="l"/>
+                <a:tab pos="447675" algn="l"/>
+                <a:tab pos="896938" algn="l"/>
+                <a:tab pos="1346200" algn="l"/>
+                <a:tab pos="1795463" algn="l"/>
+                <a:tab pos="2244725" algn="l"/>
+                <a:tab pos="2693988" algn="l"/>
+                <a:tab pos="3143250" algn="l"/>
+                <a:tab pos="3592513" algn="l"/>
+                <a:tab pos="4041775" algn="l"/>
+                <a:tab pos="4491038" algn="l"/>
+                <a:tab pos="4940300" algn="l"/>
+                <a:tab pos="5389563" algn="l"/>
+                <a:tab pos="5838825" algn="l"/>
+                <a:tab pos="6288088" algn="l"/>
+                <a:tab pos="6737350" algn="l"/>
+                <a:tab pos="7186613" algn="l"/>
+                <a:tab pos="7635875" algn="l"/>
+                <a:tab pos="8085138" algn="l"/>
+                <a:tab pos="8534400" algn="l"/>
+                <a:tab pos="8983663" algn="l"/>
+              </a:tabLst>
+              <a:defRPr sz="2400">
+                <a:solidFill>
+                  <a:srgbClr val="000000"/>
+                </a:solidFill>
+                <a:latin typeface="Arial" charset="0"/>
+                <a:ea typeface="ＭＳ Ｐゴシック" charset="0"/>
+                <a:cs typeface="ＭＳ Ｐゴシック" charset="0"/>
+              </a:defRPr>
+            </a:lvl5pPr>
+            <a:lvl6pPr marL="2514600" indent="-228600" defTabSz="449263" fontAlgn="base">
+              <a:spcBef>
+                <a:spcPct val="0"/>
+              </a:spcBef>
+              <a:spcAft>
+                <a:spcPct val="0"/>
+              </a:spcAft>
+              <a:buClr>
+                <a:srgbClr val="000000"/>
+              </a:buClr>
+              <a:buSzPct val="100000"/>
+              <a:buFont typeface="Times New Roman" charset="0"/>
+              <a:tabLst>
+                <a:tab pos="0" algn="l"/>
+                <a:tab pos="447675" algn="l"/>
+                <a:tab pos="896938" algn="l"/>
+                <a:tab pos="1346200" algn="l"/>
+                <a:tab pos="1795463" algn="l"/>
+                <a:tab pos="2244725" algn="l"/>
+                <a:tab pos="2693988" algn="l"/>
+                <a:tab pos="3143250" algn="l"/>
+                <a:tab pos="3592513" algn="l"/>
+                <a:tab pos="4041775" algn="l"/>
+                <a:tab pos="4491038" algn="l"/>
+                <a:tab pos="4940300" algn="l"/>
+                <a:tab pos="5389563" algn="l"/>
+                <a:tab pos="5838825" algn="l"/>
+                <a:tab pos="6288088" algn="l"/>
+                <a:tab pos="6737350" algn="l"/>
+                <a:tab pos="7186613" algn="l"/>
+                <a:tab pos="7635875" algn="l"/>
+                <a:tab pos="8085138" algn="l"/>
+                <a:tab pos="8534400" algn="l"/>
+                <a:tab pos="8983663" algn="l"/>
+              </a:tabLst>
+              <a:defRPr sz="2400">
+                <a:solidFill>
+                  <a:srgbClr val="000000"/>
+                </a:solidFill>
+                <a:latin typeface="Arial" charset="0"/>
+                <a:ea typeface="ＭＳ Ｐゴシック" charset="0"/>
+                <a:cs typeface="ＭＳ Ｐゴシック" charset="0"/>
+              </a:defRPr>
+            </a:lvl6pPr>
+            <a:lvl7pPr marL="2971800" indent="-228600" defTabSz="449263" fontAlgn="base">
+              <a:spcBef>
+                <a:spcPct val="0"/>
+              </a:spcBef>
+              <a:spcAft>
+                <a:spcPct val="0"/>
+              </a:spcAft>
+              <a:buClr>
+                <a:srgbClr val="000000"/>
+              </a:buClr>
+              <a:buSzPct val="100000"/>
+              <a:buFont typeface="Times New Roman" charset="0"/>
+              <a:tabLst>
+                <a:tab pos="0" algn="l"/>
+                <a:tab pos="447675" algn="l"/>
+                <a:tab pos="896938" algn="l"/>
+                <a:tab pos="1346200" algn="l"/>
+                <a:tab pos="1795463" algn="l"/>
+                <a:tab pos="2244725" algn="l"/>
+                <a:tab pos="2693988" algn="l"/>
+                <a:tab pos="3143250" algn="l"/>
+                <a:tab pos="3592513" algn="l"/>
+                <a:tab pos="4041775" algn="l"/>
+                <a:tab pos="4491038" algn="l"/>
+                <a:tab pos="4940300" algn="l"/>
+                <a:tab pos="5389563" algn="l"/>
+                <a:tab pos="5838825" algn="l"/>
+                <a:tab pos="6288088" algn="l"/>
+                <a:tab pos="6737350" algn="l"/>
+                <a:tab pos="7186613" algn="l"/>
+                <a:tab pos="7635875" algn="l"/>
+                <a:tab pos="8085138" algn="l"/>
+                <a:tab pos="8534400" algn="l"/>
+                <a:tab pos="8983663" algn="l"/>
+              </a:tabLst>
+              <a:defRPr sz="2400">
+                <a:solidFill>
+                  <a:srgbClr val="000000"/>
+                </a:solidFill>
+                <a:latin typeface="Arial" charset="0"/>
+                <a:ea typeface="ＭＳ Ｐゴシック" charset="0"/>
+                <a:cs typeface="ＭＳ Ｐゴシック" charset="0"/>
+              </a:defRPr>
+            </a:lvl7pPr>
+            <a:lvl8pPr marL="3429000" indent="-228600" defTabSz="449263" fontAlgn="base">
+              <a:spcBef>
+                <a:spcPct val="0"/>
+              </a:spcBef>
+              <a:spcAft>
+                <a:spcPct val="0"/>
+              </a:spcAft>
+              <a:buClr>
+                <a:srgbClr val="000000"/>
+              </a:buClr>
+              <a:buSzPct val="100000"/>
+              <a:buFont typeface="Times New Roman" charset="0"/>
+              <a:tabLst>
+                <a:tab pos="0" algn="l"/>
+                <a:tab pos="447675" algn="l"/>
+                <a:tab pos="896938" algn="l"/>
+                <a:tab pos="1346200" algn="l"/>
+                <a:tab pos="1795463" algn="l"/>
+                <a:tab pos="2244725" algn="l"/>
+                <a:tab pos="2693988" algn="l"/>
+                <a:tab pos="3143250" algn="l"/>
+                <a:tab pos="3592513" algn="l"/>
+                <a:tab pos="4041775" algn="l"/>
+                <a:tab pos="4491038" algn="l"/>
+                <a:tab pos="4940300" algn="l"/>
+                <a:tab pos="5389563" algn="l"/>
+                <a:tab pos="5838825" algn="l"/>
+                <a:tab pos="6288088" algn="l"/>
+                <a:tab pos="6737350" algn="l"/>
+                <a:tab pos="7186613" algn="l"/>
+                <a:tab pos="7635875" algn="l"/>
+                <a:tab pos="8085138" algn="l"/>
+                <a:tab pos="8534400" algn="l"/>
+                <a:tab pos="8983663" algn="l"/>
+              </a:tabLst>
+              <a:defRPr sz="2400">
+                <a:solidFill>
+                  <a:srgbClr val="000000"/>
+                </a:solidFill>
+                <a:latin typeface="Arial" charset="0"/>
+                <a:ea typeface="ＭＳ Ｐゴシック" charset="0"/>
+                <a:cs typeface="ＭＳ Ｐゴシック" charset="0"/>
+              </a:defRPr>
+            </a:lvl8pPr>
+            <a:lvl9pPr marL="3886200" indent="-228600" defTabSz="449263" fontAlgn="base">
+              <a:spcBef>
+                <a:spcPct val="0"/>
+              </a:spcBef>
+              <a:spcAft>
+                <a:spcPct val="0"/>
+              </a:spcAft>
+              <a:buClr>
+                <a:srgbClr val="000000"/>
+              </a:buClr>
+              <a:buSzPct val="100000"/>
+              <a:buFont typeface="Times New Roman" charset="0"/>
+              <a:tabLst>
+                <a:tab pos="0" algn="l"/>
+                <a:tab pos="447675" algn="l"/>
+                <a:tab pos="896938" algn="l"/>
+                <a:tab pos="1346200" algn="l"/>
+                <a:tab pos="1795463" algn="l"/>
+                <a:tab pos="2244725" algn="l"/>
+                <a:tab pos="2693988" algn="l"/>
+                <a:tab pos="3143250" algn="l"/>
+                <a:tab pos="3592513" algn="l"/>
+                <a:tab pos="4041775" algn="l"/>
+                <a:tab pos="4491038" algn="l"/>
+                <a:tab pos="4940300" algn="l"/>
+                <a:tab pos="5389563" algn="l"/>
+                <a:tab pos="5838825" algn="l"/>
+                <a:tab pos="6288088" algn="l"/>
+                <a:tab pos="6737350" algn="l"/>
+                <a:tab pos="7186613" algn="l"/>
+                <a:tab pos="7635875" algn="l"/>
+                <a:tab pos="8085138" algn="l"/>
+                <a:tab pos="8534400" algn="l"/>
+                <a:tab pos="8983663" algn="l"/>
+              </a:tabLst>
+              <a:defRPr sz="2400">
+                <a:solidFill>
+                  <a:srgbClr val="000000"/>
+                </a:solidFill>
+                <a:latin typeface="Arial" charset="0"/>
+                <a:ea typeface="ＭＳ Ｐゴシック" charset="0"/>
+                <a:cs typeface="ＭＳ Ｐゴシック" charset="0"/>
+              </a:defRPr>
+            </a:lvl9pPr>
+          </a:lstStyle>
+          <a:p>
+            <a:pPr>
+              <a:buClrTx/>
+              <a:buFontTx/>
+              <a:buNone/>
+            </a:pPr>
+            <a:r>
+              <a:rPr lang="en-US" b="1" dirty="0"/>
+              <a:t>Mac/Linux</a:t>
+            </a:r>
+          </a:p>
+        </p:txBody>
+      </p:sp>
+      <p:sp>
+        <p:nvSpPr>
+          <p:cNvPr id="14" name="Text Box 3"/>
+          <p:cNvSpPr txBox="1">
+            <a:spLocks noChangeArrowheads="1"/>
+          </p:cNvSpPr>
+          <p:nvPr/>
+        </p:nvSpPr>
+        <p:spPr bwMode="auto">
+          <a:xfrm>
+            <a:off x="4618038" y="1028378"/>
+            <a:ext cx="2293937" cy="455612"/>
+          </a:xfrm>
+          <a:prstGeom prst="rect">
+            <a:avLst/>
+          </a:prstGeom>
+          <a:noFill/>
+          <a:ln>
+            <a:noFill/>
+          </a:ln>
+          <a:effectLst/>
+          <a:extLst>
+            <a:ext uri="{909E8E84-426E-40dd-AFC4-6F175D3DCCD1}">
+              <a14:hiddenFill xmlns:a14="http://schemas.microsoft.com/office/drawing/2010/main">
+                <a:solidFill>
+                  <a:srgbClr val="FFFFFF"/>
+                </a:solidFill>
+              </a14:hiddenFill>
+            </a:ext>
+            <a:ext uri="{91240B29-F687-4f45-9708-019B960494DF}">
+              <a14:hiddenLine xmlns:a14="http://schemas.microsoft.com/office/drawing/2010/main" w="9525" cap="flat">
+                <a:solidFill>
+                  <a:srgbClr val="808080"/>
+                </a:solidFill>
+                <a:round/>
+                <a:headEnd/>
+                <a:tailEnd/>
+              </a14:hiddenLine>
+            </a:ext>
+            <a:ext uri="{AF507438-7753-43e0-B8FC-AC1667EBCBE1}">
+              <a14:hiddenEffects xmlns:a14="http://schemas.microsoft.com/office/drawing/2010/main">
+                <a:effectLst>
+                  <a:outerShdw blurRad="63500" dist="38099" dir="2700000" algn="ctr" rotWithShape="0">
+                    <a:srgbClr val="000000">
+                      <a:alpha val="74998"/>
+                    </a:srgbClr>
+                  </a:outerShdw>
+                </a:effectLst>
+              </a14:hiddenEffects>
+            </a:ext>
+          </a:extLst>
+        </p:spPr>
+        <p:txBody>
+          <a:bodyPr wrap="none" lIns="90000" tIns="45000" rIns="90000" bIns="45000"/>
+          <a:lstStyle>
+            <a:lvl1pPr>
+              <a:tabLst>
+                <a:tab pos="0" algn="l"/>
+                <a:tab pos="447675" algn="l"/>
+                <a:tab pos="896938" algn="l"/>
+                <a:tab pos="1346200" algn="l"/>
+                <a:tab pos="1795463" algn="l"/>
+                <a:tab pos="2244725" algn="l"/>
+                <a:tab pos="2693988" algn="l"/>
+                <a:tab pos="3143250" algn="l"/>
+                <a:tab pos="3592513" algn="l"/>
+                <a:tab pos="4041775" algn="l"/>
+                <a:tab pos="4491038" algn="l"/>
+                <a:tab pos="4940300" algn="l"/>
+                <a:tab pos="5389563" algn="l"/>
+                <a:tab pos="5838825" algn="l"/>
+                <a:tab pos="6288088" algn="l"/>
+                <a:tab pos="6737350" algn="l"/>
+                <a:tab pos="7186613" algn="l"/>
+                <a:tab pos="7635875" algn="l"/>
+                <a:tab pos="8085138" algn="l"/>
+                <a:tab pos="8534400" algn="l"/>
+                <a:tab pos="8983663" algn="l"/>
+              </a:tabLst>
+              <a:defRPr sz="2400">
+                <a:solidFill>
+                  <a:srgbClr val="000000"/>
+                </a:solidFill>
+                <a:latin typeface="Arial" charset="0"/>
+                <a:ea typeface="ＭＳ Ｐゴシック" charset="0"/>
+                <a:cs typeface="ＭＳ Ｐゴシック" charset="0"/>
+              </a:defRPr>
+            </a:lvl1pPr>
+            <a:lvl2pPr>
+              <a:tabLst>
+                <a:tab pos="0" algn="l"/>
+                <a:tab pos="447675" algn="l"/>
+                <a:tab pos="896938" algn="l"/>
+                <a:tab pos="1346200" algn="l"/>
+                <a:tab pos="1795463" algn="l"/>
+                <a:tab pos="2244725" algn="l"/>
+                <a:tab pos="2693988" algn="l"/>
+                <a:tab pos="3143250" algn="l"/>
+                <a:tab pos="3592513" algn="l"/>
+                <a:tab pos="4041775" algn="l"/>
+                <a:tab pos="4491038" algn="l"/>
+                <a:tab pos="4940300" algn="l"/>
+                <a:tab pos="5389563" algn="l"/>
+                <a:tab pos="5838825" algn="l"/>
+                <a:tab pos="6288088" algn="l"/>
+                <a:tab pos="6737350" algn="l"/>
+                <a:tab pos="7186613" algn="l"/>
+                <a:tab pos="7635875" algn="l"/>
+                <a:tab pos="8085138" algn="l"/>
+                <a:tab pos="8534400" algn="l"/>
+                <a:tab pos="8983663" algn="l"/>
+              </a:tabLst>
+              <a:defRPr sz="2400">
+                <a:solidFill>
+                  <a:srgbClr val="000000"/>
+                </a:solidFill>
+                <a:latin typeface="Arial" charset="0"/>
+                <a:ea typeface="ＭＳ Ｐゴシック" charset="0"/>
+                <a:cs typeface="ＭＳ Ｐゴシック" charset="0"/>
+              </a:defRPr>
+            </a:lvl2pPr>
+            <a:lvl3pPr>
+              <a:tabLst>
+                <a:tab pos="0" algn="l"/>
+                <a:tab pos="447675" algn="l"/>
+                <a:tab pos="896938" algn="l"/>
+                <a:tab pos="1346200" algn="l"/>
+                <a:tab pos="1795463" algn="l"/>
+                <a:tab pos="2244725" algn="l"/>
+                <a:tab pos="2693988" algn="l"/>
+                <a:tab pos="3143250" algn="l"/>
+                <a:tab pos="3592513" algn="l"/>
+                <a:tab pos="4041775" algn="l"/>
+                <a:tab pos="4491038" algn="l"/>
+                <a:tab pos="4940300" algn="l"/>
+                <a:tab pos="5389563" algn="l"/>
+                <a:tab pos="5838825" algn="l"/>
+                <a:tab pos="6288088" algn="l"/>
+                <a:tab pos="6737350" algn="l"/>
+                <a:tab pos="7186613" algn="l"/>
+                <a:tab pos="7635875" algn="l"/>
+                <a:tab pos="8085138" algn="l"/>
+                <a:tab pos="8534400" algn="l"/>
+                <a:tab pos="8983663" algn="l"/>
+              </a:tabLst>
+              <a:defRPr sz="2400">
+                <a:solidFill>
+                  <a:srgbClr val="000000"/>
+                </a:solidFill>
+                <a:latin typeface="Arial" charset="0"/>
+                <a:ea typeface="ＭＳ Ｐゴシック" charset="0"/>
+                <a:cs typeface="ＭＳ Ｐゴシック" charset="0"/>
+              </a:defRPr>
+            </a:lvl3pPr>
+            <a:lvl4pPr>
+              <a:tabLst>
+                <a:tab pos="0" algn="l"/>
+                <a:tab pos="447675" algn="l"/>
+                <a:tab pos="896938" algn="l"/>
+                <a:tab pos="1346200" algn="l"/>
+                <a:tab pos="1795463" algn="l"/>
+                <a:tab pos="2244725" algn="l"/>
+                <a:tab pos="2693988" algn="l"/>
+                <a:tab pos="3143250" algn="l"/>
+                <a:tab pos="3592513" algn="l"/>
+                <a:tab pos="4041775" algn="l"/>
+                <a:tab pos="4491038" algn="l"/>
+                <a:tab pos="4940300" algn="l"/>
+                <a:tab pos="5389563" algn="l"/>
+                <a:tab pos="5838825" algn="l"/>
+                <a:tab pos="6288088" algn="l"/>
+                <a:tab pos="6737350" algn="l"/>
+                <a:tab pos="7186613" algn="l"/>
+                <a:tab pos="7635875" algn="l"/>
+                <a:tab pos="8085138" algn="l"/>
+                <a:tab pos="8534400" algn="l"/>
+                <a:tab pos="8983663" algn="l"/>
+              </a:tabLst>
+              <a:defRPr sz="2400">
+                <a:solidFill>
+                  <a:srgbClr val="000000"/>
+                </a:solidFill>
+                <a:latin typeface="Arial" charset="0"/>
+                <a:ea typeface="ＭＳ Ｐゴシック" charset="0"/>
+                <a:cs typeface="ＭＳ Ｐゴシック" charset="0"/>
+              </a:defRPr>
+            </a:lvl4pPr>
+            <a:lvl5pPr>
+              <a:tabLst>
+                <a:tab pos="0" algn="l"/>
+                <a:tab pos="447675" algn="l"/>
+                <a:tab pos="896938" algn="l"/>
+                <a:tab pos="1346200" algn="l"/>
+                <a:tab pos="1795463" algn="l"/>
+                <a:tab pos="2244725" algn="l"/>
+                <a:tab pos="2693988" algn="l"/>
+                <a:tab pos="3143250" algn="l"/>
+                <a:tab pos="3592513" algn="l"/>
+                <a:tab pos="4041775" algn="l"/>
+                <a:tab pos="4491038" algn="l"/>
+                <a:tab pos="4940300" algn="l"/>
+                <a:tab pos="5389563" algn="l"/>
+                <a:tab pos="5838825" algn="l"/>
+                <a:tab pos="6288088" algn="l"/>
+                <a:tab pos="6737350" algn="l"/>
+                <a:tab pos="7186613" algn="l"/>
+                <a:tab pos="7635875" algn="l"/>
+                <a:tab pos="8085138" algn="l"/>
+                <a:tab pos="8534400" algn="l"/>
+                <a:tab pos="8983663" algn="l"/>
+              </a:tabLst>
+              <a:defRPr sz="2400">
+                <a:solidFill>
+                  <a:srgbClr val="000000"/>
+                </a:solidFill>
+                <a:latin typeface="Arial" charset="0"/>
+                <a:ea typeface="ＭＳ Ｐゴシック" charset="0"/>
+                <a:cs typeface="ＭＳ Ｐゴシック" charset="0"/>
+              </a:defRPr>
+            </a:lvl5pPr>
+            <a:lvl6pPr marL="2514600" indent="-228600" defTabSz="449263" fontAlgn="base">
+              <a:spcBef>
+                <a:spcPct val="0"/>
+              </a:spcBef>
+              <a:spcAft>
+                <a:spcPct val="0"/>
+              </a:spcAft>
+              <a:buClr>
+                <a:srgbClr val="000000"/>
+              </a:buClr>
+              <a:buSzPct val="100000"/>
+              <a:buFont typeface="Times New Roman" charset="0"/>
+              <a:tabLst>
+                <a:tab pos="0" algn="l"/>
+                <a:tab pos="447675" algn="l"/>
+                <a:tab pos="896938" algn="l"/>
+                <a:tab pos="1346200" algn="l"/>
+                <a:tab pos="1795463" algn="l"/>
+                <a:tab pos="2244725" algn="l"/>
+                <a:tab pos="2693988" algn="l"/>
+                <a:tab pos="3143250" algn="l"/>
+                <a:tab pos="3592513" algn="l"/>
+                <a:tab pos="4041775" algn="l"/>
+                <a:tab pos="4491038" algn="l"/>
+                <a:tab pos="4940300" algn="l"/>
+                <a:tab pos="5389563" algn="l"/>
+                <a:tab pos="5838825" algn="l"/>
+                <a:tab pos="6288088" algn="l"/>
+                <a:tab pos="6737350" algn="l"/>
+                <a:tab pos="7186613" algn="l"/>
+                <a:tab pos="7635875" algn="l"/>
+                <a:tab pos="8085138" algn="l"/>
+                <a:tab pos="8534400" algn="l"/>
+                <a:tab pos="8983663" algn="l"/>
+              </a:tabLst>
+              <a:defRPr sz="2400">
+                <a:solidFill>
+                  <a:srgbClr val="000000"/>
+                </a:solidFill>
+                <a:latin typeface="Arial" charset="0"/>
+                <a:ea typeface="ＭＳ Ｐゴシック" charset="0"/>
+                <a:cs typeface="ＭＳ Ｐゴシック" charset="0"/>
+              </a:defRPr>
+            </a:lvl6pPr>
+            <a:lvl7pPr marL="2971800" indent="-228600" defTabSz="449263" fontAlgn="base">
+              <a:spcBef>
+                <a:spcPct val="0"/>
+              </a:spcBef>
+              <a:spcAft>
+                <a:spcPct val="0"/>
+              </a:spcAft>
+              <a:buClr>
+                <a:srgbClr val="000000"/>
+              </a:buClr>
+              <a:buSzPct val="100000"/>
+              <a:buFont typeface="Times New Roman" charset="0"/>
+              <a:tabLst>
+                <a:tab pos="0" algn="l"/>
+                <a:tab pos="447675" algn="l"/>
+                <a:tab pos="896938" algn="l"/>
+                <a:tab pos="1346200" algn="l"/>
+                <a:tab pos="1795463" algn="l"/>
+                <a:tab pos="2244725" algn="l"/>
+                <a:tab pos="2693988" algn="l"/>
+                <a:tab pos="3143250" algn="l"/>
+                <a:tab pos="3592513" algn="l"/>
+                <a:tab pos="4041775" algn="l"/>
+                <a:tab pos="4491038" algn="l"/>
+                <a:tab pos="4940300" algn="l"/>
+                <a:tab pos="5389563" algn="l"/>
+                <a:tab pos="5838825" algn="l"/>
+                <a:tab pos="6288088" algn="l"/>
+                <a:tab pos="6737350" algn="l"/>
+                <a:tab pos="7186613" algn="l"/>
+                <a:tab pos="7635875" algn="l"/>
+                <a:tab pos="8085138" algn="l"/>
+                <a:tab pos="8534400" algn="l"/>
+                <a:tab pos="8983663" algn="l"/>
+              </a:tabLst>
+              <a:defRPr sz="2400">
+                <a:solidFill>
+                  <a:srgbClr val="000000"/>
+                </a:solidFill>
+                <a:latin typeface="Arial" charset="0"/>
+                <a:ea typeface="ＭＳ Ｐゴシック" charset="0"/>
+                <a:cs typeface="ＭＳ Ｐゴシック" charset="0"/>
+              </a:defRPr>
+            </a:lvl7pPr>
+            <a:lvl8pPr marL="3429000" indent="-228600" defTabSz="449263" fontAlgn="base">
+              <a:spcBef>
+                <a:spcPct val="0"/>
+              </a:spcBef>
+              <a:spcAft>
+                <a:spcPct val="0"/>
+              </a:spcAft>
+              <a:buClr>
+                <a:srgbClr val="000000"/>
+              </a:buClr>
+              <a:buSzPct val="100000"/>
+              <a:buFont typeface="Times New Roman" charset="0"/>
+              <a:tabLst>
+                <a:tab pos="0" algn="l"/>
+                <a:tab pos="447675" algn="l"/>
+                <a:tab pos="896938" algn="l"/>
+                <a:tab pos="1346200" algn="l"/>
+                <a:tab pos="1795463" algn="l"/>
+                <a:tab pos="2244725" algn="l"/>
+                <a:tab pos="2693988" algn="l"/>
+                <a:tab pos="3143250" algn="l"/>
+                <a:tab pos="3592513" algn="l"/>
+                <a:tab pos="4041775" algn="l"/>
+                <a:tab pos="4491038" algn="l"/>
+                <a:tab pos="4940300" algn="l"/>
+                <a:tab pos="5389563" algn="l"/>
+                <a:tab pos="5838825" algn="l"/>
+                <a:tab pos="6288088" algn="l"/>
+                <a:tab pos="6737350" algn="l"/>
+                <a:tab pos="7186613" algn="l"/>
+                <a:tab pos="7635875" algn="l"/>
+                <a:tab pos="8085138" algn="l"/>
+                <a:tab pos="8534400" algn="l"/>
+                <a:tab pos="8983663" algn="l"/>
+              </a:tabLst>
+              <a:defRPr sz="2400">
+                <a:solidFill>
+                  <a:srgbClr val="000000"/>
+                </a:solidFill>
+                <a:latin typeface="Arial" charset="0"/>
+                <a:ea typeface="ＭＳ Ｐゴシック" charset="0"/>
+                <a:cs typeface="ＭＳ Ｐゴシック" charset="0"/>
+              </a:defRPr>
+            </a:lvl8pPr>
+            <a:lvl9pPr marL="3886200" indent="-228600" defTabSz="449263" fontAlgn="base">
+              <a:spcBef>
+                <a:spcPct val="0"/>
+              </a:spcBef>
+              <a:spcAft>
+                <a:spcPct val="0"/>
+              </a:spcAft>
+              <a:buClr>
+                <a:srgbClr val="000000"/>
+              </a:buClr>
+              <a:buSzPct val="100000"/>
+              <a:buFont typeface="Times New Roman" charset="0"/>
+              <a:tabLst>
+                <a:tab pos="0" algn="l"/>
+                <a:tab pos="447675" algn="l"/>
+                <a:tab pos="896938" algn="l"/>
+                <a:tab pos="1346200" algn="l"/>
+                <a:tab pos="1795463" algn="l"/>
+                <a:tab pos="2244725" algn="l"/>
+                <a:tab pos="2693988" algn="l"/>
+                <a:tab pos="3143250" algn="l"/>
+                <a:tab pos="3592513" algn="l"/>
+                <a:tab pos="4041775" algn="l"/>
+                <a:tab pos="4491038" algn="l"/>
+                <a:tab pos="4940300" algn="l"/>
+                <a:tab pos="5389563" algn="l"/>
+                <a:tab pos="5838825" algn="l"/>
+                <a:tab pos="6288088" algn="l"/>
+                <a:tab pos="6737350" algn="l"/>
+                <a:tab pos="7186613" algn="l"/>
+                <a:tab pos="7635875" algn="l"/>
+                <a:tab pos="8085138" algn="l"/>
+                <a:tab pos="8534400" algn="l"/>
+                <a:tab pos="8983663" algn="l"/>
+              </a:tabLst>
+              <a:defRPr sz="2400">
+                <a:solidFill>
+                  <a:srgbClr val="000000"/>
+                </a:solidFill>
+                <a:latin typeface="Arial" charset="0"/>
+                <a:ea typeface="ＭＳ Ｐゴシック" charset="0"/>
+                <a:cs typeface="ＭＳ Ｐゴシック" charset="0"/>
+              </a:defRPr>
+            </a:lvl9pPr>
+          </a:lstStyle>
+          <a:p>
+            <a:pPr>
+              <a:buClrTx/>
+              <a:buFontTx/>
+              <a:buNone/>
+            </a:pPr>
+            <a:r>
+              <a:rPr lang="en-US" b="1"/>
+              <a:t>Windows</a:t>
+            </a:r>
+          </a:p>
+        </p:txBody>
+      </p:sp>
+      <p:sp>
+        <p:nvSpPr>
+          <p:cNvPr id="15" name="Text Box 4"/>
+          <p:cNvSpPr txBox="1">
+            <a:spLocks noChangeArrowheads="1"/>
+          </p:cNvSpPr>
+          <p:nvPr/>
+        </p:nvSpPr>
+        <p:spPr bwMode="auto">
+          <a:xfrm>
+            <a:off x="441325" y="2055466"/>
+            <a:ext cx="2366963" cy="395287"/>
+          </a:xfrm>
+          <a:prstGeom prst="rect">
+            <a:avLst/>
+          </a:prstGeom>
+          <a:noFill/>
+          <a:ln>
+            <a:noFill/>
+          </a:ln>
+          <a:effectLst/>
+          <a:extLst>
+            <a:ext uri="{909E8E84-426E-40dd-AFC4-6F175D3DCCD1}">
+              <a14:hiddenFill xmlns:a14="http://schemas.microsoft.com/office/drawing/2010/main">
+                <a:solidFill>
+                  <a:srgbClr val="FFFFFF"/>
+                </a:solidFill>
+              </a14:hiddenFill>
+            </a:ext>
+            <a:ext uri="{91240B29-F687-4f45-9708-019B960494DF}">
+              <a14:hiddenLine xmlns:a14="http://schemas.microsoft.com/office/drawing/2010/main" w="9525" cap="flat">
+                <a:solidFill>
+                  <a:srgbClr val="808080"/>
+                </a:solidFill>
+                <a:round/>
+                <a:headEnd/>
+                <a:tailEnd/>
+              </a14:hiddenLine>
+            </a:ext>
+            <a:ext uri="{AF507438-7753-43e0-B8FC-AC1667EBCBE1}">
+              <a14:hiddenEffects xmlns:a14="http://schemas.microsoft.com/office/drawing/2010/main">
+                <a:effectLst>
+                  <a:outerShdw blurRad="63500" dist="38099" dir="2700000" algn="ctr" rotWithShape="0">
+                    <a:srgbClr val="000000">
+                      <a:alpha val="74998"/>
+                    </a:srgbClr>
+                  </a:outerShdw>
+                </a:effectLst>
+              </a14:hiddenEffects>
+            </a:ext>
+          </a:extLst>
+        </p:spPr>
+        <p:txBody>
+          <a:bodyPr wrap="none" lIns="90000" tIns="45000" rIns="90000" bIns="45000"/>
+          <a:lstStyle>
+            <a:lvl1pPr>
+              <a:tabLst>
+                <a:tab pos="0" algn="l"/>
+                <a:tab pos="447675" algn="l"/>
+                <a:tab pos="896938" algn="l"/>
+                <a:tab pos="1346200" algn="l"/>
+                <a:tab pos="1795463" algn="l"/>
+                <a:tab pos="2244725" algn="l"/>
+                <a:tab pos="2693988" algn="l"/>
+                <a:tab pos="3143250" algn="l"/>
+                <a:tab pos="3592513" algn="l"/>
+                <a:tab pos="4041775" algn="l"/>
+                <a:tab pos="4491038" algn="l"/>
+                <a:tab pos="4940300" algn="l"/>
+                <a:tab pos="5389563" algn="l"/>
+                <a:tab pos="5838825" algn="l"/>
+                <a:tab pos="6288088" algn="l"/>
+                <a:tab pos="6737350" algn="l"/>
+                <a:tab pos="7186613" algn="l"/>
+                <a:tab pos="7635875" algn="l"/>
+                <a:tab pos="8085138" algn="l"/>
+                <a:tab pos="8534400" algn="l"/>
+                <a:tab pos="8983663" algn="l"/>
+              </a:tabLst>
+              <a:defRPr sz="2400">
+                <a:solidFill>
+                  <a:srgbClr val="000000"/>
+                </a:solidFill>
+                <a:latin typeface="Arial" charset="0"/>
+                <a:ea typeface="ＭＳ Ｐゴシック" charset="0"/>
+                <a:cs typeface="ＭＳ Ｐゴシック" charset="0"/>
+              </a:defRPr>
+            </a:lvl1pPr>
+            <a:lvl2pPr>
+              <a:tabLst>
+                <a:tab pos="0" algn="l"/>
+                <a:tab pos="447675" algn="l"/>
+                <a:tab pos="896938" algn="l"/>
+                <a:tab pos="1346200" algn="l"/>
+                <a:tab pos="1795463" algn="l"/>
+                <a:tab pos="2244725" algn="l"/>
+                <a:tab pos="2693988" algn="l"/>
+                <a:tab pos="3143250" algn="l"/>
+                <a:tab pos="3592513" algn="l"/>
+                <a:tab pos="4041775" algn="l"/>
+                <a:tab pos="4491038" algn="l"/>
+                <a:tab pos="4940300" algn="l"/>
+                <a:tab pos="5389563" algn="l"/>
+                <a:tab pos="5838825" algn="l"/>
+                <a:tab pos="6288088" algn="l"/>
+                <a:tab pos="6737350" algn="l"/>
+                <a:tab pos="7186613" algn="l"/>
+                <a:tab pos="7635875" algn="l"/>
+                <a:tab pos="8085138" algn="l"/>
+                <a:tab pos="8534400" algn="l"/>
+                <a:tab pos="8983663" algn="l"/>
+              </a:tabLst>
+              <a:defRPr sz="2400">
+                <a:solidFill>
+                  <a:srgbClr val="000000"/>
+                </a:solidFill>
+                <a:latin typeface="Arial" charset="0"/>
+                <a:ea typeface="ＭＳ Ｐゴシック" charset="0"/>
+                <a:cs typeface="ＭＳ Ｐゴシック" charset="0"/>
+              </a:defRPr>
+            </a:lvl2pPr>
+            <a:lvl3pPr>
+              <a:tabLst>
+                <a:tab pos="0" algn="l"/>
+                <a:tab pos="447675" algn="l"/>
+                <a:tab pos="896938" algn="l"/>
+                <a:tab pos="1346200" algn="l"/>
+                <a:tab pos="1795463" algn="l"/>
+                <a:tab pos="2244725" algn="l"/>
+                <a:tab pos="2693988" algn="l"/>
+                <a:tab pos="3143250" algn="l"/>
+                <a:tab pos="3592513" algn="l"/>
+                <a:tab pos="4041775" algn="l"/>
+                <a:tab pos="4491038" algn="l"/>
+                <a:tab pos="4940300" algn="l"/>
+                <a:tab pos="5389563" algn="l"/>
+                <a:tab pos="5838825" algn="l"/>
+                <a:tab pos="6288088" algn="l"/>
+                <a:tab pos="6737350" algn="l"/>
+                <a:tab pos="7186613" algn="l"/>
+                <a:tab pos="7635875" algn="l"/>
+                <a:tab pos="8085138" algn="l"/>
+                <a:tab pos="8534400" algn="l"/>
+                <a:tab pos="8983663" algn="l"/>
+              </a:tabLst>
+              <a:defRPr sz="2400">
+                <a:solidFill>
+                  <a:srgbClr val="000000"/>
+                </a:solidFill>
+                <a:latin typeface="Arial" charset="0"/>
+                <a:ea typeface="ＭＳ Ｐゴシック" charset="0"/>
+                <a:cs typeface="ＭＳ Ｐゴシック" charset="0"/>
+              </a:defRPr>
+            </a:lvl3pPr>
+            <a:lvl4pPr>
+              <a:tabLst>
+                <a:tab pos="0" algn="l"/>
+                <a:tab pos="447675" algn="l"/>
+                <a:tab pos="896938" algn="l"/>
+                <a:tab pos="1346200" algn="l"/>
+                <a:tab pos="1795463" algn="l"/>
+                <a:tab pos="2244725" algn="l"/>
+                <a:tab pos="2693988" algn="l"/>
+                <a:tab pos="3143250" algn="l"/>
+                <a:tab pos="3592513" algn="l"/>
+                <a:tab pos="4041775" algn="l"/>
+                <a:tab pos="4491038" algn="l"/>
+                <a:tab pos="4940300" algn="l"/>
+                <a:tab pos="5389563" algn="l"/>
+                <a:tab pos="5838825" algn="l"/>
+                <a:tab pos="6288088" algn="l"/>
+                <a:tab pos="6737350" algn="l"/>
+                <a:tab pos="7186613" algn="l"/>
+                <a:tab pos="7635875" algn="l"/>
+                <a:tab pos="8085138" algn="l"/>
+                <a:tab pos="8534400" algn="l"/>
+                <a:tab pos="8983663" algn="l"/>
+              </a:tabLst>
+              <a:defRPr sz="2400">
+                <a:solidFill>
+                  <a:srgbClr val="000000"/>
+                </a:solidFill>
+                <a:latin typeface="Arial" charset="0"/>
+                <a:ea typeface="ＭＳ Ｐゴシック" charset="0"/>
+                <a:cs typeface="ＭＳ Ｐゴシック" charset="0"/>
+              </a:defRPr>
+            </a:lvl4pPr>
+            <a:lvl5pPr>
+              <a:tabLst>
+                <a:tab pos="0" algn="l"/>
+                <a:tab pos="447675" algn="l"/>
+                <a:tab pos="896938" algn="l"/>
+                <a:tab pos="1346200" algn="l"/>
+                <a:tab pos="1795463" algn="l"/>
+                <a:tab pos="2244725" algn="l"/>
+                <a:tab pos="2693988" algn="l"/>
+                <a:tab pos="3143250" algn="l"/>
+                <a:tab pos="3592513" algn="l"/>
+                <a:tab pos="4041775" algn="l"/>
+                <a:tab pos="4491038" algn="l"/>
+                <a:tab pos="4940300" algn="l"/>
+                <a:tab pos="5389563" algn="l"/>
+                <a:tab pos="5838825" algn="l"/>
+                <a:tab pos="6288088" algn="l"/>
+                <a:tab pos="6737350" algn="l"/>
+                <a:tab pos="7186613" algn="l"/>
+                <a:tab pos="7635875" algn="l"/>
+                <a:tab pos="8085138" algn="l"/>
+                <a:tab pos="8534400" algn="l"/>
+                <a:tab pos="8983663" algn="l"/>
+              </a:tabLst>
+              <a:defRPr sz="2400">
+                <a:solidFill>
+                  <a:srgbClr val="000000"/>
+                </a:solidFill>
+                <a:latin typeface="Arial" charset="0"/>
+                <a:ea typeface="ＭＳ Ｐゴシック" charset="0"/>
+                <a:cs typeface="ＭＳ Ｐゴシック" charset="0"/>
+              </a:defRPr>
+            </a:lvl5pPr>
+            <a:lvl6pPr marL="2514600" indent="-228600" defTabSz="449263" fontAlgn="base">
+              <a:spcBef>
+                <a:spcPct val="0"/>
+              </a:spcBef>
+              <a:spcAft>
+                <a:spcPct val="0"/>
+              </a:spcAft>
+              <a:buClr>
+                <a:srgbClr val="000000"/>
+              </a:buClr>
+              <a:buSzPct val="100000"/>
+              <a:buFont typeface="Times New Roman" charset="0"/>
+              <a:tabLst>
+                <a:tab pos="0" algn="l"/>
+                <a:tab pos="447675" algn="l"/>
+                <a:tab pos="896938" algn="l"/>
+                <a:tab pos="1346200" algn="l"/>
+                <a:tab pos="1795463" algn="l"/>
+                <a:tab pos="2244725" algn="l"/>
+                <a:tab pos="2693988" algn="l"/>
+                <a:tab pos="3143250" algn="l"/>
+                <a:tab pos="3592513" algn="l"/>
+                <a:tab pos="4041775" algn="l"/>
+                <a:tab pos="4491038" algn="l"/>
+                <a:tab pos="4940300" algn="l"/>
+                <a:tab pos="5389563" algn="l"/>
+                <a:tab pos="5838825" algn="l"/>
+                <a:tab pos="6288088" algn="l"/>
+                <a:tab pos="6737350" algn="l"/>
+                <a:tab pos="7186613" algn="l"/>
+                <a:tab pos="7635875" algn="l"/>
+                <a:tab pos="8085138" algn="l"/>
+                <a:tab pos="8534400" algn="l"/>
+                <a:tab pos="8983663" algn="l"/>
+              </a:tabLst>
+              <a:defRPr sz="2400">
+                <a:solidFill>
+                  <a:srgbClr val="000000"/>
+                </a:solidFill>
+                <a:latin typeface="Arial" charset="0"/>
+                <a:ea typeface="ＭＳ Ｐゴシック" charset="0"/>
+                <a:cs typeface="ＭＳ Ｐゴシック" charset="0"/>
+              </a:defRPr>
+            </a:lvl6pPr>
+            <a:lvl7pPr marL="2971800" indent="-228600" defTabSz="449263" fontAlgn="base">
+              <a:spcBef>
+                <a:spcPct val="0"/>
+              </a:spcBef>
+              <a:spcAft>
+                <a:spcPct val="0"/>
+              </a:spcAft>
+              <a:buClr>
+                <a:srgbClr val="000000"/>
+              </a:buClr>
+              <a:buSzPct val="100000"/>
+              <a:buFont typeface="Times New Roman" charset="0"/>
+              <a:tabLst>
+                <a:tab pos="0" algn="l"/>
+                <a:tab pos="447675" algn="l"/>
+                <a:tab pos="896938" algn="l"/>
+                <a:tab pos="1346200" algn="l"/>
+                <a:tab pos="1795463" algn="l"/>
+                <a:tab pos="2244725" algn="l"/>
+                <a:tab pos="2693988" algn="l"/>
+                <a:tab pos="3143250" algn="l"/>
+                <a:tab pos="3592513" algn="l"/>
+                <a:tab pos="4041775" algn="l"/>
+                <a:tab pos="4491038" algn="l"/>
+                <a:tab pos="4940300" algn="l"/>
+                <a:tab pos="5389563" algn="l"/>
+                <a:tab pos="5838825" algn="l"/>
+                <a:tab pos="6288088" algn="l"/>
+                <a:tab pos="6737350" algn="l"/>
+                <a:tab pos="7186613" algn="l"/>
+                <a:tab pos="7635875" algn="l"/>
+                <a:tab pos="8085138" algn="l"/>
+                <a:tab pos="8534400" algn="l"/>
+                <a:tab pos="8983663" algn="l"/>
+              </a:tabLst>
+              <a:defRPr sz="2400">
+                <a:solidFill>
+                  <a:srgbClr val="000000"/>
+                </a:solidFill>
+                <a:latin typeface="Arial" charset="0"/>
+                <a:ea typeface="ＭＳ Ｐゴシック" charset="0"/>
+                <a:cs typeface="ＭＳ Ｐゴシック" charset="0"/>
+              </a:defRPr>
+            </a:lvl7pPr>
+            <a:lvl8pPr marL="3429000" indent="-228600" defTabSz="449263" fontAlgn="base">
+              <a:spcBef>
+                <a:spcPct val="0"/>
+              </a:spcBef>
+              <a:spcAft>
+                <a:spcPct val="0"/>
+              </a:spcAft>
+              <a:buClr>
+                <a:srgbClr val="000000"/>
+              </a:buClr>
+              <a:buSzPct val="100000"/>
+              <a:buFont typeface="Times New Roman" charset="0"/>
+              <a:tabLst>
+                <a:tab pos="0" algn="l"/>
+                <a:tab pos="447675" algn="l"/>
+                <a:tab pos="896938" algn="l"/>
+                <a:tab pos="1346200" algn="l"/>
+                <a:tab pos="1795463" algn="l"/>
+                <a:tab pos="2244725" algn="l"/>
+                <a:tab pos="2693988" algn="l"/>
+                <a:tab pos="3143250" algn="l"/>
+                <a:tab pos="3592513" algn="l"/>
+                <a:tab pos="4041775" algn="l"/>
+                <a:tab pos="4491038" algn="l"/>
+                <a:tab pos="4940300" algn="l"/>
+                <a:tab pos="5389563" algn="l"/>
+                <a:tab pos="5838825" algn="l"/>
+                <a:tab pos="6288088" algn="l"/>
+                <a:tab pos="6737350" algn="l"/>
+                <a:tab pos="7186613" algn="l"/>
+                <a:tab pos="7635875" algn="l"/>
+                <a:tab pos="8085138" algn="l"/>
+                <a:tab pos="8534400" algn="l"/>
+                <a:tab pos="8983663" algn="l"/>
+              </a:tabLst>
+              <a:defRPr sz="2400">
+                <a:solidFill>
+                  <a:srgbClr val="000000"/>
+                </a:solidFill>
+                <a:latin typeface="Arial" charset="0"/>
+                <a:ea typeface="ＭＳ Ｐゴシック" charset="0"/>
+                <a:cs typeface="ＭＳ Ｐゴシック" charset="0"/>
+              </a:defRPr>
+            </a:lvl8pPr>
+            <a:lvl9pPr marL="3886200" indent="-228600" defTabSz="449263" fontAlgn="base">
+              <a:spcBef>
+                <a:spcPct val="0"/>
+              </a:spcBef>
+              <a:spcAft>
+                <a:spcPct val="0"/>
+              </a:spcAft>
+              <a:buClr>
+                <a:srgbClr val="000000"/>
+              </a:buClr>
+              <a:buSzPct val="100000"/>
+              <a:buFont typeface="Times New Roman" charset="0"/>
+              <a:tabLst>
+                <a:tab pos="0" algn="l"/>
+                <a:tab pos="447675" algn="l"/>
+                <a:tab pos="896938" algn="l"/>
+                <a:tab pos="1346200" algn="l"/>
+                <a:tab pos="1795463" algn="l"/>
+                <a:tab pos="2244725" algn="l"/>
+                <a:tab pos="2693988" algn="l"/>
+                <a:tab pos="3143250" algn="l"/>
+                <a:tab pos="3592513" algn="l"/>
+                <a:tab pos="4041775" algn="l"/>
+                <a:tab pos="4491038" algn="l"/>
+                <a:tab pos="4940300" algn="l"/>
+                <a:tab pos="5389563" algn="l"/>
+                <a:tab pos="5838825" algn="l"/>
+                <a:tab pos="6288088" algn="l"/>
+                <a:tab pos="6737350" algn="l"/>
+                <a:tab pos="7186613" algn="l"/>
+                <a:tab pos="7635875" algn="l"/>
+                <a:tab pos="8085138" algn="l"/>
+                <a:tab pos="8534400" algn="l"/>
+                <a:tab pos="8983663" algn="l"/>
+              </a:tabLst>
+              <a:defRPr sz="2400">
+                <a:solidFill>
+                  <a:srgbClr val="000000"/>
+                </a:solidFill>
+                <a:latin typeface="Arial" charset="0"/>
+                <a:ea typeface="ＭＳ Ｐゴシック" charset="0"/>
+                <a:cs typeface="ＭＳ Ｐゴシック" charset="0"/>
+              </a:defRPr>
+            </a:lvl9pPr>
+          </a:lstStyle>
+          <a:p>
+            <a:pPr>
+              <a:buClrTx/>
+              <a:buFontTx/>
+              <a:buNone/>
+            </a:pPr>
+            <a:r>
+              <a:rPr lang="en-CA" sz="2000" dirty="0" err="1"/>
+              <a:t>ssh</a:t>
+            </a:r>
+            <a:r>
+              <a:rPr lang="en-CA" sz="2000" dirty="0"/>
+              <a:t> -</a:t>
+            </a:r>
+            <a:r>
+              <a:rPr lang="en-CA" sz="2000" dirty="0" err="1"/>
+              <a:t>i</a:t>
+            </a:r>
+            <a:r>
+              <a:rPr lang="en-CA" sz="2000" dirty="0"/>
+              <a:t> </a:t>
+            </a:r>
+            <a:r>
+              <a:rPr lang="en-CA" sz="2000" dirty="0" err="1"/>
+              <a:t>CBWNY.pem</a:t>
+            </a:r>
+            <a:endParaRPr lang="en-CA" sz="2000" dirty="0"/>
           </a:p>
         </p:txBody>
       </p:sp>
       <p:pic>
         <p:nvPicPr>
-          <p:cNvPr id="3" name="Picture 2" descr="Screen Shot 2015-06-01 at 6.28.20 PM.png"/>
+          <p:cNvPr id="16" name="Picture 5"/>
+          <p:cNvPicPr>
+            <a:picLocks noChangeAspect="1" noChangeArrowheads="1"/>
+          </p:cNvPicPr>
+          <p:nvPr/>
+        </p:nvPicPr>
+        <p:blipFill>
+          <a:blip r:embed="rId2">
+            <a:extLst>
+              <a:ext uri="{28A0092B-C50C-407E-A947-70E740481C1C}">
+                <a14:useLocalDpi xmlns:a14="http://schemas.microsoft.com/office/drawing/2010/main" val="0"/>
+              </a:ext>
+            </a:extLst>
+          </a:blip>
+          <a:srcRect/>
+          <a:stretch>
+            <a:fillRect/>
+          </a:stretch>
+        </p:blipFill>
+        <p:spPr bwMode="auto">
+          <a:xfrm>
+            <a:off x="4464050" y="1552228"/>
+            <a:ext cx="4319588" cy="4608513"/>
+          </a:xfrm>
+          <a:prstGeom prst="rect">
+            <a:avLst/>
+          </a:prstGeom>
+          <a:noFill/>
+          <a:ln>
+            <a:noFill/>
+          </a:ln>
+          <a:effectLst/>
+          <a:extLst>
+            <a:ext uri="{909E8E84-426E-40dd-AFC4-6F175D3DCCD1}">
+              <a14:hiddenFill xmlns:a14="http://schemas.microsoft.com/office/drawing/2010/main">
+                <a:blipFill dpi="0" rotWithShape="0">
+                  <a:blip/>
+                  <a:srcRect/>
+                  <a:stretch>
+                    <a:fillRect/>
+                  </a:stretch>
+                </a:blipFill>
+              </a14:hiddenFill>
+            </a:ext>
+            <a:ext uri="{91240B29-F687-4f45-9708-019B960494DF}">
+              <a14:hiddenLine xmlns:a14="http://schemas.microsoft.com/office/drawing/2010/main" w="9525" cap="flat">
+                <a:solidFill>
+                  <a:srgbClr val="808080"/>
+                </a:solidFill>
+                <a:round/>
+                <a:headEnd/>
+                <a:tailEnd/>
+              </a14:hiddenLine>
+            </a:ext>
+            <a:ext uri="{AF507438-7753-43e0-B8FC-AC1667EBCBE1}">
+              <a14:hiddenEffects xmlns:a14="http://schemas.microsoft.com/office/drawing/2010/main">
+                <a:effectLst>
+                  <a:outerShdw blurRad="63500" dist="38099" dir="2700000" algn="ctr" rotWithShape="0">
+                    <a:srgbClr val="000000">
+                      <a:alpha val="74998"/>
+                    </a:srgbClr>
+                  </a:outerShdw>
+                </a:effectLst>
+              </a14:hiddenEffects>
+            </a:ext>
+          </a:extLst>
+        </p:spPr>
+      </p:pic>
+      <p:sp>
+        <p:nvSpPr>
+          <p:cNvPr id="17" name="AutoShape 6"/>
+          <p:cNvSpPr>
+            <a:spLocks noChangeArrowheads="1"/>
+          </p:cNvSpPr>
+          <p:nvPr/>
+        </p:nvSpPr>
+        <p:spPr bwMode="auto">
+          <a:xfrm>
+            <a:off x="6048375" y="4390678"/>
+            <a:ext cx="2519363" cy="215900"/>
+          </a:xfrm>
+          <a:prstGeom prst="roundRect">
+            <a:avLst>
+              <a:gd name="adj" fmla="val 731"/>
+            </a:avLst>
+          </a:prstGeom>
+          <a:noFill/>
+          <a:ln w="19080" cap="flat">
+            <a:solidFill>
+              <a:srgbClr val="FF0000"/>
+            </a:solidFill>
+            <a:round/>
+            <a:headEnd/>
+            <a:tailEnd/>
+          </a:ln>
+          <a:effectLst/>
+          <a:extLst>
+            <a:ext uri="{909E8E84-426E-40dd-AFC4-6F175D3DCCD1}">
+              <a14:hiddenFill xmlns:a14="http://schemas.microsoft.com/office/drawing/2010/main">
+                <a:solidFill>
+                  <a:srgbClr val="FFFFFF"/>
+                </a:solidFill>
+              </a14:hiddenFill>
+            </a:ext>
+            <a:ext uri="{AF507438-7753-43e0-B8FC-AC1667EBCBE1}">
+              <a14:hiddenEffects xmlns:a14="http://schemas.microsoft.com/office/drawing/2010/main">
+                <a:effectLst>
+                  <a:outerShdw blurRad="63500" dist="38099" dir="2700000" algn="ctr" rotWithShape="0">
+                    <a:srgbClr val="000000">
+                      <a:alpha val="74998"/>
+                    </a:srgbClr>
+                  </a:outerShdw>
+                </a:effectLst>
+              </a14:hiddenEffects>
+            </a:ext>
+          </a:extLst>
+        </p:spPr>
+        <p:txBody>
+          <a:bodyPr wrap="none" anchor="ctr"/>
+          <a:lstStyle/>
+          <a:p>
+            <a:endParaRPr lang="en-US"/>
+          </a:p>
+        </p:txBody>
+      </p:sp>
+      <p:sp>
+        <p:nvSpPr>
+          <p:cNvPr id="18" name="Line 7"/>
+          <p:cNvSpPr>
+            <a:spLocks noChangeShapeType="1"/>
+          </p:cNvSpPr>
+          <p:nvPr/>
+        </p:nvSpPr>
+        <p:spPr bwMode="auto">
+          <a:xfrm>
+            <a:off x="1008063" y="2450753"/>
+            <a:ext cx="1655762" cy="1588"/>
+          </a:xfrm>
+          <a:prstGeom prst="line">
+            <a:avLst/>
+          </a:prstGeom>
+          <a:noFill/>
+          <a:ln w="38160" cap="flat">
+            <a:solidFill>
+              <a:srgbClr val="FF0000"/>
+            </a:solidFill>
+            <a:round/>
+            <a:headEnd/>
+            <a:tailEnd/>
+          </a:ln>
+          <a:effectLst/>
+          <a:extLst>
+            <a:ext uri="{909E8E84-426E-40dd-AFC4-6F175D3DCCD1}">
+              <a14:hiddenFill xmlns:a14="http://schemas.microsoft.com/office/drawing/2010/main">
+                <a:noFill/>
+              </a14:hiddenFill>
+            </a:ext>
+            <a:ext uri="{AF507438-7753-43e0-B8FC-AC1667EBCBE1}">
+              <a14:hiddenEffects xmlns:a14="http://schemas.microsoft.com/office/drawing/2010/main">
+                <a:effectLst>
+                  <a:outerShdw blurRad="63500" dist="38099" dir="2700000" algn="ctr" rotWithShape="0">
+                    <a:srgbClr val="000000">
+                      <a:alpha val="74998"/>
+                    </a:srgbClr>
+                  </a:outerShdw>
+                </a:effectLst>
+              </a14:hiddenEffects>
+            </a:ext>
+          </a:extLst>
+        </p:spPr>
+        <p:txBody>
+          <a:bodyPr/>
+          <a:lstStyle/>
+          <a:p>
+            <a:endParaRPr lang="en-US"/>
+          </a:p>
+        </p:txBody>
+      </p:sp>
+    </p:spTree>
+    <p:extLst>
+      <p:ext uri="{BB962C8B-B14F-4D97-AF65-F5344CB8AC3E}">
+        <p14:creationId xmlns:p14="http://schemas.microsoft.com/office/powerpoint/2010/main" val="3417198744"/>
+      </p:ext>
+    </p:extLst>
+  </p:cSld>
+  <p:clrMapOvr>
+    <a:masterClrMapping/>
+  </p:clrMapOvr>
+  <p:timing>
+    <p:tnLst>
+      <p:par>
+        <p:cTn xmlns:p14="http://schemas.microsoft.com/office/powerpoint/2010/main" id="1" dur="indefinite" restart="never" nodeType="tmRoot"/>
+      </p:par>
+    </p:tnLst>
+  </p:timing>
+</p:sld>
+</file>
+
+<file path=ppt/slides/slide26.xml><?xml version="1.0" encoding="utf-8"?>
+<p:sld xmlns:a="http://schemas.openxmlformats.org/drawingml/2006/main" xmlns:r="http://schemas.openxmlformats.org/officeDocument/2006/relationships" xmlns:p="http://schemas.openxmlformats.org/presentationml/2006/main">
+  <p:cSld>
+    <p:spTree>
+      <p:nvGrpSpPr>
+        <p:cNvPr id="1" name=""/>
+        <p:cNvGrpSpPr/>
+        <p:nvPr/>
+      </p:nvGrpSpPr>
+      <p:grpSpPr>
+        <a:xfrm>
+          <a:off x="0" y="0"/>
+          <a:ext cx="0" cy="0"/>
+          <a:chOff x="0" y="0"/>
+          <a:chExt cx="0" cy="0"/>
+        </a:xfrm>
+      </p:grpSpPr>
+      <p:sp>
+        <p:nvSpPr>
+          <p:cNvPr id="30722" name="Title 2"/>
+          <p:cNvSpPr>
+            <a:spLocks noGrp="1"/>
+          </p:cNvSpPr>
+          <p:nvPr>
+            <p:ph type="title"/>
+          </p:nvPr>
+        </p:nvSpPr>
+        <p:spPr>
+          <a:xfrm>
+            <a:off x="152400" y="-26987"/>
+            <a:ext cx="8839200" cy="791691"/>
+          </a:xfrm>
+        </p:spPr>
+        <p:txBody>
+          <a:bodyPr/>
+          <a:lstStyle/>
+          <a:p>
+            <a:r>
+              <a:rPr lang="en-US" dirty="0">
+                <a:ea typeface="ＭＳ Ｐゴシック" charset="0"/>
+              </a:rPr>
+              <a:t>Logging </a:t>
+            </a:r>
+            <a:r>
+              <a:rPr lang="en-US" dirty="0" smtClean="0">
+                <a:ea typeface="ＭＳ Ｐゴシック" charset="0"/>
+              </a:rPr>
+              <a:t>into AWS</a:t>
+            </a:r>
+            <a:endParaRPr lang="en-US" dirty="0">
+              <a:ea typeface="ＭＳ Ｐゴシック" charset="0"/>
+            </a:endParaRPr>
+          </a:p>
+        </p:txBody>
+      </p:sp>
+      <p:sp>
+        <p:nvSpPr>
+          <p:cNvPr id="11" name="Text Box 2"/>
+          <p:cNvSpPr txBox="1">
+            <a:spLocks noChangeArrowheads="1"/>
+          </p:cNvSpPr>
+          <p:nvPr/>
+        </p:nvSpPr>
+        <p:spPr bwMode="auto">
+          <a:xfrm>
+            <a:off x="457200" y="1028378"/>
+            <a:ext cx="2206625" cy="455613"/>
+          </a:xfrm>
+          <a:prstGeom prst="rect">
+            <a:avLst/>
+          </a:prstGeom>
+          <a:noFill/>
+          <a:ln>
+            <a:noFill/>
+          </a:ln>
+          <a:effectLst/>
+          <a:extLst>
+            <a:ext uri="{909E8E84-426E-40dd-AFC4-6F175D3DCCD1}">
+              <a14:hiddenFill xmlns:a14="http://schemas.microsoft.com/office/drawing/2010/main">
+                <a:solidFill>
+                  <a:srgbClr val="FFFFFF"/>
+                </a:solidFill>
+              </a14:hiddenFill>
+            </a:ext>
+            <a:ext uri="{91240B29-F687-4f45-9708-019B960494DF}">
+              <a14:hiddenLine xmlns:a14="http://schemas.microsoft.com/office/drawing/2010/main" w="9525" cap="flat">
+                <a:solidFill>
+                  <a:srgbClr val="808080"/>
+                </a:solidFill>
+                <a:round/>
+                <a:headEnd/>
+                <a:tailEnd/>
+              </a14:hiddenLine>
+            </a:ext>
+            <a:ext uri="{AF507438-7753-43e0-B8FC-AC1667EBCBE1}">
+              <a14:hiddenEffects xmlns:a14="http://schemas.microsoft.com/office/drawing/2010/main">
+                <a:effectLst>
+                  <a:outerShdw blurRad="63500" dist="38099" dir="2700000" algn="ctr" rotWithShape="0">
+                    <a:srgbClr val="000000">
+                      <a:alpha val="74998"/>
+                    </a:srgbClr>
+                  </a:outerShdw>
+                </a:effectLst>
+              </a14:hiddenEffects>
+            </a:ext>
+          </a:extLst>
+        </p:spPr>
+        <p:txBody>
+          <a:bodyPr wrap="none" lIns="90000" tIns="45000" rIns="90000" bIns="45000"/>
+          <a:lstStyle>
+            <a:lvl1pPr>
+              <a:tabLst>
+                <a:tab pos="0" algn="l"/>
+                <a:tab pos="447675" algn="l"/>
+                <a:tab pos="896938" algn="l"/>
+                <a:tab pos="1346200" algn="l"/>
+                <a:tab pos="1795463" algn="l"/>
+                <a:tab pos="2244725" algn="l"/>
+                <a:tab pos="2693988" algn="l"/>
+                <a:tab pos="3143250" algn="l"/>
+                <a:tab pos="3592513" algn="l"/>
+                <a:tab pos="4041775" algn="l"/>
+                <a:tab pos="4491038" algn="l"/>
+                <a:tab pos="4940300" algn="l"/>
+                <a:tab pos="5389563" algn="l"/>
+                <a:tab pos="5838825" algn="l"/>
+                <a:tab pos="6288088" algn="l"/>
+                <a:tab pos="6737350" algn="l"/>
+                <a:tab pos="7186613" algn="l"/>
+                <a:tab pos="7635875" algn="l"/>
+                <a:tab pos="8085138" algn="l"/>
+                <a:tab pos="8534400" algn="l"/>
+                <a:tab pos="8983663" algn="l"/>
+              </a:tabLst>
+              <a:defRPr sz="2400">
+                <a:solidFill>
+                  <a:srgbClr val="000000"/>
+                </a:solidFill>
+                <a:latin typeface="Arial" charset="0"/>
+                <a:ea typeface="ＭＳ Ｐゴシック" charset="0"/>
+                <a:cs typeface="ＭＳ Ｐゴシック" charset="0"/>
+              </a:defRPr>
+            </a:lvl1pPr>
+            <a:lvl2pPr>
+              <a:tabLst>
+                <a:tab pos="0" algn="l"/>
+                <a:tab pos="447675" algn="l"/>
+                <a:tab pos="896938" algn="l"/>
+                <a:tab pos="1346200" algn="l"/>
+                <a:tab pos="1795463" algn="l"/>
+                <a:tab pos="2244725" algn="l"/>
+                <a:tab pos="2693988" algn="l"/>
+                <a:tab pos="3143250" algn="l"/>
+                <a:tab pos="3592513" algn="l"/>
+                <a:tab pos="4041775" algn="l"/>
+                <a:tab pos="4491038" algn="l"/>
+                <a:tab pos="4940300" algn="l"/>
+                <a:tab pos="5389563" algn="l"/>
+                <a:tab pos="5838825" algn="l"/>
+                <a:tab pos="6288088" algn="l"/>
+                <a:tab pos="6737350" algn="l"/>
+                <a:tab pos="7186613" algn="l"/>
+                <a:tab pos="7635875" algn="l"/>
+                <a:tab pos="8085138" algn="l"/>
+                <a:tab pos="8534400" algn="l"/>
+                <a:tab pos="8983663" algn="l"/>
+              </a:tabLst>
+              <a:defRPr sz="2400">
+                <a:solidFill>
+                  <a:srgbClr val="000000"/>
+                </a:solidFill>
+                <a:latin typeface="Arial" charset="0"/>
+                <a:ea typeface="ＭＳ Ｐゴシック" charset="0"/>
+                <a:cs typeface="ＭＳ Ｐゴシック" charset="0"/>
+              </a:defRPr>
+            </a:lvl2pPr>
+            <a:lvl3pPr>
+              <a:tabLst>
+                <a:tab pos="0" algn="l"/>
+                <a:tab pos="447675" algn="l"/>
+                <a:tab pos="896938" algn="l"/>
+                <a:tab pos="1346200" algn="l"/>
+                <a:tab pos="1795463" algn="l"/>
+                <a:tab pos="2244725" algn="l"/>
+                <a:tab pos="2693988" algn="l"/>
+                <a:tab pos="3143250" algn="l"/>
+                <a:tab pos="3592513" algn="l"/>
+                <a:tab pos="4041775" algn="l"/>
+                <a:tab pos="4491038" algn="l"/>
+                <a:tab pos="4940300" algn="l"/>
+                <a:tab pos="5389563" algn="l"/>
+                <a:tab pos="5838825" algn="l"/>
+                <a:tab pos="6288088" algn="l"/>
+                <a:tab pos="6737350" algn="l"/>
+                <a:tab pos="7186613" algn="l"/>
+                <a:tab pos="7635875" algn="l"/>
+                <a:tab pos="8085138" algn="l"/>
+                <a:tab pos="8534400" algn="l"/>
+                <a:tab pos="8983663" algn="l"/>
+              </a:tabLst>
+              <a:defRPr sz="2400">
+                <a:solidFill>
+                  <a:srgbClr val="000000"/>
+                </a:solidFill>
+                <a:latin typeface="Arial" charset="0"/>
+                <a:ea typeface="ＭＳ Ｐゴシック" charset="0"/>
+                <a:cs typeface="ＭＳ Ｐゴシック" charset="0"/>
+              </a:defRPr>
+            </a:lvl3pPr>
+            <a:lvl4pPr>
+              <a:tabLst>
+                <a:tab pos="0" algn="l"/>
+                <a:tab pos="447675" algn="l"/>
+                <a:tab pos="896938" algn="l"/>
+                <a:tab pos="1346200" algn="l"/>
+                <a:tab pos="1795463" algn="l"/>
+                <a:tab pos="2244725" algn="l"/>
+                <a:tab pos="2693988" algn="l"/>
+                <a:tab pos="3143250" algn="l"/>
+                <a:tab pos="3592513" algn="l"/>
+                <a:tab pos="4041775" algn="l"/>
+                <a:tab pos="4491038" algn="l"/>
+                <a:tab pos="4940300" algn="l"/>
+                <a:tab pos="5389563" algn="l"/>
+                <a:tab pos="5838825" algn="l"/>
+                <a:tab pos="6288088" algn="l"/>
+                <a:tab pos="6737350" algn="l"/>
+                <a:tab pos="7186613" algn="l"/>
+                <a:tab pos="7635875" algn="l"/>
+                <a:tab pos="8085138" algn="l"/>
+                <a:tab pos="8534400" algn="l"/>
+                <a:tab pos="8983663" algn="l"/>
+              </a:tabLst>
+              <a:defRPr sz="2400">
+                <a:solidFill>
+                  <a:srgbClr val="000000"/>
+                </a:solidFill>
+                <a:latin typeface="Arial" charset="0"/>
+                <a:ea typeface="ＭＳ Ｐゴシック" charset="0"/>
+                <a:cs typeface="ＭＳ Ｐゴシック" charset="0"/>
+              </a:defRPr>
+            </a:lvl4pPr>
+            <a:lvl5pPr>
+              <a:tabLst>
+                <a:tab pos="0" algn="l"/>
+                <a:tab pos="447675" algn="l"/>
+                <a:tab pos="896938" algn="l"/>
+                <a:tab pos="1346200" algn="l"/>
+                <a:tab pos="1795463" algn="l"/>
+                <a:tab pos="2244725" algn="l"/>
+                <a:tab pos="2693988" algn="l"/>
+                <a:tab pos="3143250" algn="l"/>
+                <a:tab pos="3592513" algn="l"/>
+                <a:tab pos="4041775" algn="l"/>
+                <a:tab pos="4491038" algn="l"/>
+                <a:tab pos="4940300" algn="l"/>
+                <a:tab pos="5389563" algn="l"/>
+                <a:tab pos="5838825" algn="l"/>
+                <a:tab pos="6288088" algn="l"/>
+                <a:tab pos="6737350" algn="l"/>
+                <a:tab pos="7186613" algn="l"/>
+                <a:tab pos="7635875" algn="l"/>
+                <a:tab pos="8085138" algn="l"/>
+                <a:tab pos="8534400" algn="l"/>
+                <a:tab pos="8983663" algn="l"/>
+              </a:tabLst>
+              <a:defRPr sz="2400">
+                <a:solidFill>
+                  <a:srgbClr val="000000"/>
+                </a:solidFill>
+                <a:latin typeface="Arial" charset="0"/>
+                <a:ea typeface="ＭＳ Ｐゴシック" charset="0"/>
+                <a:cs typeface="ＭＳ Ｐゴシック" charset="0"/>
+              </a:defRPr>
+            </a:lvl5pPr>
+            <a:lvl6pPr marL="2514600" indent="-228600" defTabSz="449263" fontAlgn="base">
+              <a:spcBef>
+                <a:spcPct val="0"/>
+              </a:spcBef>
+              <a:spcAft>
+                <a:spcPct val="0"/>
+              </a:spcAft>
+              <a:buClr>
+                <a:srgbClr val="000000"/>
+              </a:buClr>
+              <a:buSzPct val="100000"/>
+              <a:buFont typeface="Times New Roman" charset="0"/>
+              <a:tabLst>
+                <a:tab pos="0" algn="l"/>
+                <a:tab pos="447675" algn="l"/>
+                <a:tab pos="896938" algn="l"/>
+                <a:tab pos="1346200" algn="l"/>
+                <a:tab pos="1795463" algn="l"/>
+                <a:tab pos="2244725" algn="l"/>
+                <a:tab pos="2693988" algn="l"/>
+                <a:tab pos="3143250" algn="l"/>
+                <a:tab pos="3592513" algn="l"/>
+                <a:tab pos="4041775" algn="l"/>
+                <a:tab pos="4491038" algn="l"/>
+                <a:tab pos="4940300" algn="l"/>
+                <a:tab pos="5389563" algn="l"/>
+                <a:tab pos="5838825" algn="l"/>
+                <a:tab pos="6288088" algn="l"/>
+                <a:tab pos="6737350" algn="l"/>
+                <a:tab pos="7186613" algn="l"/>
+                <a:tab pos="7635875" algn="l"/>
+                <a:tab pos="8085138" algn="l"/>
+                <a:tab pos="8534400" algn="l"/>
+                <a:tab pos="8983663" algn="l"/>
+              </a:tabLst>
+              <a:defRPr sz="2400">
+                <a:solidFill>
+                  <a:srgbClr val="000000"/>
+                </a:solidFill>
+                <a:latin typeface="Arial" charset="0"/>
+                <a:ea typeface="ＭＳ Ｐゴシック" charset="0"/>
+                <a:cs typeface="ＭＳ Ｐゴシック" charset="0"/>
+              </a:defRPr>
+            </a:lvl6pPr>
+            <a:lvl7pPr marL="2971800" indent="-228600" defTabSz="449263" fontAlgn="base">
+              <a:spcBef>
+                <a:spcPct val="0"/>
+              </a:spcBef>
+              <a:spcAft>
+                <a:spcPct val="0"/>
+              </a:spcAft>
+              <a:buClr>
+                <a:srgbClr val="000000"/>
+              </a:buClr>
+              <a:buSzPct val="100000"/>
+              <a:buFont typeface="Times New Roman" charset="0"/>
+              <a:tabLst>
+                <a:tab pos="0" algn="l"/>
+                <a:tab pos="447675" algn="l"/>
+                <a:tab pos="896938" algn="l"/>
+                <a:tab pos="1346200" algn="l"/>
+                <a:tab pos="1795463" algn="l"/>
+                <a:tab pos="2244725" algn="l"/>
+                <a:tab pos="2693988" algn="l"/>
+                <a:tab pos="3143250" algn="l"/>
+                <a:tab pos="3592513" algn="l"/>
+                <a:tab pos="4041775" algn="l"/>
+                <a:tab pos="4491038" algn="l"/>
+                <a:tab pos="4940300" algn="l"/>
+                <a:tab pos="5389563" algn="l"/>
+                <a:tab pos="5838825" algn="l"/>
+                <a:tab pos="6288088" algn="l"/>
+                <a:tab pos="6737350" algn="l"/>
+                <a:tab pos="7186613" algn="l"/>
+                <a:tab pos="7635875" algn="l"/>
+                <a:tab pos="8085138" algn="l"/>
+                <a:tab pos="8534400" algn="l"/>
+                <a:tab pos="8983663" algn="l"/>
+              </a:tabLst>
+              <a:defRPr sz="2400">
+                <a:solidFill>
+                  <a:srgbClr val="000000"/>
+                </a:solidFill>
+                <a:latin typeface="Arial" charset="0"/>
+                <a:ea typeface="ＭＳ Ｐゴシック" charset="0"/>
+                <a:cs typeface="ＭＳ Ｐゴシック" charset="0"/>
+              </a:defRPr>
+            </a:lvl7pPr>
+            <a:lvl8pPr marL="3429000" indent="-228600" defTabSz="449263" fontAlgn="base">
+              <a:spcBef>
+                <a:spcPct val="0"/>
+              </a:spcBef>
+              <a:spcAft>
+                <a:spcPct val="0"/>
+              </a:spcAft>
+              <a:buClr>
+                <a:srgbClr val="000000"/>
+              </a:buClr>
+              <a:buSzPct val="100000"/>
+              <a:buFont typeface="Times New Roman" charset="0"/>
+              <a:tabLst>
+                <a:tab pos="0" algn="l"/>
+                <a:tab pos="447675" algn="l"/>
+                <a:tab pos="896938" algn="l"/>
+                <a:tab pos="1346200" algn="l"/>
+                <a:tab pos="1795463" algn="l"/>
+                <a:tab pos="2244725" algn="l"/>
+                <a:tab pos="2693988" algn="l"/>
+                <a:tab pos="3143250" algn="l"/>
+                <a:tab pos="3592513" algn="l"/>
+                <a:tab pos="4041775" algn="l"/>
+                <a:tab pos="4491038" algn="l"/>
+                <a:tab pos="4940300" algn="l"/>
+                <a:tab pos="5389563" algn="l"/>
+                <a:tab pos="5838825" algn="l"/>
+                <a:tab pos="6288088" algn="l"/>
+                <a:tab pos="6737350" algn="l"/>
+                <a:tab pos="7186613" algn="l"/>
+                <a:tab pos="7635875" algn="l"/>
+                <a:tab pos="8085138" algn="l"/>
+                <a:tab pos="8534400" algn="l"/>
+                <a:tab pos="8983663" algn="l"/>
+              </a:tabLst>
+              <a:defRPr sz="2400">
+                <a:solidFill>
+                  <a:srgbClr val="000000"/>
+                </a:solidFill>
+                <a:latin typeface="Arial" charset="0"/>
+                <a:ea typeface="ＭＳ Ｐゴシック" charset="0"/>
+                <a:cs typeface="ＭＳ Ｐゴシック" charset="0"/>
+              </a:defRPr>
+            </a:lvl8pPr>
+            <a:lvl9pPr marL="3886200" indent="-228600" defTabSz="449263" fontAlgn="base">
+              <a:spcBef>
+                <a:spcPct val="0"/>
+              </a:spcBef>
+              <a:spcAft>
+                <a:spcPct val="0"/>
+              </a:spcAft>
+              <a:buClr>
+                <a:srgbClr val="000000"/>
+              </a:buClr>
+              <a:buSzPct val="100000"/>
+              <a:buFont typeface="Times New Roman" charset="0"/>
+              <a:tabLst>
+                <a:tab pos="0" algn="l"/>
+                <a:tab pos="447675" algn="l"/>
+                <a:tab pos="896938" algn="l"/>
+                <a:tab pos="1346200" algn="l"/>
+                <a:tab pos="1795463" algn="l"/>
+                <a:tab pos="2244725" algn="l"/>
+                <a:tab pos="2693988" algn="l"/>
+                <a:tab pos="3143250" algn="l"/>
+                <a:tab pos="3592513" algn="l"/>
+                <a:tab pos="4041775" algn="l"/>
+                <a:tab pos="4491038" algn="l"/>
+                <a:tab pos="4940300" algn="l"/>
+                <a:tab pos="5389563" algn="l"/>
+                <a:tab pos="5838825" algn="l"/>
+                <a:tab pos="6288088" algn="l"/>
+                <a:tab pos="6737350" algn="l"/>
+                <a:tab pos="7186613" algn="l"/>
+                <a:tab pos="7635875" algn="l"/>
+                <a:tab pos="8085138" algn="l"/>
+                <a:tab pos="8534400" algn="l"/>
+                <a:tab pos="8983663" algn="l"/>
+              </a:tabLst>
+              <a:defRPr sz="2400">
+                <a:solidFill>
+                  <a:srgbClr val="000000"/>
+                </a:solidFill>
+                <a:latin typeface="Arial" charset="0"/>
+                <a:ea typeface="ＭＳ Ｐゴシック" charset="0"/>
+                <a:cs typeface="ＭＳ Ｐゴシック" charset="0"/>
+              </a:defRPr>
+            </a:lvl9pPr>
+          </a:lstStyle>
+          <a:p>
+            <a:pPr>
+              <a:buClrTx/>
+              <a:buFontTx/>
+              <a:buNone/>
+            </a:pPr>
+            <a:r>
+              <a:rPr lang="en-US" b="1" dirty="0"/>
+              <a:t>Mac/Linux</a:t>
+            </a:r>
+          </a:p>
+        </p:txBody>
+      </p:sp>
+      <p:sp>
+        <p:nvSpPr>
+          <p:cNvPr id="14" name="Text Box 3"/>
+          <p:cNvSpPr txBox="1">
+            <a:spLocks noChangeArrowheads="1"/>
+          </p:cNvSpPr>
+          <p:nvPr/>
+        </p:nvSpPr>
+        <p:spPr bwMode="auto">
+          <a:xfrm>
+            <a:off x="4618038" y="1028378"/>
+            <a:ext cx="2293937" cy="455612"/>
+          </a:xfrm>
+          <a:prstGeom prst="rect">
+            <a:avLst/>
+          </a:prstGeom>
+          <a:noFill/>
+          <a:ln>
+            <a:noFill/>
+          </a:ln>
+          <a:effectLst/>
+          <a:extLst>
+            <a:ext uri="{909E8E84-426E-40dd-AFC4-6F175D3DCCD1}">
+              <a14:hiddenFill xmlns:a14="http://schemas.microsoft.com/office/drawing/2010/main">
+                <a:solidFill>
+                  <a:srgbClr val="FFFFFF"/>
+                </a:solidFill>
+              </a14:hiddenFill>
+            </a:ext>
+            <a:ext uri="{91240B29-F687-4f45-9708-019B960494DF}">
+              <a14:hiddenLine xmlns:a14="http://schemas.microsoft.com/office/drawing/2010/main" w="9525" cap="flat">
+                <a:solidFill>
+                  <a:srgbClr val="808080"/>
+                </a:solidFill>
+                <a:round/>
+                <a:headEnd/>
+                <a:tailEnd/>
+              </a14:hiddenLine>
+            </a:ext>
+            <a:ext uri="{AF507438-7753-43e0-B8FC-AC1667EBCBE1}">
+              <a14:hiddenEffects xmlns:a14="http://schemas.microsoft.com/office/drawing/2010/main">
+                <a:effectLst>
+                  <a:outerShdw blurRad="63500" dist="38099" dir="2700000" algn="ctr" rotWithShape="0">
+                    <a:srgbClr val="000000">
+                      <a:alpha val="74998"/>
+                    </a:srgbClr>
+                  </a:outerShdw>
+                </a:effectLst>
+              </a14:hiddenEffects>
+            </a:ext>
+          </a:extLst>
+        </p:spPr>
+        <p:txBody>
+          <a:bodyPr wrap="none" lIns="90000" tIns="45000" rIns="90000" bIns="45000"/>
+          <a:lstStyle>
+            <a:lvl1pPr>
+              <a:tabLst>
+                <a:tab pos="0" algn="l"/>
+                <a:tab pos="447675" algn="l"/>
+                <a:tab pos="896938" algn="l"/>
+                <a:tab pos="1346200" algn="l"/>
+                <a:tab pos="1795463" algn="l"/>
+                <a:tab pos="2244725" algn="l"/>
+                <a:tab pos="2693988" algn="l"/>
+                <a:tab pos="3143250" algn="l"/>
+                <a:tab pos="3592513" algn="l"/>
+                <a:tab pos="4041775" algn="l"/>
+                <a:tab pos="4491038" algn="l"/>
+                <a:tab pos="4940300" algn="l"/>
+                <a:tab pos="5389563" algn="l"/>
+                <a:tab pos="5838825" algn="l"/>
+                <a:tab pos="6288088" algn="l"/>
+                <a:tab pos="6737350" algn="l"/>
+                <a:tab pos="7186613" algn="l"/>
+                <a:tab pos="7635875" algn="l"/>
+                <a:tab pos="8085138" algn="l"/>
+                <a:tab pos="8534400" algn="l"/>
+                <a:tab pos="8983663" algn="l"/>
+              </a:tabLst>
+              <a:defRPr sz="2400">
+                <a:solidFill>
+                  <a:srgbClr val="000000"/>
+                </a:solidFill>
+                <a:latin typeface="Arial" charset="0"/>
+                <a:ea typeface="ＭＳ Ｐゴシック" charset="0"/>
+                <a:cs typeface="ＭＳ Ｐゴシック" charset="0"/>
+              </a:defRPr>
+            </a:lvl1pPr>
+            <a:lvl2pPr>
+              <a:tabLst>
+                <a:tab pos="0" algn="l"/>
+                <a:tab pos="447675" algn="l"/>
+                <a:tab pos="896938" algn="l"/>
+                <a:tab pos="1346200" algn="l"/>
+                <a:tab pos="1795463" algn="l"/>
+                <a:tab pos="2244725" algn="l"/>
+                <a:tab pos="2693988" algn="l"/>
+                <a:tab pos="3143250" algn="l"/>
+                <a:tab pos="3592513" algn="l"/>
+                <a:tab pos="4041775" algn="l"/>
+                <a:tab pos="4491038" algn="l"/>
+                <a:tab pos="4940300" algn="l"/>
+                <a:tab pos="5389563" algn="l"/>
+                <a:tab pos="5838825" algn="l"/>
+                <a:tab pos="6288088" algn="l"/>
+                <a:tab pos="6737350" algn="l"/>
+                <a:tab pos="7186613" algn="l"/>
+                <a:tab pos="7635875" algn="l"/>
+                <a:tab pos="8085138" algn="l"/>
+                <a:tab pos="8534400" algn="l"/>
+                <a:tab pos="8983663" algn="l"/>
+              </a:tabLst>
+              <a:defRPr sz="2400">
+                <a:solidFill>
+                  <a:srgbClr val="000000"/>
+                </a:solidFill>
+                <a:latin typeface="Arial" charset="0"/>
+                <a:ea typeface="ＭＳ Ｐゴシック" charset="0"/>
+                <a:cs typeface="ＭＳ Ｐゴシック" charset="0"/>
+              </a:defRPr>
+            </a:lvl2pPr>
+            <a:lvl3pPr>
+              <a:tabLst>
+                <a:tab pos="0" algn="l"/>
+                <a:tab pos="447675" algn="l"/>
+                <a:tab pos="896938" algn="l"/>
+                <a:tab pos="1346200" algn="l"/>
+                <a:tab pos="1795463" algn="l"/>
+                <a:tab pos="2244725" algn="l"/>
+                <a:tab pos="2693988" algn="l"/>
+                <a:tab pos="3143250" algn="l"/>
+                <a:tab pos="3592513" algn="l"/>
+                <a:tab pos="4041775" algn="l"/>
+                <a:tab pos="4491038" algn="l"/>
+                <a:tab pos="4940300" algn="l"/>
+                <a:tab pos="5389563" algn="l"/>
+                <a:tab pos="5838825" algn="l"/>
+                <a:tab pos="6288088" algn="l"/>
+                <a:tab pos="6737350" algn="l"/>
+                <a:tab pos="7186613" algn="l"/>
+                <a:tab pos="7635875" algn="l"/>
+                <a:tab pos="8085138" algn="l"/>
+                <a:tab pos="8534400" algn="l"/>
+                <a:tab pos="8983663" algn="l"/>
+              </a:tabLst>
+              <a:defRPr sz="2400">
+                <a:solidFill>
+                  <a:srgbClr val="000000"/>
+                </a:solidFill>
+                <a:latin typeface="Arial" charset="0"/>
+                <a:ea typeface="ＭＳ Ｐゴシック" charset="0"/>
+                <a:cs typeface="ＭＳ Ｐゴシック" charset="0"/>
+              </a:defRPr>
+            </a:lvl3pPr>
+            <a:lvl4pPr>
+              <a:tabLst>
+                <a:tab pos="0" algn="l"/>
+                <a:tab pos="447675" algn="l"/>
+                <a:tab pos="896938" algn="l"/>
+                <a:tab pos="1346200" algn="l"/>
+                <a:tab pos="1795463" algn="l"/>
+                <a:tab pos="2244725" algn="l"/>
+                <a:tab pos="2693988" algn="l"/>
+                <a:tab pos="3143250" algn="l"/>
+                <a:tab pos="3592513" algn="l"/>
+                <a:tab pos="4041775" algn="l"/>
+                <a:tab pos="4491038" algn="l"/>
+                <a:tab pos="4940300" algn="l"/>
+                <a:tab pos="5389563" algn="l"/>
+                <a:tab pos="5838825" algn="l"/>
+                <a:tab pos="6288088" algn="l"/>
+                <a:tab pos="6737350" algn="l"/>
+                <a:tab pos="7186613" algn="l"/>
+                <a:tab pos="7635875" algn="l"/>
+                <a:tab pos="8085138" algn="l"/>
+                <a:tab pos="8534400" algn="l"/>
+                <a:tab pos="8983663" algn="l"/>
+              </a:tabLst>
+              <a:defRPr sz="2400">
+                <a:solidFill>
+                  <a:srgbClr val="000000"/>
+                </a:solidFill>
+                <a:latin typeface="Arial" charset="0"/>
+                <a:ea typeface="ＭＳ Ｐゴシック" charset="0"/>
+                <a:cs typeface="ＭＳ Ｐゴシック" charset="0"/>
+              </a:defRPr>
+            </a:lvl4pPr>
+            <a:lvl5pPr>
+              <a:tabLst>
+                <a:tab pos="0" algn="l"/>
+                <a:tab pos="447675" algn="l"/>
+                <a:tab pos="896938" algn="l"/>
+                <a:tab pos="1346200" algn="l"/>
+                <a:tab pos="1795463" algn="l"/>
+                <a:tab pos="2244725" algn="l"/>
+                <a:tab pos="2693988" algn="l"/>
+                <a:tab pos="3143250" algn="l"/>
+                <a:tab pos="3592513" algn="l"/>
+                <a:tab pos="4041775" algn="l"/>
+                <a:tab pos="4491038" algn="l"/>
+                <a:tab pos="4940300" algn="l"/>
+                <a:tab pos="5389563" algn="l"/>
+                <a:tab pos="5838825" algn="l"/>
+                <a:tab pos="6288088" algn="l"/>
+                <a:tab pos="6737350" algn="l"/>
+                <a:tab pos="7186613" algn="l"/>
+                <a:tab pos="7635875" algn="l"/>
+                <a:tab pos="8085138" algn="l"/>
+                <a:tab pos="8534400" algn="l"/>
+                <a:tab pos="8983663" algn="l"/>
+              </a:tabLst>
+              <a:defRPr sz="2400">
+                <a:solidFill>
+                  <a:srgbClr val="000000"/>
+                </a:solidFill>
+                <a:latin typeface="Arial" charset="0"/>
+                <a:ea typeface="ＭＳ Ｐゴシック" charset="0"/>
+                <a:cs typeface="ＭＳ Ｐゴシック" charset="0"/>
+              </a:defRPr>
+            </a:lvl5pPr>
+            <a:lvl6pPr marL="2514600" indent="-228600" defTabSz="449263" fontAlgn="base">
+              <a:spcBef>
+                <a:spcPct val="0"/>
+              </a:spcBef>
+              <a:spcAft>
+                <a:spcPct val="0"/>
+              </a:spcAft>
+              <a:buClr>
+                <a:srgbClr val="000000"/>
+              </a:buClr>
+              <a:buSzPct val="100000"/>
+              <a:buFont typeface="Times New Roman" charset="0"/>
+              <a:tabLst>
+                <a:tab pos="0" algn="l"/>
+                <a:tab pos="447675" algn="l"/>
+                <a:tab pos="896938" algn="l"/>
+                <a:tab pos="1346200" algn="l"/>
+                <a:tab pos="1795463" algn="l"/>
+                <a:tab pos="2244725" algn="l"/>
+                <a:tab pos="2693988" algn="l"/>
+                <a:tab pos="3143250" algn="l"/>
+                <a:tab pos="3592513" algn="l"/>
+                <a:tab pos="4041775" algn="l"/>
+                <a:tab pos="4491038" algn="l"/>
+                <a:tab pos="4940300" algn="l"/>
+                <a:tab pos="5389563" algn="l"/>
+                <a:tab pos="5838825" algn="l"/>
+                <a:tab pos="6288088" algn="l"/>
+                <a:tab pos="6737350" algn="l"/>
+                <a:tab pos="7186613" algn="l"/>
+                <a:tab pos="7635875" algn="l"/>
+                <a:tab pos="8085138" algn="l"/>
+                <a:tab pos="8534400" algn="l"/>
+                <a:tab pos="8983663" algn="l"/>
+              </a:tabLst>
+              <a:defRPr sz="2400">
+                <a:solidFill>
+                  <a:srgbClr val="000000"/>
+                </a:solidFill>
+                <a:latin typeface="Arial" charset="0"/>
+                <a:ea typeface="ＭＳ Ｐゴシック" charset="0"/>
+                <a:cs typeface="ＭＳ Ｐゴシック" charset="0"/>
+              </a:defRPr>
+            </a:lvl6pPr>
+            <a:lvl7pPr marL="2971800" indent="-228600" defTabSz="449263" fontAlgn="base">
+              <a:spcBef>
+                <a:spcPct val="0"/>
+              </a:spcBef>
+              <a:spcAft>
+                <a:spcPct val="0"/>
+              </a:spcAft>
+              <a:buClr>
+                <a:srgbClr val="000000"/>
+              </a:buClr>
+              <a:buSzPct val="100000"/>
+              <a:buFont typeface="Times New Roman" charset="0"/>
+              <a:tabLst>
+                <a:tab pos="0" algn="l"/>
+                <a:tab pos="447675" algn="l"/>
+                <a:tab pos="896938" algn="l"/>
+                <a:tab pos="1346200" algn="l"/>
+                <a:tab pos="1795463" algn="l"/>
+                <a:tab pos="2244725" algn="l"/>
+                <a:tab pos="2693988" algn="l"/>
+                <a:tab pos="3143250" algn="l"/>
+                <a:tab pos="3592513" algn="l"/>
+                <a:tab pos="4041775" algn="l"/>
+                <a:tab pos="4491038" algn="l"/>
+                <a:tab pos="4940300" algn="l"/>
+                <a:tab pos="5389563" algn="l"/>
+                <a:tab pos="5838825" algn="l"/>
+                <a:tab pos="6288088" algn="l"/>
+                <a:tab pos="6737350" algn="l"/>
+                <a:tab pos="7186613" algn="l"/>
+                <a:tab pos="7635875" algn="l"/>
+                <a:tab pos="8085138" algn="l"/>
+                <a:tab pos="8534400" algn="l"/>
+                <a:tab pos="8983663" algn="l"/>
+              </a:tabLst>
+              <a:defRPr sz="2400">
+                <a:solidFill>
+                  <a:srgbClr val="000000"/>
+                </a:solidFill>
+                <a:latin typeface="Arial" charset="0"/>
+                <a:ea typeface="ＭＳ Ｐゴシック" charset="0"/>
+                <a:cs typeface="ＭＳ Ｐゴシック" charset="0"/>
+              </a:defRPr>
+            </a:lvl7pPr>
+            <a:lvl8pPr marL="3429000" indent="-228600" defTabSz="449263" fontAlgn="base">
+              <a:spcBef>
+                <a:spcPct val="0"/>
+              </a:spcBef>
+              <a:spcAft>
+                <a:spcPct val="0"/>
+              </a:spcAft>
+              <a:buClr>
+                <a:srgbClr val="000000"/>
+              </a:buClr>
+              <a:buSzPct val="100000"/>
+              <a:buFont typeface="Times New Roman" charset="0"/>
+              <a:tabLst>
+                <a:tab pos="0" algn="l"/>
+                <a:tab pos="447675" algn="l"/>
+                <a:tab pos="896938" algn="l"/>
+                <a:tab pos="1346200" algn="l"/>
+                <a:tab pos="1795463" algn="l"/>
+                <a:tab pos="2244725" algn="l"/>
+                <a:tab pos="2693988" algn="l"/>
+                <a:tab pos="3143250" algn="l"/>
+                <a:tab pos="3592513" algn="l"/>
+                <a:tab pos="4041775" algn="l"/>
+                <a:tab pos="4491038" algn="l"/>
+                <a:tab pos="4940300" algn="l"/>
+                <a:tab pos="5389563" algn="l"/>
+                <a:tab pos="5838825" algn="l"/>
+                <a:tab pos="6288088" algn="l"/>
+                <a:tab pos="6737350" algn="l"/>
+                <a:tab pos="7186613" algn="l"/>
+                <a:tab pos="7635875" algn="l"/>
+                <a:tab pos="8085138" algn="l"/>
+                <a:tab pos="8534400" algn="l"/>
+                <a:tab pos="8983663" algn="l"/>
+              </a:tabLst>
+              <a:defRPr sz="2400">
+                <a:solidFill>
+                  <a:srgbClr val="000000"/>
+                </a:solidFill>
+                <a:latin typeface="Arial" charset="0"/>
+                <a:ea typeface="ＭＳ Ｐゴシック" charset="0"/>
+                <a:cs typeface="ＭＳ Ｐゴシック" charset="0"/>
+              </a:defRPr>
+            </a:lvl8pPr>
+            <a:lvl9pPr marL="3886200" indent="-228600" defTabSz="449263" fontAlgn="base">
+              <a:spcBef>
+                <a:spcPct val="0"/>
+              </a:spcBef>
+              <a:spcAft>
+                <a:spcPct val="0"/>
+              </a:spcAft>
+              <a:buClr>
+                <a:srgbClr val="000000"/>
+              </a:buClr>
+              <a:buSzPct val="100000"/>
+              <a:buFont typeface="Times New Roman" charset="0"/>
+              <a:tabLst>
+                <a:tab pos="0" algn="l"/>
+                <a:tab pos="447675" algn="l"/>
+                <a:tab pos="896938" algn="l"/>
+                <a:tab pos="1346200" algn="l"/>
+                <a:tab pos="1795463" algn="l"/>
+                <a:tab pos="2244725" algn="l"/>
+                <a:tab pos="2693988" algn="l"/>
+                <a:tab pos="3143250" algn="l"/>
+                <a:tab pos="3592513" algn="l"/>
+                <a:tab pos="4041775" algn="l"/>
+                <a:tab pos="4491038" algn="l"/>
+                <a:tab pos="4940300" algn="l"/>
+                <a:tab pos="5389563" algn="l"/>
+                <a:tab pos="5838825" algn="l"/>
+                <a:tab pos="6288088" algn="l"/>
+                <a:tab pos="6737350" algn="l"/>
+                <a:tab pos="7186613" algn="l"/>
+                <a:tab pos="7635875" algn="l"/>
+                <a:tab pos="8085138" algn="l"/>
+                <a:tab pos="8534400" algn="l"/>
+                <a:tab pos="8983663" algn="l"/>
+              </a:tabLst>
+              <a:defRPr sz="2400">
+                <a:solidFill>
+                  <a:srgbClr val="000000"/>
+                </a:solidFill>
+                <a:latin typeface="Arial" charset="0"/>
+                <a:ea typeface="ＭＳ Ｐゴシック" charset="0"/>
+                <a:cs typeface="ＭＳ Ｐゴシック" charset="0"/>
+              </a:defRPr>
+            </a:lvl9pPr>
+          </a:lstStyle>
+          <a:p>
+            <a:pPr>
+              <a:buClrTx/>
+              <a:buFontTx/>
+              <a:buNone/>
+            </a:pPr>
+            <a:r>
+              <a:rPr lang="en-US" b="1"/>
+              <a:t>Windows</a:t>
+            </a:r>
+          </a:p>
+        </p:txBody>
+      </p:sp>
+      <p:sp>
+        <p:nvSpPr>
+          <p:cNvPr id="5" name="Line 1"/>
+          <p:cNvSpPr>
+            <a:spLocks noChangeShapeType="1"/>
+          </p:cNvSpPr>
+          <p:nvPr/>
+        </p:nvSpPr>
+        <p:spPr bwMode="auto">
+          <a:xfrm>
+            <a:off x="4175125" y="1124745"/>
+            <a:ext cx="0" cy="4968552"/>
+          </a:xfrm>
+          <a:prstGeom prst="line">
+            <a:avLst/>
+          </a:prstGeom>
+          <a:noFill/>
+          <a:ln w="76320" cap="flat">
+            <a:solidFill>
+              <a:srgbClr val="000000"/>
+            </a:solidFill>
+            <a:round/>
+            <a:headEnd/>
+            <a:tailEnd/>
+          </a:ln>
+          <a:effectLst/>
+          <a:extLst>
+            <a:ext uri="{909E8E84-426E-40dd-AFC4-6F175D3DCCD1}">
+              <a14:hiddenFill xmlns:a14="http://schemas.microsoft.com/office/drawing/2010/main">
+                <a:noFill/>
+              </a14:hiddenFill>
+            </a:ext>
+            <a:ext uri="{AF507438-7753-43e0-B8FC-AC1667EBCBE1}">
+              <a14:hiddenEffects xmlns:a14="http://schemas.microsoft.com/office/drawing/2010/main">
+                <a:effectLst>
+                  <a:outerShdw blurRad="63500" dist="38099" dir="2700000" algn="ctr" rotWithShape="0">
+                    <a:srgbClr val="000000">
+                      <a:alpha val="74998"/>
+                    </a:srgbClr>
+                  </a:outerShdw>
+                </a:effectLst>
+              </a14:hiddenEffects>
+            </a:ext>
+          </a:extLst>
+        </p:spPr>
+        <p:txBody>
+          <a:bodyPr/>
+          <a:lstStyle/>
+          <a:p>
+            <a:endParaRPr lang="en-US"/>
+          </a:p>
+        </p:txBody>
+      </p:sp>
+      <p:sp>
+        <p:nvSpPr>
+          <p:cNvPr id="6" name="Text Box 4"/>
+          <p:cNvSpPr txBox="1">
+            <a:spLocks noChangeArrowheads="1"/>
+          </p:cNvSpPr>
+          <p:nvPr/>
+        </p:nvSpPr>
+        <p:spPr bwMode="auto">
+          <a:xfrm>
+            <a:off x="441325" y="2177752"/>
+            <a:ext cx="3282950" cy="863600"/>
+          </a:xfrm>
+          <a:prstGeom prst="rect">
+            <a:avLst/>
+          </a:prstGeom>
+          <a:noFill/>
+          <a:ln>
+            <a:noFill/>
+          </a:ln>
+          <a:effectLst/>
+          <a:extLst>
+            <a:ext uri="{909E8E84-426E-40dd-AFC4-6F175D3DCCD1}">
+              <a14:hiddenFill xmlns:a14="http://schemas.microsoft.com/office/drawing/2010/main">
+                <a:solidFill>
+                  <a:srgbClr val="FFFFFF"/>
+                </a:solidFill>
+              </a14:hiddenFill>
+            </a:ext>
+            <a:ext uri="{91240B29-F687-4f45-9708-019B960494DF}">
+              <a14:hiddenLine xmlns:a14="http://schemas.microsoft.com/office/drawing/2010/main" w="9525" cap="flat">
+                <a:solidFill>
+                  <a:srgbClr val="808080"/>
+                </a:solidFill>
+                <a:round/>
+                <a:headEnd/>
+                <a:tailEnd/>
+              </a14:hiddenLine>
+            </a:ext>
+            <a:ext uri="{AF507438-7753-43e0-B8FC-AC1667EBCBE1}">
+              <a14:hiddenEffects xmlns:a14="http://schemas.microsoft.com/office/drawing/2010/main">
+                <a:effectLst>
+                  <a:outerShdw blurRad="63500" dist="38099" dir="2700000" algn="ctr" rotWithShape="0">
+                    <a:srgbClr val="000000">
+                      <a:alpha val="74998"/>
+                    </a:srgbClr>
+                  </a:outerShdw>
+                </a:effectLst>
+              </a14:hiddenEffects>
+            </a:ext>
+          </a:extLst>
+        </p:spPr>
+        <p:txBody>
+          <a:bodyPr lIns="90000" tIns="45000" rIns="90000" bIns="45000"/>
+          <a:lstStyle>
+            <a:lvl1pPr>
+              <a:tabLst>
+                <a:tab pos="0" algn="l"/>
+                <a:tab pos="447675" algn="l"/>
+                <a:tab pos="896938" algn="l"/>
+                <a:tab pos="1346200" algn="l"/>
+                <a:tab pos="1795463" algn="l"/>
+                <a:tab pos="2244725" algn="l"/>
+                <a:tab pos="2693988" algn="l"/>
+                <a:tab pos="3143250" algn="l"/>
+                <a:tab pos="3592513" algn="l"/>
+                <a:tab pos="4041775" algn="l"/>
+                <a:tab pos="4491038" algn="l"/>
+                <a:tab pos="4940300" algn="l"/>
+                <a:tab pos="5389563" algn="l"/>
+                <a:tab pos="5838825" algn="l"/>
+                <a:tab pos="6288088" algn="l"/>
+                <a:tab pos="6737350" algn="l"/>
+                <a:tab pos="7186613" algn="l"/>
+                <a:tab pos="7635875" algn="l"/>
+                <a:tab pos="8085138" algn="l"/>
+                <a:tab pos="8534400" algn="l"/>
+                <a:tab pos="8983663" algn="l"/>
+              </a:tabLst>
+              <a:defRPr sz="2400">
+                <a:solidFill>
+                  <a:srgbClr val="000000"/>
+                </a:solidFill>
+                <a:latin typeface="Arial" charset="0"/>
+                <a:ea typeface="ＭＳ Ｐゴシック" charset="0"/>
+                <a:cs typeface="ＭＳ Ｐゴシック" charset="0"/>
+              </a:defRPr>
+            </a:lvl1pPr>
+            <a:lvl2pPr>
+              <a:tabLst>
+                <a:tab pos="0" algn="l"/>
+                <a:tab pos="447675" algn="l"/>
+                <a:tab pos="896938" algn="l"/>
+                <a:tab pos="1346200" algn="l"/>
+                <a:tab pos="1795463" algn="l"/>
+                <a:tab pos="2244725" algn="l"/>
+                <a:tab pos="2693988" algn="l"/>
+                <a:tab pos="3143250" algn="l"/>
+                <a:tab pos="3592513" algn="l"/>
+                <a:tab pos="4041775" algn="l"/>
+                <a:tab pos="4491038" algn="l"/>
+                <a:tab pos="4940300" algn="l"/>
+                <a:tab pos="5389563" algn="l"/>
+                <a:tab pos="5838825" algn="l"/>
+                <a:tab pos="6288088" algn="l"/>
+                <a:tab pos="6737350" algn="l"/>
+                <a:tab pos="7186613" algn="l"/>
+                <a:tab pos="7635875" algn="l"/>
+                <a:tab pos="8085138" algn="l"/>
+                <a:tab pos="8534400" algn="l"/>
+                <a:tab pos="8983663" algn="l"/>
+              </a:tabLst>
+              <a:defRPr sz="2400">
+                <a:solidFill>
+                  <a:srgbClr val="000000"/>
+                </a:solidFill>
+                <a:latin typeface="Arial" charset="0"/>
+                <a:ea typeface="ＭＳ Ｐゴシック" charset="0"/>
+                <a:cs typeface="ＭＳ Ｐゴシック" charset="0"/>
+              </a:defRPr>
+            </a:lvl2pPr>
+            <a:lvl3pPr>
+              <a:tabLst>
+                <a:tab pos="0" algn="l"/>
+                <a:tab pos="447675" algn="l"/>
+                <a:tab pos="896938" algn="l"/>
+                <a:tab pos="1346200" algn="l"/>
+                <a:tab pos="1795463" algn="l"/>
+                <a:tab pos="2244725" algn="l"/>
+                <a:tab pos="2693988" algn="l"/>
+                <a:tab pos="3143250" algn="l"/>
+                <a:tab pos="3592513" algn="l"/>
+                <a:tab pos="4041775" algn="l"/>
+                <a:tab pos="4491038" algn="l"/>
+                <a:tab pos="4940300" algn="l"/>
+                <a:tab pos="5389563" algn="l"/>
+                <a:tab pos="5838825" algn="l"/>
+                <a:tab pos="6288088" algn="l"/>
+                <a:tab pos="6737350" algn="l"/>
+                <a:tab pos="7186613" algn="l"/>
+                <a:tab pos="7635875" algn="l"/>
+                <a:tab pos="8085138" algn="l"/>
+                <a:tab pos="8534400" algn="l"/>
+                <a:tab pos="8983663" algn="l"/>
+              </a:tabLst>
+              <a:defRPr sz="2400">
+                <a:solidFill>
+                  <a:srgbClr val="000000"/>
+                </a:solidFill>
+                <a:latin typeface="Arial" charset="0"/>
+                <a:ea typeface="ＭＳ Ｐゴシック" charset="0"/>
+                <a:cs typeface="ＭＳ Ｐゴシック" charset="0"/>
+              </a:defRPr>
+            </a:lvl3pPr>
+            <a:lvl4pPr>
+              <a:tabLst>
+                <a:tab pos="0" algn="l"/>
+                <a:tab pos="447675" algn="l"/>
+                <a:tab pos="896938" algn="l"/>
+                <a:tab pos="1346200" algn="l"/>
+                <a:tab pos="1795463" algn="l"/>
+                <a:tab pos="2244725" algn="l"/>
+                <a:tab pos="2693988" algn="l"/>
+                <a:tab pos="3143250" algn="l"/>
+                <a:tab pos="3592513" algn="l"/>
+                <a:tab pos="4041775" algn="l"/>
+                <a:tab pos="4491038" algn="l"/>
+                <a:tab pos="4940300" algn="l"/>
+                <a:tab pos="5389563" algn="l"/>
+                <a:tab pos="5838825" algn="l"/>
+                <a:tab pos="6288088" algn="l"/>
+                <a:tab pos="6737350" algn="l"/>
+                <a:tab pos="7186613" algn="l"/>
+                <a:tab pos="7635875" algn="l"/>
+                <a:tab pos="8085138" algn="l"/>
+                <a:tab pos="8534400" algn="l"/>
+                <a:tab pos="8983663" algn="l"/>
+              </a:tabLst>
+              <a:defRPr sz="2400">
+                <a:solidFill>
+                  <a:srgbClr val="000000"/>
+                </a:solidFill>
+                <a:latin typeface="Arial" charset="0"/>
+                <a:ea typeface="ＭＳ Ｐゴシック" charset="0"/>
+                <a:cs typeface="ＭＳ Ｐゴシック" charset="0"/>
+              </a:defRPr>
+            </a:lvl4pPr>
+            <a:lvl5pPr>
+              <a:tabLst>
+                <a:tab pos="0" algn="l"/>
+                <a:tab pos="447675" algn="l"/>
+                <a:tab pos="896938" algn="l"/>
+                <a:tab pos="1346200" algn="l"/>
+                <a:tab pos="1795463" algn="l"/>
+                <a:tab pos="2244725" algn="l"/>
+                <a:tab pos="2693988" algn="l"/>
+                <a:tab pos="3143250" algn="l"/>
+                <a:tab pos="3592513" algn="l"/>
+                <a:tab pos="4041775" algn="l"/>
+                <a:tab pos="4491038" algn="l"/>
+                <a:tab pos="4940300" algn="l"/>
+                <a:tab pos="5389563" algn="l"/>
+                <a:tab pos="5838825" algn="l"/>
+                <a:tab pos="6288088" algn="l"/>
+                <a:tab pos="6737350" algn="l"/>
+                <a:tab pos="7186613" algn="l"/>
+                <a:tab pos="7635875" algn="l"/>
+                <a:tab pos="8085138" algn="l"/>
+                <a:tab pos="8534400" algn="l"/>
+                <a:tab pos="8983663" algn="l"/>
+              </a:tabLst>
+              <a:defRPr sz="2400">
+                <a:solidFill>
+                  <a:srgbClr val="000000"/>
+                </a:solidFill>
+                <a:latin typeface="Arial" charset="0"/>
+                <a:ea typeface="ＭＳ Ｐゴシック" charset="0"/>
+                <a:cs typeface="ＭＳ Ｐゴシック" charset="0"/>
+              </a:defRPr>
+            </a:lvl5pPr>
+            <a:lvl6pPr marL="2514600" indent="-228600" defTabSz="449263" fontAlgn="base">
+              <a:spcBef>
+                <a:spcPct val="0"/>
+              </a:spcBef>
+              <a:spcAft>
+                <a:spcPct val="0"/>
+              </a:spcAft>
+              <a:buClr>
+                <a:srgbClr val="000000"/>
+              </a:buClr>
+              <a:buSzPct val="100000"/>
+              <a:buFont typeface="Times New Roman" charset="0"/>
+              <a:tabLst>
+                <a:tab pos="0" algn="l"/>
+                <a:tab pos="447675" algn="l"/>
+                <a:tab pos="896938" algn="l"/>
+                <a:tab pos="1346200" algn="l"/>
+                <a:tab pos="1795463" algn="l"/>
+                <a:tab pos="2244725" algn="l"/>
+                <a:tab pos="2693988" algn="l"/>
+                <a:tab pos="3143250" algn="l"/>
+                <a:tab pos="3592513" algn="l"/>
+                <a:tab pos="4041775" algn="l"/>
+                <a:tab pos="4491038" algn="l"/>
+                <a:tab pos="4940300" algn="l"/>
+                <a:tab pos="5389563" algn="l"/>
+                <a:tab pos="5838825" algn="l"/>
+                <a:tab pos="6288088" algn="l"/>
+                <a:tab pos="6737350" algn="l"/>
+                <a:tab pos="7186613" algn="l"/>
+                <a:tab pos="7635875" algn="l"/>
+                <a:tab pos="8085138" algn="l"/>
+                <a:tab pos="8534400" algn="l"/>
+                <a:tab pos="8983663" algn="l"/>
+              </a:tabLst>
+              <a:defRPr sz="2400">
+                <a:solidFill>
+                  <a:srgbClr val="000000"/>
+                </a:solidFill>
+                <a:latin typeface="Arial" charset="0"/>
+                <a:ea typeface="ＭＳ Ｐゴシック" charset="0"/>
+                <a:cs typeface="ＭＳ Ｐゴシック" charset="0"/>
+              </a:defRPr>
+            </a:lvl6pPr>
+            <a:lvl7pPr marL="2971800" indent="-228600" defTabSz="449263" fontAlgn="base">
+              <a:spcBef>
+                <a:spcPct val="0"/>
+              </a:spcBef>
+              <a:spcAft>
+                <a:spcPct val="0"/>
+              </a:spcAft>
+              <a:buClr>
+                <a:srgbClr val="000000"/>
+              </a:buClr>
+              <a:buSzPct val="100000"/>
+              <a:buFont typeface="Times New Roman" charset="0"/>
+              <a:tabLst>
+                <a:tab pos="0" algn="l"/>
+                <a:tab pos="447675" algn="l"/>
+                <a:tab pos="896938" algn="l"/>
+                <a:tab pos="1346200" algn="l"/>
+                <a:tab pos="1795463" algn="l"/>
+                <a:tab pos="2244725" algn="l"/>
+                <a:tab pos="2693988" algn="l"/>
+                <a:tab pos="3143250" algn="l"/>
+                <a:tab pos="3592513" algn="l"/>
+                <a:tab pos="4041775" algn="l"/>
+                <a:tab pos="4491038" algn="l"/>
+                <a:tab pos="4940300" algn="l"/>
+                <a:tab pos="5389563" algn="l"/>
+                <a:tab pos="5838825" algn="l"/>
+                <a:tab pos="6288088" algn="l"/>
+                <a:tab pos="6737350" algn="l"/>
+                <a:tab pos="7186613" algn="l"/>
+                <a:tab pos="7635875" algn="l"/>
+                <a:tab pos="8085138" algn="l"/>
+                <a:tab pos="8534400" algn="l"/>
+                <a:tab pos="8983663" algn="l"/>
+              </a:tabLst>
+              <a:defRPr sz="2400">
+                <a:solidFill>
+                  <a:srgbClr val="000000"/>
+                </a:solidFill>
+                <a:latin typeface="Arial" charset="0"/>
+                <a:ea typeface="ＭＳ Ｐゴシック" charset="0"/>
+                <a:cs typeface="ＭＳ Ｐゴシック" charset="0"/>
+              </a:defRPr>
+            </a:lvl7pPr>
+            <a:lvl8pPr marL="3429000" indent="-228600" defTabSz="449263" fontAlgn="base">
+              <a:spcBef>
+                <a:spcPct val="0"/>
+              </a:spcBef>
+              <a:spcAft>
+                <a:spcPct val="0"/>
+              </a:spcAft>
+              <a:buClr>
+                <a:srgbClr val="000000"/>
+              </a:buClr>
+              <a:buSzPct val="100000"/>
+              <a:buFont typeface="Times New Roman" charset="0"/>
+              <a:tabLst>
+                <a:tab pos="0" algn="l"/>
+                <a:tab pos="447675" algn="l"/>
+                <a:tab pos="896938" algn="l"/>
+                <a:tab pos="1346200" algn="l"/>
+                <a:tab pos="1795463" algn="l"/>
+                <a:tab pos="2244725" algn="l"/>
+                <a:tab pos="2693988" algn="l"/>
+                <a:tab pos="3143250" algn="l"/>
+                <a:tab pos="3592513" algn="l"/>
+                <a:tab pos="4041775" algn="l"/>
+                <a:tab pos="4491038" algn="l"/>
+                <a:tab pos="4940300" algn="l"/>
+                <a:tab pos="5389563" algn="l"/>
+                <a:tab pos="5838825" algn="l"/>
+                <a:tab pos="6288088" algn="l"/>
+                <a:tab pos="6737350" algn="l"/>
+                <a:tab pos="7186613" algn="l"/>
+                <a:tab pos="7635875" algn="l"/>
+                <a:tab pos="8085138" algn="l"/>
+                <a:tab pos="8534400" algn="l"/>
+                <a:tab pos="8983663" algn="l"/>
+              </a:tabLst>
+              <a:defRPr sz="2400">
+                <a:solidFill>
+                  <a:srgbClr val="000000"/>
+                </a:solidFill>
+                <a:latin typeface="Arial" charset="0"/>
+                <a:ea typeface="ＭＳ Ｐゴシック" charset="0"/>
+                <a:cs typeface="ＭＳ Ｐゴシック" charset="0"/>
+              </a:defRPr>
+            </a:lvl8pPr>
+            <a:lvl9pPr marL="3886200" indent="-228600" defTabSz="449263" fontAlgn="base">
+              <a:spcBef>
+                <a:spcPct val="0"/>
+              </a:spcBef>
+              <a:spcAft>
+                <a:spcPct val="0"/>
+              </a:spcAft>
+              <a:buClr>
+                <a:srgbClr val="000000"/>
+              </a:buClr>
+              <a:buSzPct val="100000"/>
+              <a:buFont typeface="Times New Roman" charset="0"/>
+              <a:tabLst>
+                <a:tab pos="0" algn="l"/>
+                <a:tab pos="447675" algn="l"/>
+                <a:tab pos="896938" algn="l"/>
+                <a:tab pos="1346200" algn="l"/>
+                <a:tab pos="1795463" algn="l"/>
+                <a:tab pos="2244725" algn="l"/>
+                <a:tab pos="2693988" algn="l"/>
+                <a:tab pos="3143250" algn="l"/>
+                <a:tab pos="3592513" algn="l"/>
+                <a:tab pos="4041775" algn="l"/>
+                <a:tab pos="4491038" algn="l"/>
+                <a:tab pos="4940300" algn="l"/>
+                <a:tab pos="5389563" algn="l"/>
+                <a:tab pos="5838825" algn="l"/>
+                <a:tab pos="6288088" algn="l"/>
+                <a:tab pos="6737350" algn="l"/>
+                <a:tab pos="7186613" algn="l"/>
+                <a:tab pos="7635875" algn="l"/>
+                <a:tab pos="8085138" algn="l"/>
+                <a:tab pos="8534400" algn="l"/>
+                <a:tab pos="8983663" algn="l"/>
+              </a:tabLst>
+              <a:defRPr sz="2400">
+                <a:solidFill>
+                  <a:srgbClr val="000000"/>
+                </a:solidFill>
+                <a:latin typeface="Arial" charset="0"/>
+                <a:ea typeface="ＭＳ Ｐゴシック" charset="0"/>
+                <a:cs typeface="ＭＳ Ｐゴシック" charset="0"/>
+              </a:defRPr>
+            </a:lvl9pPr>
+          </a:lstStyle>
+          <a:p>
+            <a:pPr>
+              <a:buClrTx/>
+              <a:buFontTx/>
+              <a:buNone/>
+            </a:pPr>
+            <a:r>
+              <a:rPr lang="en-CA" sz="2000"/>
+              <a:t>ssh -i CBWNY.pem ubuntu </a:t>
+            </a:r>
+          </a:p>
+        </p:txBody>
+      </p:sp>
+      <p:pic>
+        <p:nvPicPr>
+          <p:cNvPr id="7" name="Picture 5"/>
+          <p:cNvPicPr>
+            <a:picLocks noChangeAspect="1" noChangeArrowheads="1"/>
+          </p:cNvPicPr>
+          <p:nvPr/>
+        </p:nvPicPr>
+        <p:blipFill>
+          <a:blip r:embed="rId2">
+            <a:extLst>
+              <a:ext uri="{28A0092B-C50C-407E-A947-70E740481C1C}">
+                <a14:useLocalDpi xmlns:a14="http://schemas.microsoft.com/office/drawing/2010/main" val="0"/>
+              </a:ext>
+            </a:extLst>
+          </a:blip>
+          <a:srcRect/>
+          <a:stretch>
+            <a:fillRect/>
+          </a:stretch>
+        </p:blipFill>
+        <p:spPr bwMode="auto">
+          <a:xfrm>
+            <a:off x="4459288" y="1674514"/>
+            <a:ext cx="4468812" cy="4392613"/>
+          </a:xfrm>
+          <a:prstGeom prst="rect">
+            <a:avLst/>
+          </a:prstGeom>
+          <a:noFill/>
+          <a:ln>
+            <a:noFill/>
+          </a:ln>
+          <a:effectLst/>
+          <a:extLst>
+            <a:ext uri="{909E8E84-426E-40dd-AFC4-6F175D3DCCD1}">
+              <a14:hiddenFill xmlns:a14="http://schemas.microsoft.com/office/drawing/2010/main">
+                <a:blipFill dpi="0" rotWithShape="0">
+                  <a:blip/>
+                  <a:srcRect/>
+                  <a:stretch>
+                    <a:fillRect/>
+                  </a:stretch>
+                </a:blipFill>
+              </a14:hiddenFill>
+            </a:ext>
+            <a:ext uri="{91240B29-F687-4f45-9708-019B960494DF}">
+              <a14:hiddenLine xmlns:a14="http://schemas.microsoft.com/office/drawing/2010/main" w="9525" cap="flat">
+                <a:solidFill>
+                  <a:srgbClr val="808080"/>
+                </a:solidFill>
+                <a:round/>
+                <a:headEnd/>
+                <a:tailEnd/>
+              </a14:hiddenLine>
+            </a:ext>
+            <a:ext uri="{AF507438-7753-43e0-B8FC-AC1667EBCBE1}">
+              <a14:hiddenEffects xmlns:a14="http://schemas.microsoft.com/office/drawing/2010/main">
+                <a:effectLst>
+                  <a:outerShdw blurRad="63500" dist="38099" dir="2700000" algn="ctr" rotWithShape="0">
+                    <a:srgbClr val="000000">
+                      <a:alpha val="74998"/>
+                    </a:srgbClr>
+                  </a:outerShdw>
+                </a:effectLst>
+              </a14:hiddenEffects>
+            </a:ext>
+          </a:extLst>
+        </p:spPr>
+      </p:pic>
+      <p:sp>
+        <p:nvSpPr>
+          <p:cNvPr id="8" name="AutoShape 6"/>
+          <p:cNvSpPr>
+            <a:spLocks noChangeArrowheads="1"/>
+          </p:cNvSpPr>
+          <p:nvPr/>
+        </p:nvSpPr>
+        <p:spPr bwMode="auto">
+          <a:xfrm>
+            <a:off x="7272338" y="2538114"/>
+            <a:ext cx="1152525" cy="287338"/>
+          </a:xfrm>
+          <a:prstGeom prst="roundRect">
+            <a:avLst>
+              <a:gd name="adj" fmla="val 556"/>
+            </a:avLst>
+          </a:prstGeom>
+          <a:noFill/>
+          <a:ln w="29160" cap="flat">
+            <a:solidFill>
+              <a:srgbClr val="FF0000"/>
+            </a:solidFill>
+            <a:round/>
+            <a:headEnd/>
+            <a:tailEnd/>
+          </a:ln>
+          <a:effectLst/>
+          <a:extLst>
+            <a:ext uri="{909E8E84-426E-40dd-AFC4-6F175D3DCCD1}">
+              <a14:hiddenFill xmlns:a14="http://schemas.microsoft.com/office/drawing/2010/main">
+                <a:solidFill>
+                  <a:srgbClr val="FFFFFF"/>
+                </a:solidFill>
+              </a14:hiddenFill>
+            </a:ext>
+            <a:ext uri="{AF507438-7753-43e0-B8FC-AC1667EBCBE1}">
+              <a14:hiddenEffects xmlns:a14="http://schemas.microsoft.com/office/drawing/2010/main">
+                <a:effectLst>
+                  <a:outerShdw blurRad="63500" dist="38099" dir="2700000" algn="ctr" rotWithShape="0">
+                    <a:srgbClr val="000000">
+                      <a:alpha val="74998"/>
+                    </a:srgbClr>
+                  </a:outerShdw>
+                </a:effectLst>
+              </a14:hiddenEffects>
+            </a:ext>
+          </a:extLst>
+        </p:spPr>
+        <p:txBody>
+          <a:bodyPr wrap="none" anchor="ctr"/>
+          <a:lstStyle/>
+          <a:p>
+            <a:endParaRPr lang="en-US"/>
+          </a:p>
+        </p:txBody>
+      </p:sp>
+      <p:sp>
+        <p:nvSpPr>
+          <p:cNvPr id="9" name="Line 7"/>
+          <p:cNvSpPr>
+            <a:spLocks noChangeShapeType="1"/>
+          </p:cNvSpPr>
+          <p:nvPr/>
+        </p:nvSpPr>
+        <p:spPr bwMode="auto">
+          <a:xfrm>
+            <a:off x="2808288" y="2538114"/>
+            <a:ext cx="720725" cy="1588"/>
+          </a:xfrm>
+          <a:prstGeom prst="line">
+            <a:avLst/>
+          </a:prstGeom>
+          <a:noFill/>
+          <a:ln w="38160" cap="flat">
+            <a:solidFill>
+              <a:srgbClr val="FF0000"/>
+            </a:solidFill>
+            <a:round/>
+            <a:headEnd/>
+            <a:tailEnd/>
+          </a:ln>
+          <a:effectLst/>
+          <a:extLst>
+            <a:ext uri="{909E8E84-426E-40dd-AFC4-6F175D3DCCD1}">
+              <a14:hiddenFill xmlns:a14="http://schemas.microsoft.com/office/drawing/2010/main">
+                <a:noFill/>
+              </a14:hiddenFill>
+            </a:ext>
+            <a:ext uri="{AF507438-7753-43e0-B8FC-AC1667EBCBE1}">
+              <a14:hiddenEffects xmlns:a14="http://schemas.microsoft.com/office/drawing/2010/main">
+                <a:effectLst>
+                  <a:outerShdw blurRad="63500" dist="38099" dir="2700000" algn="ctr" rotWithShape="0">
+                    <a:srgbClr val="000000">
+                      <a:alpha val="74998"/>
+                    </a:srgbClr>
+                  </a:outerShdw>
+                </a:effectLst>
+              </a14:hiddenEffects>
+            </a:ext>
+          </a:extLst>
+        </p:spPr>
+        <p:txBody>
+          <a:bodyPr/>
+          <a:lstStyle/>
+          <a:p>
+            <a:endParaRPr lang="en-US"/>
+          </a:p>
+        </p:txBody>
+      </p:sp>
+    </p:spTree>
+    <p:extLst>
+      <p:ext uri="{BB962C8B-B14F-4D97-AF65-F5344CB8AC3E}">
+        <p14:creationId xmlns:p14="http://schemas.microsoft.com/office/powerpoint/2010/main" val="3203118305"/>
+      </p:ext>
+    </p:extLst>
+  </p:cSld>
+  <p:clrMapOvr>
+    <a:masterClrMapping/>
+  </p:clrMapOvr>
+  <p:timing>
+    <p:tnLst>
+      <p:par>
+        <p:cTn xmlns:p14="http://schemas.microsoft.com/office/powerpoint/2010/main" id="1" dur="indefinite" restart="never" nodeType="tmRoot"/>
+      </p:par>
+    </p:tnLst>
+  </p:timing>
+</p:sld>
+</file>
+
+<file path=ppt/slides/slide27.xml><?xml version="1.0" encoding="utf-8"?>
+<p:sld xmlns:a="http://schemas.openxmlformats.org/drawingml/2006/main" xmlns:r="http://schemas.openxmlformats.org/officeDocument/2006/relationships" xmlns:p="http://schemas.openxmlformats.org/presentationml/2006/main">
+  <p:cSld>
+    <p:spTree>
+      <p:nvGrpSpPr>
+        <p:cNvPr id="1" name=""/>
+        <p:cNvGrpSpPr/>
+        <p:nvPr/>
+      </p:nvGrpSpPr>
+      <p:grpSpPr>
+        <a:xfrm>
+          <a:off x="0" y="0"/>
+          <a:ext cx="0" cy="0"/>
+          <a:chOff x="0" y="0"/>
+          <a:chExt cx="0" cy="0"/>
+        </a:xfrm>
+      </p:grpSpPr>
+      <p:sp>
+        <p:nvSpPr>
+          <p:cNvPr id="30722" name="Title 2"/>
+          <p:cNvSpPr>
+            <a:spLocks noGrp="1"/>
+          </p:cNvSpPr>
+          <p:nvPr>
+            <p:ph type="title"/>
+          </p:nvPr>
+        </p:nvSpPr>
+        <p:spPr>
+          <a:xfrm>
+            <a:off x="152400" y="-26987"/>
+            <a:ext cx="8839200" cy="791691"/>
+          </a:xfrm>
+        </p:spPr>
+        <p:txBody>
+          <a:bodyPr/>
+          <a:lstStyle/>
+          <a:p>
+            <a:r>
+              <a:rPr lang="en-US" dirty="0">
+                <a:ea typeface="ＭＳ Ｐゴシック" charset="0"/>
+              </a:rPr>
+              <a:t>Logging </a:t>
+            </a:r>
+            <a:r>
+              <a:rPr lang="en-US" dirty="0" smtClean="0">
+                <a:ea typeface="ＭＳ Ｐゴシック" charset="0"/>
+              </a:rPr>
+              <a:t>into AWS</a:t>
+            </a:r>
+            <a:endParaRPr lang="en-US" dirty="0">
+              <a:ea typeface="ＭＳ Ｐゴシック" charset="0"/>
+            </a:endParaRPr>
+          </a:p>
+        </p:txBody>
+      </p:sp>
+      <p:sp>
+        <p:nvSpPr>
+          <p:cNvPr id="11" name="Text Box 2"/>
+          <p:cNvSpPr txBox="1">
+            <a:spLocks noChangeArrowheads="1"/>
+          </p:cNvSpPr>
+          <p:nvPr/>
+        </p:nvSpPr>
+        <p:spPr bwMode="auto">
+          <a:xfrm>
+            <a:off x="457200" y="1028378"/>
+            <a:ext cx="2206625" cy="455613"/>
+          </a:xfrm>
+          <a:prstGeom prst="rect">
+            <a:avLst/>
+          </a:prstGeom>
+          <a:noFill/>
+          <a:ln>
+            <a:noFill/>
+          </a:ln>
+          <a:effectLst/>
+          <a:extLst>
+            <a:ext uri="{909E8E84-426E-40dd-AFC4-6F175D3DCCD1}">
+              <a14:hiddenFill xmlns:a14="http://schemas.microsoft.com/office/drawing/2010/main">
+                <a:solidFill>
+                  <a:srgbClr val="FFFFFF"/>
+                </a:solidFill>
+              </a14:hiddenFill>
+            </a:ext>
+            <a:ext uri="{91240B29-F687-4f45-9708-019B960494DF}">
+              <a14:hiddenLine xmlns:a14="http://schemas.microsoft.com/office/drawing/2010/main" w="9525" cap="flat">
+                <a:solidFill>
+                  <a:srgbClr val="808080"/>
+                </a:solidFill>
+                <a:round/>
+                <a:headEnd/>
+                <a:tailEnd/>
+              </a14:hiddenLine>
+            </a:ext>
+            <a:ext uri="{AF507438-7753-43e0-B8FC-AC1667EBCBE1}">
+              <a14:hiddenEffects xmlns:a14="http://schemas.microsoft.com/office/drawing/2010/main">
+                <a:effectLst>
+                  <a:outerShdw blurRad="63500" dist="38099" dir="2700000" algn="ctr" rotWithShape="0">
+                    <a:srgbClr val="000000">
+                      <a:alpha val="74998"/>
+                    </a:srgbClr>
+                  </a:outerShdw>
+                </a:effectLst>
+              </a14:hiddenEffects>
+            </a:ext>
+          </a:extLst>
+        </p:spPr>
+        <p:txBody>
+          <a:bodyPr wrap="none" lIns="90000" tIns="45000" rIns="90000" bIns="45000"/>
+          <a:lstStyle>
+            <a:lvl1pPr>
+              <a:tabLst>
+                <a:tab pos="0" algn="l"/>
+                <a:tab pos="447675" algn="l"/>
+                <a:tab pos="896938" algn="l"/>
+                <a:tab pos="1346200" algn="l"/>
+                <a:tab pos="1795463" algn="l"/>
+                <a:tab pos="2244725" algn="l"/>
+                <a:tab pos="2693988" algn="l"/>
+                <a:tab pos="3143250" algn="l"/>
+                <a:tab pos="3592513" algn="l"/>
+                <a:tab pos="4041775" algn="l"/>
+                <a:tab pos="4491038" algn="l"/>
+                <a:tab pos="4940300" algn="l"/>
+                <a:tab pos="5389563" algn="l"/>
+                <a:tab pos="5838825" algn="l"/>
+                <a:tab pos="6288088" algn="l"/>
+                <a:tab pos="6737350" algn="l"/>
+                <a:tab pos="7186613" algn="l"/>
+                <a:tab pos="7635875" algn="l"/>
+                <a:tab pos="8085138" algn="l"/>
+                <a:tab pos="8534400" algn="l"/>
+                <a:tab pos="8983663" algn="l"/>
+              </a:tabLst>
+              <a:defRPr sz="2400">
+                <a:solidFill>
+                  <a:srgbClr val="000000"/>
+                </a:solidFill>
+                <a:latin typeface="Arial" charset="0"/>
+                <a:ea typeface="ＭＳ Ｐゴシック" charset="0"/>
+                <a:cs typeface="ＭＳ Ｐゴシック" charset="0"/>
+              </a:defRPr>
+            </a:lvl1pPr>
+            <a:lvl2pPr>
+              <a:tabLst>
+                <a:tab pos="0" algn="l"/>
+                <a:tab pos="447675" algn="l"/>
+                <a:tab pos="896938" algn="l"/>
+                <a:tab pos="1346200" algn="l"/>
+                <a:tab pos="1795463" algn="l"/>
+                <a:tab pos="2244725" algn="l"/>
+                <a:tab pos="2693988" algn="l"/>
+                <a:tab pos="3143250" algn="l"/>
+                <a:tab pos="3592513" algn="l"/>
+                <a:tab pos="4041775" algn="l"/>
+                <a:tab pos="4491038" algn="l"/>
+                <a:tab pos="4940300" algn="l"/>
+                <a:tab pos="5389563" algn="l"/>
+                <a:tab pos="5838825" algn="l"/>
+                <a:tab pos="6288088" algn="l"/>
+                <a:tab pos="6737350" algn="l"/>
+                <a:tab pos="7186613" algn="l"/>
+                <a:tab pos="7635875" algn="l"/>
+                <a:tab pos="8085138" algn="l"/>
+                <a:tab pos="8534400" algn="l"/>
+                <a:tab pos="8983663" algn="l"/>
+              </a:tabLst>
+              <a:defRPr sz="2400">
+                <a:solidFill>
+                  <a:srgbClr val="000000"/>
+                </a:solidFill>
+                <a:latin typeface="Arial" charset="0"/>
+                <a:ea typeface="ＭＳ Ｐゴシック" charset="0"/>
+                <a:cs typeface="ＭＳ Ｐゴシック" charset="0"/>
+              </a:defRPr>
+            </a:lvl2pPr>
+            <a:lvl3pPr>
+              <a:tabLst>
+                <a:tab pos="0" algn="l"/>
+                <a:tab pos="447675" algn="l"/>
+                <a:tab pos="896938" algn="l"/>
+                <a:tab pos="1346200" algn="l"/>
+                <a:tab pos="1795463" algn="l"/>
+                <a:tab pos="2244725" algn="l"/>
+                <a:tab pos="2693988" algn="l"/>
+                <a:tab pos="3143250" algn="l"/>
+                <a:tab pos="3592513" algn="l"/>
+                <a:tab pos="4041775" algn="l"/>
+                <a:tab pos="4491038" algn="l"/>
+                <a:tab pos="4940300" algn="l"/>
+                <a:tab pos="5389563" algn="l"/>
+                <a:tab pos="5838825" algn="l"/>
+                <a:tab pos="6288088" algn="l"/>
+                <a:tab pos="6737350" algn="l"/>
+                <a:tab pos="7186613" algn="l"/>
+                <a:tab pos="7635875" algn="l"/>
+                <a:tab pos="8085138" algn="l"/>
+                <a:tab pos="8534400" algn="l"/>
+                <a:tab pos="8983663" algn="l"/>
+              </a:tabLst>
+              <a:defRPr sz="2400">
+                <a:solidFill>
+                  <a:srgbClr val="000000"/>
+                </a:solidFill>
+                <a:latin typeface="Arial" charset="0"/>
+                <a:ea typeface="ＭＳ Ｐゴシック" charset="0"/>
+                <a:cs typeface="ＭＳ Ｐゴシック" charset="0"/>
+              </a:defRPr>
+            </a:lvl3pPr>
+            <a:lvl4pPr>
+              <a:tabLst>
+                <a:tab pos="0" algn="l"/>
+                <a:tab pos="447675" algn="l"/>
+                <a:tab pos="896938" algn="l"/>
+                <a:tab pos="1346200" algn="l"/>
+                <a:tab pos="1795463" algn="l"/>
+                <a:tab pos="2244725" algn="l"/>
+                <a:tab pos="2693988" algn="l"/>
+                <a:tab pos="3143250" algn="l"/>
+                <a:tab pos="3592513" algn="l"/>
+                <a:tab pos="4041775" algn="l"/>
+                <a:tab pos="4491038" algn="l"/>
+                <a:tab pos="4940300" algn="l"/>
+                <a:tab pos="5389563" algn="l"/>
+                <a:tab pos="5838825" algn="l"/>
+                <a:tab pos="6288088" algn="l"/>
+                <a:tab pos="6737350" algn="l"/>
+                <a:tab pos="7186613" algn="l"/>
+                <a:tab pos="7635875" algn="l"/>
+                <a:tab pos="8085138" algn="l"/>
+                <a:tab pos="8534400" algn="l"/>
+                <a:tab pos="8983663" algn="l"/>
+              </a:tabLst>
+              <a:defRPr sz="2400">
+                <a:solidFill>
+                  <a:srgbClr val="000000"/>
+                </a:solidFill>
+                <a:latin typeface="Arial" charset="0"/>
+                <a:ea typeface="ＭＳ Ｐゴシック" charset="0"/>
+                <a:cs typeface="ＭＳ Ｐゴシック" charset="0"/>
+              </a:defRPr>
+            </a:lvl4pPr>
+            <a:lvl5pPr>
+              <a:tabLst>
+                <a:tab pos="0" algn="l"/>
+                <a:tab pos="447675" algn="l"/>
+                <a:tab pos="896938" algn="l"/>
+                <a:tab pos="1346200" algn="l"/>
+                <a:tab pos="1795463" algn="l"/>
+                <a:tab pos="2244725" algn="l"/>
+                <a:tab pos="2693988" algn="l"/>
+                <a:tab pos="3143250" algn="l"/>
+                <a:tab pos="3592513" algn="l"/>
+                <a:tab pos="4041775" algn="l"/>
+                <a:tab pos="4491038" algn="l"/>
+                <a:tab pos="4940300" algn="l"/>
+                <a:tab pos="5389563" algn="l"/>
+                <a:tab pos="5838825" algn="l"/>
+                <a:tab pos="6288088" algn="l"/>
+                <a:tab pos="6737350" algn="l"/>
+                <a:tab pos="7186613" algn="l"/>
+                <a:tab pos="7635875" algn="l"/>
+                <a:tab pos="8085138" algn="l"/>
+                <a:tab pos="8534400" algn="l"/>
+                <a:tab pos="8983663" algn="l"/>
+              </a:tabLst>
+              <a:defRPr sz="2400">
+                <a:solidFill>
+                  <a:srgbClr val="000000"/>
+                </a:solidFill>
+                <a:latin typeface="Arial" charset="0"/>
+                <a:ea typeface="ＭＳ Ｐゴシック" charset="0"/>
+                <a:cs typeface="ＭＳ Ｐゴシック" charset="0"/>
+              </a:defRPr>
+            </a:lvl5pPr>
+            <a:lvl6pPr marL="2514600" indent="-228600" defTabSz="449263" fontAlgn="base">
+              <a:spcBef>
+                <a:spcPct val="0"/>
+              </a:spcBef>
+              <a:spcAft>
+                <a:spcPct val="0"/>
+              </a:spcAft>
+              <a:buClr>
+                <a:srgbClr val="000000"/>
+              </a:buClr>
+              <a:buSzPct val="100000"/>
+              <a:buFont typeface="Times New Roman" charset="0"/>
+              <a:tabLst>
+                <a:tab pos="0" algn="l"/>
+                <a:tab pos="447675" algn="l"/>
+                <a:tab pos="896938" algn="l"/>
+                <a:tab pos="1346200" algn="l"/>
+                <a:tab pos="1795463" algn="l"/>
+                <a:tab pos="2244725" algn="l"/>
+                <a:tab pos="2693988" algn="l"/>
+                <a:tab pos="3143250" algn="l"/>
+                <a:tab pos="3592513" algn="l"/>
+                <a:tab pos="4041775" algn="l"/>
+                <a:tab pos="4491038" algn="l"/>
+                <a:tab pos="4940300" algn="l"/>
+                <a:tab pos="5389563" algn="l"/>
+                <a:tab pos="5838825" algn="l"/>
+                <a:tab pos="6288088" algn="l"/>
+                <a:tab pos="6737350" algn="l"/>
+                <a:tab pos="7186613" algn="l"/>
+                <a:tab pos="7635875" algn="l"/>
+                <a:tab pos="8085138" algn="l"/>
+                <a:tab pos="8534400" algn="l"/>
+                <a:tab pos="8983663" algn="l"/>
+              </a:tabLst>
+              <a:defRPr sz="2400">
+                <a:solidFill>
+                  <a:srgbClr val="000000"/>
+                </a:solidFill>
+                <a:latin typeface="Arial" charset="0"/>
+                <a:ea typeface="ＭＳ Ｐゴシック" charset="0"/>
+                <a:cs typeface="ＭＳ Ｐゴシック" charset="0"/>
+              </a:defRPr>
+            </a:lvl6pPr>
+            <a:lvl7pPr marL="2971800" indent="-228600" defTabSz="449263" fontAlgn="base">
+              <a:spcBef>
+                <a:spcPct val="0"/>
+              </a:spcBef>
+              <a:spcAft>
+                <a:spcPct val="0"/>
+              </a:spcAft>
+              <a:buClr>
+                <a:srgbClr val="000000"/>
+              </a:buClr>
+              <a:buSzPct val="100000"/>
+              <a:buFont typeface="Times New Roman" charset="0"/>
+              <a:tabLst>
+                <a:tab pos="0" algn="l"/>
+                <a:tab pos="447675" algn="l"/>
+                <a:tab pos="896938" algn="l"/>
+                <a:tab pos="1346200" algn="l"/>
+                <a:tab pos="1795463" algn="l"/>
+                <a:tab pos="2244725" algn="l"/>
+                <a:tab pos="2693988" algn="l"/>
+                <a:tab pos="3143250" algn="l"/>
+                <a:tab pos="3592513" algn="l"/>
+                <a:tab pos="4041775" algn="l"/>
+                <a:tab pos="4491038" algn="l"/>
+                <a:tab pos="4940300" algn="l"/>
+                <a:tab pos="5389563" algn="l"/>
+                <a:tab pos="5838825" algn="l"/>
+                <a:tab pos="6288088" algn="l"/>
+                <a:tab pos="6737350" algn="l"/>
+                <a:tab pos="7186613" algn="l"/>
+                <a:tab pos="7635875" algn="l"/>
+                <a:tab pos="8085138" algn="l"/>
+                <a:tab pos="8534400" algn="l"/>
+                <a:tab pos="8983663" algn="l"/>
+              </a:tabLst>
+              <a:defRPr sz="2400">
+                <a:solidFill>
+                  <a:srgbClr val="000000"/>
+                </a:solidFill>
+                <a:latin typeface="Arial" charset="0"/>
+                <a:ea typeface="ＭＳ Ｐゴシック" charset="0"/>
+                <a:cs typeface="ＭＳ Ｐゴシック" charset="0"/>
+              </a:defRPr>
+            </a:lvl7pPr>
+            <a:lvl8pPr marL="3429000" indent="-228600" defTabSz="449263" fontAlgn="base">
+              <a:spcBef>
+                <a:spcPct val="0"/>
+              </a:spcBef>
+              <a:spcAft>
+                <a:spcPct val="0"/>
+              </a:spcAft>
+              <a:buClr>
+                <a:srgbClr val="000000"/>
+              </a:buClr>
+              <a:buSzPct val="100000"/>
+              <a:buFont typeface="Times New Roman" charset="0"/>
+              <a:tabLst>
+                <a:tab pos="0" algn="l"/>
+                <a:tab pos="447675" algn="l"/>
+                <a:tab pos="896938" algn="l"/>
+                <a:tab pos="1346200" algn="l"/>
+                <a:tab pos="1795463" algn="l"/>
+                <a:tab pos="2244725" algn="l"/>
+                <a:tab pos="2693988" algn="l"/>
+                <a:tab pos="3143250" algn="l"/>
+                <a:tab pos="3592513" algn="l"/>
+                <a:tab pos="4041775" algn="l"/>
+                <a:tab pos="4491038" algn="l"/>
+                <a:tab pos="4940300" algn="l"/>
+                <a:tab pos="5389563" algn="l"/>
+                <a:tab pos="5838825" algn="l"/>
+                <a:tab pos="6288088" algn="l"/>
+                <a:tab pos="6737350" algn="l"/>
+                <a:tab pos="7186613" algn="l"/>
+                <a:tab pos="7635875" algn="l"/>
+                <a:tab pos="8085138" algn="l"/>
+                <a:tab pos="8534400" algn="l"/>
+                <a:tab pos="8983663" algn="l"/>
+              </a:tabLst>
+              <a:defRPr sz="2400">
+                <a:solidFill>
+                  <a:srgbClr val="000000"/>
+                </a:solidFill>
+                <a:latin typeface="Arial" charset="0"/>
+                <a:ea typeface="ＭＳ Ｐゴシック" charset="0"/>
+                <a:cs typeface="ＭＳ Ｐゴシック" charset="0"/>
+              </a:defRPr>
+            </a:lvl8pPr>
+            <a:lvl9pPr marL="3886200" indent="-228600" defTabSz="449263" fontAlgn="base">
+              <a:spcBef>
+                <a:spcPct val="0"/>
+              </a:spcBef>
+              <a:spcAft>
+                <a:spcPct val="0"/>
+              </a:spcAft>
+              <a:buClr>
+                <a:srgbClr val="000000"/>
+              </a:buClr>
+              <a:buSzPct val="100000"/>
+              <a:buFont typeface="Times New Roman" charset="0"/>
+              <a:tabLst>
+                <a:tab pos="0" algn="l"/>
+                <a:tab pos="447675" algn="l"/>
+                <a:tab pos="896938" algn="l"/>
+                <a:tab pos="1346200" algn="l"/>
+                <a:tab pos="1795463" algn="l"/>
+                <a:tab pos="2244725" algn="l"/>
+                <a:tab pos="2693988" algn="l"/>
+                <a:tab pos="3143250" algn="l"/>
+                <a:tab pos="3592513" algn="l"/>
+                <a:tab pos="4041775" algn="l"/>
+                <a:tab pos="4491038" algn="l"/>
+                <a:tab pos="4940300" algn="l"/>
+                <a:tab pos="5389563" algn="l"/>
+                <a:tab pos="5838825" algn="l"/>
+                <a:tab pos="6288088" algn="l"/>
+                <a:tab pos="6737350" algn="l"/>
+                <a:tab pos="7186613" algn="l"/>
+                <a:tab pos="7635875" algn="l"/>
+                <a:tab pos="8085138" algn="l"/>
+                <a:tab pos="8534400" algn="l"/>
+                <a:tab pos="8983663" algn="l"/>
+              </a:tabLst>
+              <a:defRPr sz="2400">
+                <a:solidFill>
+                  <a:srgbClr val="000000"/>
+                </a:solidFill>
+                <a:latin typeface="Arial" charset="0"/>
+                <a:ea typeface="ＭＳ Ｐゴシック" charset="0"/>
+                <a:cs typeface="ＭＳ Ｐゴシック" charset="0"/>
+              </a:defRPr>
+            </a:lvl9pPr>
+          </a:lstStyle>
+          <a:p>
+            <a:pPr>
+              <a:buClrTx/>
+              <a:buFontTx/>
+              <a:buNone/>
+            </a:pPr>
+            <a:r>
+              <a:rPr lang="en-US" b="1" dirty="0"/>
+              <a:t>Mac/Linux</a:t>
+            </a:r>
+          </a:p>
+        </p:txBody>
+      </p:sp>
+      <p:sp>
+        <p:nvSpPr>
+          <p:cNvPr id="14" name="Text Box 3"/>
+          <p:cNvSpPr txBox="1">
+            <a:spLocks noChangeArrowheads="1"/>
+          </p:cNvSpPr>
+          <p:nvPr/>
+        </p:nvSpPr>
+        <p:spPr bwMode="auto">
+          <a:xfrm>
+            <a:off x="4618038" y="1028378"/>
+            <a:ext cx="2293937" cy="455612"/>
+          </a:xfrm>
+          <a:prstGeom prst="rect">
+            <a:avLst/>
+          </a:prstGeom>
+          <a:noFill/>
+          <a:ln>
+            <a:noFill/>
+          </a:ln>
+          <a:effectLst/>
+          <a:extLst>
+            <a:ext uri="{909E8E84-426E-40dd-AFC4-6F175D3DCCD1}">
+              <a14:hiddenFill xmlns:a14="http://schemas.microsoft.com/office/drawing/2010/main">
+                <a:solidFill>
+                  <a:srgbClr val="FFFFFF"/>
+                </a:solidFill>
+              </a14:hiddenFill>
+            </a:ext>
+            <a:ext uri="{91240B29-F687-4f45-9708-019B960494DF}">
+              <a14:hiddenLine xmlns:a14="http://schemas.microsoft.com/office/drawing/2010/main" w="9525" cap="flat">
+                <a:solidFill>
+                  <a:srgbClr val="808080"/>
+                </a:solidFill>
+                <a:round/>
+                <a:headEnd/>
+                <a:tailEnd/>
+              </a14:hiddenLine>
+            </a:ext>
+            <a:ext uri="{AF507438-7753-43e0-B8FC-AC1667EBCBE1}">
+              <a14:hiddenEffects xmlns:a14="http://schemas.microsoft.com/office/drawing/2010/main">
+                <a:effectLst>
+                  <a:outerShdw blurRad="63500" dist="38099" dir="2700000" algn="ctr" rotWithShape="0">
+                    <a:srgbClr val="000000">
+                      <a:alpha val="74998"/>
+                    </a:srgbClr>
+                  </a:outerShdw>
+                </a:effectLst>
+              </a14:hiddenEffects>
+            </a:ext>
+          </a:extLst>
+        </p:spPr>
+        <p:txBody>
+          <a:bodyPr wrap="none" lIns="90000" tIns="45000" rIns="90000" bIns="45000"/>
+          <a:lstStyle>
+            <a:lvl1pPr>
+              <a:tabLst>
+                <a:tab pos="0" algn="l"/>
+                <a:tab pos="447675" algn="l"/>
+                <a:tab pos="896938" algn="l"/>
+                <a:tab pos="1346200" algn="l"/>
+                <a:tab pos="1795463" algn="l"/>
+                <a:tab pos="2244725" algn="l"/>
+                <a:tab pos="2693988" algn="l"/>
+                <a:tab pos="3143250" algn="l"/>
+                <a:tab pos="3592513" algn="l"/>
+                <a:tab pos="4041775" algn="l"/>
+                <a:tab pos="4491038" algn="l"/>
+                <a:tab pos="4940300" algn="l"/>
+                <a:tab pos="5389563" algn="l"/>
+                <a:tab pos="5838825" algn="l"/>
+                <a:tab pos="6288088" algn="l"/>
+                <a:tab pos="6737350" algn="l"/>
+                <a:tab pos="7186613" algn="l"/>
+                <a:tab pos="7635875" algn="l"/>
+                <a:tab pos="8085138" algn="l"/>
+                <a:tab pos="8534400" algn="l"/>
+                <a:tab pos="8983663" algn="l"/>
+              </a:tabLst>
+              <a:defRPr sz="2400">
+                <a:solidFill>
+                  <a:srgbClr val="000000"/>
+                </a:solidFill>
+                <a:latin typeface="Arial" charset="0"/>
+                <a:ea typeface="ＭＳ Ｐゴシック" charset="0"/>
+                <a:cs typeface="ＭＳ Ｐゴシック" charset="0"/>
+              </a:defRPr>
+            </a:lvl1pPr>
+            <a:lvl2pPr>
+              <a:tabLst>
+                <a:tab pos="0" algn="l"/>
+                <a:tab pos="447675" algn="l"/>
+                <a:tab pos="896938" algn="l"/>
+                <a:tab pos="1346200" algn="l"/>
+                <a:tab pos="1795463" algn="l"/>
+                <a:tab pos="2244725" algn="l"/>
+                <a:tab pos="2693988" algn="l"/>
+                <a:tab pos="3143250" algn="l"/>
+                <a:tab pos="3592513" algn="l"/>
+                <a:tab pos="4041775" algn="l"/>
+                <a:tab pos="4491038" algn="l"/>
+                <a:tab pos="4940300" algn="l"/>
+                <a:tab pos="5389563" algn="l"/>
+                <a:tab pos="5838825" algn="l"/>
+                <a:tab pos="6288088" algn="l"/>
+                <a:tab pos="6737350" algn="l"/>
+                <a:tab pos="7186613" algn="l"/>
+                <a:tab pos="7635875" algn="l"/>
+                <a:tab pos="8085138" algn="l"/>
+                <a:tab pos="8534400" algn="l"/>
+                <a:tab pos="8983663" algn="l"/>
+              </a:tabLst>
+              <a:defRPr sz="2400">
+                <a:solidFill>
+                  <a:srgbClr val="000000"/>
+                </a:solidFill>
+                <a:latin typeface="Arial" charset="0"/>
+                <a:ea typeface="ＭＳ Ｐゴシック" charset="0"/>
+                <a:cs typeface="ＭＳ Ｐゴシック" charset="0"/>
+              </a:defRPr>
+            </a:lvl2pPr>
+            <a:lvl3pPr>
+              <a:tabLst>
+                <a:tab pos="0" algn="l"/>
+                <a:tab pos="447675" algn="l"/>
+                <a:tab pos="896938" algn="l"/>
+                <a:tab pos="1346200" algn="l"/>
+                <a:tab pos="1795463" algn="l"/>
+                <a:tab pos="2244725" algn="l"/>
+                <a:tab pos="2693988" algn="l"/>
+                <a:tab pos="3143250" algn="l"/>
+                <a:tab pos="3592513" algn="l"/>
+                <a:tab pos="4041775" algn="l"/>
+                <a:tab pos="4491038" algn="l"/>
+                <a:tab pos="4940300" algn="l"/>
+                <a:tab pos="5389563" algn="l"/>
+                <a:tab pos="5838825" algn="l"/>
+                <a:tab pos="6288088" algn="l"/>
+                <a:tab pos="6737350" algn="l"/>
+                <a:tab pos="7186613" algn="l"/>
+                <a:tab pos="7635875" algn="l"/>
+                <a:tab pos="8085138" algn="l"/>
+                <a:tab pos="8534400" algn="l"/>
+                <a:tab pos="8983663" algn="l"/>
+              </a:tabLst>
+              <a:defRPr sz="2400">
+                <a:solidFill>
+                  <a:srgbClr val="000000"/>
+                </a:solidFill>
+                <a:latin typeface="Arial" charset="0"/>
+                <a:ea typeface="ＭＳ Ｐゴシック" charset="0"/>
+                <a:cs typeface="ＭＳ Ｐゴシック" charset="0"/>
+              </a:defRPr>
+            </a:lvl3pPr>
+            <a:lvl4pPr>
+              <a:tabLst>
+                <a:tab pos="0" algn="l"/>
+                <a:tab pos="447675" algn="l"/>
+                <a:tab pos="896938" algn="l"/>
+                <a:tab pos="1346200" algn="l"/>
+                <a:tab pos="1795463" algn="l"/>
+                <a:tab pos="2244725" algn="l"/>
+                <a:tab pos="2693988" algn="l"/>
+                <a:tab pos="3143250" algn="l"/>
+                <a:tab pos="3592513" algn="l"/>
+                <a:tab pos="4041775" algn="l"/>
+                <a:tab pos="4491038" algn="l"/>
+                <a:tab pos="4940300" algn="l"/>
+                <a:tab pos="5389563" algn="l"/>
+                <a:tab pos="5838825" algn="l"/>
+                <a:tab pos="6288088" algn="l"/>
+                <a:tab pos="6737350" algn="l"/>
+                <a:tab pos="7186613" algn="l"/>
+                <a:tab pos="7635875" algn="l"/>
+                <a:tab pos="8085138" algn="l"/>
+                <a:tab pos="8534400" algn="l"/>
+                <a:tab pos="8983663" algn="l"/>
+              </a:tabLst>
+              <a:defRPr sz="2400">
+                <a:solidFill>
+                  <a:srgbClr val="000000"/>
+                </a:solidFill>
+                <a:latin typeface="Arial" charset="0"/>
+                <a:ea typeface="ＭＳ Ｐゴシック" charset="0"/>
+                <a:cs typeface="ＭＳ Ｐゴシック" charset="0"/>
+              </a:defRPr>
+            </a:lvl4pPr>
+            <a:lvl5pPr>
+              <a:tabLst>
+                <a:tab pos="0" algn="l"/>
+                <a:tab pos="447675" algn="l"/>
+                <a:tab pos="896938" algn="l"/>
+                <a:tab pos="1346200" algn="l"/>
+                <a:tab pos="1795463" algn="l"/>
+                <a:tab pos="2244725" algn="l"/>
+                <a:tab pos="2693988" algn="l"/>
+                <a:tab pos="3143250" algn="l"/>
+                <a:tab pos="3592513" algn="l"/>
+                <a:tab pos="4041775" algn="l"/>
+                <a:tab pos="4491038" algn="l"/>
+                <a:tab pos="4940300" algn="l"/>
+                <a:tab pos="5389563" algn="l"/>
+                <a:tab pos="5838825" algn="l"/>
+                <a:tab pos="6288088" algn="l"/>
+                <a:tab pos="6737350" algn="l"/>
+                <a:tab pos="7186613" algn="l"/>
+                <a:tab pos="7635875" algn="l"/>
+                <a:tab pos="8085138" algn="l"/>
+                <a:tab pos="8534400" algn="l"/>
+                <a:tab pos="8983663" algn="l"/>
+              </a:tabLst>
+              <a:defRPr sz="2400">
+                <a:solidFill>
+                  <a:srgbClr val="000000"/>
+                </a:solidFill>
+                <a:latin typeface="Arial" charset="0"/>
+                <a:ea typeface="ＭＳ Ｐゴシック" charset="0"/>
+                <a:cs typeface="ＭＳ Ｐゴシック" charset="0"/>
+              </a:defRPr>
+            </a:lvl5pPr>
+            <a:lvl6pPr marL="2514600" indent="-228600" defTabSz="449263" fontAlgn="base">
+              <a:spcBef>
+                <a:spcPct val="0"/>
+              </a:spcBef>
+              <a:spcAft>
+                <a:spcPct val="0"/>
+              </a:spcAft>
+              <a:buClr>
+                <a:srgbClr val="000000"/>
+              </a:buClr>
+              <a:buSzPct val="100000"/>
+              <a:buFont typeface="Times New Roman" charset="0"/>
+              <a:tabLst>
+                <a:tab pos="0" algn="l"/>
+                <a:tab pos="447675" algn="l"/>
+                <a:tab pos="896938" algn="l"/>
+                <a:tab pos="1346200" algn="l"/>
+                <a:tab pos="1795463" algn="l"/>
+                <a:tab pos="2244725" algn="l"/>
+                <a:tab pos="2693988" algn="l"/>
+                <a:tab pos="3143250" algn="l"/>
+                <a:tab pos="3592513" algn="l"/>
+                <a:tab pos="4041775" algn="l"/>
+                <a:tab pos="4491038" algn="l"/>
+                <a:tab pos="4940300" algn="l"/>
+                <a:tab pos="5389563" algn="l"/>
+                <a:tab pos="5838825" algn="l"/>
+                <a:tab pos="6288088" algn="l"/>
+                <a:tab pos="6737350" algn="l"/>
+                <a:tab pos="7186613" algn="l"/>
+                <a:tab pos="7635875" algn="l"/>
+                <a:tab pos="8085138" algn="l"/>
+                <a:tab pos="8534400" algn="l"/>
+                <a:tab pos="8983663" algn="l"/>
+              </a:tabLst>
+              <a:defRPr sz="2400">
+                <a:solidFill>
+                  <a:srgbClr val="000000"/>
+                </a:solidFill>
+                <a:latin typeface="Arial" charset="0"/>
+                <a:ea typeface="ＭＳ Ｐゴシック" charset="0"/>
+                <a:cs typeface="ＭＳ Ｐゴシック" charset="0"/>
+              </a:defRPr>
+            </a:lvl6pPr>
+            <a:lvl7pPr marL="2971800" indent="-228600" defTabSz="449263" fontAlgn="base">
+              <a:spcBef>
+                <a:spcPct val="0"/>
+              </a:spcBef>
+              <a:spcAft>
+                <a:spcPct val="0"/>
+              </a:spcAft>
+              <a:buClr>
+                <a:srgbClr val="000000"/>
+              </a:buClr>
+              <a:buSzPct val="100000"/>
+              <a:buFont typeface="Times New Roman" charset="0"/>
+              <a:tabLst>
+                <a:tab pos="0" algn="l"/>
+                <a:tab pos="447675" algn="l"/>
+                <a:tab pos="896938" algn="l"/>
+                <a:tab pos="1346200" algn="l"/>
+                <a:tab pos="1795463" algn="l"/>
+                <a:tab pos="2244725" algn="l"/>
+                <a:tab pos="2693988" algn="l"/>
+                <a:tab pos="3143250" algn="l"/>
+                <a:tab pos="3592513" algn="l"/>
+                <a:tab pos="4041775" algn="l"/>
+                <a:tab pos="4491038" algn="l"/>
+                <a:tab pos="4940300" algn="l"/>
+                <a:tab pos="5389563" algn="l"/>
+                <a:tab pos="5838825" algn="l"/>
+                <a:tab pos="6288088" algn="l"/>
+                <a:tab pos="6737350" algn="l"/>
+                <a:tab pos="7186613" algn="l"/>
+                <a:tab pos="7635875" algn="l"/>
+                <a:tab pos="8085138" algn="l"/>
+                <a:tab pos="8534400" algn="l"/>
+                <a:tab pos="8983663" algn="l"/>
+              </a:tabLst>
+              <a:defRPr sz="2400">
+                <a:solidFill>
+                  <a:srgbClr val="000000"/>
+                </a:solidFill>
+                <a:latin typeface="Arial" charset="0"/>
+                <a:ea typeface="ＭＳ Ｐゴシック" charset="0"/>
+                <a:cs typeface="ＭＳ Ｐゴシック" charset="0"/>
+              </a:defRPr>
+            </a:lvl7pPr>
+            <a:lvl8pPr marL="3429000" indent="-228600" defTabSz="449263" fontAlgn="base">
+              <a:spcBef>
+                <a:spcPct val="0"/>
+              </a:spcBef>
+              <a:spcAft>
+                <a:spcPct val="0"/>
+              </a:spcAft>
+              <a:buClr>
+                <a:srgbClr val="000000"/>
+              </a:buClr>
+              <a:buSzPct val="100000"/>
+              <a:buFont typeface="Times New Roman" charset="0"/>
+              <a:tabLst>
+                <a:tab pos="0" algn="l"/>
+                <a:tab pos="447675" algn="l"/>
+                <a:tab pos="896938" algn="l"/>
+                <a:tab pos="1346200" algn="l"/>
+                <a:tab pos="1795463" algn="l"/>
+                <a:tab pos="2244725" algn="l"/>
+                <a:tab pos="2693988" algn="l"/>
+                <a:tab pos="3143250" algn="l"/>
+                <a:tab pos="3592513" algn="l"/>
+                <a:tab pos="4041775" algn="l"/>
+                <a:tab pos="4491038" algn="l"/>
+                <a:tab pos="4940300" algn="l"/>
+                <a:tab pos="5389563" algn="l"/>
+                <a:tab pos="5838825" algn="l"/>
+                <a:tab pos="6288088" algn="l"/>
+                <a:tab pos="6737350" algn="l"/>
+                <a:tab pos="7186613" algn="l"/>
+                <a:tab pos="7635875" algn="l"/>
+                <a:tab pos="8085138" algn="l"/>
+                <a:tab pos="8534400" algn="l"/>
+                <a:tab pos="8983663" algn="l"/>
+              </a:tabLst>
+              <a:defRPr sz="2400">
+                <a:solidFill>
+                  <a:srgbClr val="000000"/>
+                </a:solidFill>
+                <a:latin typeface="Arial" charset="0"/>
+                <a:ea typeface="ＭＳ Ｐゴシック" charset="0"/>
+                <a:cs typeface="ＭＳ Ｐゴシック" charset="0"/>
+              </a:defRPr>
+            </a:lvl8pPr>
+            <a:lvl9pPr marL="3886200" indent="-228600" defTabSz="449263" fontAlgn="base">
+              <a:spcBef>
+                <a:spcPct val="0"/>
+              </a:spcBef>
+              <a:spcAft>
+                <a:spcPct val="0"/>
+              </a:spcAft>
+              <a:buClr>
+                <a:srgbClr val="000000"/>
+              </a:buClr>
+              <a:buSzPct val="100000"/>
+              <a:buFont typeface="Times New Roman" charset="0"/>
+              <a:tabLst>
+                <a:tab pos="0" algn="l"/>
+                <a:tab pos="447675" algn="l"/>
+                <a:tab pos="896938" algn="l"/>
+                <a:tab pos="1346200" algn="l"/>
+                <a:tab pos="1795463" algn="l"/>
+                <a:tab pos="2244725" algn="l"/>
+                <a:tab pos="2693988" algn="l"/>
+                <a:tab pos="3143250" algn="l"/>
+                <a:tab pos="3592513" algn="l"/>
+                <a:tab pos="4041775" algn="l"/>
+                <a:tab pos="4491038" algn="l"/>
+                <a:tab pos="4940300" algn="l"/>
+                <a:tab pos="5389563" algn="l"/>
+                <a:tab pos="5838825" algn="l"/>
+                <a:tab pos="6288088" algn="l"/>
+                <a:tab pos="6737350" algn="l"/>
+                <a:tab pos="7186613" algn="l"/>
+                <a:tab pos="7635875" algn="l"/>
+                <a:tab pos="8085138" algn="l"/>
+                <a:tab pos="8534400" algn="l"/>
+                <a:tab pos="8983663" algn="l"/>
+              </a:tabLst>
+              <a:defRPr sz="2400">
+                <a:solidFill>
+                  <a:srgbClr val="000000"/>
+                </a:solidFill>
+                <a:latin typeface="Arial" charset="0"/>
+                <a:ea typeface="ＭＳ Ｐゴシック" charset="0"/>
+                <a:cs typeface="ＭＳ Ｐゴシック" charset="0"/>
+              </a:defRPr>
+            </a:lvl9pPr>
+          </a:lstStyle>
+          <a:p>
+            <a:pPr>
+              <a:buClrTx/>
+              <a:buFontTx/>
+              <a:buNone/>
+            </a:pPr>
+            <a:r>
+              <a:rPr lang="en-US" b="1"/>
+              <a:t>Windows</a:t>
+            </a:r>
+          </a:p>
+        </p:txBody>
+      </p:sp>
+      <p:sp>
+        <p:nvSpPr>
+          <p:cNvPr id="5" name="Line 1"/>
+          <p:cNvSpPr>
+            <a:spLocks noChangeShapeType="1"/>
+          </p:cNvSpPr>
+          <p:nvPr/>
+        </p:nvSpPr>
+        <p:spPr bwMode="auto">
+          <a:xfrm>
+            <a:off x="4175125" y="1196752"/>
+            <a:ext cx="0" cy="4896544"/>
+          </a:xfrm>
+          <a:prstGeom prst="line">
+            <a:avLst/>
+          </a:prstGeom>
+          <a:noFill/>
+          <a:ln w="76320" cap="flat">
+            <a:solidFill>
+              <a:srgbClr val="000000"/>
+            </a:solidFill>
+            <a:round/>
+            <a:headEnd/>
+            <a:tailEnd/>
+          </a:ln>
+          <a:effectLst/>
+          <a:extLst>
+            <a:ext uri="{909E8E84-426E-40dd-AFC4-6F175D3DCCD1}">
+              <a14:hiddenFill xmlns:a14="http://schemas.microsoft.com/office/drawing/2010/main">
+                <a:noFill/>
+              </a14:hiddenFill>
+            </a:ext>
+            <a:ext uri="{AF507438-7753-43e0-B8FC-AC1667EBCBE1}">
+              <a14:hiddenEffects xmlns:a14="http://schemas.microsoft.com/office/drawing/2010/main">
+                <a:effectLst>
+                  <a:outerShdw blurRad="63500" dist="38099" dir="2700000" algn="ctr" rotWithShape="0">
+                    <a:srgbClr val="000000">
+                      <a:alpha val="74998"/>
+                    </a:srgbClr>
+                  </a:outerShdw>
+                </a:effectLst>
+              </a14:hiddenEffects>
+            </a:ext>
+          </a:extLst>
+        </p:spPr>
+        <p:txBody>
+          <a:bodyPr/>
+          <a:lstStyle/>
+          <a:p>
+            <a:pPr>
+              <a:defRPr/>
+            </a:pPr>
+            <a:endParaRPr lang="en-US"/>
+          </a:p>
+        </p:txBody>
+      </p:sp>
+      <p:sp>
+        <p:nvSpPr>
+          <p:cNvPr id="6" name="Text Box 4"/>
+          <p:cNvSpPr txBox="1">
+            <a:spLocks noChangeArrowheads="1"/>
+          </p:cNvSpPr>
+          <p:nvPr/>
+        </p:nvSpPr>
+        <p:spPr bwMode="auto">
+          <a:xfrm>
+            <a:off x="441325" y="2132931"/>
+            <a:ext cx="3282950" cy="863600"/>
+          </a:xfrm>
+          <a:prstGeom prst="rect">
+            <a:avLst/>
+          </a:prstGeom>
+          <a:noFill/>
+          <a:ln>
+            <a:noFill/>
+          </a:ln>
+          <a:effectLst/>
+          <a:extLst>
+            <a:ext uri="{909E8E84-426E-40dd-AFC4-6F175D3DCCD1}">
+              <a14:hiddenFill xmlns:a14="http://schemas.microsoft.com/office/drawing/2010/main">
+                <a:solidFill>
+                  <a:srgbClr val="FFFFFF"/>
+                </a:solidFill>
+              </a14:hiddenFill>
+            </a:ext>
+            <a:ext uri="{91240B29-F687-4f45-9708-019B960494DF}">
+              <a14:hiddenLine xmlns:a14="http://schemas.microsoft.com/office/drawing/2010/main" w="9525" cap="flat">
+                <a:solidFill>
+                  <a:srgbClr val="808080"/>
+                </a:solidFill>
+                <a:round/>
+                <a:headEnd/>
+                <a:tailEnd/>
+              </a14:hiddenLine>
+            </a:ext>
+            <a:ext uri="{AF507438-7753-43e0-B8FC-AC1667EBCBE1}">
+              <a14:hiddenEffects xmlns:a14="http://schemas.microsoft.com/office/drawing/2010/main">
+                <a:effectLst>
+                  <a:outerShdw blurRad="63500" dist="38099" dir="2700000" algn="ctr" rotWithShape="0">
+                    <a:srgbClr val="000000">
+                      <a:alpha val="74998"/>
+                    </a:srgbClr>
+                  </a:outerShdw>
+                </a:effectLst>
+              </a14:hiddenEffects>
+            </a:ext>
+          </a:extLst>
+        </p:spPr>
+        <p:txBody>
+          <a:bodyPr lIns="90000" tIns="45000" rIns="90000" bIns="45000"/>
+          <a:lstStyle>
+            <a:lvl1pPr>
+              <a:tabLst>
+                <a:tab pos="0" algn="l"/>
+                <a:tab pos="447675" algn="l"/>
+                <a:tab pos="896938" algn="l"/>
+                <a:tab pos="1346200" algn="l"/>
+                <a:tab pos="1795463" algn="l"/>
+                <a:tab pos="2244725" algn="l"/>
+                <a:tab pos="2693988" algn="l"/>
+                <a:tab pos="3143250" algn="l"/>
+                <a:tab pos="3592513" algn="l"/>
+                <a:tab pos="4041775" algn="l"/>
+                <a:tab pos="4491038" algn="l"/>
+                <a:tab pos="4940300" algn="l"/>
+                <a:tab pos="5389563" algn="l"/>
+                <a:tab pos="5838825" algn="l"/>
+                <a:tab pos="6288088" algn="l"/>
+                <a:tab pos="6737350" algn="l"/>
+                <a:tab pos="7186613" algn="l"/>
+                <a:tab pos="7635875" algn="l"/>
+                <a:tab pos="8085138" algn="l"/>
+                <a:tab pos="8534400" algn="l"/>
+                <a:tab pos="8983663" algn="l"/>
+              </a:tabLst>
+              <a:defRPr sz="2400">
+                <a:solidFill>
+                  <a:srgbClr val="000000"/>
+                </a:solidFill>
+                <a:latin typeface="Arial" charset="0"/>
+                <a:ea typeface="ＭＳ Ｐゴシック" charset="0"/>
+                <a:cs typeface="ＭＳ Ｐゴシック" charset="0"/>
+              </a:defRPr>
+            </a:lvl1pPr>
+            <a:lvl2pPr>
+              <a:tabLst>
+                <a:tab pos="0" algn="l"/>
+                <a:tab pos="447675" algn="l"/>
+                <a:tab pos="896938" algn="l"/>
+                <a:tab pos="1346200" algn="l"/>
+                <a:tab pos="1795463" algn="l"/>
+                <a:tab pos="2244725" algn="l"/>
+                <a:tab pos="2693988" algn="l"/>
+                <a:tab pos="3143250" algn="l"/>
+                <a:tab pos="3592513" algn="l"/>
+                <a:tab pos="4041775" algn="l"/>
+                <a:tab pos="4491038" algn="l"/>
+                <a:tab pos="4940300" algn="l"/>
+                <a:tab pos="5389563" algn="l"/>
+                <a:tab pos="5838825" algn="l"/>
+                <a:tab pos="6288088" algn="l"/>
+                <a:tab pos="6737350" algn="l"/>
+                <a:tab pos="7186613" algn="l"/>
+                <a:tab pos="7635875" algn="l"/>
+                <a:tab pos="8085138" algn="l"/>
+                <a:tab pos="8534400" algn="l"/>
+                <a:tab pos="8983663" algn="l"/>
+              </a:tabLst>
+              <a:defRPr sz="2400">
+                <a:solidFill>
+                  <a:srgbClr val="000000"/>
+                </a:solidFill>
+                <a:latin typeface="Arial" charset="0"/>
+                <a:ea typeface="ＭＳ Ｐゴシック" charset="0"/>
+                <a:cs typeface="ＭＳ Ｐゴシック" charset="0"/>
+              </a:defRPr>
+            </a:lvl2pPr>
+            <a:lvl3pPr>
+              <a:tabLst>
+                <a:tab pos="0" algn="l"/>
+                <a:tab pos="447675" algn="l"/>
+                <a:tab pos="896938" algn="l"/>
+                <a:tab pos="1346200" algn="l"/>
+                <a:tab pos="1795463" algn="l"/>
+                <a:tab pos="2244725" algn="l"/>
+                <a:tab pos="2693988" algn="l"/>
+                <a:tab pos="3143250" algn="l"/>
+                <a:tab pos="3592513" algn="l"/>
+                <a:tab pos="4041775" algn="l"/>
+                <a:tab pos="4491038" algn="l"/>
+                <a:tab pos="4940300" algn="l"/>
+                <a:tab pos="5389563" algn="l"/>
+                <a:tab pos="5838825" algn="l"/>
+                <a:tab pos="6288088" algn="l"/>
+                <a:tab pos="6737350" algn="l"/>
+                <a:tab pos="7186613" algn="l"/>
+                <a:tab pos="7635875" algn="l"/>
+                <a:tab pos="8085138" algn="l"/>
+                <a:tab pos="8534400" algn="l"/>
+                <a:tab pos="8983663" algn="l"/>
+              </a:tabLst>
+              <a:defRPr sz="2400">
+                <a:solidFill>
+                  <a:srgbClr val="000000"/>
+                </a:solidFill>
+                <a:latin typeface="Arial" charset="0"/>
+                <a:ea typeface="ＭＳ Ｐゴシック" charset="0"/>
+                <a:cs typeface="ＭＳ Ｐゴシック" charset="0"/>
+              </a:defRPr>
+            </a:lvl3pPr>
+            <a:lvl4pPr>
+              <a:tabLst>
+                <a:tab pos="0" algn="l"/>
+                <a:tab pos="447675" algn="l"/>
+                <a:tab pos="896938" algn="l"/>
+                <a:tab pos="1346200" algn="l"/>
+                <a:tab pos="1795463" algn="l"/>
+                <a:tab pos="2244725" algn="l"/>
+                <a:tab pos="2693988" algn="l"/>
+                <a:tab pos="3143250" algn="l"/>
+                <a:tab pos="3592513" algn="l"/>
+                <a:tab pos="4041775" algn="l"/>
+                <a:tab pos="4491038" algn="l"/>
+                <a:tab pos="4940300" algn="l"/>
+                <a:tab pos="5389563" algn="l"/>
+                <a:tab pos="5838825" algn="l"/>
+                <a:tab pos="6288088" algn="l"/>
+                <a:tab pos="6737350" algn="l"/>
+                <a:tab pos="7186613" algn="l"/>
+                <a:tab pos="7635875" algn="l"/>
+                <a:tab pos="8085138" algn="l"/>
+                <a:tab pos="8534400" algn="l"/>
+                <a:tab pos="8983663" algn="l"/>
+              </a:tabLst>
+              <a:defRPr sz="2400">
+                <a:solidFill>
+                  <a:srgbClr val="000000"/>
+                </a:solidFill>
+                <a:latin typeface="Arial" charset="0"/>
+                <a:ea typeface="ＭＳ Ｐゴシック" charset="0"/>
+                <a:cs typeface="ＭＳ Ｐゴシック" charset="0"/>
+              </a:defRPr>
+            </a:lvl4pPr>
+            <a:lvl5pPr>
+              <a:tabLst>
+                <a:tab pos="0" algn="l"/>
+                <a:tab pos="447675" algn="l"/>
+                <a:tab pos="896938" algn="l"/>
+                <a:tab pos="1346200" algn="l"/>
+                <a:tab pos="1795463" algn="l"/>
+                <a:tab pos="2244725" algn="l"/>
+                <a:tab pos="2693988" algn="l"/>
+                <a:tab pos="3143250" algn="l"/>
+                <a:tab pos="3592513" algn="l"/>
+                <a:tab pos="4041775" algn="l"/>
+                <a:tab pos="4491038" algn="l"/>
+                <a:tab pos="4940300" algn="l"/>
+                <a:tab pos="5389563" algn="l"/>
+                <a:tab pos="5838825" algn="l"/>
+                <a:tab pos="6288088" algn="l"/>
+                <a:tab pos="6737350" algn="l"/>
+                <a:tab pos="7186613" algn="l"/>
+                <a:tab pos="7635875" algn="l"/>
+                <a:tab pos="8085138" algn="l"/>
+                <a:tab pos="8534400" algn="l"/>
+                <a:tab pos="8983663" algn="l"/>
+              </a:tabLst>
+              <a:defRPr sz="2400">
+                <a:solidFill>
+                  <a:srgbClr val="000000"/>
+                </a:solidFill>
+                <a:latin typeface="Arial" charset="0"/>
+                <a:ea typeface="ＭＳ Ｐゴシック" charset="0"/>
+                <a:cs typeface="ＭＳ Ｐゴシック" charset="0"/>
+              </a:defRPr>
+            </a:lvl5pPr>
+            <a:lvl6pPr marL="2514600" indent="-228600" defTabSz="449263" fontAlgn="base">
+              <a:spcBef>
+                <a:spcPct val="0"/>
+              </a:spcBef>
+              <a:spcAft>
+                <a:spcPct val="0"/>
+              </a:spcAft>
+              <a:buClr>
+                <a:srgbClr val="000000"/>
+              </a:buClr>
+              <a:buSzPct val="100000"/>
+              <a:buFont typeface="Times New Roman" charset="0"/>
+              <a:tabLst>
+                <a:tab pos="0" algn="l"/>
+                <a:tab pos="447675" algn="l"/>
+                <a:tab pos="896938" algn="l"/>
+                <a:tab pos="1346200" algn="l"/>
+                <a:tab pos="1795463" algn="l"/>
+                <a:tab pos="2244725" algn="l"/>
+                <a:tab pos="2693988" algn="l"/>
+                <a:tab pos="3143250" algn="l"/>
+                <a:tab pos="3592513" algn="l"/>
+                <a:tab pos="4041775" algn="l"/>
+                <a:tab pos="4491038" algn="l"/>
+                <a:tab pos="4940300" algn="l"/>
+                <a:tab pos="5389563" algn="l"/>
+                <a:tab pos="5838825" algn="l"/>
+                <a:tab pos="6288088" algn="l"/>
+                <a:tab pos="6737350" algn="l"/>
+                <a:tab pos="7186613" algn="l"/>
+                <a:tab pos="7635875" algn="l"/>
+                <a:tab pos="8085138" algn="l"/>
+                <a:tab pos="8534400" algn="l"/>
+                <a:tab pos="8983663" algn="l"/>
+              </a:tabLst>
+              <a:defRPr sz="2400">
+                <a:solidFill>
+                  <a:srgbClr val="000000"/>
+                </a:solidFill>
+                <a:latin typeface="Arial" charset="0"/>
+                <a:ea typeface="ＭＳ Ｐゴシック" charset="0"/>
+                <a:cs typeface="ＭＳ Ｐゴシック" charset="0"/>
+              </a:defRPr>
+            </a:lvl6pPr>
+            <a:lvl7pPr marL="2971800" indent="-228600" defTabSz="449263" fontAlgn="base">
+              <a:spcBef>
+                <a:spcPct val="0"/>
+              </a:spcBef>
+              <a:spcAft>
+                <a:spcPct val="0"/>
+              </a:spcAft>
+              <a:buClr>
+                <a:srgbClr val="000000"/>
+              </a:buClr>
+              <a:buSzPct val="100000"/>
+              <a:buFont typeface="Times New Roman" charset="0"/>
+              <a:tabLst>
+                <a:tab pos="0" algn="l"/>
+                <a:tab pos="447675" algn="l"/>
+                <a:tab pos="896938" algn="l"/>
+                <a:tab pos="1346200" algn="l"/>
+                <a:tab pos="1795463" algn="l"/>
+                <a:tab pos="2244725" algn="l"/>
+                <a:tab pos="2693988" algn="l"/>
+                <a:tab pos="3143250" algn="l"/>
+                <a:tab pos="3592513" algn="l"/>
+                <a:tab pos="4041775" algn="l"/>
+                <a:tab pos="4491038" algn="l"/>
+                <a:tab pos="4940300" algn="l"/>
+                <a:tab pos="5389563" algn="l"/>
+                <a:tab pos="5838825" algn="l"/>
+                <a:tab pos="6288088" algn="l"/>
+                <a:tab pos="6737350" algn="l"/>
+                <a:tab pos="7186613" algn="l"/>
+                <a:tab pos="7635875" algn="l"/>
+                <a:tab pos="8085138" algn="l"/>
+                <a:tab pos="8534400" algn="l"/>
+                <a:tab pos="8983663" algn="l"/>
+              </a:tabLst>
+              <a:defRPr sz="2400">
+                <a:solidFill>
+                  <a:srgbClr val="000000"/>
+                </a:solidFill>
+                <a:latin typeface="Arial" charset="0"/>
+                <a:ea typeface="ＭＳ Ｐゴシック" charset="0"/>
+                <a:cs typeface="ＭＳ Ｐゴシック" charset="0"/>
+              </a:defRPr>
+            </a:lvl7pPr>
+            <a:lvl8pPr marL="3429000" indent="-228600" defTabSz="449263" fontAlgn="base">
+              <a:spcBef>
+                <a:spcPct val="0"/>
+              </a:spcBef>
+              <a:spcAft>
+                <a:spcPct val="0"/>
+              </a:spcAft>
+              <a:buClr>
+                <a:srgbClr val="000000"/>
+              </a:buClr>
+              <a:buSzPct val="100000"/>
+              <a:buFont typeface="Times New Roman" charset="0"/>
+              <a:tabLst>
+                <a:tab pos="0" algn="l"/>
+                <a:tab pos="447675" algn="l"/>
+                <a:tab pos="896938" algn="l"/>
+                <a:tab pos="1346200" algn="l"/>
+                <a:tab pos="1795463" algn="l"/>
+                <a:tab pos="2244725" algn="l"/>
+                <a:tab pos="2693988" algn="l"/>
+                <a:tab pos="3143250" algn="l"/>
+                <a:tab pos="3592513" algn="l"/>
+                <a:tab pos="4041775" algn="l"/>
+                <a:tab pos="4491038" algn="l"/>
+                <a:tab pos="4940300" algn="l"/>
+                <a:tab pos="5389563" algn="l"/>
+                <a:tab pos="5838825" algn="l"/>
+                <a:tab pos="6288088" algn="l"/>
+                <a:tab pos="6737350" algn="l"/>
+                <a:tab pos="7186613" algn="l"/>
+                <a:tab pos="7635875" algn="l"/>
+                <a:tab pos="8085138" algn="l"/>
+                <a:tab pos="8534400" algn="l"/>
+                <a:tab pos="8983663" algn="l"/>
+              </a:tabLst>
+              <a:defRPr sz="2400">
+                <a:solidFill>
+                  <a:srgbClr val="000000"/>
+                </a:solidFill>
+                <a:latin typeface="Arial" charset="0"/>
+                <a:ea typeface="ＭＳ Ｐゴシック" charset="0"/>
+                <a:cs typeface="ＭＳ Ｐゴシック" charset="0"/>
+              </a:defRPr>
+            </a:lvl8pPr>
+            <a:lvl9pPr marL="3886200" indent="-228600" defTabSz="449263" fontAlgn="base">
+              <a:spcBef>
+                <a:spcPct val="0"/>
+              </a:spcBef>
+              <a:spcAft>
+                <a:spcPct val="0"/>
+              </a:spcAft>
+              <a:buClr>
+                <a:srgbClr val="000000"/>
+              </a:buClr>
+              <a:buSzPct val="100000"/>
+              <a:buFont typeface="Times New Roman" charset="0"/>
+              <a:tabLst>
+                <a:tab pos="0" algn="l"/>
+                <a:tab pos="447675" algn="l"/>
+                <a:tab pos="896938" algn="l"/>
+                <a:tab pos="1346200" algn="l"/>
+                <a:tab pos="1795463" algn="l"/>
+                <a:tab pos="2244725" algn="l"/>
+                <a:tab pos="2693988" algn="l"/>
+                <a:tab pos="3143250" algn="l"/>
+                <a:tab pos="3592513" algn="l"/>
+                <a:tab pos="4041775" algn="l"/>
+                <a:tab pos="4491038" algn="l"/>
+                <a:tab pos="4940300" algn="l"/>
+                <a:tab pos="5389563" algn="l"/>
+                <a:tab pos="5838825" algn="l"/>
+                <a:tab pos="6288088" algn="l"/>
+                <a:tab pos="6737350" algn="l"/>
+                <a:tab pos="7186613" algn="l"/>
+                <a:tab pos="7635875" algn="l"/>
+                <a:tab pos="8085138" algn="l"/>
+                <a:tab pos="8534400" algn="l"/>
+                <a:tab pos="8983663" algn="l"/>
+              </a:tabLst>
+              <a:defRPr sz="2400">
+                <a:solidFill>
+                  <a:srgbClr val="000000"/>
+                </a:solidFill>
+                <a:latin typeface="Arial" charset="0"/>
+                <a:ea typeface="ＭＳ Ｐゴシック" charset="0"/>
+                <a:cs typeface="ＭＳ Ｐゴシック" charset="0"/>
+              </a:defRPr>
+            </a:lvl9pPr>
+          </a:lstStyle>
+          <a:p>
+            <a:pPr>
+              <a:buClrTx/>
+              <a:buFontTx/>
+              <a:buNone/>
+              <a:defRPr/>
+            </a:pPr>
+            <a:r>
+              <a:rPr lang="en-CA" sz="2000" smtClean="0"/>
+              <a:t>ssh -i CBWNY.pem ubuntu@cbw#.dyndns.info </a:t>
+            </a:r>
+          </a:p>
+        </p:txBody>
+      </p:sp>
+      <p:sp>
+        <p:nvSpPr>
+          <p:cNvPr id="7" name="Line 5"/>
+          <p:cNvSpPr>
+            <a:spLocks noChangeShapeType="1"/>
+          </p:cNvSpPr>
+          <p:nvPr/>
+        </p:nvSpPr>
+        <p:spPr bwMode="auto">
+          <a:xfrm>
+            <a:off x="1368425" y="2853656"/>
+            <a:ext cx="2160588" cy="1587"/>
+          </a:xfrm>
+          <a:prstGeom prst="line">
+            <a:avLst/>
+          </a:prstGeom>
+          <a:noFill/>
+          <a:ln w="38160" cap="flat">
+            <a:solidFill>
+              <a:srgbClr val="FF0000"/>
+            </a:solidFill>
+            <a:round/>
+            <a:headEnd/>
+            <a:tailEnd/>
+          </a:ln>
+          <a:effectLst/>
+          <a:extLst>
+            <a:ext uri="{909E8E84-426E-40dd-AFC4-6F175D3DCCD1}">
+              <a14:hiddenFill xmlns:a14="http://schemas.microsoft.com/office/drawing/2010/main">
+                <a:noFill/>
+              </a14:hiddenFill>
+            </a:ext>
+            <a:ext uri="{AF507438-7753-43e0-B8FC-AC1667EBCBE1}">
+              <a14:hiddenEffects xmlns:a14="http://schemas.microsoft.com/office/drawing/2010/main">
+                <a:effectLst>
+                  <a:outerShdw blurRad="63500" dist="38099" dir="2700000" algn="ctr" rotWithShape="0">
+                    <a:srgbClr val="000000">
+                      <a:alpha val="74998"/>
+                    </a:srgbClr>
+                  </a:outerShdw>
+                </a:effectLst>
+              </a14:hiddenEffects>
+            </a:ext>
+          </a:extLst>
+        </p:spPr>
+        <p:txBody>
+          <a:bodyPr/>
+          <a:lstStyle/>
+          <a:p>
+            <a:pPr>
+              <a:defRPr/>
+            </a:pPr>
+            <a:endParaRPr lang="en-US"/>
+          </a:p>
+        </p:txBody>
+      </p:sp>
+      <p:pic>
+        <p:nvPicPr>
+          <p:cNvPr id="8" name="Picture 6"/>
+          <p:cNvPicPr>
+            <a:picLocks noChangeAspect="1" noChangeArrowheads="1"/>
+          </p:cNvPicPr>
+          <p:nvPr/>
+        </p:nvPicPr>
+        <p:blipFill>
+          <a:blip r:embed="rId2">
+            <a:extLst>
+              <a:ext uri="{28A0092B-C50C-407E-A947-70E740481C1C}">
+                <a14:useLocalDpi xmlns:a14="http://schemas.microsoft.com/office/drawing/2010/main" val="0"/>
+              </a:ext>
+            </a:extLst>
+          </a:blip>
+          <a:srcRect/>
+          <a:stretch>
+            <a:fillRect/>
+          </a:stretch>
+        </p:blipFill>
+        <p:spPr bwMode="auto">
+          <a:xfrm>
+            <a:off x="4464050" y="1701131"/>
+            <a:ext cx="4392613" cy="4392612"/>
+          </a:xfrm>
+          <a:prstGeom prst="rect">
+            <a:avLst/>
+          </a:prstGeom>
+          <a:noFill/>
+          <a:ln>
+            <a:noFill/>
+          </a:ln>
+          <a:effectLst/>
+          <a:extLst>
+            <a:ext uri="{909E8E84-426E-40dd-AFC4-6F175D3DCCD1}">
+              <a14:hiddenFill xmlns:a14="http://schemas.microsoft.com/office/drawing/2010/main">
+                <a:blipFill dpi="0" rotWithShape="0">
+                  <a:blip/>
+                  <a:srcRect/>
+                  <a:stretch>
+                    <a:fillRect/>
+                  </a:stretch>
+                </a:blipFill>
+              </a14:hiddenFill>
+            </a:ext>
+            <a:ext uri="{91240B29-F687-4f45-9708-019B960494DF}">
+              <a14:hiddenLine xmlns:a14="http://schemas.microsoft.com/office/drawing/2010/main" w="9525" cap="flat">
+                <a:solidFill>
+                  <a:srgbClr val="808080"/>
+                </a:solidFill>
+                <a:round/>
+                <a:headEnd/>
+                <a:tailEnd/>
+              </a14:hiddenLine>
+            </a:ext>
+            <a:ext uri="{AF507438-7753-43e0-B8FC-AC1667EBCBE1}">
+              <a14:hiddenEffects xmlns:a14="http://schemas.microsoft.com/office/drawing/2010/main">
+                <a:effectLst>
+                  <a:outerShdw blurRad="63500" dist="38099" dir="2700000" algn="ctr" rotWithShape="0">
+                    <a:srgbClr val="000000">
+                      <a:alpha val="74998"/>
+                    </a:srgbClr>
+                  </a:outerShdw>
+                </a:effectLst>
+              </a14:hiddenEffects>
+            </a:ext>
+          </a:extLst>
+        </p:spPr>
+      </p:pic>
+      <p:sp>
+        <p:nvSpPr>
+          <p:cNvPr id="9" name="AutoShape 7"/>
+          <p:cNvSpPr>
+            <a:spLocks noChangeArrowheads="1"/>
+          </p:cNvSpPr>
+          <p:nvPr/>
+        </p:nvSpPr>
+        <p:spPr bwMode="auto">
+          <a:xfrm>
+            <a:off x="6048375" y="2780631"/>
+            <a:ext cx="1511300" cy="215900"/>
+          </a:xfrm>
+          <a:prstGeom prst="roundRect">
+            <a:avLst>
+              <a:gd name="adj" fmla="val 731"/>
+            </a:avLst>
+          </a:prstGeom>
+          <a:noFill/>
+          <a:ln w="38160" cap="flat">
+            <a:solidFill>
+              <a:srgbClr val="FF0000"/>
+            </a:solidFill>
+            <a:round/>
+            <a:headEnd/>
+            <a:tailEnd/>
+          </a:ln>
+          <a:effectLst/>
+          <a:extLst>
+            <a:ext uri="{909E8E84-426E-40dd-AFC4-6F175D3DCCD1}">
+              <a14:hiddenFill xmlns:a14="http://schemas.microsoft.com/office/drawing/2010/main">
+                <a:solidFill>
+                  <a:srgbClr val="FFFFFF"/>
+                </a:solidFill>
+              </a14:hiddenFill>
+            </a:ext>
+            <a:ext uri="{AF507438-7753-43e0-B8FC-AC1667EBCBE1}">
+              <a14:hiddenEffects xmlns:a14="http://schemas.microsoft.com/office/drawing/2010/main">
+                <a:effectLst>
+                  <a:outerShdw blurRad="63500" dist="38099" dir="2700000" algn="ctr" rotWithShape="0">
+                    <a:srgbClr val="000000">
+                      <a:alpha val="74998"/>
+                    </a:srgbClr>
+                  </a:outerShdw>
+                </a:effectLst>
+              </a14:hiddenEffects>
+            </a:ext>
+          </a:extLst>
+        </p:spPr>
+        <p:txBody>
+          <a:bodyPr wrap="none" anchor="ctr"/>
+          <a:lstStyle/>
+          <a:p>
+            <a:pPr>
+              <a:defRPr/>
+            </a:pPr>
+            <a:endParaRPr lang="en-US"/>
+          </a:p>
+        </p:txBody>
+      </p:sp>
+    </p:spTree>
+    <p:extLst>
+      <p:ext uri="{BB962C8B-B14F-4D97-AF65-F5344CB8AC3E}">
+        <p14:creationId xmlns:p14="http://schemas.microsoft.com/office/powerpoint/2010/main" val="3203118305"/>
+      </p:ext>
+    </p:extLst>
+  </p:cSld>
+  <p:clrMapOvr>
+    <a:masterClrMapping/>
+  </p:clrMapOvr>
+  <p:timing>
+    <p:tnLst>
+      <p:par>
+        <p:cTn xmlns:p14="http://schemas.microsoft.com/office/powerpoint/2010/main" id="1" dur="indefinite" restart="never" nodeType="tmRoot"/>
+      </p:par>
+    </p:tnLst>
+  </p:timing>
+</p:sld>
+</file>
+
+<file path=ppt/slides/slide28.xml><?xml version="1.0" encoding="utf-8"?>
+<p:sld xmlns:a="http://schemas.openxmlformats.org/drawingml/2006/main" xmlns:r="http://schemas.openxmlformats.org/officeDocument/2006/relationships" xmlns:p="http://schemas.openxmlformats.org/presentationml/2006/main">
+  <p:cSld>
+    <p:spTree>
+      <p:nvGrpSpPr>
+        <p:cNvPr id="1" name=""/>
+        <p:cNvGrpSpPr/>
+        <p:nvPr/>
+      </p:nvGrpSpPr>
+      <p:grpSpPr>
+        <a:xfrm>
+          <a:off x="0" y="0"/>
+          <a:ext cx="0" cy="0"/>
+          <a:chOff x="0" y="0"/>
+          <a:chExt cx="0" cy="0"/>
+        </a:xfrm>
+      </p:grpSpPr>
+      <p:sp>
+        <p:nvSpPr>
+          <p:cNvPr id="30722" name="Title 2"/>
+          <p:cNvSpPr>
+            <a:spLocks noGrp="1"/>
+          </p:cNvSpPr>
+          <p:nvPr>
+            <p:ph type="title"/>
+          </p:nvPr>
+        </p:nvSpPr>
+        <p:spPr>
+          <a:xfrm>
+            <a:off x="152400" y="-26987"/>
+            <a:ext cx="8839200" cy="791691"/>
+          </a:xfrm>
+        </p:spPr>
+        <p:txBody>
+          <a:bodyPr/>
+          <a:lstStyle/>
+          <a:p>
+            <a:r>
+              <a:rPr lang="en-US" dirty="0">
+                <a:ea typeface="ＭＳ Ｐゴシック" charset="0"/>
+              </a:rPr>
+              <a:t>Logging </a:t>
+            </a:r>
+            <a:r>
+              <a:rPr lang="en-US" dirty="0" smtClean="0">
+                <a:ea typeface="ＭＳ Ｐゴシック" charset="0"/>
+              </a:rPr>
+              <a:t>into AWS</a:t>
+            </a:r>
+            <a:endParaRPr lang="en-US" dirty="0">
+              <a:ea typeface="ＭＳ Ｐゴシック" charset="0"/>
+            </a:endParaRPr>
+          </a:p>
+        </p:txBody>
+      </p:sp>
+      <p:sp>
+        <p:nvSpPr>
+          <p:cNvPr id="11" name="Text Box 2"/>
+          <p:cNvSpPr txBox="1">
+            <a:spLocks noChangeArrowheads="1"/>
+          </p:cNvSpPr>
+          <p:nvPr/>
+        </p:nvSpPr>
+        <p:spPr bwMode="auto">
+          <a:xfrm>
+            <a:off x="457200" y="1028378"/>
+            <a:ext cx="2206625" cy="455613"/>
+          </a:xfrm>
+          <a:prstGeom prst="rect">
+            <a:avLst/>
+          </a:prstGeom>
+          <a:noFill/>
+          <a:ln>
+            <a:noFill/>
+          </a:ln>
+          <a:effectLst/>
+          <a:extLst>
+            <a:ext uri="{909E8E84-426E-40dd-AFC4-6F175D3DCCD1}">
+              <a14:hiddenFill xmlns:a14="http://schemas.microsoft.com/office/drawing/2010/main">
+                <a:solidFill>
+                  <a:srgbClr val="FFFFFF"/>
+                </a:solidFill>
+              </a14:hiddenFill>
+            </a:ext>
+            <a:ext uri="{91240B29-F687-4f45-9708-019B960494DF}">
+              <a14:hiddenLine xmlns:a14="http://schemas.microsoft.com/office/drawing/2010/main" w="9525" cap="flat">
+                <a:solidFill>
+                  <a:srgbClr val="808080"/>
+                </a:solidFill>
+                <a:round/>
+                <a:headEnd/>
+                <a:tailEnd/>
+              </a14:hiddenLine>
+            </a:ext>
+            <a:ext uri="{AF507438-7753-43e0-B8FC-AC1667EBCBE1}">
+              <a14:hiddenEffects xmlns:a14="http://schemas.microsoft.com/office/drawing/2010/main">
+                <a:effectLst>
+                  <a:outerShdw blurRad="63500" dist="38099" dir="2700000" algn="ctr" rotWithShape="0">
+                    <a:srgbClr val="000000">
+                      <a:alpha val="74998"/>
+                    </a:srgbClr>
+                  </a:outerShdw>
+                </a:effectLst>
+              </a14:hiddenEffects>
+            </a:ext>
+          </a:extLst>
+        </p:spPr>
+        <p:txBody>
+          <a:bodyPr wrap="none" lIns="90000" tIns="45000" rIns="90000" bIns="45000"/>
+          <a:lstStyle>
+            <a:lvl1pPr>
+              <a:tabLst>
+                <a:tab pos="0" algn="l"/>
+                <a:tab pos="447675" algn="l"/>
+                <a:tab pos="896938" algn="l"/>
+                <a:tab pos="1346200" algn="l"/>
+                <a:tab pos="1795463" algn="l"/>
+                <a:tab pos="2244725" algn="l"/>
+                <a:tab pos="2693988" algn="l"/>
+                <a:tab pos="3143250" algn="l"/>
+                <a:tab pos="3592513" algn="l"/>
+                <a:tab pos="4041775" algn="l"/>
+                <a:tab pos="4491038" algn="l"/>
+                <a:tab pos="4940300" algn="l"/>
+                <a:tab pos="5389563" algn="l"/>
+                <a:tab pos="5838825" algn="l"/>
+                <a:tab pos="6288088" algn="l"/>
+                <a:tab pos="6737350" algn="l"/>
+                <a:tab pos="7186613" algn="l"/>
+                <a:tab pos="7635875" algn="l"/>
+                <a:tab pos="8085138" algn="l"/>
+                <a:tab pos="8534400" algn="l"/>
+                <a:tab pos="8983663" algn="l"/>
+              </a:tabLst>
+              <a:defRPr sz="2400">
+                <a:solidFill>
+                  <a:srgbClr val="000000"/>
+                </a:solidFill>
+                <a:latin typeface="Arial" charset="0"/>
+                <a:ea typeface="ＭＳ Ｐゴシック" charset="0"/>
+                <a:cs typeface="ＭＳ Ｐゴシック" charset="0"/>
+              </a:defRPr>
+            </a:lvl1pPr>
+            <a:lvl2pPr>
+              <a:tabLst>
+                <a:tab pos="0" algn="l"/>
+                <a:tab pos="447675" algn="l"/>
+                <a:tab pos="896938" algn="l"/>
+                <a:tab pos="1346200" algn="l"/>
+                <a:tab pos="1795463" algn="l"/>
+                <a:tab pos="2244725" algn="l"/>
+                <a:tab pos="2693988" algn="l"/>
+                <a:tab pos="3143250" algn="l"/>
+                <a:tab pos="3592513" algn="l"/>
+                <a:tab pos="4041775" algn="l"/>
+                <a:tab pos="4491038" algn="l"/>
+                <a:tab pos="4940300" algn="l"/>
+                <a:tab pos="5389563" algn="l"/>
+                <a:tab pos="5838825" algn="l"/>
+                <a:tab pos="6288088" algn="l"/>
+                <a:tab pos="6737350" algn="l"/>
+                <a:tab pos="7186613" algn="l"/>
+                <a:tab pos="7635875" algn="l"/>
+                <a:tab pos="8085138" algn="l"/>
+                <a:tab pos="8534400" algn="l"/>
+                <a:tab pos="8983663" algn="l"/>
+              </a:tabLst>
+              <a:defRPr sz="2400">
+                <a:solidFill>
+                  <a:srgbClr val="000000"/>
+                </a:solidFill>
+                <a:latin typeface="Arial" charset="0"/>
+                <a:ea typeface="ＭＳ Ｐゴシック" charset="0"/>
+                <a:cs typeface="ＭＳ Ｐゴシック" charset="0"/>
+              </a:defRPr>
+            </a:lvl2pPr>
+            <a:lvl3pPr>
+              <a:tabLst>
+                <a:tab pos="0" algn="l"/>
+                <a:tab pos="447675" algn="l"/>
+                <a:tab pos="896938" algn="l"/>
+                <a:tab pos="1346200" algn="l"/>
+                <a:tab pos="1795463" algn="l"/>
+                <a:tab pos="2244725" algn="l"/>
+                <a:tab pos="2693988" algn="l"/>
+                <a:tab pos="3143250" algn="l"/>
+                <a:tab pos="3592513" algn="l"/>
+                <a:tab pos="4041775" algn="l"/>
+                <a:tab pos="4491038" algn="l"/>
+                <a:tab pos="4940300" algn="l"/>
+                <a:tab pos="5389563" algn="l"/>
+                <a:tab pos="5838825" algn="l"/>
+                <a:tab pos="6288088" algn="l"/>
+                <a:tab pos="6737350" algn="l"/>
+                <a:tab pos="7186613" algn="l"/>
+                <a:tab pos="7635875" algn="l"/>
+                <a:tab pos="8085138" algn="l"/>
+                <a:tab pos="8534400" algn="l"/>
+                <a:tab pos="8983663" algn="l"/>
+              </a:tabLst>
+              <a:defRPr sz="2400">
+                <a:solidFill>
+                  <a:srgbClr val="000000"/>
+                </a:solidFill>
+                <a:latin typeface="Arial" charset="0"/>
+                <a:ea typeface="ＭＳ Ｐゴシック" charset="0"/>
+                <a:cs typeface="ＭＳ Ｐゴシック" charset="0"/>
+              </a:defRPr>
+            </a:lvl3pPr>
+            <a:lvl4pPr>
+              <a:tabLst>
+                <a:tab pos="0" algn="l"/>
+                <a:tab pos="447675" algn="l"/>
+                <a:tab pos="896938" algn="l"/>
+                <a:tab pos="1346200" algn="l"/>
+                <a:tab pos="1795463" algn="l"/>
+                <a:tab pos="2244725" algn="l"/>
+                <a:tab pos="2693988" algn="l"/>
+                <a:tab pos="3143250" algn="l"/>
+                <a:tab pos="3592513" algn="l"/>
+                <a:tab pos="4041775" algn="l"/>
+                <a:tab pos="4491038" algn="l"/>
+                <a:tab pos="4940300" algn="l"/>
+                <a:tab pos="5389563" algn="l"/>
+                <a:tab pos="5838825" algn="l"/>
+                <a:tab pos="6288088" algn="l"/>
+                <a:tab pos="6737350" algn="l"/>
+                <a:tab pos="7186613" algn="l"/>
+                <a:tab pos="7635875" algn="l"/>
+                <a:tab pos="8085138" algn="l"/>
+                <a:tab pos="8534400" algn="l"/>
+                <a:tab pos="8983663" algn="l"/>
+              </a:tabLst>
+              <a:defRPr sz="2400">
+                <a:solidFill>
+                  <a:srgbClr val="000000"/>
+                </a:solidFill>
+                <a:latin typeface="Arial" charset="0"/>
+                <a:ea typeface="ＭＳ Ｐゴシック" charset="0"/>
+                <a:cs typeface="ＭＳ Ｐゴシック" charset="0"/>
+              </a:defRPr>
+            </a:lvl4pPr>
+            <a:lvl5pPr>
+              <a:tabLst>
+                <a:tab pos="0" algn="l"/>
+                <a:tab pos="447675" algn="l"/>
+                <a:tab pos="896938" algn="l"/>
+                <a:tab pos="1346200" algn="l"/>
+                <a:tab pos="1795463" algn="l"/>
+                <a:tab pos="2244725" algn="l"/>
+                <a:tab pos="2693988" algn="l"/>
+                <a:tab pos="3143250" algn="l"/>
+                <a:tab pos="3592513" algn="l"/>
+                <a:tab pos="4041775" algn="l"/>
+                <a:tab pos="4491038" algn="l"/>
+                <a:tab pos="4940300" algn="l"/>
+                <a:tab pos="5389563" algn="l"/>
+                <a:tab pos="5838825" algn="l"/>
+                <a:tab pos="6288088" algn="l"/>
+                <a:tab pos="6737350" algn="l"/>
+                <a:tab pos="7186613" algn="l"/>
+                <a:tab pos="7635875" algn="l"/>
+                <a:tab pos="8085138" algn="l"/>
+                <a:tab pos="8534400" algn="l"/>
+                <a:tab pos="8983663" algn="l"/>
+              </a:tabLst>
+              <a:defRPr sz="2400">
+                <a:solidFill>
+                  <a:srgbClr val="000000"/>
+                </a:solidFill>
+                <a:latin typeface="Arial" charset="0"/>
+                <a:ea typeface="ＭＳ Ｐゴシック" charset="0"/>
+                <a:cs typeface="ＭＳ Ｐゴシック" charset="0"/>
+              </a:defRPr>
+            </a:lvl5pPr>
+            <a:lvl6pPr marL="2514600" indent="-228600" defTabSz="449263" fontAlgn="base">
+              <a:spcBef>
+                <a:spcPct val="0"/>
+              </a:spcBef>
+              <a:spcAft>
+                <a:spcPct val="0"/>
+              </a:spcAft>
+              <a:buClr>
+                <a:srgbClr val="000000"/>
+              </a:buClr>
+              <a:buSzPct val="100000"/>
+              <a:buFont typeface="Times New Roman" charset="0"/>
+              <a:tabLst>
+                <a:tab pos="0" algn="l"/>
+                <a:tab pos="447675" algn="l"/>
+                <a:tab pos="896938" algn="l"/>
+                <a:tab pos="1346200" algn="l"/>
+                <a:tab pos="1795463" algn="l"/>
+                <a:tab pos="2244725" algn="l"/>
+                <a:tab pos="2693988" algn="l"/>
+                <a:tab pos="3143250" algn="l"/>
+                <a:tab pos="3592513" algn="l"/>
+                <a:tab pos="4041775" algn="l"/>
+                <a:tab pos="4491038" algn="l"/>
+                <a:tab pos="4940300" algn="l"/>
+                <a:tab pos="5389563" algn="l"/>
+                <a:tab pos="5838825" algn="l"/>
+                <a:tab pos="6288088" algn="l"/>
+                <a:tab pos="6737350" algn="l"/>
+                <a:tab pos="7186613" algn="l"/>
+                <a:tab pos="7635875" algn="l"/>
+                <a:tab pos="8085138" algn="l"/>
+                <a:tab pos="8534400" algn="l"/>
+                <a:tab pos="8983663" algn="l"/>
+              </a:tabLst>
+              <a:defRPr sz="2400">
+                <a:solidFill>
+                  <a:srgbClr val="000000"/>
+                </a:solidFill>
+                <a:latin typeface="Arial" charset="0"/>
+                <a:ea typeface="ＭＳ Ｐゴシック" charset="0"/>
+                <a:cs typeface="ＭＳ Ｐゴシック" charset="0"/>
+              </a:defRPr>
+            </a:lvl6pPr>
+            <a:lvl7pPr marL="2971800" indent="-228600" defTabSz="449263" fontAlgn="base">
+              <a:spcBef>
+                <a:spcPct val="0"/>
+              </a:spcBef>
+              <a:spcAft>
+                <a:spcPct val="0"/>
+              </a:spcAft>
+              <a:buClr>
+                <a:srgbClr val="000000"/>
+              </a:buClr>
+              <a:buSzPct val="100000"/>
+              <a:buFont typeface="Times New Roman" charset="0"/>
+              <a:tabLst>
+                <a:tab pos="0" algn="l"/>
+                <a:tab pos="447675" algn="l"/>
+                <a:tab pos="896938" algn="l"/>
+                <a:tab pos="1346200" algn="l"/>
+                <a:tab pos="1795463" algn="l"/>
+                <a:tab pos="2244725" algn="l"/>
+                <a:tab pos="2693988" algn="l"/>
+                <a:tab pos="3143250" algn="l"/>
+                <a:tab pos="3592513" algn="l"/>
+                <a:tab pos="4041775" algn="l"/>
+                <a:tab pos="4491038" algn="l"/>
+                <a:tab pos="4940300" algn="l"/>
+                <a:tab pos="5389563" algn="l"/>
+                <a:tab pos="5838825" algn="l"/>
+                <a:tab pos="6288088" algn="l"/>
+                <a:tab pos="6737350" algn="l"/>
+                <a:tab pos="7186613" algn="l"/>
+                <a:tab pos="7635875" algn="l"/>
+                <a:tab pos="8085138" algn="l"/>
+                <a:tab pos="8534400" algn="l"/>
+                <a:tab pos="8983663" algn="l"/>
+              </a:tabLst>
+              <a:defRPr sz="2400">
+                <a:solidFill>
+                  <a:srgbClr val="000000"/>
+                </a:solidFill>
+                <a:latin typeface="Arial" charset="0"/>
+                <a:ea typeface="ＭＳ Ｐゴシック" charset="0"/>
+                <a:cs typeface="ＭＳ Ｐゴシック" charset="0"/>
+              </a:defRPr>
+            </a:lvl7pPr>
+            <a:lvl8pPr marL="3429000" indent="-228600" defTabSz="449263" fontAlgn="base">
+              <a:spcBef>
+                <a:spcPct val="0"/>
+              </a:spcBef>
+              <a:spcAft>
+                <a:spcPct val="0"/>
+              </a:spcAft>
+              <a:buClr>
+                <a:srgbClr val="000000"/>
+              </a:buClr>
+              <a:buSzPct val="100000"/>
+              <a:buFont typeface="Times New Roman" charset="0"/>
+              <a:tabLst>
+                <a:tab pos="0" algn="l"/>
+                <a:tab pos="447675" algn="l"/>
+                <a:tab pos="896938" algn="l"/>
+                <a:tab pos="1346200" algn="l"/>
+                <a:tab pos="1795463" algn="l"/>
+                <a:tab pos="2244725" algn="l"/>
+                <a:tab pos="2693988" algn="l"/>
+                <a:tab pos="3143250" algn="l"/>
+                <a:tab pos="3592513" algn="l"/>
+                <a:tab pos="4041775" algn="l"/>
+                <a:tab pos="4491038" algn="l"/>
+                <a:tab pos="4940300" algn="l"/>
+                <a:tab pos="5389563" algn="l"/>
+                <a:tab pos="5838825" algn="l"/>
+                <a:tab pos="6288088" algn="l"/>
+                <a:tab pos="6737350" algn="l"/>
+                <a:tab pos="7186613" algn="l"/>
+                <a:tab pos="7635875" algn="l"/>
+                <a:tab pos="8085138" algn="l"/>
+                <a:tab pos="8534400" algn="l"/>
+                <a:tab pos="8983663" algn="l"/>
+              </a:tabLst>
+              <a:defRPr sz="2400">
+                <a:solidFill>
+                  <a:srgbClr val="000000"/>
+                </a:solidFill>
+                <a:latin typeface="Arial" charset="0"/>
+                <a:ea typeface="ＭＳ Ｐゴシック" charset="0"/>
+                <a:cs typeface="ＭＳ Ｐゴシック" charset="0"/>
+              </a:defRPr>
+            </a:lvl8pPr>
+            <a:lvl9pPr marL="3886200" indent="-228600" defTabSz="449263" fontAlgn="base">
+              <a:spcBef>
+                <a:spcPct val="0"/>
+              </a:spcBef>
+              <a:spcAft>
+                <a:spcPct val="0"/>
+              </a:spcAft>
+              <a:buClr>
+                <a:srgbClr val="000000"/>
+              </a:buClr>
+              <a:buSzPct val="100000"/>
+              <a:buFont typeface="Times New Roman" charset="0"/>
+              <a:tabLst>
+                <a:tab pos="0" algn="l"/>
+                <a:tab pos="447675" algn="l"/>
+                <a:tab pos="896938" algn="l"/>
+                <a:tab pos="1346200" algn="l"/>
+                <a:tab pos="1795463" algn="l"/>
+                <a:tab pos="2244725" algn="l"/>
+                <a:tab pos="2693988" algn="l"/>
+                <a:tab pos="3143250" algn="l"/>
+                <a:tab pos="3592513" algn="l"/>
+                <a:tab pos="4041775" algn="l"/>
+                <a:tab pos="4491038" algn="l"/>
+                <a:tab pos="4940300" algn="l"/>
+                <a:tab pos="5389563" algn="l"/>
+                <a:tab pos="5838825" algn="l"/>
+                <a:tab pos="6288088" algn="l"/>
+                <a:tab pos="6737350" algn="l"/>
+                <a:tab pos="7186613" algn="l"/>
+                <a:tab pos="7635875" algn="l"/>
+                <a:tab pos="8085138" algn="l"/>
+                <a:tab pos="8534400" algn="l"/>
+                <a:tab pos="8983663" algn="l"/>
+              </a:tabLst>
+              <a:defRPr sz="2400">
+                <a:solidFill>
+                  <a:srgbClr val="000000"/>
+                </a:solidFill>
+                <a:latin typeface="Arial" charset="0"/>
+                <a:ea typeface="ＭＳ Ｐゴシック" charset="0"/>
+                <a:cs typeface="ＭＳ Ｐゴシック" charset="0"/>
+              </a:defRPr>
+            </a:lvl9pPr>
+          </a:lstStyle>
+          <a:p>
+            <a:pPr>
+              <a:buClrTx/>
+              <a:buFontTx/>
+              <a:buNone/>
+            </a:pPr>
+            <a:r>
+              <a:rPr lang="en-US" b="1" dirty="0"/>
+              <a:t>Mac/Linux</a:t>
+            </a:r>
+          </a:p>
+        </p:txBody>
+      </p:sp>
+      <p:sp>
+        <p:nvSpPr>
+          <p:cNvPr id="14" name="Text Box 3"/>
+          <p:cNvSpPr txBox="1">
+            <a:spLocks noChangeArrowheads="1"/>
+          </p:cNvSpPr>
+          <p:nvPr/>
+        </p:nvSpPr>
+        <p:spPr bwMode="auto">
+          <a:xfrm>
+            <a:off x="4618038" y="1028378"/>
+            <a:ext cx="2293937" cy="455612"/>
+          </a:xfrm>
+          <a:prstGeom prst="rect">
+            <a:avLst/>
+          </a:prstGeom>
+          <a:noFill/>
+          <a:ln>
+            <a:noFill/>
+          </a:ln>
+          <a:effectLst/>
+          <a:extLst>
+            <a:ext uri="{909E8E84-426E-40dd-AFC4-6F175D3DCCD1}">
+              <a14:hiddenFill xmlns:a14="http://schemas.microsoft.com/office/drawing/2010/main">
+                <a:solidFill>
+                  <a:srgbClr val="FFFFFF"/>
+                </a:solidFill>
+              </a14:hiddenFill>
+            </a:ext>
+            <a:ext uri="{91240B29-F687-4f45-9708-019B960494DF}">
+              <a14:hiddenLine xmlns:a14="http://schemas.microsoft.com/office/drawing/2010/main" w="9525" cap="flat">
+                <a:solidFill>
+                  <a:srgbClr val="808080"/>
+                </a:solidFill>
+                <a:round/>
+                <a:headEnd/>
+                <a:tailEnd/>
+              </a14:hiddenLine>
+            </a:ext>
+            <a:ext uri="{AF507438-7753-43e0-B8FC-AC1667EBCBE1}">
+              <a14:hiddenEffects xmlns:a14="http://schemas.microsoft.com/office/drawing/2010/main">
+                <a:effectLst>
+                  <a:outerShdw blurRad="63500" dist="38099" dir="2700000" algn="ctr" rotWithShape="0">
+                    <a:srgbClr val="000000">
+                      <a:alpha val="74998"/>
+                    </a:srgbClr>
+                  </a:outerShdw>
+                </a:effectLst>
+              </a14:hiddenEffects>
+            </a:ext>
+          </a:extLst>
+        </p:spPr>
+        <p:txBody>
+          <a:bodyPr wrap="none" lIns="90000" tIns="45000" rIns="90000" bIns="45000"/>
+          <a:lstStyle>
+            <a:lvl1pPr>
+              <a:tabLst>
+                <a:tab pos="0" algn="l"/>
+                <a:tab pos="447675" algn="l"/>
+                <a:tab pos="896938" algn="l"/>
+                <a:tab pos="1346200" algn="l"/>
+                <a:tab pos="1795463" algn="l"/>
+                <a:tab pos="2244725" algn="l"/>
+                <a:tab pos="2693988" algn="l"/>
+                <a:tab pos="3143250" algn="l"/>
+                <a:tab pos="3592513" algn="l"/>
+                <a:tab pos="4041775" algn="l"/>
+                <a:tab pos="4491038" algn="l"/>
+                <a:tab pos="4940300" algn="l"/>
+                <a:tab pos="5389563" algn="l"/>
+                <a:tab pos="5838825" algn="l"/>
+                <a:tab pos="6288088" algn="l"/>
+                <a:tab pos="6737350" algn="l"/>
+                <a:tab pos="7186613" algn="l"/>
+                <a:tab pos="7635875" algn="l"/>
+                <a:tab pos="8085138" algn="l"/>
+                <a:tab pos="8534400" algn="l"/>
+                <a:tab pos="8983663" algn="l"/>
+              </a:tabLst>
+              <a:defRPr sz="2400">
+                <a:solidFill>
+                  <a:srgbClr val="000000"/>
+                </a:solidFill>
+                <a:latin typeface="Arial" charset="0"/>
+                <a:ea typeface="ＭＳ Ｐゴシック" charset="0"/>
+                <a:cs typeface="ＭＳ Ｐゴシック" charset="0"/>
+              </a:defRPr>
+            </a:lvl1pPr>
+            <a:lvl2pPr>
+              <a:tabLst>
+                <a:tab pos="0" algn="l"/>
+                <a:tab pos="447675" algn="l"/>
+                <a:tab pos="896938" algn="l"/>
+                <a:tab pos="1346200" algn="l"/>
+                <a:tab pos="1795463" algn="l"/>
+                <a:tab pos="2244725" algn="l"/>
+                <a:tab pos="2693988" algn="l"/>
+                <a:tab pos="3143250" algn="l"/>
+                <a:tab pos="3592513" algn="l"/>
+                <a:tab pos="4041775" algn="l"/>
+                <a:tab pos="4491038" algn="l"/>
+                <a:tab pos="4940300" algn="l"/>
+                <a:tab pos="5389563" algn="l"/>
+                <a:tab pos="5838825" algn="l"/>
+                <a:tab pos="6288088" algn="l"/>
+                <a:tab pos="6737350" algn="l"/>
+                <a:tab pos="7186613" algn="l"/>
+                <a:tab pos="7635875" algn="l"/>
+                <a:tab pos="8085138" algn="l"/>
+                <a:tab pos="8534400" algn="l"/>
+                <a:tab pos="8983663" algn="l"/>
+              </a:tabLst>
+              <a:defRPr sz="2400">
+                <a:solidFill>
+                  <a:srgbClr val="000000"/>
+                </a:solidFill>
+                <a:latin typeface="Arial" charset="0"/>
+                <a:ea typeface="ＭＳ Ｐゴシック" charset="0"/>
+                <a:cs typeface="ＭＳ Ｐゴシック" charset="0"/>
+              </a:defRPr>
+            </a:lvl2pPr>
+            <a:lvl3pPr>
+              <a:tabLst>
+                <a:tab pos="0" algn="l"/>
+                <a:tab pos="447675" algn="l"/>
+                <a:tab pos="896938" algn="l"/>
+                <a:tab pos="1346200" algn="l"/>
+                <a:tab pos="1795463" algn="l"/>
+                <a:tab pos="2244725" algn="l"/>
+                <a:tab pos="2693988" algn="l"/>
+                <a:tab pos="3143250" algn="l"/>
+                <a:tab pos="3592513" algn="l"/>
+                <a:tab pos="4041775" algn="l"/>
+                <a:tab pos="4491038" algn="l"/>
+                <a:tab pos="4940300" algn="l"/>
+                <a:tab pos="5389563" algn="l"/>
+                <a:tab pos="5838825" algn="l"/>
+                <a:tab pos="6288088" algn="l"/>
+                <a:tab pos="6737350" algn="l"/>
+                <a:tab pos="7186613" algn="l"/>
+                <a:tab pos="7635875" algn="l"/>
+                <a:tab pos="8085138" algn="l"/>
+                <a:tab pos="8534400" algn="l"/>
+                <a:tab pos="8983663" algn="l"/>
+              </a:tabLst>
+              <a:defRPr sz="2400">
+                <a:solidFill>
+                  <a:srgbClr val="000000"/>
+                </a:solidFill>
+                <a:latin typeface="Arial" charset="0"/>
+                <a:ea typeface="ＭＳ Ｐゴシック" charset="0"/>
+                <a:cs typeface="ＭＳ Ｐゴシック" charset="0"/>
+              </a:defRPr>
+            </a:lvl3pPr>
+            <a:lvl4pPr>
+              <a:tabLst>
+                <a:tab pos="0" algn="l"/>
+                <a:tab pos="447675" algn="l"/>
+                <a:tab pos="896938" algn="l"/>
+                <a:tab pos="1346200" algn="l"/>
+                <a:tab pos="1795463" algn="l"/>
+                <a:tab pos="2244725" algn="l"/>
+                <a:tab pos="2693988" algn="l"/>
+                <a:tab pos="3143250" algn="l"/>
+                <a:tab pos="3592513" algn="l"/>
+                <a:tab pos="4041775" algn="l"/>
+                <a:tab pos="4491038" algn="l"/>
+                <a:tab pos="4940300" algn="l"/>
+                <a:tab pos="5389563" algn="l"/>
+                <a:tab pos="5838825" algn="l"/>
+                <a:tab pos="6288088" algn="l"/>
+                <a:tab pos="6737350" algn="l"/>
+                <a:tab pos="7186613" algn="l"/>
+                <a:tab pos="7635875" algn="l"/>
+                <a:tab pos="8085138" algn="l"/>
+                <a:tab pos="8534400" algn="l"/>
+                <a:tab pos="8983663" algn="l"/>
+              </a:tabLst>
+              <a:defRPr sz="2400">
+                <a:solidFill>
+                  <a:srgbClr val="000000"/>
+                </a:solidFill>
+                <a:latin typeface="Arial" charset="0"/>
+                <a:ea typeface="ＭＳ Ｐゴシック" charset="0"/>
+                <a:cs typeface="ＭＳ Ｐゴシック" charset="0"/>
+              </a:defRPr>
+            </a:lvl4pPr>
+            <a:lvl5pPr>
+              <a:tabLst>
+                <a:tab pos="0" algn="l"/>
+                <a:tab pos="447675" algn="l"/>
+                <a:tab pos="896938" algn="l"/>
+                <a:tab pos="1346200" algn="l"/>
+                <a:tab pos="1795463" algn="l"/>
+                <a:tab pos="2244725" algn="l"/>
+                <a:tab pos="2693988" algn="l"/>
+                <a:tab pos="3143250" algn="l"/>
+                <a:tab pos="3592513" algn="l"/>
+                <a:tab pos="4041775" algn="l"/>
+                <a:tab pos="4491038" algn="l"/>
+                <a:tab pos="4940300" algn="l"/>
+                <a:tab pos="5389563" algn="l"/>
+                <a:tab pos="5838825" algn="l"/>
+                <a:tab pos="6288088" algn="l"/>
+                <a:tab pos="6737350" algn="l"/>
+                <a:tab pos="7186613" algn="l"/>
+                <a:tab pos="7635875" algn="l"/>
+                <a:tab pos="8085138" algn="l"/>
+                <a:tab pos="8534400" algn="l"/>
+                <a:tab pos="8983663" algn="l"/>
+              </a:tabLst>
+              <a:defRPr sz="2400">
+                <a:solidFill>
+                  <a:srgbClr val="000000"/>
+                </a:solidFill>
+                <a:latin typeface="Arial" charset="0"/>
+                <a:ea typeface="ＭＳ Ｐゴシック" charset="0"/>
+                <a:cs typeface="ＭＳ Ｐゴシック" charset="0"/>
+              </a:defRPr>
+            </a:lvl5pPr>
+            <a:lvl6pPr marL="2514600" indent="-228600" defTabSz="449263" fontAlgn="base">
+              <a:spcBef>
+                <a:spcPct val="0"/>
+              </a:spcBef>
+              <a:spcAft>
+                <a:spcPct val="0"/>
+              </a:spcAft>
+              <a:buClr>
+                <a:srgbClr val="000000"/>
+              </a:buClr>
+              <a:buSzPct val="100000"/>
+              <a:buFont typeface="Times New Roman" charset="0"/>
+              <a:tabLst>
+                <a:tab pos="0" algn="l"/>
+                <a:tab pos="447675" algn="l"/>
+                <a:tab pos="896938" algn="l"/>
+                <a:tab pos="1346200" algn="l"/>
+                <a:tab pos="1795463" algn="l"/>
+                <a:tab pos="2244725" algn="l"/>
+                <a:tab pos="2693988" algn="l"/>
+                <a:tab pos="3143250" algn="l"/>
+                <a:tab pos="3592513" algn="l"/>
+                <a:tab pos="4041775" algn="l"/>
+                <a:tab pos="4491038" algn="l"/>
+                <a:tab pos="4940300" algn="l"/>
+                <a:tab pos="5389563" algn="l"/>
+                <a:tab pos="5838825" algn="l"/>
+                <a:tab pos="6288088" algn="l"/>
+                <a:tab pos="6737350" algn="l"/>
+                <a:tab pos="7186613" algn="l"/>
+                <a:tab pos="7635875" algn="l"/>
+                <a:tab pos="8085138" algn="l"/>
+                <a:tab pos="8534400" algn="l"/>
+                <a:tab pos="8983663" algn="l"/>
+              </a:tabLst>
+              <a:defRPr sz="2400">
+                <a:solidFill>
+                  <a:srgbClr val="000000"/>
+                </a:solidFill>
+                <a:latin typeface="Arial" charset="0"/>
+                <a:ea typeface="ＭＳ Ｐゴシック" charset="0"/>
+                <a:cs typeface="ＭＳ Ｐゴシック" charset="0"/>
+              </a:defRPr>
+            </a:lvl6pPr>
+            <a:lvl7pPr marL="2971800" indent="-228600" defTabSz="449263" fontAlgn="base">
+              <a:spcBef>
+                <a:spcPct val="0"/>
+              </a:spcBef>
+              <a:spcAft>
+                <a:spcPct val="0"/>
+              </a:spcAft>
+              <a:buClr>
+                <a:srgbClr val="000000"/>
+              </a:buClr>
+              <a:buSzPct val="100000"/>
+              <a:buFont typeface="Times New Roman" charset="0"/>
+              <a:tabLst>
+                <a:tab pos="0" algn="l"/>
+                <a:tab pos="447675" algn="l"/>
+                <a:tab pos="896938" algn="l"/>
+                <a:tab pos="1346200" algn="l"/>
+                <a:tab pos="1795463" algn="l"/>
+                <a:tab pos="2244725" algn="l"/>
+                <a:tab pos="2693988" algn="l"/>
+                <a:tab pos="3143250" algn="l"/>
+                <a:tab pos="3592513" algn="l"/>
+                <a:tab pos="4041775" algn="l"/>
+                <a:tab pos="4491038" algn="l"/>
+                <a:tab pos="4940300" algn="l"/>
+                <a:tab pos="5389563" algn="l"/>
+                <a:tab pos="5838825" algn="l"/>
+                <a:tab pos="6288088" algn="l"/>
+                <a:tab pos="6737350" algn="l"/>
+                <a:tab pos="7186613" algn="l"/>
+                <a:tab pos="7635875" algn="l"/>
+                <a:tab pos="8085138" algn="l"/>
+                <a:tab pos="8534400" algn="l"/>
+                <a:tab pos="8983663" algn="l"/>
+              </a:tabLst>
+              <a:defRPr sz="2400">
+                <a:solidFill>
+                  <a:srgbClr val="000000"/>
+                </a:solidFill>
+                <a:latin typeface="Arial" charset="0"/>
+                <a:ea typeface="ＭＳ Ｐゴシック" charset="0"/>
+                <a:cs typeface="ＭＳ Ｐゴシック" charset="0"/>
+              </a:defRPr>
+            </a:lvl7pPr>
+            <a:lvl8pPr marL="3429000" indent="-228600" defTabSz="449263" fontAlgn="base">
+              <a:spcBef>
+                <a:spcPct val="0"/>
+              </a:spcBef>
+              <a:spcAft>
+                <a:spcPct val="0"/>
+              </a:spcAft>
+              <a:buClr>
+                <a:srgbClr val="000000"/>
+              </a:buClr>
+              <a:buSzPct val="100000"/>
+              <a:buFont typeface="Times New Roman" charset="0"/>
+              <a:tabLst>
+                <a:tab pos="0" algn="l"/>
+                <a:tab pos="447675" algn="l"/>
+                <a:tab pos="896938" algn="l"/>
+                <a:tab pos="1346200" algn="l"/>
+                <a:tab pos="1795463" algn="l"/>
+                <a:tab pos="2244725" algn="l"/>
+                <a:tab pos="2693988" algn="l"/>
+                <a:tab pos="3143250" algn="l"/>
+                <a:tab pos="3592513" algn="l"/>
+                <a:tab pos="4041775" algn="l"/>
+                <a:tab pos="4491038" algn="l"/>
+                <a:tab pos="4940300" algn="l"/>
+                <a:tab pos="5389563" algn="l"/>
+                <a:tab pos="5838825" algn="l"/>
+                <a:tab pos="6288088" algn="l"/>
+                <a:tab pos="6737350" algn="l"/>
+                <a:tab pos="7186613" algn="l"/>
+                <a:tab pos="7635875" algn="l"/>
+                <a:tab pos="8085138" algn="l"/>
+                <a:tab pos="8534400" algn="l"/>
+                <a:tab pos="8983663" algn="l"/>
+              </a:tabLst>
+              <a:defRPr sz="2400">
+                <a:solidFill>
+                  <a:srgbClr val="000000"/>
+                </a:solidFill>
+                <a:latin typeface="Arial" charset="0"/>
+                <a:ea typeface="ＭＳ Ｐゴシック" charset="0"/>
+                <a:cs typeface="ＭＳ Ｐゴシック" charset="0"/>
+              </a:defRPr>
+            </a:lvl8pPr>
+            <a:lvl9pPr marL="3886200" indent="-228600" defTabSz="449263" fontAlgn="base">
+              <a:spcBef>
+                <a:spcPct val="0"/>
+              </a:spcBef>
+              <a:spcAft>
+                <a:spcPct val="0"/>
+              </a:spcAft>
+              <a:buClr>
+                <a:srgbClr val="000000"/>
+              </a:buClr>
+              <a:buSzPct val="100000"/>
+              <a:buFont typeface="Times New Roman" charset="0"/>
+              <a:tabLst>
+                <a:tab pos="0" algn="l"/>
+                <a:tab pos="447675" algn="l"/>
+                <a:tab pos="896938" algn="l"/>
+                <a:tab pos="1346200" algn="l"/>
+                <a:tab pos="1795463" algn="l"/>
+                <a:tab pos="2244725" algn="l"/>
+                <a:tab pos="2693988" algn="l"/>
+                <a:tab pos="3143250" algn="l"/>
+                <a:tab pos="3592513" algn="l"/>
+                <a:tab pos="4041775" algn="l"/>
+                <a:tab pos="4491038" algn="l"/>
+                <a:tab pos="4940300" algn="l"/>
+                <a:tab pos="5389563" algn="l"/>
+                <a:tab pos="5838825" algn="l"/>
+                <a:tab pos="6288088" algn="l"/>
+                <a:tab pos="6737350" algn="l"/>
+                <a:tab pos="7186613" algn="l"/>
+                <a:tab pos="7635875" algn="l"/>
+                <a:tab pos="8085138" algn="l"/>
+                <a:tab pos="8534400" algn="l"/>
+                <a:tab pos="8983663" algn="l"/>
+              </a:tabLst>
+              <a:defRPr sz="2400">
+                <a:solidFill>
+                  <a:srgbClr val="000000"/>
+                </a:solidFill>
+                <a:latin typeface="Arial" charset="0"/>
+                <a:ea typeface="ＭＳ Ｐゴシック" charset="0"/>
+                <a:cs typeface="ＭＳ Ｐゴシック" charset="0"/>
+              </a:defRPr>
+            </a:lvl9pPr>
+          </a:lstStyle>
+          <a:p>
+            <a:pPr>
+              <a:buClrTx/>
+              <a:buFontTx/>
+              <a:buNone/>
+            </a:pPr>
+            <a:r>
+              <a:rPr lang="en-US" b="1"/>
+              <a:t>Windows</a:t>
+            </a:r>
+          </a:p>
+        </p:txBody>
+      </p:sp>
+      <p:sp>
+        <p:nvSpPr>
+          <p:cNvPr id="5" name="Line 1"/>
+          <p:cNvSpPr>
+            <a:spLocks noChangeShapeType="1"/>
+          </p:cNvSpPr>
+          <p:nvPr/>
+        </p:nvSpPr>
+        <p:spPr bwMode="auto">
+          <a:xfrm>
+            <a:off x="4175125" y="1412777"/>
+            <a:ext cx="0" cy="4752528"/>
+          </a:xfrm>
+          <a:prstGeom prst="line">
+            <a:avLst/>
+          </a:prstGeom>
+          <a:noFill/>
+          <a:ln w="76320" cap="flat">
+            <a:solidFill>
+              <a:srgbClr val="000000"/>
+            </a:solidFill>
+            <a:round/>
+            <a:headEnd/>
+            <a:tailEnd/>
+          </a:ln>
+          <a:effectLst/>
+          <a:extLst>
+            <a:ext uri="{909E8E84-426E-40dd-AFC4-6F175D3DCCD1}">
+              <a14:hiddenFill xmlns:a14="http://schemas.microsoft.com/office/drawing/2010/main">
+                <a:noFill/>
+              </a14:hiddenFill>
+            </a:ext>
+            <a:ext uri="{AF507438-7753-43e0-B8FC-AC1667EBCBE1}">
+              <a14:hiddenEffects xmlns:a14="http://schemas.microsoft.com/office/drawing/2010/main">
+                <a:effectLst>
+                  <a:outerShdw blurRad="63500" dist="38099" dir="2700000" algn="ctr" rotWithShape="0">
+                    <a:srgbClr val="000000">
+                      <a:alpha val="74998"/>
+                    </a:srgbClr>
+                  </a:outerShdw>
+                </a:effectLst>
+              </a14:hiddenEffects>
+            </a:ext>
+          </a:extLst>
+        </p:spPr>
+        <p:txBody>
+          <a:bodyPr/>
+          <a:lstStyle/>
+          <a:p>
+            <a:pPr>
+              <a:defRPr/>
+            </a:pPr>
+            <a:endParaRPr lang="en-US"/>
+          </a:p>
+        </p:txBody>
+      </p:sp>
+      <p:pic>
+        <p:nvPicPr>
+          <p:cNvPr id="6" name="Picture 4"/>
+          <p:cNvPicPr>
+            <a:picLocks noChangeAspect="1" noChangeArrowheads="1"/>
+          </p:cNvPicPr>
+          <p:nvPr/>
+        </p:nvPicPr>
+        <p:blipFill>
+          <a:blip r:embed="rId2">
+            <a:extLst>
+              <a:ext uri="{28A0092B-C50C-407E-A947-70E740481C1C}">
+                <a14:useLocalDpi xmlns:a14="http://schemas.microsoft.com/office/drawing/2010/main" val="0"/>
+              </a:ext>
+            </a:extLst>
+          </a:blip>
+          <a:srcRect/>
+          <a:stretch>
+            <a:fillRect/>
+          </a:stretch>
+        </p:blipFill>
+        <p:spPr bwMode="auto">
+          <a:xfrm>
+            <a:off x="373063" y="1802368"/>
+            <a:ext cx="3586162" cy="2522538"/>
+          </a:xfrm>
+          <a:prstGeom prst="rect">
+            <a:avLst/>
+          </a:prstGeom>
+          <a:noFill/>
+          <a:ln>
+            <a:noFill/>
+          </a:ln>
+          <a:effectLst/>
+          <a:extLst>
+            <a:ext uri="{909E8E84-426E-40dd-AFC4-6F175D3DCCD1}">
+              <a14:hiddenFill xmlns:a14="http://schemas.microsoft.com/office/drawing/2010/main">
+                <a:blipFill dpi="0" rotWithShape="0">
+                  <a:blip/>
+                  <a:srcRect/>
+                  <a:stretch>
+                    <a:fillRect/>
+                  </a:stretch>
+                </a:blipFill>
+              </a14:hiddenFill>
+            </a:ext>
+            <a:ext uri="{91240B29-F687-4f45-9708-019B960494DF}">
+              <a14:hiddenLine xmlns:a14="http://schemas.microsoft.com/office/drawing/2010/main" w="9525" cap="flat">
+                <a:solidFill>
+                  <a:srgbClr val="808080"/>
+                </a:solidFill>
+                <a:round/>
+                <a:headEnd/>
+                <a:tailEnd/>
+              </a14:hiddenLine>
+            </a:ext>
+            <a:ext uri="{AF507438-7753-43e0-B8FC-AC1667EBCBE1}">
+              <a14:hiddenEffects xmlns:a14="http://schemas.microsoft.com/office/drawing/2010/main">
+                <a:effectLst>
+                  <a:outerShdw blurRad="63500" dist="38099" dir="2700000" algn="ctr" rotWithShape="0">
+                    <a:srgbClr val="000000">
+                      <a:alpha val="74998"/>
+                    </a:srgbClr>
+                  </a:outerShdw>
+                </a:effectLst>
+              </a14:hiddenEffects>
+            </a:ext>
+          </a:extLst>
+        </p:spPr>
+      </p:pic>
+      <p:pic>
+        <p:nvPicPr>
+          <p:cNvPr id="7" name="Picture 5"/>
+          <p:cNvPicPr>
+            <a:picLocks noChangeAspect="1" noChangeArrowheads="1"/>
+          </p:cNvPicPr>
+          <p:nvPr/>
+        </p:nvPicPr>
+        <p:blipFill>
+          <a:blip r:embed="rId3">
+            <a:extLst>
+              <a:ext uri="{28A0092B-C50C-407E-A947-70E740481C1C}">
+                <a14:useLocalDpi xmlns:a14="http://schemas.microsoft.com/office/drawing/2010/main" val="0"/>
+              </a:ext>
+            </a:extLst>
+          </a:blip>
+          <a:srcRect/>
+          <a:stretch>
+            <a:fillRect/>
+          </a:stretch>
+        </p:blipFill>
+        <p:spPr bwMode="auto">
+          <a:xfrm>
+            <a:off x="4408488" y="1518206"/>
+            <a:ext cx="4375150" cy="3959225"/>
+          </a:xfrm>
+          <a:prstGeom prst="rect">
+            <a:avLst/>
+          </a:prstGeom>
+          <a:noFill/>
+          <a:ln>
+            <a:noFill/>
+          </a:ln>
+          <a:effectLst/>
+          <a:extLst>
+            <a:ext uri="{909E8E84-426E-40dd-AFC4-6F175D3DCCD1}">
+              <a14:hiddenFill xmlns:a14="http://schemas.microsoft.com/office/drawing/2010/main">
+                <a:blipFill dpi="0" rotWithShape="0">
+                  <a:blip/>
+                  <a:srcRect/>
+                  <a:stretch>
+                    <a:fillRect/>
+                  </a:stretch>
+                </a:blipFill>
+              </a14:hiddenFill>
+            </a:ext>
+            <a:ext uri="{91240B29-F687-4f45-9708-019B960494DF}">
+              <a14:hiddenLine xmlns:a14="http://schemas.microsoft.com/office/drawing/2010/main" w="9525" cap="flat">
+                <a:solidFill>
+                  <a:srgbClr val="808080"/>
+                </a:solidFill>
+                <a:round/>
+                <a:headEnd/>
+                <a:tailEnd/>
+              </a14:hiddenLine>
+            </a:ext>
+            <a:ext uri="{AF507438-7753-43e0-B8FC-AC1667EBCBE1}">
+              <a14:hiddenEffects xmlns:a14="http://schemas.microsoft.com/office/drawing/2010/main">
+                <a:effectLst>
+                  <a:outerShdw blurRad="63500" dist="38099" dir="2700000" algn="ctr" rotWithShape="0">
+                    <a:srgbClr val="000000">
+                      <a:alpha val="74998"/>
+                    </a:srgbClr>
+                  </a:outerShdw>
+                </a:effectLst>
+              </a14:hiddenEffects>
+            </a:ext>
+          </a:extLst>
+        </p:spPr>
+      </p:pic>
+      <p:sp>
+        <p:nvSpPr>
+          <p:cNvPr id="8" name="AutoShape 6"/>
+          <p:cNvSpPr>
+            <a:spLocks noChangeArrowheads="1"/>
+          </p:cNvSpPr>
+          <p:nvPr/>
+        </p:nvSpPr>
+        <p:spPr bwMode="auto">
+          <a:xfrm>
+            <a:off x="5903913" y="3573364"/>
+            <a:ext cx="1295400" cy="215900"/>
+          </a:xfrm>
+          <a:prstGeom prst="roundRect">
+            <a:avLst>
+              <a:gd name="adj" fmla="val 731"/>
+            </a:avLst>
+          </a:prstGeom>
+          <a:noFill/>
+          <a:ln w="38160" cap="flat">
+            <a:solidFill>
+              <a:srgbClr val="FF0000"/>
+            </a:solidFill>
+            <a:round/>
+            <a:headEnd/>
+            <a:tailEnd/>
+          </a:ln>
+          <a:effectLst/>
+          <a:extLst>
+            <a:ext uri="{909E8E84-426E-40dd-AFC4-6F175D3DCCD1}">
+              <a14:hiddenFill xmlns:a14="http://schemas.microsoft.com/office/drawing/2010/main">
+                <a:solidFill>
+                  <a:srgbClr val="FFFFFF"/>
+                </a:solidFill>
+              </a14:hiddenFill>
+            </a:ext>
+            <a:ext uri="{AF507438-7753-43e0-B8FC-AC1667EBCBE1}">
+              <a14:hiddenEffects xmlns:a14="http://schemas.microsoft.com/office/drawing/2010/main">
+                <a:effectLst>
+                  <a:outerShdw blurRad="63500" dist="38099" dir="2700000" algn="ctr" rotWithShape="0">
+                    <a:srgbClr val="000000">
+                      <a:alpha val="74998"/>
+                    </a:srgbClr>
+                  </a:outerShdw>
+                </a:effectLst>
+              </a14:hiddenEffects>
+            </a:ext>
+          </a:extLst>
+        </p:spPr>
+        <p:txBody>
+          <a:bodyPr wrap="none" anchor="ctr"/>
+          <a:lstStyle/>
+          <a:p>
+            <a:pPr>
+              <a:defRPr/>
+            </a:pPr>
+            <a:endParaRPr lang="en-US"/>
+          </a:p>
+        </p:txBody>
+      </p:sp>
+      <p:sp>
+        <p:nvSpPr>
+          <p:cNvPr id="9" name="Line 7"/>
+          <p:cNvSpPr>
+            <a:spLocks noChangeShapeType="1"/>
+          </p:cNvSpPr>
+          <p:nvPr/>
+        </p:nvSpPr>
+        <p:spPr bwMode="auto">
+          <a:xfrm flipH="1">
+            <a:off x="8415338" y="4221064"/>
+            <a:ext cx="522287" cy="1587"/>
+          </a:xfrm>
+          <a:prstGeom prst="line">
+            <a:avLst/>
+          </a:prstGeom>
+          <a:noFill/>
+          <a:ln w="38160" cap="flat">
+            <a:solidFill>
+              <a:srgbClr val="FF0000"/>
+            </a:solidFill>
+            <a:round/>
+            <a:headEnd/>
+            <a:tailEnd type="triangle" w="med" len="med"/>
+          </a:ln>
+          <a:effectLst/>
+          <a:extLst>
+            <a:ext uri="{909E8E84-426E-40dd-AFC4-6F175D3DCCD1}">
+              <a14:hiddenFill xmlns:a14="http://schemas.microsoft.com/office/drawing/2010/main">
+                <a:noFill/>
+              </a14:hiddenFill>
+            </a:ext>
+            <a:ext uri="{AF507438-7753-43e0-B8FC-AC1667EBCBE1}">
+              <a14:hiddenEffects xmlns:a14="http://schemas.microsoft.com/office/drawing/2010/main">
+                <a:effectLst>
+                  <a:outerShdw blurRad="63500" dist="38099" dir="2700000" algn="ctr" rotWithShape="0">
+                    <a:srgbClr val="000000">
+                      <a:alpha val="74998"/>
+                    </a:srgbClr>
+                  </a:outerShdw>
+                </a:effectLst>
+              </a14:hiddenEffects>
+            </a:ext>
+          </a:extLst>
+        </p:spPr>
+        <p:txBody>
+          <a:bodyPr/>
+          <a:lstStyle/>
+          <a:p>
+            <a:pPr>
+              <a:defRPr/>
+            </a:pPr>
+            <a:endParaRPr lang="en-US"/>
+          </a:p>
+        </p:txBody>
+      </p:sp>
+      <p:sp>
+        <p:nvSpPr>
+          <p:cNvPr id="2" name="TextBox 1"/>
+          <p:cNvSpPr txBox="1"/>
+          <p:nvPr/>
+        </p:nvSpPr>
+        <p:spPr>
+          <a:xfrm>
+            <a:off x="4427984" y="5550331"/>
+            <a:ext cx="4104456" cy="830997"/>
+          </a:xfrm>
+          <a:prstGeom prst="rect">
+            <a:avLst/>
+          </a:prstGeom>
+          <a:noFill/>
+        </p:spPr>
+        <p:txBody>
+          <a:bodyPr wrap="square" rtlCol="0">
+            <a:spAutoFit/>
+          </a:bodyPr>
+          <a:lstStyle/>
+          <a:p>
+            <a:r>
+              <a:rPr lang="en-US" dirty="0" smtClean="0"/>
+              <a:t>From now on, just double click ‘CBW’ to login</a:t>
+            </a:r>
+            <a:endParaRPr lang="en-US" dirty="0"/>
+          </a:p>
+        </p:txBody>
+      </p:sp>
+    </p:spTree>
+    <p:extLst>
+      <p:ext uri="{BB962C8B-B14F-4D97-AF65-F5344CB8AC3E}">
+        <p14:creationId xmlns:p14="http://schemas.microsoft.com/office/powerpoint/2010/main" val="3203118305"/>
+      </p:ext>
+    </p:extLst>
+  </p:cSld>
+  <p:clrMapOvr>
+    <a:masterClrMapping/>
+  </p:clrMapOvr>
+  <p:timing>
+    <p:tnLst>
+      <p:par>
+        <p:cTn xmlns:p14="http://schemas.microsoft.com/office/powerpoint/2010/main" id="1" dur="indefinite" restart="never" nodeType="tmRoot"/>
+      </p:par>
+    </p:tnLst>
+  </p:timing>
+</p:sld>
+</file>
+
+<file path=ppt/slides/slide29.xml><?xml version="1.0" encoding="utf-8"?>
+<p:sld xmlns:a="http://schemas.openxmlformats.org/drawingml/2006/main" xmlns:r="http://schemas.openxmlformats.org/officeDocument/2006/relationships" xmlns:p="http://schemas.openxmlformats.org/presentationml/2006/main">
+  <p:cSld>
+    <p:spTree>
+      <p:nvGrpSpPr>
+        <p:cNvPr id="1" name=""/>
+        <p:cNvGrpSpPr/>
+        <p:nvPr/>
+      </p:nvGrpSpPr>
+      <p:grpSpPr>
+        <a:xfrm>
+          <a:off x="0" y="0"/>
+          <a:ext cx="0" cy="0"/>
+          <a:chOff x="0" y="0"/>
+          <a:chExt cx="0" cy="0"/>
+        </a:xfrm>
+      </p:grpSpPr>
+      <p:sp>
+        <p:nvSpPr>
+          <p:cNvPr id="30722" name="Title 2"/>
+          <p:cNvSpPr>
+            <a:spLocks noGrp="1"/>
+          </p:cNvSpPr>
+          <p:nvPr>
+            <p:ph type="title"/>
+          </p:nvPr>
+        </p:nvSpPr>
+        <p:spPr>
+          <a:xfrm>
+            <a:off x="152400" y="117029"/>
+            <a:ext cx="8839200" cy="791691"/>
+          </a:xfrm>
+        </p:spPr>
+        <p:txBody>
+          <a:bodyPr/>
+          <a:lstStyle/>
+          <a:p>
+            <a:r>
+              <a:rPr lang="en-US" sz="3200" dirty="0">
+                <a:ea typeface="ＭＳ Ｐゴシック" charset="0"/>
+              </a:rPr>
+              <a:t>Copying files from AWS to your </a:t>
+            </a:r>
+            <a:r>
+              <a:rPr lang="en-US" sz="3200" dirty="0" smtClean="0">
+                <a:ea typeface="ＭＳ Ｐゴシック" charset="0"/>
+              </a:rPr>
+              <a:t>computer</a:t>
+            </a:r>
+            <a:br>
+              <a:rPr lang="en-US" sz="3200" dirty="0" smtClean="0">
+                <a:ea typeface="ＭＳ Ｐゴシック" charset="0"/>
+              </a:rPr>
+            </a:br>
+            <a:r>
+              <a:rPr lang="en-US" sz="3200" dirty="0" smtClean="0">
+                <a:ea typeface="ＭＳ Ｐゴシック" charset="0"/>
+              </a:rPr>
+              <a:t>(using a web browser)</a:t>
+            </a:r>
+            <a:endParaRPr lang="en-US" sz="3200" dirty="0">
+              <a:ea typeface="ＭＳ Ｐゴシック" charset="0"/>
+            </a:endParaRPr>
+          </a:p>
+        </p:txBody>
+      </p:sp>
+      <p:pic>
+        <p:nvPicPr>
+          <p:cNvPr id="5" name="Picture 2"/>
+          <p:cNvPicPr>
+            <a:picLocks noChangeAspect="1" noChangeArrowheads="1"/>
+          </p:cNvPicPr>
+          <p:nvPr/>
+        </p:nvPicPr>
+        <p:blipFill>
+          <a:blip r:embed="rId2">
+            <a:extLst>
+              <a:ext uri="{28A0092B-C50C-407E-A947-70E740481C1C}">
+                <a14:useLocalDpi xmlns:a14="http://schemas.microsoft.com/office/drawing/2010/main" val="0"/>
+              </a:ext>
+            </a:extLst>
+          </a:blip>
+          <a:srcRect/>
+          <a:stretch>
+            <a:fillRect/>
+          </a:stretch>
+        </p:blipFill>
+        <p:spPr bwMode="auto">
+          <a:xfrm>
+            <a:off x="755650" y="1425550"/>
+            <a:ext cx="7696200" cy="4254500"/>
+          </a:xfrm>
+          <a:prstGeom prst="rect">
+            <a:avLst/>
+          </a:prstGeom>
+          <a:noFill/>
+          <a:ln>
+            <a:noFill/>
+          </a:ln>
+          <a:effectLst/>
+          <a:extLst>
+            <a:ext uri="{909E8E84-426E-40dd-AFC4-6F175D3DCCD1}">
+              <a14:hiddenFill xmlns:a14="http://schemas.microsoft.com/office/drawing/2010/main">
+                <a:blipFill dpi="0" rotWithShape="0">
+                  <a:blip/>
+                  <a:srcRect/>
+                  <a:stretch>
+                    <a:fillRect/>
+                  </a:stretch>
+                </a:blipFill>
+              </a14:hiddenFill>
+            </a:ext>
+            <a:ext uri="{91240B29-F687-4f45-9708-019B960494DF}">
+              <a14:hiddenLine xmlns:a14="http://schemas.microsoft.com/office/drawing/2010/main" w="9525" cap="flat">
+                <a:solidFill>
+                  <a:srgbClr val="808080"/>
+                </a:solidFill>
+                <a:round/>
+                <a:headEnd/>
+                <a:tailEnd/>
+              </a14:hiddenLine>
+            </a:ext>
+            <a:ext uri="{AF507438-7753-43e0-B8FC-AC1667EBCBE1}">
+              <a14:hiddenEffects xmlns:a14="http://schemas.microsoft.com/office/drawing/2010/main">
+                <a:effectLst>
+                  <a:outerShdw blurRad="63500" dist="38099" dir="2700000" algn="ctr" rotWithShape="0">
+                    <a:srgbClr val="000000">
+                      <a:alpha val="74998"/>
+                    </a:srgbClr>
+                  </a:outerShdw>
+                </a:effectLst>
+              </a14:hiddenEffects>
+            </a:ext>
+          </a:extLst>
+        </p:spPr>
+      </p:pic>
+      <p:sp>
+        <p:nvSpPr>
+          <p:cNvPr id="2" name="TextBox 1"/>
+          <p:cNvSpPr txBox="1"/>
+          <p:nvPr/>
+        </p:nvSpPr>
+        <p:spPr>
+          <a:xfrm>
+            <a:off x="2843808" y="5775647"/>
+            <a:ext cx="3418273" cy="461665"/>
+          </a:xfrm>
+          <a:prstGeom prst="rect">
+            <a:avLst/>
+          </a:prstGeom>
+          <a:noFill/>
+        </p:spPr>
+        <p:txBody>
+          <a:bodyPr wrap="none" rtlCol="0">
+            <a:spAutoFit/>
+          </a:bodyPr>
+          <a:lstStyle/>
+          <a:p>
+            <a:r>
+              <a:rPr lang="en-US" dirty="0"/>
+              <a:t>http://</a:t>
+            </a:r>
+            <a:r>
+              <a:rPr lang="en-US" dirty="0" err="1"/>
+              <a:t>cbw</a:t>
+            </a:r>
+            <a:r>
+              <a:rPr lang="en-US" dirty="0"/>
+              <a:t>#.</a:t>
+            </a:r>
+            <a:r>
+              <a:rPr lang="en-US" dirty="0" err="1"/>
+              <a:t>dyndns.info</a:t>
+            </a:r>
+            <a:r>
+              <a:rPr lang="en-US" dirty="0"/>
+              <a:t>/</a:t>
+            </a:r>
+          </a:p>
+        </p:txBody>
+      </p:sp>
+    </p:spTree>
+    <p:extLst>
+      <p:ext uri="{BB962C8B-B14F-4D97-AF65-F5344CB8AC3E}">
+        <p14:creationId xmlns:p14="http://schemas.microsoft.com/office/powerpoint/2010/main" val="3203118305"/>
+      </p:ext>
+    </p:extLst>
+  </p:cSld>
+  <p:clrMapOvr>
+    <a:masterClrMapping/>
+  </p:clrMapOvr>
+  <p:timing>
+    <p:tnLst>
+      <p:par>
+        <p:cTn xmlns:p14="http://schemas.microsoft.com/office/powerpoint/2010/main" id="1" dur="indefinite" restart="never" nodeType="tmRoot"/>
+      </p:par>
+    </p:tnLst>
+  </p:timing>
+</p:sld>
+</file>
+
+<file path=ppt/slides/slide3.xml><?xml version="1.0" encoding="utf-8"?>
+<p:sld xmlns:a="http://schemas.openxmlformats.org/drawingml/2006/main" xmlns:r="http://schemas.openxmlformats.org/officeDocument/2006/relationships" xmlns:p="http://schemas.openxmlformats.org/presentationml/2006/main">
+  <p:cSld>
+    <p:spTree>
+      <p:nvGrpSpPr>
+        <p:cNvPr id="1" name=""/>
+        <p:cNvGrpSpPr/>
+        <p:nvPr/>
+      </p:nvGrpSpPr>
+      <p:grpSpPr>
+        <a:xfrm>
+          <a:off x="0" y="0"/>
+          <a:ext cx="0" cy="0"/>
+          <a:chOff x="0" y="0"/>
+          <a:chExt cx="0" cy="0"/>
+        </a:xfrm>
+      </p:grpSpPr>
+      <p:sp>
+        <p:nvSpPr>
+          <p:cNvPr id="57" name="Rectangle 56"/>
+          <p:cNvSpPr/>
+          <p:nvPr/>
+        </p:nvSpPr>
+        <p:spPr>
+          <a:xfrm>
+            <a:off x="0" y="2514600"/>
+            <a:ext cx="6172200" cy="4343400"/>
+          </a:xfrm>
+          <a:prstGeom prst="rect">
+            <a:avLst/>
+          </a:prstGeom>
+          <a:solidFill>
+            <a:schemeClr val="accent1">
+              <a:alpha val="18000"/>
+            </a:schemeClr>
+          </a:solidFill>
+          <a:ln>
+            <a:noFill/>
+          </a:ln>
+        </p:spPr>
+        <p:style>
+          <a:lnRef idx="1">
+            <a:schemeClr val="accent1"/>
+          </a:lnRef>
+          <a:fillRef idx="3">
+            <a:schemeClr val="accent1"/>
+          </a:fillRef>
+          <a:effectRef idx="2">
+            <a:schemeClr val="accent1"/>
+          </a:effectRef>
+          <a:fontRef idx="minor">
+            <a:schemeClr val="lt1"/>
+          </a:fontRef>
+        </p:style>
+        <p:txBody>
+          <a:bodyPr anchor="ctr"/>
+          <a:lstStyle/>
+          <a:p>
+            <a:pPr algn="ctr">
+              <a:defRPr/>
+            </a:pPr>
+            <a:endParaRPr lang="en-US" sz="1800" dirty="0">
+              <a:solidFill>
+                <a:schemeClr val="tx1"/>
+              </a:solidFill>
+              <a:latin typeface="Calibri" charset="0"/>
+              <a:ea typeface="ＭＳ Ｐゴシック" charset="0"/>
+              <a:cs typeface="Calibri" charset="0"/>
+            </a:endParaRPr>
+          </a:p>
+        </p:txBody>
+      </p:sp>
+      <p:sp>
+        <p:nvSpPr>
+          <p:cNvPr id="11266" name="Title 1"/>
+          <p:cNvSpPr txBox="1">
+            <a:spLocks/>
+          </p:cNvSpPr>
+          <p:nvPr/>
+        </p:nvSpPr>
+        <p:spPr bwMode="auto">
+          <a:xfrm>
+            <a:off x="60325" y="365125"/>
+            <a:ext cx="6019800" cy="838200"/>
+          </a:xfrm>
+          <a:prstGeom prst="rect">
+            <a:avLst/>
+          </a:prstGeom>
+          <a:noFill/>
+          <a:ln>
+            <a:noFill/>
+          </a:ln>
+          <a:extLst>
+            <a:ext uri="{909E8E84-426E-40dd-AFC4-6F175D3DCCD1}">
+              <a14:hiddenFill xmlns:a14="http://schemas.microsoft.com/office/drawing/2010/main">
+                <a:solidFill>
+                  <a:srgbClr val="FFFFFF"/>
+                </a:solidFill>
+              </a14:hiddenFill>
+            </a:ext>
+            <a:ext uri="{91240B29-F687-4f45-9708-019B960494DF}">
+              <a14:hiddenLine xmlns:a14="http://schemas.microsoft.com/office/drawing/2010/main" w="9525">
+                <a:solidFill>
+                  <a:srgbClr val="000000"/>
+                </a:solidFill>
+                <a:miter lim="800000"/>
+                <a:headEnd/>
+                <a:tailEnd/>
+              </a14:hiddenLine>
+            </a:ext>
+          </a:extLst>
+        </p:spPr>
+        <p:txBody>
+          <a:bodyPr anchor="ctr"/>
+          <a:lstStyle>
+            <a:lvl1pPr eaLnBrk="0" hangingPunct="0">
+              <a:defRPr sz="2400">
+                <a:solidFill>
+                  <a:schemeClr val="tx1"/>
+                </a:solidFill>
+                <a:latin typeface="Arial" charset="0"/>
+                <a:ea typeface="ＭＳ Ｐゴシック" charset="0"/>
+                <a:cs typeface="ＭＳ Ｐゴシック" charset="0"/>
+              </a:defRPr>
+            </a:lvl1pPr>
+            <a:lvl2pPr marL="742950" indent="-285750" eaLnBrk="0" hangingPunct="0">
+              <a:defRPr sz="2400">
+                <a:solidFill>
+                  <a:schemeClr val="tx1"/>
+                </a:solidFill>
+                <a:latin typeface="Arial" charset="0"/>
+                <a:ea typeface="ＭＳ Ｐゴシック" charset="0"/>
+              </a:defRPr>
+            </a:lvl2pPr>
+            <a:lvl3pPr marL="1143000" indent="-228600" eaLnBrk="0" hangingPunct="0">
+              <a:defRPr sz="2400">
+                <a:solidFill>
+                  <a:schemeClr val="tx1"/>
+                </a:solidFill>
+                <a:latin typeface="Arial" charset="0"/>
+                <a:ea typeface="ＭＳ Ｐゴシック" charset="0"/>
+              </a:defRPr>
+            </a:lvl3pPr>
+            <a:lvl4pPr marL="1600200" indent="-228600" eaLnBrk="0" hangingPunct="0">
+              <a:defRPr sz="2400">
+                <a:solidFill>
+                  <a:schemeClr val="tx1"/>
+                </a:solidFill>
+                <a:latin typeface="Arial" charset="0"/>
+                <a:ea typeface="ＭＳ Ｐゴシック" charset="0"/>
+              </a:defRPr>
+            </a:lvl4pPr>
+            <a:lvl5pPr marL="2057400" indent="-228600" eaLnBrk="0" hangingPunct="0">
+              <a:defRPr sz="2400">
+                <a:solidFill>
+                  <a:schemeClr val="tx1"/>
+                </a:solidFill>
+                <a:latin typeface="Arial" charset="0"/>
+                <a:ea typeface="ＭＳ Ｐゴシック" charset="0"/>
+              </a:defRPr>
+            </a:lvl5pPr>
+            <a:lvl6pPr marL="2514600" indent="-228600" eaLnBrk="0" fontAlgn="base" hangingPunct="0">
+              <a:spcBef>
+                <a:spcPct val="0"/>
+              </a:spcBef>
+              <a:spcAft>
+                <a:spcPct val="0"/>
+              </a:spcAft>
+              <a:defRPr sz="2400">
+                <a:solidFill>
+                  <a:schemeClr val="tx1"/>
+                </a:solidFill>
+                <a:latin typeface="Arial" charset="0"/>
+                <a:ea typeface="ＭＳ Ｐゴシック" charset="0"/>
+              </a:defRPr>
+            </a:lvl6pPr>
+            <a:lvl7pPr marL="2971800" indent="-228600" eaLnBrk="0" fontAlgn="base" hangingPunct="0">
+              <a:spcBef>
+                <a:spcPct val="0"/>
+              </a:spcBef>
+              <a:spcAft>
+                <a:spcPct val="0"/>
+              </a:spcAft>
+              <a:defRPr sz="2400">
+                <a:solidFill>
+                  <a:schemeClr val="tx1"/>
+                </a:solidFill>
+                <a:latin typeface="Arial" charset="0"/>
+                <a:ea typeface="ＭＳ Ｐゴシック" charset="0"/>
+              </a:defRPr>
+            </a:lvl7pPr>
+            <a:lvl8pPr marL="3429000" indent="-228600" eaLnBrk="0" fontAlgn="base" hangingPunct="0">
+              <a:spcBef>
+                <a:spcPct val="0"/>
+              </a:spcBef>
+              <a:spcAft>
+                <a:spcPct val="0"/>
+              </a:spcAft>
+              <a:defRPr sz="2400">
+                <a:solidFill>
+                  <a:schemeClr val="tx1"/>
+                </a:solidFill>
+                <a:latin typeface="Arial" charset="0"/>
+                <a:ea typeface="ＭＳ Ｐゴシック" charset="0"/>
+              </a:defRPr>
+            </a:lvl8pPr>
+            <a:lvl9pPr marL="3886200" indent="-228600" eaLnBrk="0" fontAlgn="base" hangingPunct="0">
+              <a:spcBef>
+                <a:spcPct val="0"/>
+              </a:spcBef>
+              <a:spcAft>
+                <a:spcPct val="0"/>
+              </a:spcAft>
+              <a:defRPr sz="2400">
+                <a:solidFill>
+                  <a:schemeClr val="tx1"/>
+                </a:solidFill>
+                <a:latin typeface="Arial" charset="0"/>
+                <a:ea typeface="ＭＳ Ｐゴシック" charset="0"/>
+              </a:defRPr>
+            </a:lvl9pPr>
+          </a:lstStyle>
+          <a:p>
+            <a:pPr algn="r" eaLnBrk="1" hangingPunct="1"/>
+            <a:r>
+              <a:rPr lang="en-US" sz="2000" b="1" dirty="0">
+                <a:solidFill>
+                  <a:schemeClr val="bg1"/>
+                </a:solidFill>
+                <a:latin typeface="Calibri" charset="0"/>
+                <a:cs typeface="Segoe UI" charset="0"/>
+              </a:rPr>
+              <a:t>Module </a:t>
+            </a:r>
+            <a:r>
+              <a:rPr lang="en-US" sz="2000" b="1" dirty="0" smtClean="0">
+                <a:solidFill>
+                  <a:schemeClr val="bg1"/>
+                </a:solidFill>
+                <a:latin typeface="Calibri" charset="0"/>
+                <a:cs typeface="Segoe UI" charset="0"/>
+              </a:rPr>
+              <a:t>0</a:t>
+            </a:r>
+            <a:endParaRPr lang="en-US" sz="2000" b="1" dirty="0">
+              <a:solidFill>
+                <a:schemeClr val="bg1"/>
+              </a:solidFill>
+              <a:latin typeface="Calibri" charset="0"/>
+              <a:cs typeface="Segoe UI" charset="0"/>
+            </a:endParaRPr>
+          </a:p>
+          <a:p>
+            <a:pPr algn="r" eaLnBrk="1" hangingPunct="1"/>
+            <a:r>
+              <a:rPr lang="en-US" sz="2000" b="1" dirty="0" smtClean="0">
+                <a:solidFill>
+                  <a:schemeClr val="bg1"/>
+                </a:solidFill>
+                <a:latin typeface="Calibri" charset="0"/>
+                <a:cs typeface="Segoe UI" charset="0"/>
+              </a:rPr>
+              <a:t>Introduction to cloud computing</a:t>
+            </a:r>
+          </a:p>
+          <a:p>
+            <a:pPr algn="r" eaLnBrk="1" hangingPunct="1"/>
+            <a:r>
+              <a:rPr lang="en-US" sz="2000" dirty="0" smtClean="0">
+                <a:solidFill>
+                  <a:schemeClr val="bg1"/>
+                </a:solidFill>
+                <a:latin typeface="Calibri" charset="0"/>
+                <a:cs typeface="Segoe UI" charset="0"/>
+              </a:rPr>
+              <a:t>(slides modified with permission from Francis Ouellette)</a:t>
+            </a:r>
+            <a:endParaRPr lang="en-US" sz="2000" dirty="0">
+              <a:solidFill>
+                <a:schemeClr val="bg1"/>
+              </a:solidFill>
+              <a:latin typeface="Calibri" charset="0"/>
+              <a:cs typeface="Segoe UI" charset="0"/>
+            </a:endParaRPr>
+          </a:p>
+        </p:txBody>
+      </p:sp>
+      <p:sp>
+        <p:nvSpPr>
+          <p:cNvPr id="3" name="Title 1"/>
+          <p:cNvSpPr txBox="1">
+            <a:spLocks/>
+          </p:cNvSpPr>
+          <p:nvPr/>
+        </p:nvSpPr>
+        <p:spPr>
+          <a:xfrm>
+            <a:off x="971600" y="1412776"/>
+            <a:ext cx="5181599" cy="936104"/>
+          </a:xfrm>
+          <a:prstGeom prst="rect">
+            <a:avLst/>
+          </a:prstGeom>
+        </p:spPr>
+        <p:txBody>
+          <a:bodyPr anchor="ctr"/>
+          <a:lstStyle>
+            <a:lvl1pPr algn="r">
+              <a:defRPr sz="3200" baseline="0">
+                <a:solidFill>
+                  <a:schemeClr val="bg1"/>
+                </a:solidFill>
+                <a:latin typeface="Adobe Jenson Pro" pitchFamily="18" charset="0"/>
+              </a:defRPr>
+            </a:lvl1pPr>
+          </a:lstStyle>
+          <a:p>
+            <a:pPr fontAlgn="auto">
+              <a:spcAft>
+                <a:spcPts val="0"/>
+              </a:spcAft>
+              <a:defRPr/>
+            </a:pPr>
+            <a:r>
+              <a:rPr lang="en-US" sz="1600" dirty="0">
+                <a:latin typeface="Calibri"/>
+                <a:cs typeface="Calibri"/>
+              </a:rPr>
+              <a:t>Malachi </a:t>
+            </a:r>
+            <a:r>
+              <a:rPr lang="en-US" sz="1600" dirty="0" smtClean="0">
+                <a:latin typeface="Calibri"/>
+                <a:cs typeface="Calibri"/>
+              </a:rPr>
+              <a:t>Griffith &amp; </a:t>
+            </a:r>
+            <a:r>
+              <a:rPr lang="en-US" sz="1600" dirty="0">
+                <a:latin typeface="Calibri"/>
+                <a:cs typeface="Calibri"/>
+              </a:rPr>
+              <a:t>Obi Griffith</a:t>
+            </a:r>
+          </a:p>
+          <a:p>
+            <a:pPr fontAlgn="auto">
+              <a:spcAft>
+                <a:spcPts val="0"/>
+              </a:spcAft>
+              <a:defRPr/>
+            </a:pPr>
+            <a:r>
+              <a:rPr lang="en-US" sz="1600" dirty="0">
+                <a:ln w="1270">
+                  <a:solidFill>
+                    <a:schemeClr val="tx1">
+                      <a:alpha val="38000"/>
+                    </a:schemeClr>
+                  </a:solidFill>
+                </a:ln>
+                <a:latin typeface="Calibri"/>
+                <a:ea typeface="+mj-ea"/>
+                <a:cs typeface="Calibri"/>
+              </a:rPr>
+              <a:t>Informatics for RNA-seq </a:t>
+            </a:r>
+            <a:r>
+              <a:rPr lang="en-US" sz="1600" dirty="0" smtClean="0">
+                <a:ln w="1270">
+                  <a:solidFill>
+                    <a:schemeClr val="tx1">
+                      <a:alpha val="38000"/>
+                    </a:schemeClr>
+                  </a:solidFill>
+                </a:ln>
+                <a:latin typeface="Calibri"/>
+                <a:ea typeface="+mj-ea"/>
+                <a:cs typeface="Calibri"/>
+              </a:rPr>
+              <a:t>Analysis</a:t>
+            </a:r>
+          </a:p>
+          <a:p>
+            <a:pPr fontAlgn="auto">
+              <a:spcAft>
+                <a:spcPts val="0"/>
+              </a:spcAft>
+              <a:defRPr/>
+            </a:pPr>
+            <a:r>
+              <a:rPr lang="en-US" sz="1400" dirty="0" smtClean="0">
+                <a:ln w="1270">
+                  <a:solidFill>
+                    <a:schemeClr val="tx1">
+                      <a:alpha val="38000"/>
+                    </a:schemeClr>
+                  </a:solidFill>
+                </a:ln>
+                <a:latin typeface="Calibri"/>
+                <a:ea typeface="+mn-ea"/>
+                <a:cs typeface="Calibri"/>
+              </a:rPr>
+              <a:t>June 8-9, 2015</a:t>
+            </a:r>
+          </a:p>
+        </p:txBody>
+      </p:sp>
+      <p:pic>
+        <p:nvPicPr>
+          <p:cNvPr id="4" name="Picture 3" descr="bioinformatics-ca.eps"/>
           <p:cNvPicPr>
             <a:picLocks noChangeAspect="1"/>
           </p:cNvPicPr>
@@ -9210,68 +16104,69 @@
         </p:blipFill>
         <p:spPr>
           <a:xfrm>
-            <a:off x="827584" y="1196752"/>
-            <a:ext cx="7463060" cy="4262290"/>
+            <a:off x="6516216" y="4223713"/>
+            <a:ext cx="2339752" cy="1005487"/>
           </a:xfrm>
           <a:prstGeom prst="rect">
             <a:avLst/>
           </a:prstGeom>
         </p:spPr>
       </p:pic>
-      <p:sp>
-        <p:nvSpPr>
-          <p:cNvPr id="4" name="TextBox 3"/>
-          <p:cNvSpPr txBox="1"/>
+      <p:pic>
+        <p:nvPicPr>
+          <p:cNvPr id="8" name="Picture 1" descr="RNA-Seq-alignment.png"/>
+          <p:cNvPicPr>
+            <a:picLocks noChangeAspect="1"/>
+          </p:cNvPicPr>
           <p:nvPr/>
-        </p:nvSpPr>
-        <p:spPr>
+        </p:nvPicPr>
+        <p:blipFill>
+          <a:blip r:embed="rId3">
+            <a:extLst>
+              <a:ext uri="{28A0092B-C50C-407E-A947-70E740481C1C}">
+                <a14:useLocalDpi xmlns:a14="http://schemas.microsoft.com/office/drawing/2010/main" val="0"/>
+              </a:ext>
+            </a:extLst>
+          </a:blip>
+          <a:srcRect/>
+          <a:stretch>
+            <a:fillRect/>
+          </a:stretch>
+        </p:blipFill>
+        <p:spPr bwMode="auto">
           <a:xfrm>
-            <a:off x="251520" y="5661248"/>
-            <a:ext cx="8703262" cy="523220"/>
+            <a:off x="900113" y="2636838"/>
+            <a:ext cx="4248150" cy="4068762"/>
           </a:xfrm>
           <a:prstGeom prst="rect">
             <a:avLst/>
           </a:prstGeom>
           <a:noFill/>
+          <a:ln>
+            <a:noFill/>
+          </a:ln>
+          <a:extLst>
+            <a:ext uri="{909E8E84-426E-40dd-AFC4-6F175D3DCCD1}">
+              <a14:hiddenFill xmlns:a14="http://schemas.microsoft.com/office/drawing/2010/main">
+                <a:solidFill>
+                  <a:srgbClr val="FFFFFF"/>
+                </a:solidFill>
+              </a14:hiddenFill>
+            </a:ext>
+            <a:ext uri="{91240B29-F687-4f45-9708-019B960494DF}">
+              <a14:hiddenLine xmlns:a14="http://schemas.microsoft.com/office/drawing/2010/main" w="9525">
+                <a:solidFill>
+                  <a:srgbClr val="000000"/>
+                </a:solidFill>
+                <a:miter lim="800000"/>
+                <a:headEnd/>
+                <a:tailEnd/>
+              </a14:hiddenLine>
+            </a:ext>
+          </a:extLst>
         </p:spPr>
-        <p:txBody>
-          <a:bodyPr wrap="none" rtlCol="0">
-            <a:spAutoFit/>
-          </a:bodyPr>
-          <a:lstStyle/>
-          <a:p>
-            <a:r>
-              <a:rPr lang="en-US" sz="1400" dirty="0" smtClean="0"/>
-              <a:t>Follow complete instructions on Wiki:</a:t>
-            </a:r>
-          </a:p>
-          <a:p>
-            <a:r>
-              <a:rPr lang="en-US" sz="1400" dirty="0">
-                <a:hlinkClick r:id="rId3"/>
-              </a:rPr>
-              <a:t>http://bioinformatics.ca/workshop_wiki/index.php/Informatics_for_RNA-</a:t>
-            </a:r>
-            <a:r>
-              <a:rPr lang="en-US" sz="1400" dirty="0" smtClean="0">
-                <a:hlinkClick r:id="rId3"/>
-              </a:rPr>
-              <a:t>seq_Analysis_2015_Workshop_Wiki</a:t>
-            </a:r>
-            <a:r>
-              <a:rPr lang="en-US" sz="1400" dirty="0" smtClean="0"/>
-              <a:t> </a:t>
-            </a:r>
-            <a:endParaRPr lang="en-US" sz="1400" dirty="0"/>
-          </a:p>
-        </p:txBody>
-      </p:sp>
+      </p:pic>
     </p:spTree>
-    <p:extLst>
-      <p:ext uri="{BB962C8B-B14F-4D97-AF65-F5344CB8AC3E}">
-        <p14:creationId xmlns:p14="http://schemas.microsoft.com/office/powerpoint/2010/main" val="2424847949"/>
-      </p:ext>
-    </p:extLst>
   </p:cSld>
   <p:clrMapOvr>
     <a:masterClrMapping/>
@@ -9286,7 +16181,7 @@
 </p:sld>
 </file>
 
-<file path=ppt/slides/slide26.xml><?xml version="1.0" encoding="utf-8"?>
+<file path=ppt/slides/slide30.xml><?xml version="1.0" encoding="utf-8"?>
 <p:sld xmlns:a="http://schemas.openxmlformats.org/drawingml/2006/main" xmlns:r="http://schemas.openxmlformats.org/officeDocument/2006/relationships" xmlns:p="http://schemas.openxmlformats.org/presentationml/2006/main">
   <p:cSld>
     <p:spTree>
@@ -9354,11 +16249,31 @@
           <a:lstStyle/>
           <a:p>
             <a:r>
-              <a:rPr lang="en-US" sz="3200">
+              <a:rPr lang="en-US" sz="3200" dirty="0">
                 <a:ea typeface="ＭＳ Ｐゴシック" charset="0"/>
               </a:rPr>
-              <a:t>Copying files from AWS to your computer</a:t>
-            </a:r>
+              <a:t>Copying files from AWS to your </a:t>
+            </a:r>
+            <a:r>
+              <a:rPr lang="en-US" sz="3200" dirty="0" smtClean="0">
+                <a:ea typeface="ＭＳ Ｐゴシック" charset="0"/>
+              </a:rPr>
+              <a:t>computer</a:t>
+            </a:r>
+            <a:br>
+              <a:rPr lang="en-US" sz="3200" dirty="0" smtClean="0">
+                <a:ea typeface="ＭＳ Ｐゴシック" charset="0"/>
+              </a:rPr>
+            </a:br>
+            <a:r>
+              <a:rPr lang="en-US" sz="3200" dirty="0" smtClean="0">
+                <a:ea typeface="ＭＳ Ｐゴシック" charset="0"/>
+              </a:rPr>
+              <a:t>(at the command line)</a:t>
+            </a:r>
+            <a:endParaRPr lang="en-US" sz="3200" dirty="0">
+              <a:ea typeface="ＭＳ Ｐゴシック" charset="0"/>
+            </a:endParaRPr>
           </a:p>
         </p:txBody>
       </p:sp>
@@ -10091,7 +17006,7 @@
 </p:sld>
 </file>
 
-<file path=ppt/slides/slide27.xml><?xml version="1.0" encoding="utf-8"?>
+<file path=ppt/slides/slide31.xml><?xml version="1.0" encoding="utf-8"?>
 <p:sld xmlns:a="http://schemas.openxmlformats.org/drawingml/2006/main" xmlns:r="http://schemas.openxmlformats.org/officeDocument/2006/relationships" xmlns:p="http://schemas.openxmlformats.org/presentationml/2006/main">
   <p:cSld>
     <p:spTree>
@@ -10247,7 +17162,7 @@
 </p:sld>
 </file>
 
-<file path=ppt/slides/slide28.xml><?xml version="1.0" encoding="utf-8"?>
+<file path=ppt/slides/slide32.xml><?xml version="1.0" encoding="utf-8"?>
 <p:sld xmlns:a="http://schemas.openxmlformats.org/drawingml/2006/main" xmlns:r="http://schemas.openxmlformats.org/officeDocument/2006/relationships" xmlns:p="http://schemas.openxmlformats.org/presentationml/2006/main">
   <p:cSld>
     <p:spTree>
@@ -10346,7 +17261,7 @@
 </p:sld>
 </file>
 
-<file path=ppt/slides/slide29.xml><?xml version="1.0" encoding="utf-8"?>
+<file path=ppt/slides/slide33.xml><?xml version="1.0" encoding="utf-8"?>
 <p:sld xmlns:a="http://schemas.openxmlformats.org/drawingml/2006/main" xmlns:r="http://schemas.openxmlformats.org/officeDocument/2006/relationships" xmlns:p="http://schemas.openxmlformats.org/presentationml/2006/main">
   <p:cSld>
     <p:spTree>
@@ -10448,513 +17363,6 @@
   <p:clrMapOvr>
     <a:masterClrMapping/>
   </p:clrMapOvr>
-</p:sld>
-</file>
-
-<file path=ppt/slides/slide3.xml><?xml version="1.0" encoding="utf-8"?>
-<p:sld xmlns:a="http://schemas.openxmlformats.org/drawingml/2006/main" xmlns:r="http://schemas.openxmlformats.org/officeDocument/2006/relationships" xmlns:p="http://schemas.openxmlformats.org/presentationml/2006/main">
-  <p:cSld>
-    <p:spTree>
-      <p:nvGrpSpPr>
-        <p:cNvPr id="1" name=""/>
-        <p:cNvGrpSpPr/>
-        <p:nvPr/>
-      </p:nvGrpSpPr>
-      <p:grpSpPr>
-        <a:xfrm>
-          <a:off x="0" y="0"/>
-          <a:ext cx="0" cy="0"/>
-          <a:chOff x="0" y="0"/>
-          <a:chExt cx="0" cy="0"/>
-        </a:xfrm>
-      </p:grpSpPr>
-      <p:sp>
-        <p:nvSpPr>
-          <p:cNvPr id="57" name="Rectangle 56"/>
-          <p:cNvSpPr/>
-          <p:nvPr/>
-        </p:nvSpPr>
-        <p:spPr>
-          <a:xfrm>
-            <a:off x="0" y="2514600"/>
-            <a:ext cx="6172200" cy="4343400"/>
-          </a:xfrm>
-          <a:prstGeom prst="rect">
-            <a:avLst/>
-          </a:prstGeom>
-          <a:solidFill>
-            <a:schemeClr val="accent1">
-              <a:alpha val="18000"/>
-            </a:schemeClr>
-          </a:solidFill>
-          <a:ln>
-            <a:noFill/>
-          </a:ln>
-        </p:spPr>
-        <p:style>
-          <a:lnRef idx="1">
-            <a:schemeClr val="accent1"/>
-          </a:lnRef>
-          <a:fillRef idx="3">
-            <a:schemeClr val="accent1"/>
-          </a:fillRef>
-          <a:effectRef idx="2">
-            <a:schemeClr val="accent1"/>
-          </a:effectRef>
-          <a:fontRef idx="minor">
-            <a:schemeClr val="lt1"/>
-          </a:fontRef>
-        </p:style>
-        <p:txBody>
-          <a:bodyPr anchor="ctr"/>
-          <a:lstStyle/>
-          <a:p>
-            <a:pPr algn="ctr">
-              <a:defRPr/>
-            </a:pPr>
-            <a:endParaRPr lang="en-US" sz="1800" dirty="0">
-              <a:solidFill>
-                <a:schemeClr val="tx1"/>
-              </a:solidFill>
-              <a:latin typeface="Calibri" charset="0"/>
-              <a:ea typeface="ＭＳ Ｐゴシック" charset="0"/>
-              <a:cs typeface="Calibri" charset="0"/>
-            </a:endParaRPr>
-          </a:p>
-        </p:txBody>
-      </p:sp>
-      <p:sp>
-        <p:nvSpPr>
-          <p:cNvPr id="11266" name="Title 1"/>
-          <p:cNvSpPr txBox="1">
-            <a:spLocks/>
-          </p:cNvSpPr>
-          <p:nvPr/>
-        </p:nvSpPr>
-        <p:spPr bwMode="auto">
-          <a:xfrm>
-            <a:off x="60325" y="365125"/>
-            <a:ext cx="6019800" cy="838200"/>
-          </a:xfrm>
-          <a:prstGeom prst="rect">
-            <a:avLst/>
-          </a:prstGeom>
-          <a:noFill/>
-          <a:ln>
-            <a:noFill/>
-          </a:ln>
-          <a:extLst>
-            <a:ext uri="{909E8E84-426E-40dd-AFC4-6F175D3DCCD1}">
-              <a14:hiddenFill xmlns:a14="http://schemas.microsoft.com/office/drawing/2010/main">
-                <a:solidFill>
-                  <a:srgbClr val="FFFFFF"/>
-                </a:solidFill>
-              </a14:hiddenFill>
-            </a:ext>
-            <a:ext uri="{91240B29-F687-4f45-9708-019B960494DF}">
-              <a14:hiddenLine xmlns:a14="http://schemas.microsoft.com/office/drawing/2010/main" w="9525">
-                <a:solidFill>
-                  <a:srgbClr val="000000"/>
-                </a:solidFill>
-                <a:miter lim="800000"/>
-                <a:headEnd/>
-                <a:tailEnd/>
-              </a14:hiddenLine>
-            </a:ext>
-          </a:extLst>
-        </p:spPr>
-        <p:txBody>
-          <a:bodyPr anchor="ctr"/>
-          <a:lstStyle>
-            <a:lvl1pPr eaLnBrk="0" hangingPunct="0">
-              <a:defRPr sz="2400">
-                <a:solidFill>
-                  <a:schemeClr val="tx1"/>
-                </a:solidFill>
-                <a:latin typeface="Arial" charset="0"/>
-                <a:ea typeface="ＭＳ Ｐゴシック" charset="0"/>
-                <a:cs typeface="ＭＳ Ｐゴシック" charset="0"/>
-              </a:defRPr>
-            </a:lvl1pPr>
-            <a:lvl2pPr marL="742950" indent="-285750" eaLnBrk="0" hangingPunct="0">
-              <a:defRPr sz="2400">
-                <a:solidFill>
-                  <a:schemeClr val="tx1"/>
-                </a:solidFill>
-                <a:latin typeface="Arial" charset="0"/>
-                <a:ea typeface="ＭＳ Ｐゴシック" charset="0"/>
-              </a:defRPr>
-            </a:lvl2pPr>
-            <a:lvl3pPr marL="1143000" indent="-228600" eaLnBrk="0" hangingPunct="0">
-              <a:defRPr sz="2400">
-                <a:solidFill>
-                  <a:schemeClr val="tx1"/>
-                </a:solidFill>
-                <a:latin typeface="Arial" charset="0"/>
-                <a:ea typeface="ＭＳ Ｐゴシック" charset="0"/>
-              </a:defRPr>
-            </a:lvl3pPr>
-            <a:lvl4pPr marL="1600200" indent="-228600" eaLnBrk="0" hangingPunct="0">
-              <a:defRPr sz="2400">
-                <a:solidFill>
-                  <a:schemeClr val="tx1"/>
-                </a:solidFill>
-                <a:latin typeface="Arial" charset="0"/>
-                <a:ea typeface="ＭＳ Ｐゴシック" charset="0"/>
-              </a:defRPr>
-            </a:lvl4pPr>
-            <a:lvl5pPr marL="2057400" indent="-228600" eaLnBrk="0" hangingPunct="0">
-              <a:defRPr sz="2400">
-                <a:solidFill>
-                  <a:schemeClr val="tx1"/>
-                </a:solidFill>
-                <a:latin typeface="Arial" charset="0"/>
-                <a:ea typeface="ＭＳ Ｐゴシック" charset="0"/>
-              </a:defRPr>
-            </a:lvl5pPr>
-            <a:lvl6pPr marL="2514600" indent="-228600" eaLnBrk="0" fontAlgn="base" hangingPunct="0">
-              <a:spcBef>
-                <a:spcPct val="0"/>
-              </a:spcBef>
-              <a:spcAft>
-                <a:spcPct val="0"/>
-              </a:spcAft>
-              <a:defRPr sz="2400">
-                <a:solidFill>
-                  <a:schemeClr val="tx1"/>
-                </a:solidFill>
-                <a:latin typeface="Arial" charset="0"/>
-                <a:ea typeface="ＭＳ Ｐゴシック" charset="0"/>
-              </a:defRPr>
-            </a:lvl6pPr>
-            <a:lvl7pPr marL="2971800" indent="-228600" eaLnBrk="0" fontAlgn="base" hangingPunct="0">
-              <a:spcBef>
-                <a:spcPct val="0"/>
-              </a:spcBef>
-              <a:spcAft>
-                <a:spcPct val="0"/>
-              </a:spcAft>
-              <a:defRPr sz="2400">
-                <a:solidFill>
-                  <a:schemeClr val="tx1"/>
-                </a:solidFill>
-                <a:latin typeface="Arial" charset="0"/>
-                <a:ea typeface="ＭＳ Ｐゴシック" charset="0"/>
-              </a:defRPr>
-            </a:lvl7pPr>
-            <a:lvl8pPr marL="3429000" indent="-228600" eaLnBrk="0" fontAlgn="base" hangingPunct="0">
-              <a:spcBef>
-                <a:spcPct val="0"/>
-              </a:spcBef>
-              <a:spcAft>
-                <a:spcPct val="0"/>
-              </a:spcAft>
-              <a:defRPr sz="2400">
-                <a:solidFill>
-                  <a:schemeClr val="tx1"/>
-                </a:solidFill>
-                <a:latin typeface="Arial" charset="0"/>
-                <a:ea typeface="ＭＳ Ｐゴシック" charset="0"/>
-              </a:defRPr>
-            </a:lvl8pPr>
-            <a:lvl9pPr marL="3886200" indent="-228600" eaLnBrk="0" fontAlgn="base" hangingPunct="0">
-              <a:spcBef>
-                <a:spcPct val="0"/>
-              </a:spcBef>
-              <a:spcAft>
-                <a:spcPct val="0"/>
-              </a:spcAft>
-              <a:defRPr sz="2400">
-                <a:solidFill>
-                  <a:schemeClr val="tx1"/>
-                </a:solidFill>
-                <a:latin typeface="Arial" charset="0"/>
-                <a:ea typeface="ＭＳ Ｐゴシック" charset="0"/>
-              </a:defRPr>
-            </a:lvl9pPr>
-          </a:lstStyle>
-          <a:p>
-            <a:pPr algn="r" eaLnBrk="1" hangingPunct="1"/>
-            <a:r>
-              <a:rPr lang="en-US" sz="2000" b="1" dirty="0">
-                <a:solidFill>
-                  <a:schemeClr val="bg1"/>
-                </a:solidFill>
-                <a:latin typeface="Calibri" charset="0"/>
-                <a:cs typeface="Segoe UI" charset="0"/>
-              </a:rPr>
-              <a:t>Module </a:t>
-            </a:r>
-            <a:r>
-              <a:rPr lang="en-US" sz="2000" b="1" dirty="0" smtClean="0">
-                <a:solidFill>
-                  <a:schemeClr val="bg1"/>
-                </a:solidFill>
-                <a:latin typeface="Calibri" charset="0"/>
-                <a:cs typeface="Segoe UI" charset="0"/>
-              </a:rPr>
-              <a:t>0</a:t>
-            </a:r>
-            <a:endParaRPr lang="en-US" sz="2000" b="1" dirty="0">
-              <a:solidFill>
-                <a:schemeClr val="bg1"/>
-              </a:solidFill>
-              <a:latin typeface="Calibri" charset="0"/>
-              <a:cs typeface="Segoe UI" charset="0"/>
-            </a:endParaRPr>
-          </a:p>
-          <a:p>
-            <a:pPr algn="r" eaLnBrk="1" hangingPunct="1"/>
-            <a:r>
-              <a:rPr lang="en-US" sz="2000" b="1" dirty="0" smtClean="0">
-                <a:solidFill>
-                  <a:schemeClr val="bg1"/>
-                </a:solidFill>
-                <a:latin typeface="Calibri" charset="0"/>
-                <a:cs typeface="Segoe UI" charset="0"/>
-              </a:rPr>
-              <a:t>Introduction to cloud computing</a:t>
-            </a:r>
-          </a:p>
-          <a:p>
-            <a:pPr algn="r" eaLnBrk="1" hangingPunct="1"/>
-            <a:r>
-              <a:rPr lang="en-US" sz="2000" dirty="0" smtClean="0">
-                <a:solidFill>
-                  <a:schemeClr val="bg1"/>
-                </a:solidFill>
-                <a:latin typeface="Calibri" charset="0"/>
-                <a:cs typeface="Segoe UI" charset="0"/>
-              </a:rPr>
-              <a:t>(slides modified with permission from Francis Ouellette)</a:t>
-            </a:r>
-            <a:endParaRPr lang="en-US" sz="2000" dirty="0">
-              <a:solidFill>
-                <a:schemeClr val="bg1"/>
-              </a:solidFill>
-              <a:latin typeface="Calibri" charset="0"/>
-              <a:cs typeface="Segoe UI" charset="0"/>
-            </a:endParaRPr>
-          </a:p>
-        </p:txBody>
-      </p:sp>
-      <p:sp>
-        <p:nvSpPr>
-          <p:cNvPr id="3" name="Title 1"/>
-          <p:cNvSpPr txBox="1">
-            <a:spLocks/>
-          </p:cNvSpPr>
-          <p:nvPr/>
-        </p:nvSpPr>
-        <p:spPr>
-          <a:xfrm>
-            <a:off x="971600" y="1412776"/>
-            <a:ext cx="5181599" cy="936104"/>
-          </a:xfrm>
-          <a:prstGeom prst="rect">
-            <a:avLst/>
-          </a:prstGeom>
-        </p:spPr>
-        <p:txBody>
-          <a:bodyPr anchor="ctr"/>
-          <a:lstStyle>
-            <a:lvl1pPr algn="r">
-              <a:defRPr sz="3200" baseline="0">
-                <a:solidFill>
-                  <a:schemeClr val="bg1"/>
-                </a:solidFill>
-                <a:latin typeface="Adobe Jenson Pro" pitchFamily="18" charset="0"/>
-              </a:defRPr>
-            </a:lvl1pPr>
-          </a:lstStyle>
-          <a:p>
-            <a:pPr fontAlgn="auto">
-              <a:spcAft>
-                <a:spcPts val="0"/>
-              </a:spcAft>
-              <a:defRPr/>
-            </a:pPr>
-            <a:r>
-              <a:rPr lang="en-US" sz="1600" dirty="0">
-                <a:latin typeface="Calibri"/>
-                <a:cs typeface="Calibri"/>
-              </a:rPr>
-              <a:t>Malachi </a:t>
-            </a:r>
-            <a:r>
-              <a:rPr lang="en-US" sz="1600" dirty="0" smtClean="0">
-                <a:latin typeface="Calibri"/>
-                <a:cs typeface="Calibri"/>
-              </a:rPr>
-              <a:t>Griffith &amp; </a:t>
-            </a:r>
-            <a:r>
-              <a:rPr lang="en-US" sz="1600" dirty="0">
-                <a:latin typeface="Calibri"/>
-                <a:cs typeface="Calibri"/>
-              </a:rPr>
-              <a:t>Obi Griffith</a:t>
-            </a:r>
-          </a:p>
-          <a:p>
-            <a:pPr fontAlgn="auto">
-              <a:spcAft>
-                <a:spcPts val="0"/>
-              </a:spcAft>
-              <a:defRPr/>
-            </a:pPr>
-            <a:r>
-              <a:rPr lang="en-US" sz="1600" dirty="0">
-                <a:ln w="1270">
-                  <a:solidFill>
-                    <a:schemeClr val="tx1">
-                      <a:alpha val="38000"/>
-                    </a:schemeClr>
-                  </a:solidFill>
-                </a:ln>
-                <a:latin typeface="Calibri"/>
-                <a:ea typeface="+mj-ea"/>
-                <a:cs typeface="Calibri"/>
-              </a:rPr>
-              <a:t>Informatics for RNA-seq </a:t>
-            </a:r>
-            <a:r>
-              <a:rPr lang="en-US" sz="1600" dirty="0" smtClean="0">
-                <a:ln w="1270">
-                  <a:solidFill>
-                    <a:schemeClr val="tx1">
-                      <a:alpha val="38000"/>
-                    </a:schemeClr>
-                  </a:solidFill>
-                </a:ln>
-                <a:latin typeface="Calibri"/>
-                <a:ea typeface="+mj-ea"/>
-                <a:cs typeface="Calibri"/>
-              </a:rPr>
-              <a:t>Analysis</a:t>
-            </a:r>
-          </a:p>
-          <a:p>
-            <a:pPr fontAlgn="auto">
-              <a:spcAft>
-                <a:spcPts val="0"/>
-              </a:spcAft>
-              <a:defRPr/>
-            </a:pPr>
-            <a:r>
-              <a:rPr lang="en-US" sz="1400" dirty="0" smtClean="0">
-                <a:ln w="1270">
-                  <a:solidFill>
-                    <a:schemeClr val="tx1">
-                      <a:alpha val="38000"/>
-                    </a:schemeClr>
-                  </a:solidFill>
-                </a:ln>
-                <a:latin typeface="Calibri"/>
-                <a:ea typeface="+mn-ea"/>
-                <a:cs typeface="Calibri"/>
-              </a:rPr>
-              <a:t>June 8-9, 2015</a:t>
-            </a:r>
-          </a:p>
-        </p:txBody>
-      </p:sp>
-      <p:pic>
-        <p:nvPicPr>
-          <p:cNvPr id="4" name="Picture 3" descr="bioinformatics-ca.eps"/>
-          <p:cNvPicPr>
-            <a:picLocks noChangeAspect="1"/>
-          </p:cNvPicPr>
-          <p:nvPr/>
-        </p:nvPicPr>
-        <p:blipFill>
-          <a:blip r:embed="rId2">
-            <a:extLst>
-              <a:ext uri="{28A0092B-C50C-407E-A947-70E740481C1C}">
-                <a14:useLocalDpi xmlns:a14="http://schemas.microsoft.com/office/drawing/2010/main" val="0"/>
-              </a:ext>
-            </a:extLst>
-          </a:blip>
-          <a:stretch>
-            <a:fillRect/>
-          </a:stretch>
-        </p:blipFill>
-        <p:spPr>
-          <a:xfrm>
-            <a:off x="6516216" y="4223713"/>
-            <a:ext cx="2339752" cy="1005487"/>
-          </a:xfrm>
-          <a:prstGeom prst="rect">
-            <a:avLst/>
-          </a:prstGeom>
-        </p:spPr>
-      </p:pic>
-      <p:pic>
-        <p:nvPicPr>
-          <p:cNvPr id="8" name="Picture 1" descr="RNA-Seq-alignment.png"/>
-          <p:cNvPicPr>
-            <a:picLocks noChangeAspect="1"/>
-          </p:cNvPicPr>
-          <p:nvPr/>
-        </p:nvPicPr>
-        <p:blipFill>
-          <a:blip r:embed="rId3">
-            <a:extLst>
-              <a:ext uri="{28A0092B-C50C-407E-A947-70E740481C1C}">
-                <a14:useLocalDpi xmlns:a14="http://schemas.microsoft.com/office/drawing/2010/main" val="0"/>
-              </a:ext>
-            </a:extLst>
-          </a:blip>
-          <a:srcRect/>
-          <a:stretch>
-            <a:fillRect/>
-          </a:stretch>
-        </p:blipFill>
-        <p:spPr bwMode="auto">
-          <a:xfrm>
-            <a:off x="900113" y="2636838"/>
-            <a:ext cx="4248150" cy="4068762"/>
-          </a:xfrm>
-          <a:prstGeom prst="rect">
-            <a:avLst/>
-          </a:prstGeom>
-          <a:noFill/>
-          <a:ln>
-            <a:noFill/>
-          </a:ln>
-          <a:extLst>
-            <a:ext uri="{909E8E84-426E-40dd-AFC4-6F175D3DCCD1}">
-              <a14:hiddenFill xmlns:a14="http://schemas.microsoft.com/office/drawing/2010/main">
-                <a:solidFill>
-                  <a:srgbClr val="FFFFFF"/>
-                </a:solidFill>
-              </a14:hiddenFill>
-            </a:ext>
-            <a:ext uri="{91240B29-F687-4f45-9708-019B960494DF}">
-              <a14:hiddenLine xmlns:a14="http://schemas.microsoft.com/office/drawing/2010/main" w="9525">
-                <a:solidFill>
-                  <a:srgbClr val="000000"/>
-                </a:solidFill>
-                <a:miter lim="800000"/>
-                <a:headEnd/>
-                <a:tailEnd/>
-              </a14:hiddenLine>
-            </a:ext>
-          </a:extLst>
-        </p:spPr>
-      </p:pic>
-    </p:spTree>
-  </p:cSld>
-  <p:clrMapOvr>
-    <a:masterClrMapping/>
-  </p:clrMapOvr>
-  <p:timing>
-    <p:tnLst>
-      <p:par>
-        <p:cTn xmlns:p14="http://schemas.microsoft.com/office/powerpoint/2010/main" id="1" dur="indefinite" restart="never" nodeType="tmRoot"/>
-      </p:par>
-    </p:tnLst>
-  </p:timing>
 </p:sld>
 </file>
 

--- a/LectureFiles/cbw/2015/RNASeq_Module0_AmazonPreTutorial.pptx
+++ b/LectureFiles/cbw/2015/RNASeq_Module0_AmazonPreTutorial.pptx
@@ -6275,19 +6275,7 @@
               <a:rPr lang="en-US" dirty="0" smtClean="0">
                 <a:ea typeface="ＭＳ Ｐゴシック" charset="0"/>
               </a:rPr>
-              <a:t>The </a:t>
-            </a:r>
-            <a:r>
-              <a:rPr lang="en-US" dirty="0" smtClean="0">
-                <a:ea typeface="ＭＳ Ｐゴシック" charset="0"/>
-              </a:rPr>
-              <a:t>CBW </a:t>
-            </a:r>
-            <a:r>
-              <a:rPr lang="en-US" dirty="0" smtClean="0">
-                <a:ea typeface="ＭＳ Ｐゴシック" charset="0"/>
-              </a:rPr>
-              <a:t>Wiki</a:t>
+              <a:t>The CBW Wiki</a:t>
             </a:r>
             <a:endParaRPr lang="en-US" dirty="0">
               <a:ea typeface="ＭＳ Ｐゴシック" charset="0"/>
@@ -8534,13 +8522,7 @@
               <a:rPr lang="en-US" sz="3200" dirty="0" smtClean="0">
                 <a:ea typeface="ＭＳ Ｐゴシック" charset="0"/>
               </a:rPr>
-              <a:t>(</a:t>
-            </a:r>
-            <a:r>
-              <a:rPr lang="en-US" sz="3200" dirty="0" smtClean="0">
-                <a:ea typeface="ＭＳ Ｐゴシック" charset="0"/>
-              </a:rPr>
-              <a:t>Mac/Linux)</a:t>
+              <a:t>(Mac/Linux)</a:t>
             </a:r>
             <a:endParaRPr lang="en-US" sz="3200" dirty="0">
               <a:ea typeface="ＭＳ Ｐゴシック" charset="0"/>
@@ -15998,11 +15980,18 @@
               <a:defRPr/>
             </a:pPr>
             <a:r>
-              <a:rPr lang="en-US" sz="1600" dirty="0">
+              <a:rPr lang="en-US" sz="1600" dirty="0" err="1" smtClean="0">
                 <a:latin typeface="Calibri"/>
                 <a:cs typeface="Calibri"/>
               </a:rPr>
-              <a:t>Malachi </a:t>
+              <a:t>Zhibin</a:t>
+            </a:r>
+            <a:r>
+              <a:rPr lang="en-US" sz="1600" dirty="0" smtClean="0">
+                <a:latin typeface="Calibri"/>
+                <a:cs typeface="Calibri"/>
+              </a:rPr>
+              <a:t> Lu, Malachi </a:t>
             </a:r>
             <a:r>
               <a:rPr lang="en-US" sz="1600" dirty="0" smtClean="0">

--- a/LectureFiles/cbw/2015/RNASeq_Module0_AmazonPreTutorial.pptx
+++ b/LectureFiles/cbw/2015/RNASeq_Module0_AmazonPreTutorial.pptx
@@ -282,7 +282,7 @@
               <a:pPr>
                 <a:defRPr/>
               </a:pPr>
-              <a:t>6/3/15</a:t>
+              <a:t>6/8/15</a:t>
             </a:fld>
             <a:endParaRPr lang="en-US"/>
           </a:p>
@@ -497,7 +497,7 @@
               <a:pPr>
                 <a:defRPr/>
               </a:pPr>
-              <a:t>6/3/15</a:t>
+              <a:t>6/8/15</a:t>
             </a:fld>
             <a:endParaRPr lang="en-US"/>
           </a:p>
@@ -826,6 +826,1986 @@
 <file path=ppt/notesSlides/notesSlide1.xml><?xml version="1.0" encoding="utf-8"?>
 <p:notes xmlns:a="http://schemas.openxmlformats.org/drawingml/2006/main" xmlns:r="http://schemas.openxmlformats.org/officeDocument/2006/relationships" xmlns:p="http://schemas.openxmlformats.org/presentationml/2006/main">
   <p:cSld>
+    <p:spTree>
+      <p:nvGrpSpPr>
+        <p:cNvPr id="1" name=""/>
+        <p:cNvGrpSpPr/>
+        <p:nvPr/>
+      </p:nvGrpSpPr>
+      <p:grpSpPr>
+        <a:xfrm>
+          <a:off x="0" y="0"/>
+          <a:ext cx="0" cy="0"/>
+          <a:chOff x="0" y="0"/>
+          <a:chExt cx="0" cy="0"/>
+        </a:xfrm>
+      </p:grpSpPr>
+      <p:sp>
+        <p:nvSpPr>
+          <p:cNvPr id="2" name="Slide Image Placeholder 1"/>
+          <p:cNvSpPr>
+            <a:spLocks noGrp="1" noRot="1" noChangeAspect="1"/>
+          </p:cNvSpPr>
+          <p:nvPr>
+            <p:ph type="sldImg"/>
+          </p:nvPr>
+        </p:nvSpPr>
+        <p:spPr/>
+      </p:sp>
+      <p:sp>
+        <p:nvSpPr>
+          <p:cNvPr id="3" name="Notes Placeholder 2"/>
+          <p:cNvSpPr>
+            <a:spLocks noGrp="1"/>
+          </p:cNvSpPr>
+          <p:nvPr>
+            <p:ph type="body" idx="1"/>
+          </p:nvPr>
+        </p:nvSpPr>
+        <p:spPr/>
+        <p:txBody>
+          <a:bodyPr/>
+          <a:lstStyle/>
+          <a:p>
+            <a:endParaRPr lang="en-US"/>
+          </a:p>
+        </p:txBody>
+      </p:sp>
+      <p:sp>
+        <p:nvSpPr>
+          <p:cNvPr id="4" name="Slide Number Placeholder 3"/>
+          <p:cNvSpPr>
+            <a:spLocks noGrp="1"/>
+          </p:cNvSpPr>
+          <p:nvPr>
+            <p:ph type="sldNum" sz="quarter" idx="10"/>
+          </p:nvPr>
+        </p:nvSpPr>
+        <p:spPr/>
+        <p:txBody>
+          <a:bodyPr/>
+          <a:lstStyle/>
+          <a:p>
+            <a:pPr>
+              <a:defRPr/>
+            </a:pPr>
+            <a:fld id="{F3969550-FBCF-404B-9FAA-7B1DCDF2C4FF}" type="slidenum">
+              <a:rPr lang="en-US" smtClean="0"/>
+              <a:pPr>
+                <a:defRPr/>
+              </a:pPr>
+              <a:t>1</a:t>
+            </a:fld>
+            <a:endParaRPr lang="en-US"/>
+          </a:p>
+        </p:txBody>
+      </p:sp>
+    </p:spTree>
+    <p:extLst>
+      <p:ext uri="{BB962C8B-B14F-4D97-AF65-F5344CB8AC3E}">
+        <p14:creationId xmlns:p14="http://schemas.microsoft.com/office/powerpoint/2010/main" val="2269821114"/>
+      </p:ext>
+    </p:extLst>
+  </p:cSld>
+  <p:clrMapOvr>
+    <a:masterClrMapping/>
+  </p:clrMapOvr>
+</p:notes>
+</file>
+
+<file path=ppt/notesSlides/notesSlide10.xml><?xml version="1.0" encoding="utf-8"?>
+<p:notes xmlns:a="http://schemas.openxmlformats.org/drawingml/2006/main" xmlns:r="http://schemas.openxmlformats.org/officeDocument/2006/relationships" xmlns:p="http://schemas.openxmlformats.org/presentationml/2006/main">
+  <p:cSld>
+    <p:spTree>
+      <p:nvGrpSpPr>
+        <p:cNvPr id="1" name=""/>
+        <p:cNvGrpSpPr/>
+        <p:nvPr/>
+      </p:nvGrpSpPr>
+      <p:grpSpPr>
+        <a:xfrm>
+          <a:off x="0" y="0"/>
+          <a:ext cx="0" cy="0"/>
+          <a:chOff x="0" y="0"/>
+          <a:chExt cx="0" cy="0"/>
+        </a:xfrm>
+      </p:grpSpPr>
+      <p:sp>
+        <p:nvSpPr>
+          <p:cNvPr id="2" name="Slide Image Placeholder 1"/>
+          <p:cNvSpPr>
+            <a:spLocks noGrp="1" noRot="1" noChangeAspect="1"/>
+          </p:cNvSpPr>
+          <p:nvPr>
+            <p:ph type="sldImg"/>
+          </p:nvPr>
+        </p:nvSpPr>
+        <p:spPr/>
+      </p:sp>
+      <p:sp>
+        <p:nvSpPr>
+          <p:cNvPr id="3" name="Notes Placeholder 2"/>
+          <p:cNvSpPr>
+            <a:spLocks noGrp="1"/>
+          </p:cNvSpPr>
+          <p:nvPr>
+            <p:ph type="body" idx="1"/>
+          </p:nvPr>
+        </p:nvSpPr>
+        <p:spPr/>
+        <p:txBody>
+          <a:bodyPr/>
+          <a:lstStyle/>
+          <a:p>
+            <a:endParaRPr lang="en-US"/>
+          </a:p>
+        </p:txBody>
+      </p:sp>
+      <p:sp>
+        <p:nvSpPr>
+          <p:cNvPr id="4" name="Slide Number Placeholder 3"/>
+          <p:cNvSpPr>
+            <a:spLocks noGrp="1"/>
+          </p:cNvSpPr>
+          <p:nvPr>
+            <p:ph type="sldNum" sz="quarter" idx="10"/>
+          </p:nvPr>
+        </p:nvSpPr>
+        <p:spPr/>
+        <p:txBody>
+          <a:bodyPr/>
+          <a:lstStyle/>
+          <a:p>
+            <a:pPr>
+              <a:defRPr/>
+            </a:pPr>
+            <a:fld id="{F3969550-FBCF-404B-9FAA-7B1DCDF2C4FF}" type="slidenum">
+              <a:rPr lang="en-US" smtClean="0"/>
+              <a:pPr>
+                <a:defRPr/>
+              </a:pPr>
+              <a:t>10</a:t>
+            </a:fld>
+            <a:endParaRPr lang="en-US"/>
+          </a:p>
+        </p:txBody>
+      </p:sp>
+    </p:spTree>
+    <p:extLst>
+      <p:ext uri="{BB962C8B-B14F-4D97-AF65-F5344CB8AC3E}">
+        <p14:creationId xmlns:p14="http://schemas.microsoft.com/office/powerpoint/2010/main" val="2446343937"/>
+      </p:ext>
+    </p:extLst>
+  </p:cSld>
+  <p:clrMapOvr>
+    <a:masterClrMapping/>
+  </p:clrMapOvr>
+</p:notes>
+</file>
+
+<file path=ppt/notesSlides/notesSlide11.xml><?xml version="1.0" encoding="utf-8"?>
+<p:notes xmlns:a="http://schemas.openxmlformats.org/drawingml/2006/main" xmlns:r="http://schemas.openxmlformats.org/officeDocument/2006/relationships" xmlns:p="http://schemas.openxmlformats.org/presentationml/2006/main">
+  <p:cSld>
+    <p:spTree>
+      <p:nvGrpSpPr>
+        <p:cNvPr id="1" name=""/>
+        <p:cNvGrpSpPr/>
+        <p:nvPr/>
+      </p:nvGrpSpPr>
+      <p:grpSpPr>
+        <a:xfrm>
+          <a:off x="0" y="0"/>
+          <a:ext cx="0" cy="0"/>
+          <a:chOff x="0" y="0"/>
+          <a:chExt cx="0" cy="0"/>
+        </a:xfrm>
+      </p:grpSpPr>
+      <p:sp>
+        <p:nvSpPr>
+          <p:cNvPr id="2" name="Slide Image Placeholder 1"/>
+          <p:cNvSpPr>
+            <a:spLocks noGrp="1" noRot="1" noChangeAspect="1"/>
+          </p:cNvSpPr>
+          <p:nvPr>
+            <p:ph type="sldImg"/>
+          </p:nvPr>
+        </p:nvSpPr>
+        <p:spPr/>
+      </p:sp>
+      <p:sp>
+        <p:nvSpPr>
+          <p:cNvPr id="3" name="Notes Placeholder 2"/>
+          <p:cNvSpPr>
+            <a:spLocks noGrp="1"/>
+          </p:cNvSpPr>
+          <p:nvPr>
+            <p:ph type="body" idx="1"/>
+          </p:nvPr>
+        </p:nvSpPr>
+        <p:spPr/>
+        <p:txBody>
+          <a:bodyPr/>
+          <a:lstStyle/>
+          <a:p>
+            <a:endParaRPr lang="en-US"/>
+          </a:p>
+        </p:txBody>
+      </p:sp>
+      <p:sp>
+        <p:nvSpPr>
+          <p:cNvPr id="4" name="Slide Number Placeholder 3"/>
+          <p:cNvSpPr>
+            <a:spLocks noGrp="1"/>
+          </p:cNvSpPr>
+          <p:nvPr>
+            <p:ph type="sldNum" sz="quarter" idx="10"/>
+          </p:nvPr>
+        </p:nvSpPr>
+        <p:spPr/>
+        <p:txBody>
+          <a:bodyPr/>
+          <a:lstStyle/>
+          <a:p>
+            <a:pPr>
+              <a:defRPr/>
+            </a:pPr>
+            <a:fld id="{F3969550-FBCF-404B-9FAA-7B1DCDF2C4FF}" type="slidenum">
+              <a:rPr lang="en-US" smtClean="0"/>
+              <a:pPr>
+                <a:defRPr/>
+              </a:pPr>
+              <a:t>11</a:t>
+            </a:fld>
+            <a:endParaRPr lang="en-US"/>
+          </a:p>
+        </p:txBody>
+      </p:sp>
+    </p:spTree>
+    <p:extLst>
+      <p:ext uri="{BB962C8B-B14F-4D97-AF65-F5344CB8AC3E}">
+        <p14:creationId xmlns:p14="http://schemas.microsoft.com/office/powerpoint/2010/main" val="3388518528"/>
+      </p:ext>
+    </p:extLst>
+  </p:cSld>
+  <p:clrMapOvr>
+    <a:masterClrMapping/>
+  </p:clrMapOvr>
+</p:notes>
+</file>
+
+<file path=ppt/notesSlides/notesSlide12.xml><?xml version="1.0" encoding="utf-8"?>
+<p:notes xmlns:a="http://schemas.openxmlformats.org/drawingml/2006/main" xmlns:r="http://schemas.openxmlformats.org/officeDocument/2006/relationships" xmlns:p="http://schemas.openxmlformats.org/presentationml/2006/main">
+  <p:cSld>
+    <p:spTree>
+      <p:nvGrpSpPr>
+        <p:cNvPr id="1" name=""/>
+        <p:cNvGrpSpPr/>
+        <p:nvPr/>
+      </p:nvGrpSpPr>
+      <p:grpSpPr>
+        <a:xfrm>
+          <a:off x="0" y="0"/>
+          <a:ext cx="0" cy="0"/>
+          <a:chOff x="0" y="0"/>
+          <a:chExt cx="0" cy="0"/>
+        </a:xfrm>
+      </p:grpSpPr>
+      <p:sp>
+        <p:nvSpPr>
+          <p:cNvPr id="2" name="Slide Image Placeholder 1"/>
+          <p:cNvSpPr>
+            <a:spLocks noGrp="1" noRot="1" noChangeAspect="1"/>
+          </p:cNvSpPr>
+          <p:nvPr>
+            <p:ph type="sldImg"/>
+          </p:nvPr>
+        </p:nvSpPr>
+        <p:spPr/>
+      </p:sp>
+      <p:sp>
+        <p:nvSpPr>
+          <p:cNvPr id="3" name="Notes Placeholder 2"/>
+          <p:cNvSpPr>
+            <a:spLocks noGrp="1"/>
+          </p:cNvSpPr>
+          <p:nvPr>
+            <p:ph type="body" idx="1"/>
+          </p:nvPr>
+        </p:nvSpPr>
+        <p:spPr/>
+        <p:txBody>
+          <a:bodyPr/>
+          <a:lstStyle/>
+          <a:p>
+            <a:endParaRPr lang="en-US"/>
+          </a:p>
+        </p:txBody>
+      </p:sp>
+      <p:sp>
+        <p:nvSpPr>
+          <p:cNvPr id="4" name="Slide Number Placeholder 3"/>
+          <p:cNvSpPr>
+            <a:spLocks noGrp="1"/>
+          </p:cNvSpPr>
+          <p:nvPr>
+            <p:ph type="sldNum" sz="quarter" idx="10"/>
+          </p:nvPr>
+        </p:nvSpPr>
+        <p:spPr/>
+        <p:txBody>
+          <a:bodyPr/>
+          <a:lstStyle/>
+          <a:p>
+            <a:pPr>
+              <a:defRPr/>
+            </a:pPr>
+            <a:fld id="{F3969550-FBCF-404B-9FAA-7B1DCDF2C4FF}" type="slidenum">
+              <a:rPr lang="en-US" smtClean="0"/>
+              <a:pPr>
+                <a:defRPr/>
+              </a:pPr>
+              <a:t>12</a:t>
+            </a:fld>
+            <a:endParaRPr lang="en-US"/>
+          </a:p>
+        </p:txBody>
+      </p:sp>
+    </p:spTree>
+    <p:extLst>
+      <p:ext uri="{BB962C8B-B14F-4D97-AF65-F5344CB8AC3E}">
+        <p14:creationId xmlns:p14="http://schemas.microsoft.com/office/powerpoint/2010/main" val="3643682768"/>
+      </p:ext>
+    </p:extLst>
+  </p:cSld>
+  <p:clrMapOvr>
+    <a:masterClrMapping/>
+  </p:clrMapOvr>
+</p:notes>
+</file>
+
+<file path=ppt/notesSlides/notesSlide13.xml><?xml version="1.0" encoding="utf-8"?>
+<p:notes xmlns:a="http://schemas.openxmlformats.org/drawingml/2006/main" xmlns:r="http://schemas.openxmlformats.org/officeDocument/2006/relationships" xmlns:p="http://schemas.openxmlformats.org/presentationml/2006/main">
+  <p:cSld>
+    <p:spTree>
+      <p:nvGrpSpPr>
+        <p:cNvPr id="1" name=""/>
+        <p:cNvGrpSpPr/>
+        <p:nvPr/>
+      </p:nvGrpSpPr>
+      <p:grpSpPr>
+        <a:xfrm>
+          <a:off x="0" y="0"/>
+          <a:ext cx="0" cy="0"/>
+          <a:chOff x="0" y="0"/>
+          <a:chExt cx="0" cy="0"/>
+        </a:xfrm>
+      </p:grpSpPr>
+      <p:sp>
+        <p:nvSpPr>
+          <p:cNvPr id="2" name="Slide Image Placeholder 1"/>
+          <p:cNvSpPr>
+            <a:spLocks noGrp="1" noRot="1" noChangeAspect="1"/>
+          </p:cNvSpPr>
+          <p:nvPr>
+            <p:ph type="sldImg"/>
+          </p:nvPr>
+        </p:nvSpPr>
+        <p:spPr/>
+      </p:sp>
+      <p:sp>
+        <p:nvSpPr>
+          <p:cNvPr id="3" name="Notes Placeholder 2"/>
+          <p:cNvSpPr>
+            <a:spLocks noGrp="1"/>
+          </p:cNvSpPr>
+          <p:nvPr>
+            <p:ph type="body" idx="1"/>
+          </p:nvPr>
+        </p:nvSpPr>
+        <p:spPr/>
+        <p:txBody>
+          <a:bodyPr/>
+          <a:lstStyle/>
+          <a:p>
+            <a:endParaRPr lang="en-US"/>
+          </a:p>
+        </p:txBody>
+      </p:sp>
+      <p:sp>
+        <p:nvSpPr>
+          <p:cNvPr id="4" name="Slide Number Placeholder 3"/>
+          <p:cNvSpPr>
+            <a:spLocks noGrp="1"/>
+          </p:cNvSpPr>
+          <p:nvPr>
+            <p:ph type="sldNum" sz="quarter" idx="10"/>
+          </p:nvPr>
+        </p:nvSpPr>
+        <p:spPr/>
+        <p:txBody>
+          <a:bodyPr/>
+          <a:lstStyle/>
+          <a:p>
+            <a:pPr>
+              <a:defRPr/>
+            </a:pPr>
+            <a:fld id="{F3969550-FBCF-404B-9FAA-7B1DCDF2C4FF}" type="slidenum">
+              <a:rPr lang="en-US" smtClean="0"/>
+              <a:pPr>
+                <a:defRPr/>
+              </a:pPr>
+              <a:t>13</a:t>
+            </a:fld>
+            <a:endParaRPr lang="en-US"/>
+          </a:p>
+        </p:txBody>
+      </p:sp>
+    </p:spTree>
+    <p:extLst>
+      <p:ext uri="{BB962C8B-B14F-4D97-AF65-F5344CB8AC3E}">
+        <p14:creationId xmlns:p14="http://schemas.microsoft.com/office/powerpoint/2010/main" val="1317872593"/>
+      </p:ext>
+    </p:extLst>
+  </p:cSld>
+  <p:clrMapOvr>
+    <a:masterClrMapping/>
+  </p:clrMapOvr>
+</p:notes>
+</file>
+
+<file path=ppt/notesSlides/notesSlide14.xml><?xml version="1.0" encoding="utf-8"?>
+<p:notes xmlns:a="http://schemas.openxmlformats.org/drawingml/2006/main" xmlns:r="http://schemas.openxmlformats.org/officeDocument/2006/relationships" xmlns:p="http://schemas.openxmlformats.org/presentationml/2006/main">
+  <p:cSld>
+    <p:spTree>
+      <p:nvGrpSpPr>
+        <p:cNvPr id="1" name=""/>
+        <p:cNvGrpSpPr/>
+        <p:nvPr/>
+      </p:nvGrpSpPr>
+      <p:grpSpPr>
+        <a:xfrm>
+          <a:off x="0" y="0"/>
+          <a:ext cx="0" cy="0"/>
+          <a:chOff x="0" y="0"/>
+          <a:chExt cx="0" cy="0"/>
+        </a:xfrm>
+      </p:grpSpPr>
+      <p:sp>
+        <p:nvSpPr>
+          <p:cNvPr id="2" name="Slide Image Placeholder 1"/>
+          <p:cNvSpPr>
+            <a:spLocks noGrp="1" noRot="1" noChangeAspect="1"/>
+          </p:cNvSpPr>
+          <p:nvPr>
+            <p:ph type="sldImg"/>
+          </p:nvPr>
+        </p:nvSpPr>
+        <p:spPr/>
+      </p:sp>
+      <p:sp>
+        <p:nvSpPr>
+          <p:cNvPr id="3" name="Notes Placeholder 2"/>
+          <p:cNvSpPr>
+            <a:spLocks noGrp="1"/>
+          </p:cNvSpPr>
+          <p:nvPr>
+            <p:ph type="body" idx="1"/>
+          </p:nvPr>
+        </p:nvSpPr>
+        <p:spPr/>
+        <p:txBody>
+          <a:bodyPr/>
+          <a:lstStyle/>
+          <a:p>
+            <a:endParaRPr lang="en-US"/>
+          </a:p>
+        </p:txBody>
+      </p:sp>
+      <p:sp>
+        <p:nvSpPr>
+          <p:cNvPr id="4" name="Slide Number Placeholder 3"/>
+          <p:cNvSpPr>
+            <a:spLocks noGrp="1"/>
+          </p:cNvSpPr>
+          <p:nvPr>
+            <p:ph type="sldNum" sz="quarter" idx="10"/>
+          </p:nvPr>
+        </p:nvSpPr>
+        <p:spPr/>
+        <p:txBody>
+          <a:bodyPr/>
+          <a:lstStyle/>
+          <a:p>
+            <a:pPr>
+              <a:defRPr/>
+            </a:pPr>
+            <a:fld id="{F3969550-FBCF-404B-9FAA-7B1DCDF2C4FF}" type="slidenum">
+              <a:rPr lang="en-US" smtClean="0"/>
+              <a:pPr>
+                <a:defRPr/>
+              </a:pPr>
+              <a:t>14</a:t>
+            </a:fld>
+            <a:endParaRPr lang="en-US"/>
+          </a:p>
+        </p:txBody>
+      </p:sp>
+    </p:spTree>
+    <p:extLst>
+      <p:ext uri="{BB962C8B-B14F-4D97-AF65-F5344CB8AC3E}">
+        <p14:creationId xmlns:p14="http://schemas.microsoft.com/office/powerpoint/2010/main" val="2603642543"/>
+      </p:ext>
+    </p:extLst>
+  </p:cSld>
+  <p:clrMapOvr>
+    <a:masterClrMapping/>
+  </p:clrMapOvr>
+</p:notes>
+</file>
+
+<file path=ppt/notesSlides/notesSlide15.xml><?xml version="1.0" encoding="utf-8"?>
+<p:notes xmlns:a="http://schemas.openxmlformats.org/drawingml/2006/main" xmlns:r="http://schemas.openxmlformats.org/officeDocument/2006/relationships" xmlns:p="http://schemas.openxmlformats.org/presentationml/2006/main">
+  <p:cSld>
+    <p:spTree>
+      <p:nvGrpSpPr>
+        <p:cNvPr id="1" name=""/>
+        <p:cNvGrpSpPr/>
+        <p:nvPr/>
+      </p:nvGrpSpPr>
+      <p:grpSpPr>
+        <a:xfrm>
+          <a:off x="0" y="0"/>
+          <a:ext cx="0" cy="0"/>
+          <a:chOff x="0" y="0"/>
+          <a:chExt cx="0" cy="0"/>
+        </a:xfrm>
+      </p:grpSpPr>
+      <p:sp>
+        <p:nvSpPr>
+          <p:cNvPr id="2" name="Slide Image Placeholder 1"/>
+          <p:cNvSpPr>
+            <a:spLocks noGrp="1" noRot="1" noChangeAspect="1"/>
+          </p:cNvSpPr>
+          <p:nvPr>
+            <p:ph type="sldImg"/>
+          </p:nvPr>
+        </p:nvSpPr>
+        <p:spPr/>
+      </p:sp>
+      <p:sp>
+        <p:nvSpPr>
+          <p:cNvPr id="3" name="Notes Placeholder 2"/>
+          <p:cNvSpPr>
+            <a:spLocks noGrp="1"/>
+          </p:cNvSpPr>
+          <p:nvPr>
+            <p:ph type="body" idx="1"/>
+          </p:nvPr>
+        </p:nvSpPr>
+        <p:spPr/>
+        <p:txBody>
+          <a:bodyPr/>
+          <a:lstStyle/>
+          <a:p>
+            <a:endParaRPr lang="en-US"/>
+          </a:p>
+        </p:txBody>
+      </p:sp>
+      <p:sp>
+        <p:nvSpPr>
+          <p:cNvPr id="4" name="Slide Number Placeholder 3"/>
+          <p:cNvSpPr>
+            <a:spLocks noGrp="1"/>
+          </p:cNvSpPr>
+          <p:nvPr>
+            <p:ph type="sldNum" sz="quarter" idx="10"/>
+          </p:nvPr>
+        </p:nvSpPr>
+        <p:spPr/>
+        <p:txBody>
+          <a:bodyPr/>
+          <a:lstStyle/>
+          <a:p>
+            <a:pPr>
+              <a:defRPr/>
+            </a:pPr>
+            <a:fld id="{F3969550-FBCF-404B-9FAA-7B1DCDF2C4FF}" type="slidenum">
+              <a:rPr lang="en-US" smtClean="0"/>
+              <a:pPr>
+                <a:defRPr/>
+              </a:pPr>
+              <a:t>15</a:t>
+            </a:fld>
+            <a:endParaRPr lang="en-US"/>
+          </a:p>
+        </p:txBody>
+      </p:sp>
+    </p:spTree>
+    <p:extLst>
+      <p:ext uri="{BB962C8B-B14F-4D97-AF65-F5344CB8AC3E}">
+        <p14:creationId xmlns:p14="http://schemas.microsoft.com/office/powerpoint/2010/main" val="428508960"/>
+      </p:ext>
+    </p:extLst>
+  </p:cSld>
+  <p:clrMapOvr>
+    <a:masterClrMapping/>
+  </p:clrMapOvr>
+</p:notes>
+</file>
+
+<file path=ppt/notesSlides/notesSlide16.xml><?xml version="1.0" encoding="utf-8"?>
+<p:notes xmlns:a="http://schemas.openxmlformats.org/drawingml/2006/main" xmlns:r="http://schemas.openxmlformats.org/officeDocument/2006/relationships" xmlns:p="http://schemas.openxmlformats.org/presentationml/2006/main">
+  <p:cSld>
+    <p:spTree>
+      <p:nvGrpSpPr>
+        <p:cNvPr id="1" name=""/>
+        <p:cNvGrpSpPr/>
+        <p:nvPr/>
+      </p:nvGrpSpPr>
+      <p:grpSpPr>
+        <a:xfrm>
+          <a:off x="0" y="0"/>
+          <a:ext cx="0" cy="0"/>
+          <a:chOff x="0" y="0"/>
+          <a:chExt cx="0" cy="0"/>
+        </a:xfrm>
+      </p:grpSpPr>
+      <p:sp>
+        <p:nvSpPr>
+          <p:cNvPr id="2" name="Slide Image Placeholder 1"/>
+          <p:cNvSpPr>
+            <a:spLocks noGrp="1" noRot="1" noChangeAspect="1"/>
+          </p:cNvSpPr>
+          <p:nvPr>
+            <p:ph type="sldImg"/>
+          </p:nvPr>
+        </p:nvSpPr>
+        <p:spPr/>
+      </p:sp>
+      <p:sp>
+        <p:nvSpPr>
+          <p:cNvPr id="3" name="Notes Placeholder 2"/>
+          <p:cNvSpPr>
+            <a:spLocks noGrp="1"/>
+          </p:cNvSpPr>
+          <p:nvPr>
+            <p:ph type="body" idx="1"/>
+          </p:nvPr>
+        </p:nvSpPr>
+        <p:spPr/>
+        <p:txBody>
+          <a:bodyPr/>
+          <a:lstStyle/>
+          <a:p>
+            <a:endParaRPr lang="en-US"/>
+          </a:p>
+        </p:txBody>
+      </p:sp>
+      <p:sp>
+        <p:nvSpPr>
+          <p:cNvPr id="4" name="Slide Number Placeholder 3"/>
+          <p:cNvSpPr>
+            <a:spLocks noGrp="1"/>
+          </p:cNvSpPr>
+          <p:nvPr>
+            <p:ph type="sldNum" sz="quarter" idx="10"/>
+          </p:nvPr>
+        </p:nvSpPr>
+        <p:spPr/>
+        <p:txBody>
+          <a:bodyPr/>
+          <a:lstStyle/>
+          <a:p>
+            <a:pPr>
+              <a:defRPr/>
+            </a:pPr>
+            <a:fld id="{F3969550-FBCF-404B-9FAA-7B1DCDF2C4FF}" type="slidenum">
+              <a:rPr lang="en-US" smtClean="0"/>
+              <a:pPr>
+                <a:defRPr/>
+              </a:pPr>
+              <a:t>16</a:t>
+            </a:fld>
+            <a:endParaRPr lang="en-US"/>
+          </a:p>
+        </p:txBody>
+      </p:sp>
+    </p:spTree>
+    <p:extLst>
+      <p:ext uri="{BB962C8B-B14F-4D97-AF65-F5344CB8AC3E}">
+        <p14:creationId xmlns:p14="http://schemas.microsoft.com/office/powerpoint/2010/main" val="207433777"/>
+      </p:ext>
+    </p:extLst>
+  </p:cSld>
+  <p:clrMapOvr>
+    <a:masterClrMapping/>
+  </p:clrMapOvr>
+</p:notes>
+</file>
+
+<file path=ppt/notesSlides/notesSlide17.xml><?xml version="1.0" encoding="utf-8"?>
+<p:notes xmlns:a="http://schemas.openxmlformats.org/drawingml/2006/main" xmlns:r="http://schemas.openxmlformats.org/officeDocument/2006/relationships" xmlns:p="http://schemas.openxmlformats.org/presentationml/2006/main">
+  <p:cSld>
+    <p:spTree>
+      <p:nvGrpSpPr>
+        <p:cNvPr id="1" name=""/>
+        <p:cNvGrpSpPr/>
+        <p:nvPr/>
+      </p:nvGrpSpPr>
+      <p:grpSpPr>
+        <a:xfrm>
+          <a:off x="0" y="0"/>
+          <a:ext cx="0" cy="0"/>
+          <a:chOff x="0" y="0"/>
+          <a:chExt cx="0" cy="0"/>
+        </a:xfrm>
+      </p:grpSpPr>
+      <p:sp>
+        <p:nvSpPr>
+          <p:cNvPr id="2" name="Slide Image Placeholder 1"/>
+          <p:cNvSpPr>
+            <a:spLocks noGrp="1" noRot="1" noChangeAspect="1"/>
+          </p:cNvSpPr>
+          <p:nvPr>
+            <p:ph type="sldImg"/>
+          </p:nvPr>
+        </p:nvSpPr>
+        <p:spPr/>
+      </p:sp>
+      <p:sp>
+        <p:nvSpPr>
+          <p:cNvPr id="3" name="Notes Placeholder 2"/>
+          <p:cNvSpPr>
+            <a:spLocks noGrp="1"/>
+          </p:cNvSpPr>
+          <p:nvPr>
+            <p:ph type="body" idx="1"/>
+          </p:nvPr>
+        </p:nvSpPr>
+        <p:spPr/>
+        <p:txBody>
+          <a:bodyPr/>
+          <a:lstStyle/>
+          <a:p>
+            <a:endParaRPr lang="en-US"/>
+          </a:p>
+        </p:txBody>
+      </p:sp>
+      <p:sp>
+        <p:nvSpPr>
+          <p:cNvPr id="4" name="Slide Number Placeholder 3"/>
+          <p:cNvSpPr>
+            <a:spLocks noGrp="1"/>
+          </p:cNvSpPr>
+          <p:nvPr>
+            <p:ph type="sldNum" sz="quarter" idx="10"/>
+          </p:nvPr>
+        </p:nvSpPr>
+        <p:spPr/>
+        <p:txBody>
+          <a:bodyPr/>
+          <a:lstStyle/>
+          <a:p>
+            <a:pPr>
+              <a:defRPr/>
+            </a:pPr>
+            <a:fld id="{F3969550-FBCF-404B-9FAA-7B1DCDF2C4FF}" type="slidenum">
+              <a:rPr lang="en-US" smtClean="0"/>
+              <a:pPr>
+                <a:defRPr/>
+              </a:pPr>
+              <a:t>17</a:t>
+            </a:fld>
+            <a:endParaRPr lang="en-US"/>
+          </a:p>
+        </p:txBody>
+      </p:sp>
+    </p:spTree>
+    <p:extLst>
+      <p:ext uri="{BB962C8B-B14F-4D97-AF65-F5344CB8AC3E}">
+        <p14:creationId xmlns:p14="http://schemas.microsoft.com/office/powerpoint/2010/main" val="687861152"/>
+      </p:ext>
+    </p:extLst>
+  </p:cSld>
+  <p:clrMapOvr>
+    <a:masterClrMapping/>
+  </p:clrMapOvr>
+</p:notes>
+</file>
+
+<file path=ppt/notesSlides/notesSlide18.xml><?xml version="1.0" encoding="utf-8"?>
+<p:notes xmlns:a="http://schemas.openxmlformats.org/drawingml/2006/main" xmlns:r="http://schemas.openxmlformats.org/officeDocument/2006/relationships" xmlns:p="http://schemas.openxmlformats.org/presentationml/2006/main">
+  <p:cSld>
+    <p:spTree>
+      <p:nvGrpSpPr>
+        <p:cNvPr id="1" name=""/>
+        <p:cNvGrpSpPr/>
+        <p:nvPr/>
+      </p:nvGrpSpPr>
+      <p:grpSpPr>
+        <a:xfrm>
+          <a:off x="0" y="0"/>
+          <a:ext cx="0" cy="0"/>
+          <a:chOff x="0" y="0"/>
+          <a:chExt cx="0" cy="0"/>
+        </a:xfrm>
+      </p:grpSpPr>
+      <p:sp>
+        <p:nvSpPr>
+          <p:cNvPr id="2" name="Slide Image Placeholder 1"/>
+          <p:cNvSpPr>
+            <a:spLocks noGrp="1" noRot="1" noChangeAspect="1"/>
+          </p:cNvSpPr>
+          <p:nvPr>
+            <p:ph type="sldImg"/>
+          </p:nvPr>
+        </p:nvSpPr>
+        <p:spPr/>
+      </p:sp>
+      <p:sp>
+        <p:nvSpPr>
+          <p:cNvPr id="3" name="Notes Placeholder 2"/>
+          <p:cNvSpPr>
+            <a:spLocks noGrp="1"/>
+          </p:cNvSpPr>
+          <p:nvPr>
+            <p:ph type="body" idx="1"/>
+          </p:nvPr>
+        </p:nvSpPr>
+        <p:spPr/>
+        <p:txBody>
+          <a:bodyPr/>
+          <a:lstStyle/>
+          <a:p>
+            <a:endParaRPr lang="en-US"/>
+          </a:p>
+        </p:txBody>
+      </p:sp>
+      <p:sp>
+        <p:nvSpPr>
+          <p:cNvPr id="4" name="Slide Number Placeholder 3"/>
+          <p:cNvSpPr>
+            <a:spLocks noGrp="1"/>
+          </p:cNvSpPr>
+          <p:nvPr>
+            <p:ph type="sldNum" sz="quarter" idx="10"/>
+          </p:nvPr>
+        </p:nvSpPr>
+        <p:spPr/>
+        <p:txBody>
+          <a:bodyPr/>
+          <a:lstStyle/>
+          <a:p>
+            <a:pPr>
+              <a:defRPr/>
+            </a:pPr>
+            <a:fld id="{F3969550-FBCF-404B-9FAA-7B1DCDF2C4FF}" type="slidenum">
+              <a:rPr lang="en-US" smtClean="0"/>
+              <a:pPr>
+                <a:defRPr/>
+              </a:pPr>
+              <a:t>18</a:t>
+            </a:fld>
+            <a:endParaRPr lang="en-US"/>
+          </a:p>
+        </p:txBody>
+      </p:sp>
+    </p:spTree>
+    <p:extLst>
+      <p:ext uri="{BB962C8B-B14F-4D97-AF65-F5344CB8AC3E}">
+        <p14:creationId xmlns:p14="http://schemas.microsoft.com/office/powerpoint/2010/main" val="812437923"/>
+      </p:ext>
+    </p:extLst>
+  </p:cSld>
+  <p:clrMapOvr>
+    <a:masterClrMapping/>
+  </p:clrMapOvr>
+</p:notes>
+</file>
+
+<file path=ppt/notesSlides/notesSlide19.xml><?xml version="1.0" encoding="utf-8"?>
+<p:notes xmlns:a="http://schemas.openxmlformats.org/drawingml/2006/main" xmlns:r="http://schemas.openxmlformats.org/officeDocument/2006/relationships" xmlns:p="http://schemas.openxmlformats.org/presentationml/2006/main">
+  <p:cSld>
+    <p:spTree>
+      <p:nvGrpSpPr>
+        <p:cNvPr id="1" name=""/>
+        <p:cNvGrpSpPr/>
+        <p:nvPr/>
+      </p:nvGrpSpPr>
+      <p:grpSpPr>
+        <a:xfrm>
+          <a:off x="0" y="0"/>
+          <a:ext cx="0" cy="0"/>
+          <a:chOff x="0" y="0"/>
+          <a:chExt cx="0" cy="0"/>
+        </a:xfrm>
+      </p:grpSpPr>
+      <p:sp>
+        <p:nvSpPr>
+          <p:cNvPr id="2" name="Slide Image Placeholder 1"/>
+          <p:cNvSpPr>
+            <a:spLocks noGrp="1" noRot="1" noChangeAspect="1"/>
+          </p:cNvSpPr>
+          <p:nvPr>
+            <p:ph type="sldImg"/>
+          </p:nvPr>
+        </p:nvSpPr>
+        <p:spPr/>
+      </p:sp>
+      <p:sp>
+        <p:nvSpPr>
+          <p:cNvPr id="3" name="Notes Placeholder 2"/>
+          <p:cNvSpPr>
+            <a:spLocks noGrp="1"/>
+          </p:cNvSpPr>
+          <p:nvPr>
+            <p:ph type="body" idx="1"/>
+          </p:nvPr>
+        </p:nvSpPr>
+        <p:spPr/>
+        <p:txBody>
+          <a:bodyPr/>
+          <a:lstStyle/>
+          <a:p>
+            <a:endParaRPr lang="en-US"/>
+          </a:p>
+        </p:txBody>
+      </p:sp>
+      <p:sp>
+        <p:nvSpPr>
+          <p:cNvPr id="4" name="Slide Number Placeholder 3"/>
+          <p:cNvSpPr>
+            <a:spLocks noGrp="1"/>
+          </p:cNvSpPr>
+          <p:nvPr>
+            <p:ph type="sldNum" sz="quarter" idx="10"/>
+          </p:nvPr>
+        </p:nvSpPr>
+        <p:spPr/>
+        <p:txBody>
+          <a:bodyPr/>
+          <a:lstStyle/>
+          <a:p>
+            <a:pPr>
+              <a:defRPr/>
+            </a:pPr>
+            <a:fld id="{F3969550-FBCF-404B-9FAA-7B1DCDF2C4FF}" type="slidenum">
+              <a:rPr lang="en-US" smtClean="0"/>
+              <a:pPr>
+                <a:defRPr/>
+              </a:pPr>
+              <a:t>19</a:t>
+            </a:fld>
+            <a:endParaRPr lang="en-US"/>
+          </a:p>
+        </p:txBody>
+      </p:sp>
+    </p:spTree>
+    <p:extLst>
+      <p:ext uri="{BB962C8B-B14F-4D97-AF65-F5344CB8AC3E}">
+        <p14:creationId xmlns:p14="http://schemas.microsoft.com/office/powerpoint/2010/main" val="2815135364"/>
+      </p:ext>
+    </p:extLst>
+  </p:cSld>
+  <p:clrMapOvr>
+    <a:masterClrMapping/>
+  </p:clrMapOvr>
+</p:notes>
+</file>
+
+<file path=ppt/notesSlides/notesSlide2.xml><?xml version="1.0" encoding="utf-8"?>
+<p:notes xmlns:a="http://schemas.openxmlformats.org/drawingml/2006/main" xmlns:r="http://schemas.openxmlformats.org/officeDocument/2006/relationships" xmlns:p="http://schemas.openxmlformats.org/presentationml/2006/main">
+  <p:cSld>
+    <p:spTree>
+      <p:nvGrpSpPr>
+        <p:cNvPr id="1" name=""/>
+        <p:cNvGrpSpPr/>
+        <p:nvPr/>
+      </p:nvGrpSpPr>
+      <p:grpSpPr>
+        <a:xfrm>
+          <a:off x="0" y="0"/>
+          <a:ext cx="0" cy="0"/>
+          <a:chOff x="0" y="0"/>
+          <a:chExt cx="0" cy="0"/>
+        </a:xfrm>
+      </p:grpSpPr>
+      <p:sp>
+        <p:nvSpPr>
+          <p:cNvPr id="2" name="Slide Image Placeholder 1"/>
+          <p:cNvSpPr>
+            <a:spLocks noGrp="1" noRot="1" noChangeAspect="1"/>
+          </p:cNvSpPr>
+          <p:nvPr>
+            <p:ph type="sldImg"/>
+          </p:nvPr>
+        </p:nvSpPr>
+        <p:spPr/>
+      </p:sp>
+      <p:sp>
+        <p:nvSpPr>
+          <p:cNvPr id="3" name="Notes Placeholder 2"/>
+          <p:cNvSpPr>
+            <a:spLocks noGrp="1"/>
+          </p:cNvSpPr>
+          <p:nvPr>
+            <p:ph type="body" idx="1"/>
+          </p:nvPr>
+        </p:nvSpPr>
+        <p:spPr/>
+        <p:txBody>
+          <a:bodyPr/>
+          <a:lstStyle/>
+          <a:p>
+            <a:endParaRPr lang="en-US"/>
+          </a:p>
+        </p:txBody>
+      </p:sp>
+      <p:sp>
+        <p:nvSpPr>
+          <p:cNvPr id="4" name="Slide Number Placeholder 3"/>
+          <p:cNvSpPr>
+            <a:spLocks noGrp="1"/>
+          </p:cNvSpPr>
+          <p:nvPr>
+            <p:ph type="sldNum" sz="quarter" idx="10"/>
+          </p:nvPr>
+        </p:nvSpPr>
+        <p:spPr/>
+        <p:txBody>
+          <a:bodyPr/>
+          <a:lstStyle/>
+          <a:p>
+            <a:pPr>
+              <a:defRPr/>
+            </a:pPr>
+            <a:fld id="{F3969550-FBCF-404B-9FAA-7B1DCDF2C4FF}" type="slidenum">
+              <a:rPr lang="en-US" smtClean="0"/>
+              <a:pPr>
+                <a:defRPr/>
+              </a:pPr>
+              <a:t>2</a:t>
+            </a:fld>
+            <a:endParaRPr lang="en-US"/>
+          </a:p>
+        </p:txBody>
+      </p:sp>
+    </p:spTree>
+    <p:extLst>
+      <p:ext uri="{BB962C8B-B14F-4D97-AF65-F5344CB8AC3E}">
+        <p14:creationId xmlns:p14="http://schemas.microsoft.com/office/powerpoint/2010/main" val="3135229213"/>
+      </p:ext>
+    </p:extLst>
+  </p:cSld>
+  <p:clrMapOvr>
+    <a:masterClrMapping/>
+  </p:clrMapOvr>
+</p:notes>
+</file>
+
+<file path=ppt/notesSlides/notesSlide20.xml><?xml version="1.0" encoding="utf-8"?>
+<p:notes xmlns:a="http://schemas.openxmlformats.org/drawingml/2006/main" xmlns:r="http://schemas.openxmlformats.org/officeDocument/2006/relationships" xmlns:p="http://schemas.openxmlformats.org/presentationml/2006/main">
+  <p:cSld>
+    <p:spTree>
+      <p:nvGrpSpPr>
+        <p:cNvPr id="1" name=""/>
+        <p:cNvGrpSpPr/>
+        <p:nvPr/>
+      </p:nvGrpSpPr>
+      <p:grpSpPr>
+        <a:xfrm>
+          <a:off x="0" y="0"/>
+          <a:ext cx="0" cy="0"/>
+          <a:chOff x="0" y="0"/>
+          <a:chExt cx="0" cy="0"/>
+        </a:xfrm>
+      </p:grpSpPr>
+      <p:sp>
+        <p:nvSpPr>
+          <p:cNvPr id="2" name="Slide Image Placeholder 1"/>
+          <p:cNvSpPr>
+            <a:spLocks noGrp="1" noRot="1" noChangeAspect="1"/>
+          </p:cNvSpPr>
+          <p:nvPr>
+            <p:ph type="sldImg"/>
+          </p:nvPr>
+        </p:nvSpPr>
+        <p:spPr/>
+      </p:sp>
+      <p:sp>
+        <p:nvSpPr>
+          <p:cNvPr id="3" name="Notes Placeholder 2"/>
+          <p:cNvSpPr>
+            <a:spLocks noGrp="1"/>
+          </p:cNvSpPr>
+          <p:nvPr>
+            <p:ph type="body" idx="1"/>
+          </p:nvPr>
+        </p:nvSpPr>
+        <p:spPr/>
+        <p:txBody>
+          <a:bodyPr/>
+          <a:lstStyle/>
+          <a:p>
+            <a:endParaRPr lang="en-US"/>
+          </a:p>
+        </p:txBody>
+      </p:sp>
+      <p:sp>
+        <p:nvSpPr>
+          <p:cNvPr id="4" name="Slide Number Placeholder 3"/>
+          <p:cNvSpPr>
+            <a:spLocks noGrp="1"/>
+          </p:cNvSpPr>
+          <p:nvPr>
+            <p:ph type="sldNum" sz="quarter" idx="10"/>
+          </p:nvPr>
+        </p:nvSpPr>
+        <p:spPr/>
+        <p:txBody>
+          <a:bodyPr/>
+          <a:lstStyle/>
+          <a:p>
+            <a:pPr>
+              <a:defRPr/>
+            </a:pPr>
+            <a:fld id="{F3969550-FBCF-404B-9FAA-7B1DCDF2C4FF}" type="slidenum">
+              <a:rPr lang="en-US" smtClean="0"/>
+              <a:pPr>
+                <a:defRPr/>
+              </a:pPr>
+              <a:t>20</a:t>
+            </a:fld>
+            <a:endParaRPr lang="en-US"/>
+          </a:p>
+        </p:txBody>
+      </p:sp>
+    </p:spTree>
+    <p:extLst>
+      <p:ext uri="{BB962C8B-B14F-4D97-AF65-F5344CB8AC3E}">
+        <p14:creationId xmlns:p14="http://schemas.microsoft.com/office/powerpoint/2010/main" val="417353184"/>
+      </p:ext>
+    </p:extLst>
+  </p:cSld>
+  <p:clrMapOvr>
+    <a:masterClrMapping/>
+  </p:clrMapOvr>
+</p:notes>
+</file>
+
+<file path=ppt/notesSlides/notesSlide21.xml><?xml version="1.0" encoding="utf-8"?>
+<p:notes xmlns:a="http://schemas.openxmlformats.org/drawingml/2006/main" xmlns:r="http://schemas.openxmlformats.org/officeDocument/2006/relationships" xmlns:p="http://schemas.openxmlformats.org/presentationml/2006/main">
+  <p:cSld>
+    <p:spTree>
+      <p:nvGrpSpPr>
+        <p:cNvPr id="1" name=""/>
+        <p:cNvGrpSpPr/>
+        <p:nvPr/>
+      </p:nvGrpSpPr>
+      <p:grpSpPr>
+        <a:xfrm>
+          <a:off x="0" y="0"/>
+          <a:ext cx="0" cy="0"/>
+          <a:chOff x="0" y="0"/>
+          <a:chExt cx="0" cy="0"/>
+        </a:xfrm>
+      </p:grpSpPr>
+      <p:sp>
+        <p:nvSpPr>
+          <p:cNvPr id="2" name="Slide Image Placeholder 1"/>
+          <p:cNvSpPr>
+            <a:spLocks noGrp="1" noRot="1" noChangeAspect="1"/>
+          </p:cNvSpPr>
+          <p:nvPr>
+            <p:ph type="sldImg"/>
+          </p:nvPr>
+        </p:nvSpPr>
+        <p:spPr/>
+      </p:sp>
+      <p:sp>
+        <p:nvSpPr>
+          <p:cNvPr id="3" name="Notes Placeholder 2"/>
+          <p:cNvSpPr>
+            <a:spLocks noGrp="1"/>
+          </p:cNvSpPr>
+          <p:nvPr>
+            <p:ph type="body" idx="1"/>
+          </p:nvPr>
+        </p:nvSpPr>
+        <p:spPr/>
+        <p:txBody>
+          <a:bodyPr/>
+          <a:lstStyle/>
+          <a:p>
+            <a:endParaRPr lang="en-US"/>
+          </a:p>
+        </p:txBody>
+      </p:sp>
+      <p:sp>
+        <p:nvSpPr>
+          <p:cNvPr id="4" name="Slide Number Placeholder 3"/>
+          <p:cNvSpPr>
+            <a:spLocks noGrp="1"/>
+          </p:cNvSpPr>
+          <p:nvPr>
+            <p:ph type="sldNum" sz="quarter" idx="10"/>
+          </p:nvPr>
+        </p:nvSpPr>
+        <p:spPr/>
+        <p:txBody>
+          <a:bodyPr/>
+          <a:lstStyle/>
+          <a:p>
+            <a:pPr>
+              <a:defRPr/>
+            </a:pPr>
+            <a:fld id="{F3969550-FBCF-404B-9FAA-7B1DCDF2C4FF}" type="slidenum">
+              <a:rPr lang="en-US" smtClean="0"/>
+              <a:pPr>
+                <a:defRPr/>
+              </a:pPr>
+              <a:t>21</a:t>
+            </a:fld>
+            <a:endParaRPr lang="en-US"/>
+          </a:p>
+        </p:txBody>
+      </p:sp>
+    </p:spTree>
+    <p:extLst>
+      <p:ext uri="{BB962C8B-B14F-4D97-AF65-F5344CB8AC3E}">
+        <p14:creationId xmlns:p14="http://schemas.microsoft.com/office/powerpoint/2010/main" val="4044608778"/>
+      </p:ext>
+    </p:extLst>
+  </p:cSld>
+  <p:clrMapOvr>
+    <a:masterClrMapping/>
+  </p:clrMapOvr>
+</p:notes>
+</file>
+
+<file path=ppt/notesSlides/notesSlide22.xml><?xml version="1.0" encoding="utf-8"?>
+<p:notes xmlns:a="http://schemas.openxmlformats.org/drawingml/2006/main" xmlns:r="http://schemas.openxmlformats.org/officeDocument/2006/relationships" xmlns:p="http://schemas.openxmlformats.org/presentationml/2006/main">
+  <p:cSld>
+    <p:spTree>
+      <p:nvGrpSpPr>
+        <p:cNvPr id="1" name=""/>
+        <p:cNvGrpSpPr/>
+        <p:nvPr/>
+      </p:nvGrpSpPr>
+      <p:grpSpPr>
+        <a:xfrm>
+          <a:off x="0" y="0"/>
+          <a:ext cx="0" cy="0"/>
+          <a:chOff x="0" y="0"/>
+          <a:chExt cx="0" cy="0"/>
+        </a:xfrm>
+      </p:grpSpPr>
+      <p:sp>
+        <p:nvSpPr>
+          <p:cNvPr id="2" name="Slide Image Placeholder 1"/>
+          <p:cNvSpPr>
+            <a:spLocks noGrp="1" noRot="1" noChangeAspect="1"/>
+          </p:cNvSpPr>
+          <p:nvPr>
+            <p:ph type="sldImg"/>
+          </p:nvPr>
+        </p:nvSpPr>
+        <p:spPr/>
+      </p:sp>
+      <p:sp>
+        <p:nvSpPr>
+          <p:cNvPr id="3" name="Notes Placeholder 2"/>
+          <p:cNvSpPr>
+            <a:spLocks noGrp="1"/>
+          </p:cNvSpPr>
+          <p:nvPr>
+            <p:ph type="body" idx="1"/>
+          </p:nvPr>
+        </p:nvSpPr>
+        <p:spPr/>
+        <p:txBody>
+          <a:bodyPr/>
+          <a:lstStyle/>
+          <a:p>
+            <a:endParaRPr lang="en-US"/>
+          </a:p>
+        </p:txBody>
+      </p:sp>
+      <p:sp>
+        <p:nvSpPr>
+          <p:cNvPr id="4" name="Slide Number Placeholder 3"/>
+          <p:cNvSpPr>
+            <a:spLocks noGrp="1"/>
+          </p:cNvSpPr>
+          <p:nvPr>
+            <p:ph type="sldNum" sz="quarter" idx="10"/>
+          </p:nvPr>
+        </p:nvSpPr>
+        <p:spPr/>
+        <p:txBody>
+          <a:bodyPr/>
+          <a:lstStyle/>
+          <a:p>
+            <a:pPr>
+              <a:defRPr/>
+            </a:pPr>
+            <a:fld id="{F3969550-FBCF-404B-9FAA-7B1DCDF2C4FF}" type="slidenum">
+              <a:rPr lang="en-US" smtClean="0"/>
+              <a:pPr>
+                <a:defRPr/>
+              </a:pPr>
+              <a:t>22</a:t>
+            </a:fld>
+            <a:endParaRPr lang="en-US"/>
+          </a:p>
+        </p:txBody>
+      </p:sp>
+    </p:spTree>
+    <p:extLst>
+      <p:ext uri="{BB962C8B-B14F-4D97-AF65-F5344CB8AC3E}">
+        <p14:creationId xmlns:p14="http://schemas.microsoft.com/office/powerpoint/2010/main" val="2237118873"/>
+      </p:ext>
+    </p:extLst>
+  </p:cSld>
+  <p:clrMapOvr>
+    <a:masterClrMapping/>
+  </p:clrMapOvr>
+</p:notes>
+</file>
+
+<file path=ppt/notesSlides/notesSlide23.xml><?xml version="1.0" encoding="utf-8"?>
+<p:notes xmlns:a="http://schemas.openxmlformats.org/drawingml/2006/main" xmlns:r="http://schemas.openxmlformats.org/officeDocument/2006/relationships" xmlns:p="http://schemas.openxmlformats.org/presentationml/2006/main">
+  <p:cSld>
+    <p:spTree>
+      <p:nvGrpSpPr>
+        <p:cNvPr id="1" name=""/>
+        <p:cNvGrpSpPr/>
+        <p:nvPr/>
+      </p:nvGrpSpPr>
+      <p:grpSpPr>
+        <a:xfrm>
+          <a:off x="0" y="0"/>
+          <a:ext cx="0" cy="0"/>
+          <a:chOff x="0" y="0"/>
+          <a:chExt cx="0" cy="0"/>
+        </a:xfrm>
+      </p:grpSpPr>
+      <p:sp>
+        <p:nvSpPr>
+          <p:cNvPr id="2" name="Slide Image Placeholder 1"/>
+          <p:cNvSpPr>
+            <a:spLocks noGrp="1" noRot="1" noChangeAspect="1"/>
+          </p:cNvSpPr>
+          <p:nvPr>
+            <p:ph type="sldImg"/>
+          </p:nvPr>
+        </p:nvSpPr>
+        <p:spPr/>
+      </p:sp>
+      <p:sp>
+        <p:nvSpPr>
+          <p:cNvPr id="3" name="Notes Placeholder 2"/>
+          <p:cNvSpPr>
+            <a:spLocks noGrp="1"/>
+          </p:cNvSpPr>
+          <p:nvPr>
+            <p:ph type="body" idx="1"/>
+          </p:nvPr>
+        </p:nvSpPr>
+        <p:spPr/>
+        <p:txBody>
+          <a:bodyPr/>
+          <a:lstStyle/>
+          <a:p>
+            <a:endParaRPr lang="en-US"/>
+          </a:p>
+        </p:txBody>
+      </p:sp>
+      <p:sp>
+        <p:nvSpPr>
+          <p:cNvPr id="4" name="Slide Number Placeholder 3"/>
+          <p:cNvSpPr>
+            <a:spLocks noGrp="1"/>
+          </p:cNvSpPr>
+          <p:nvPr>
+            <p:ph type="sldNum" sz="quarter" idx="10"/>
+          </p:nvPr>
+        </p:nvSpPr>
+        <p:spPr/>
+        <p:txBody>
+          <a:bodyPr/>
+          <a:lstStyle/>
+          <a:p>
+            <a:pPr>
+              <a:defRPr/>
+            </a:pPr>
+            <a:fld id="{F3969550-FBCF-404B-9FAA-7B1DCDF2C4FF}" type="slidenum">
+              <a:rPr lang="en-US" smtClean="0"/>
+              <a:pPr>
+                <a:defRPr/>
+              </a:pPr>
+              <a:t>23</a:t>
+            </a:fld>
+            <a:endParaRPr lang="en-US"/>
+          </a:p>
+        </p:txBody>
+      </p:sp>
+    </p:spTree>
+    <p:extLst>
+      <p:ext uri="{BB962C8B-B14F-4D97-AF65-F5344CB8AC3E}">
+        <p14:creationId xmlns:p14="http://schemas.microsoft.com/office/powerpoint/2010/main" val="1145980166"/>
+      </p:ext>
+    </p:extLst>
+  </p:cSld>
+  <p:clrMapOvr>
+    <a:masterClrMapping/>
+  </p:clrMapOvr>
+</p:notes>
+</file>
+
+<file path=ppt/notesSlides/notesSlide24.xml><?xml version="1.0" encoding="utf-8"?>
+<p:notes xmlns:a="http://schemas.openxmlformats.org/drawingml/2006/main" xmlns:r="http://schemas.openxmlformats.org/officeDocument/2006/relationships" xmlns:p="http://schemas.openxmlformats.org/presentationml/2006/main">
+  <p:cSld>
+    <p:spTree>
+      <p:nvGrpSpPr>
+        <p:cNvPr id="1" name=""/>
+        <p:cNvGrpSpPr/>
+        <p:nvPr/>
+      </p:nvGrpSpPr>
+      <p:grpSpPr>
+        <a:xfrm>
+          <a:off x="0" y="0"/>
+          <a:ext cx="0" cy="0"/>
+          <a:chOff x="0" y="0"/>
+          <a:chExt cx="0" cy="0"/>
+        </a:xfrm>
+      </p:grpSpPr>
+      <p:sp>
+        <p:nvSpPr>
+          <p:cNvPr id="2" name="Slide Image Placeholder 1"/>
+          <p:cNvSpPr>
+            <a:spLocks noGrp="1" noRot="1" noChangeAspect="1"/>
+          </p:cNvSpPr>
+          <p:nvPr>
+            <p:ph type="sldImg"/>
+          </p:nvPr>
+        </p:nvSpPr>
+        <p:spPr/>
+      </p:sp>
+      <p:sp>
+        <p:nvSpPr>
+          <p:cNvPr id="3" name="Notes Placeholder 2"/>
+          <p:cNvSpPr>
+            <a:spLocks noGrp="1"/>
+          </p:cNvSpPr>
+          <p:nvPr>
+            <p:ph type="body" idx="1"/>
+          </p:nvPr>
+        </p:nvSpPr>
+        <p:spPr/>
+        <p:txBody>
+          <a:bodyPr/>
+          <a:lstStyle/>
+          <a:p>
+            <a:endParaRPr lang="en-US"/>
+          </a:p>
+        </p:txBody>
+      </p:sp>
+      <p:sp>
+        <p:nvSpPr>
+          <p:cNvPr id="4" name="Slide Number Placeholder 3"/>
+          <p:cNvSpPr>
+            <a:spLocks noGrp="1"/>
+          </p:cNvSpPr>
+          <p:nvPr>
+            <p:ph type="sldNum" sz="quarter" idx="10"/>
+          </p:nvPr>
+        </p:nvSpPr>
+        <p:spPr/>
+        <p:txBody>
+          <a:bodyPr/>
+          <a:lstStyle/>
+          <a:p>
+            <a:pPr>
+              <a:defRPr/>
+            </a:pPr>
+            <a:fld id="{F3969550-FBCF-404B-9FAA-7B1DCDF2C4FF}" type="slidenum">
+              <a:rPr lang="en-US" smtClean="0"/>
+              <a:pPr>
+                <a:defRPr/>
+              </a:pPr>
+              <a:t>24</a:t>
+            </a:fld>
+            <a:endParaRPr lang="en-US"/>
+          </a:p>
+        </p:txBody>
+      </p:sp>
+    </p:spTree>
+    <p:extLst>
+      <p:ext uri="{BB962C8B-B14F-4D97-AF65-F5344CB8AC3E}">
+        <p14:creationId xmlns:p14="http://schemas.microsoft.com/office/powerpoint/2010/main" val="845994569"/>
+      </p:ext>
+    </p:extLst>
+  </p:cSld>
+  <p:clrMapOvr>
+    <a:masterClrMapping/>
+  </p:clrMapOvr>
+</p:notes>
+</file>
+
+<file path=ppt/notesSlides/notesSlide25.xml><?xml version="1.0" encoding="utf-8"?>
+<p:notes xmlns:a="http://schemas.openxmlformats.org/drawingml/2006/main" xmlns:r="http://schemas.openxmlformats.org/officeDocument/2006/relationships" xmlns:p="http://schemas.openxmlformats.org/presentationml/2006/main">
+  <p:cSld>
+    <p:spTree>
+      <p:nvGrpSpPr>
+        <p:cNvPr id="1" name=""/>
+        <p:cNvGrpSpPr/>
+        <p:nvPr/>
+      </p:nvGrpSpPr>
+      <p:grpSpPr>
+        <a:xfrm>
+          <a:off x="0" y="0"/>
+          <a:ext cx="0" cy="0"/>
+          <a:chOff x="0" y="0"/>
+          <a:chExt cx="0" cy="0"/>
+        </a:xfrm>
+      </p:grpSpPr>
+      <p:sp>
+        <p:nvSpPr>
+          <p:cNvPr id="2" name="Slide Image Placeholder 1"/>
+          <p:cNvSpPr>
+            <a:spLocks noGrp="1" noRot="1" noChangeAspect="1"/>
+          </p:cNvSpPr>
+          <p:nvPr>
+            <p:ph type="sldImg"/>
+          </p:nvPr>
+        </p:nvSpPr>
+        <p:spPr/>
+      </p:sp>
+      <p:sp>
+        <p:nvSpPr>
+          <p:cNvPr id="3" name="Notes Placeholder 2"/>
+          <p:cNvSpPr>
+            <a:spLocks noGrp="1"/>
+          </p:cNvSpPr>
+          <p:nvPr>
+            <p:ph type="body" idx="1"/>
+          </p:nvPr>
+        </p:nvSpPr>
+        <p:spPr/>
+        <p:txBody>
+          <a:bodyPr/>
+          <a:lstStyle/>
+          <a:p>
+            <a:endParaRPr lang="en-US"/>
+          </a:p>
+        </p:txBody>
+      </p:sp>
+      <p:sp>
+        <p:nvSpPr>
+          <p:cNvPr id="4" name="Slide Number Placeholder 3"/>
+          <p:cNvSpPr>
+            <a:spLocks noGrp="1"/>
+          </p:cNvSpPr>
+          <p:nvPr>
+            <p:ph type="sldNum" sz="quarter" idx="10"/>
+          </p:nvPr>
+        </p:nvSpPr>
+        <p:spPr/>
+        <p:txBody>
+          <a:bodyPr/>
+          <a:lstStyle/>
+          <a:p>
+            <a:pPr>
+              <a:defRPr/>
+            </a:pPr>
+            <a:fld id="{F3969550-FBCF-404B-9FAA-7B1DCDF2C4FF}" type="slidenum">
+              <a:rPr lang="en-US" smtClean="0"/>
+              <a:pPr>
+                <a:defRPr/>
+              </a:pPr>
+              <a:t>25</a:t>
+            </a:fld>
+            <a:endParaRPr lang="en-US"/>
+          </a:p>
+        </p:txBody>
+      </p:sp>
+    </p:spTree>
+    <p:extLst>
+      <p:ext uri="{BB962C8B-B14F-4D97-AF65-F5344CB8AC3E}">
+        <p14:creationId xmlns:p14="http://schemas.microsoft.com/office/powerpoint/2010/main" val="3299727051"/>
+      </p:ext>
+    </p:extLst>
+  </p:cSld>
+  <p:clrMapOvr>
+    <a:masterClrMapping/>
+  </p:clrMapOvr>
+</p:notes>
+</file>
+
+<file path=ppt/notesSlides/notesSlide26.xml><?xml version="1.0" encoding="utf-8"?>
+<p:notes xmlns:a="http://schemas.openxmlformats.org/drawingml/2006/main" xmlns:r="http://schemas.openxmlformats.org/officeDocument/2006/relationships" xmlns:p="http://schemas.openxmlformats.org/presentationml/2006/main">
+  <p:cSld>
+    <p:spTree>
+      <p:nvGrpSpPr>
+        <p:cNvPr id="1" name=""/>
+        <p:cNvGrpSpPr/>
+        <p:nvPr/>
+      </p:nvGrpSpPr>
+      <p:grpSpPr>
+        <a:xfrm>
+          <a:off x="0" y="0"/>
+          <a:ext cx="0" cy="0"/>
+          <a:chOff x="0" y="0"/>
+          <a:chExt cx="0" cy="0"/>
+        </a:xfrm>
+      </p:grpSpPr>
+      <p:sp>
+        <p:nvSpPr>
+          <p:cNvPr id="2" name="Slide Image Placeholder 1"/>
+          <p:cNvSpPr>
+            <a:spLocks noGrp="1" noRot="1" noChangeAspect="1"/>
+          </p:cNvSpPr>
+          <p:nvPr>
+            <p:ph type="sldImg"/>
+          </p:nvPr>
+        </p:nvSpPr>
+        <p:spPr/>
+      </p:sp>
+      <p:sp>
+        <p:nvSpPr>
+          <p:cNvPr id="3" name="Notes Placeholder 2"/>
+          <p:cNvSpPr>
+            <a:spLocks noGrp="1"/>
+          </p:cNvSpPr>
+          <p:nvPr>
+            <p:ph type="body" idx="1"/>
+          </p:nvPr>
+        </p:nvSpPr>
+        <p:spPr/>
+        <p:txBody>
+          <a:bodyPr/>
+          <a:lstStyle/>
+          <a:p>
+            <a:endParaRPr lang="en-US"/>
+          </a:p>
+        </p:txBody>
+      </p:sp>
+      <p:sp>
+        <p:nvSpPr>
+          <p:cNvPr id="4" name="Slide Number Placeholder 3"/>
+          <p:cNvSpPr>
+            <a:spLocks noGrp="1"/>
+          </p:cNvSpPr>
+          <p:nvPr>
+            <p:ph type="sldNum" sz="quarter" idx="10"/>
+          </p:nvPr>
+        </p:nvSpPr>
+        <p:spPr/>
+        <p:txBody>
+          <a:bodyPr/>
+          <a:lstStyle/>
+          <a:p>
+            <a:pPr>
+              <a:defRPr/>
+            </a:pPr>
+            <a:fld id="{F3969550-FBCF-404B-9FAA-7B1DCDF2C4FF}" type="slidenum">
+              <a:rPr lang="en-US" smtClean="0"/>
+              <a:pPr>
+                <a:defRPr/>
+              </a:pPr>
+              <a:t>26</a:t>
+            </a:fld>
+            <a:endParaRPr lang="en-US"/>
+          </a:p>
+        </p:txBody>
+      </p:sp>
+    </p:spTree>
+    <p:extLst>
+      <p:ext uri="{BB962C8B-B14F-4D97-AF65-F5344CB8AC3E}">
+        <p14:creationId xmlns:p14="http://schemas.microsoft.com/office/powerpoint/2010/main" val="1504748977"/>
+      </p:ext>
+    </p:extLst>
+  </p:cSld>
+  <p:clrMapOvr>
+    <a:masterClrMapping/>
+  </p:clrMapOvr>
+</p:notes>
+</file>
+
+<file path=ppt/notesSlides/notesSlide3.xml><?xml version="1.0" encoding="utf-8"?>
+<p:notes xmlns:a="http://schemas.openxmlformats.org/drawingml/2006/main" xmlns:r="http://schemas.openxmlformats.org/officeDocument/2006/relationships" xmlns:p="http://schemas.openxmlformats.org/presentationml/2006/main">
+  <p:cSld>
+    <p:spTree>
+      <p:nvGrpSpPr>
+        <p:cNvPr id="1" name=""/>
+        <p:cNvGrpSpPr/>
+        <p:nvPr/>
+      </p:nvGrpSpPr>
+      <p:grpSpPr>
+        <a:xfrm>
+          <a:off x="0" y="0"/>
+          <a:ext cx="0" cy="0"/>
+          <a:chOff x="0" y="0"/>
+          <a:chExt cx="0" cy="0"/>
+        </a:xfrm>
+      </p:grpSpPr>
+      <p:sp>
+        <p:nvSpPr>
+          <p:cNvPr id="2" name="Slide Image Placeholder 1"/>
+          <p:cNvSpPr>
+            <a:spLocks noGrp="1" noRot="1" noChangeAspect="1"/>
+          </p:cNvSpPr>
+          <p:nvPr>
+            <p:ph type="sldImg"/>
+          </p:nvPr>
+        </p:nvSpPr>
+        <p:spPr/>
+      </p:sp>
+      <p:sp>
+        <p:nvSpPr>
+          <p:cNvPr id="3" name="Notes Placeholder 2"/>
+          <p:cNvSpPr>
+            <a:spLocks noGrp="1"/>
+          </p:cNvSpPr>
+          <p:nvPr>
+            <p:ph type="body" idx="1"/>
+          </p:nvPr>
+        </p:nvSpPr>
+        <p:spPr/>
+        <p:txBody>
+          <a:bodyPr/>
+          <a:lstStyle/>
+          <a:p>
+            <a:endParaRPr lang="en-US"/>
+          </a:p>
+        </p:txBody>
+      </p:sp>
+      <p:sp>
+        <p:nvSpPr>
+          <p:cNvPr id="4" name="Slide Number Placeholder 3"/>
+          <p:cNvSpPr>
+            <a:spLocks noGrp="1"/>
+          </p:cNvSpPr>
+          <p:nvPr>
+            <p:ph type="sldNum" sz="quarter" idx="10"/>
+          </p:nvPr>
+        </p:nvSpPr>
+        <p:spPr/>
+        <p:txBody>
+          <a:bodyPr/>
+          <a:lstStyle/>
+          <a:p>
+            <a:pPr>
+              <a:defRPr/>
+            </a:pPr>
+            <a:fld id="{F3969550-FBCF-404B-9FAA-7B1DCDF2C4FF}" type="slidenum">
+              <a:rPr lang="en-US" smtClean="0"/>
+              <a:pPr>
+                <a:defRPr/>
+              </a:pPr>
+              <a:t>3</a:t>
+            </a:fld>
+            <a:endParaRPr lang="en-US"/>
+          </a:p>
+        </p:txBody>
+      </p:sp>
+    </p:spTree>
+    <p:extLst>
+      <p:ext uri="{BB962C8B-B14F-4D97-AF65-F5344CB8AC3E}">
+        <p14:creationId xmlns:p14="http://schemas.microsoft.com/office/powerpoint/2010/main" val="2341939900"/>
+      </p:ext>
+    </p:extLst>
+  </p:cSld>
+  <p:clrMapOvr>
+    <a:masterClrMapping/>
+  </p:clrMapOvr>
+</p:notes>
+</file>
+
+<file path=ppt/notesSlides/notesSlide4.xml><?xml version="1.0" encoding="utf-8"?>
+<p:notes xmlns:a="http://schemas.openxmlformats.org/drawingml/2006/main" xmlns:r="http://schemas.openxmlformats.org/officeDocument/2006/relationships" xmlns:p="http://schemas.openxmlformats.org/presentationml/2006/main">
+  <p:cSld>
+    <p:spTree>
+      <p:nvGrpSpPr>
+        <p:cNvPr id="1" name=""/>
+        <p:cNvGrpSpPr/>
+        <p:nvPr/>
+      </p:nvGrpSpPr>
+      <p:grpSpPr>
+        <a:xfrm>
+          <a:off x="0" y="0"/>
+          <a:ext cx="0" cy="0"/>
+          <a:chOff x="0" y="0"/>
+          <a:chExt cx="0" cy="0"/>
+        </a:xfrm>
+      </p:grpSpPr>
+      <p:sp>
+        <p:nvSpPr>
+          <p:cNvPr id="2" name="Slide Image Placeholder 1"/>
+          <p:cNvSpPr>
+            <a:spLocks noGrp="1" noRot="1" noChangeAspect="1"/>
+          </p:cNvSpPr>
+          <p:nvPr>
+            <p:ph type="sldImg"/>
+          </p:nvPr>
+        </p:nvSpPr>
+        <p:spPr/>
+      </p:sp>
+      <p:sp>
+        <p:nvSpPr>
+          <p:cNvPr id="3" name="Notes Placeholder 2"/>
+          <p:cNvSpPr>
+            <a:spLocks noGrp="1"/>
+          </p:cNvSpPr>
+          <p:nvPr>
+            <p:ph type="body" idx="1"/>
+          </p:nvPr>
+        </p:nvSpPr>
+        <p:spPr/>
+        <p:txBody>
+          <a:bodyPr/>
+          <a:lstStyle/>
+          <a:p>
+            <a:endParaRPr lang="en-US"/>
+          </a:p>
+        </p:txBody>
+      </p:sp>
+      <p:sp>
+        <p:nvSpPr>
+          <p:cNvPr id="4" name="Slide Number Placeholder 3"/>
+          <p:cNvSpPr>
+            <a:spLocks noGrp="1"/>
+          </p:cNvSpPr>
+          <p:nvPr>
+            <p:ph type="sldNum" sz="quarter" idx="10"/>
+          </p:nvPr>
+        </p:nvSpPr>
+        <p:spPr/>
+        <p:txBody>
+          <a:bodyPr/>
+          <a:lstStyle/>
+          <a:p>
+            <a:pPr>
+              <a:defRPr/>
+            </a:pPr>
+            <a:fld id="{F3969550-FBCF-404B-9FAA-7B1DCDF2C4FF}" type="slidenum">
+              <a:rPr lang="en-US" smtClean="0"/>
+              <a:pPr>
+                <a:defRPr/>
+              </a:pPr>
+              <a:t>4</a:t>
+            </a:fld>
+            <a:endParaRPr lang="en-US"/>
+          </a:p>
+        </p:txBody>
+      </p:sp>
+    </p:spTree>
+    <p:extLst>
+      <p:ext uri="{BB962C8B-B14F-4D97-AF65-F5344CB8AC3E}">
+        <p14:creationId xmlns:p14="http://schemas.microsoft.com/office/powerpoint/2010/main" val="114976252"/>
+      </p:ext>
+    </p:extLst>
+  </p:cSld>
+  <p:clrMapOvr>
+    <a:masterClrMapping/>
+  </p:clrMapOvr>
+</p:notes>
+</file>
+
+<file path=ppt/notesSlides/notesSlide5.xml><?xml version="1.0" encoding="utf-8"?>
+<p:notes xmlns:a="http://schemas.openxmlformats.org/drawingml/2006/main" xmlns:r="http://schemas.openxmlformats.org/officeDocument/2006/relationships" xmlns:p="http://schemas.openxmlformats.org/presentationml/2006/main">
+  <p:cSld>
+    <p:spTree>
+      <p:nvGrpSpPr>
+        <p:cNvPr id="1" name=""/>
+        <p:cNvGrpSpPr/>
+        <p:nvPr/>
+      </p:nvGrpSpPr>
+      <p:grpSpPr>
+        <a:xfrm>
+          <a:off x="0" y="0"/>
+          <a:ext cx="0" cy="0"/>
+          <a:chOff x="0" y="0"/>
+          <a:chExt cx="0" cy="0"/>
+        </a:xfrm>
+      </p:grpSpPr>
+      <p:sp>
+        <p:nvSpPr>
+          <p:cNvPr id="2" name="Slide Image Placeholder 1"/>
+          <p:cNvSpPr>
+            <a:spLocks noGrp="1" noRot="1" noChangeAspect="1"/>
+          </p:cNvSpPr>
+          <p:nvPr>
+            <p:ph type="sldImg"/>
+          </p:nvPr>
+        </p:nvSpPr>
+        <p:spPr/>
+      </p:sp>
+      <p:sp>
+        <p:nvSpPr>
+          <p:cNvPr id="3" name="Notes Placeholder 2"/>
+          <p:cNvSpPr>
+            <a:spLocks noGrp="1"/>
+          </p:cNvSpPr>
+          <p:nvPr>
+            <p:ph type="body" idx="1"/>
+          </p:nvPr>
+        </p:nvSpPr>
+        <p:spPr/>
+        <p:txBody>
+          <a:bodyPr/>
+          <a:lstStyle/>
+          <a:p>
+            <a:endParaRPr lang="en-US"/>
+          </a:p>
+        </p:txBody>
+      </p:sp>
+      <p:sp>
+        <p:nvSpPr>
+          <p:cNvPr id="4" name="Slide Number Placeholder 3"/>
+          <p:cNvSpPr>
+            <a:spLocks noGrp="1"/>
+          </p:cNvSpPr>
+          <p:nvPr>
+            <p:ph type="sldNum" sz="quarter" idx="10"/>
+          </p:nvPr>
+        </p:nvSpPr>
+        <p:spPr/>
+        <p:txBody>
+          <a:bodyPr/>
+          <a:lstStyle/>
+          <a:p>
+            <a:pPr>
+              <a:defRPr/>
+            </a:pPr>
+            <a:fld id="{F3969550-FBCF-404B-9FAA-7B1DCDF2C4FF}" type="slidenum">
+              <a:rPr lang="en-US" smtClean="0"/>
+              <a:pPr>
+                <a:defRPr/>
+              </a:pPr>
+              <a:t>5</a:t>
+            </a:fld>
+            <a:endParaRPr lang="en-US"/>
+          </a:p>
+        </p:txBody>
+      </p:sp>
+    </p:spTree>
+    <p:extLst>
+      <p:ext uri="{BB962C8B-B14F-4D97-AF65-F5344CB8AC3E}">
+        <p14:creationId xmlns:p14="http://schemas.microsoft.com/office/powerpoint/2010/main" val="846872129"/>
+      </p:ext>
+    </p:extLst>
+  </p:cSld>
+  <p:clrMapOvr>
+    <a:masterClrMapping/>
+  </p:clrMapOvr>
+</p:notes>
+</file>
+
+<file path=ppt/notesSlides/notesSlide6.xml><?xml version="1.0" encoding="utf-8"?>
+<p:notes xmlns:a="http://schemas.openxmlformats.org/drawingml/2006/main" xmlns:r="http://schemas.openxmlformats.org/officeDocument/2006/relationships" xmlns:p="http://schemas.openxmlformats.org/presentationml/2006/main">
+  <p:cSld>
     <p:bg>
       <p:bgPr>
         <a:solidFill>
@@ -1104,6 +3084,276 @@
         </p:txBody>
       </p:sp>
     </p:spTree>
+  </p:cSld>
+  <p:clrMapOvr>
+    <a:masterClrMapping/>
+  </p:clrMapOvr>
+</p:notes>
+</file>
+
+<file path=ppt/notesSlides/notesSlide7.xml><?xml version="1.0" encoding="utf-8"?>
+<p:notes xmlns:a="http://schemas.openxmlformats.org/drawingml/2006/main" xmlns:r="http://schemas.openxmlformats.org/officeDocument/2006/relationships" xmlns:p="http://schemas.openxmlformats.org/presentationml/2006/main">
+  <p:cSld>
+    <p:spTree>
+      <p:nvGrpSpPr>
+        <p:cNvPr id="1" name=""/>
+        <p:cNvGrpSpPr/>
+        <p:nvPr/>
+      </p:nvGrpSpPr>
+      <p:grpSpPr>
+        <a:xfrm>
+          <a:off x="0" y="0"/>
+          <a:ext cx="0" cy="0"/>
+          <a:chOff x="0" y="0"/>
+          <a:chExt cx="0" cy="0"/>
+        </a:xfrm>
+      </p:grpSpPr>
+      <p:sp>
+        <p:nvSpPr>
+          <p:cNvPr id="2" name="Slide Image Placeholder 1"/>
+          <p:cNvSpPr>
+            <a:spLocks noGrp="1" noRot="1" noChangeAspect="1"/>
+          </p:cNvSpPr>
+          <p:nvPr>
+            <p:ph type="sldImg"/>
+          </p:nvPr>
+        </p:nvSpPr>
+        <p:spPr/>
+      </p:sp>
+      <p:sp>
+        <p:nvSpPr>
+          <p:cNvPr id="3" name="Notes Placeholder 2"/>
+          <p:cNvSpPr>
+            <a:spLocks noGrp="1"/>
+          </p:cNvSpPr>
+          <p:nvPr>
+            <p:ph type="body" idx="1"/>
+          </p:nvPr>
+        </p:nvSpPr>
+        <p:spPr/>
+        <p:txBody>
+          <a:bodyPr/>
+          <a:lstStyle/>
+          <a:p>
+            <a:endParaRPr lang="en-US"/>
+          </a:p>
+        </p:txBody>
+      </p:sp>
+      <p:sp>
+        <p:nvSpPr>
+          <p:cNvPr id="4" name="Slide Number Placeholder 3"/>
+          <p:cNvSpPr>
+            <a:spLocks noGrp="1"/>
+          </p:cNvSpPr>
+          <p:nvPr>
+            <p:ph type="sldNum" sz="quarter" idx="10"/>
+          </p:nvPr>
+        </p:nvSpPr>
+        <p:spPr/>
+        <p:txBody>
+          <a:bodyPr/>
+          <a:lstStyle/>
+          <a:p>
+            <a:pPr>
+              <a:defRPr/>
+            </a:pPr>
+            <a:fld id="{F3969550-FBCF-404B-9FAA-7B1DCDF2C4FF}" type="slidenum">
+              <a:rPr lang="en-US" smtClean="0"/>
+              <a:pPr>
+                <a:defRPr/>
+              </a:pPr>
+              <a:t>7</a:t>
+            </a:fld>
+            <a:endParaRPr lang="en-US"/>
+          </a:p>
+        </p:txBody>
+      </p:sp>
+    </p:spTree>
+    <p:extLst>
+      <p:ext uri="{BB962C8B-B14F-4D97-AF65-F5344CB8AC3E}">
+        <p14:creationId xmlns:p14="http://schemas.microsoft.com/office/powerpoint/2010/main" val="3672209204"/>
+      </p:ext>
+    </p:extLst>
+  </p:cSld>
+  <p:clrMapOvr>
+    <a:masterClrMapping/>
+  </p:clrMapOvr>
+</p:notes>
+</file>
+
+<file path=ppt/notesSlides/notesSlide8.xml><?xml version="1.0" encoding="utf-8"?>
+<p:notes xmlns:a="http://schemas.openxmlformats.org/drawingml/2006/main" xmlns:r="http://schemas.openxmlformats.org/officeDocument/2006/relationships" xmlns:p="http://schemas.openxmlformats.org/presentationml/2006/main">
+  <p:cSld>
+    <p:spTree>
+      <p:nvGrpSpPr>
+        <p:cNvPr id="1" name=""/>
+        <p:cNvGrpSpPr/>
+        <p:nvPr/>
+      </p:nvGrpSpPr>
+      <p:grpSpPr>
+        <a:xfrm>
+          <a:off x="0" y="0"/>
+          <a:ext cx="0" cy="0"/>
+          <a:chOff x="0" y="0"/>
+          <a:chExt cx="0" cy="0"/>
+        </a:xfrm>
+      </p:grpSpPr>
+      <p:sp>
+        <p:nvSpPr>
+          <p:cNvPr id="2" name="Slide Image Placeholder 1"/>
+          <p:cNvSpPr>
+            <a:spLocks noGrp="1" noRot="1" noChangeAspect="1"/>
+          </p:cNvSpPr>
+          <p:nvPr>
+            <p:ph type="sldImg"/>
+          </p:nvPr>
+        </p:nvSpPr>
+        <p:spPr/>
+      </p:sp>
+      <p:sp>
+        <p:nvSpPr>
+          <p:cNvPr id="3" name="Notes Placeholder 2"/>
+          <p:cNvSpPr>
+            <a:spLocks noGrp="1"/>
+          </p:cNvSpPr>
+          <p:nvPr>
+            <p:ph type="body" idx="1"/>
+          </p:nvPr>
+        </p:nvSpPr>
+        <p:spPr/>
+        <p:txBody>
+          <a:bodyPr/>
+          <a:lstStyle/>
+          <a:p>
+            <a:endParaRPr lang="en-US"/>
+          </a:p>
+        </p:txBody>
+      </p:sp>
+      <p:sp>
+        <p:nvSpPr>
+          <p:cNvPr id="4" name="Slide Number Placeholder 3"/>
+          <p:cNvSpPr>
+            <a:spLocks noGrp="1"/>
+          </p:cNvSpPr>
+          <p:nvPr>
+            <p:ph type="sldNum" sz="quarter" idx="10"/>
+          </p:nvPr>
+        </p:nvSpPr>
+        <p:spPr/>
+        <p:txBody>
+          <a:bodyPr/>
+          <a:lstStyle/>
+          <a:p>
+            <a:pPr>
+              <a:defRPr/>
+            </a:pPr>
+            <a:fld id="{F3969550-FBCF-404B-9FAA-7B1DCDF2C4FF}" type="slidenum">
+              <a:rPr lang="en-US" smtClean="0"/>
+              <a:pPr>
+                <a:defRPr/>
+              </a:pPr>
+              <a:t>8</a:t>
+            </a:fld>
+            <a:endParaRPr lang="en-US"/>
+          </a:p>
+        </p:txBody>
+      </p:sp>
+    </p:spTree>
+    <p:extLst>
+      <p:ext uri="{BB962C8B-B14F-4D97-AF65-F5344CB8AC3E}">
+        <p14:creationId xmlns:p14="http://schemas.microsoft.com/office/powerpoint/2010/main" val="1498537056"/>
+      </p:ext>
+    </p:extLst>
+  </p:cSld>
+  <p:clrMapOvr>
+    <a:masterClrMapping/>
+  </p:clrMapOvr>
+</p:notes>
+</file>
+
+<file path=ppt/notesSlides/notesSlide9.xml><?xml version="1.0" encoding="utf-8"?>
+<p:notes xmlns:a="http://schemas.openxmlformats.org/drawingml/2006/main" xmlns:r="http://schemas.openxmlformats.org/officeDocument/2006/relationships" xmlns:p="http://schemas.openxmlformats.org/presentationml/2006/main">
+  <p:cSld>
+    <p:spTree>
+      <p:nvGrpSpPr>
+        <p:cNvPr id="1" name=""/>
+        <p:cNvGrpSpPr/>
+        <p:nvPr/>
+      </p:nvGrpSpPr>
+      <p:grpSpPr>
+        <a:xfrm>
+          <a:off x="0" y="0"/>
+          <a:ext cx="0" cy="0"/>
+          <a:chOff x="0" y="0"/>
+          <a:chExt cx="0" cy="0"/>
+        </a:xfrm>
+      </p:grpSpPr>
+      <p:sp>
+        <p:nvSpPr>
+          <p:cNvPr id="2" name="Slide Image Placeholder 1"/>
+          <p:cNvSpPr>
+            <a:spLocks noGrp="1" noRot="1" noChangeAspect="1"/>
+          </p:cNvSpPr>
+          <p:nvPr>
+            <p:ph type="sldImg"/>
+          </p:nvPr>
+        </p:nvSpPr>
+        <p:spPr/>
+      </p:sp>
+      <p:sp>
+        <p:nvSpPr>
+          <p:cNvPr id="3" name="Notes Placeholder 2"/>
+          <p:cNvSpPr>
+            <a:spLocks noGrp="1"/>
+          </p:cNvSpPr>
+          <p:nvPr>
+            <p:ph type="body" idx="1"/>
+          </p:nvPr>
+        </p:nvSpPr>
+        <p:spPr/>
+        <p:txBody>
+          <a:bodyPr/>
+          <a:lstStyle/>
+          <a:p>
+            <a:endParaRPr lang="en-US"/>
+          </a:p>
+        </p:txBody>
+      </p:sp>
+      <p:sp>
+        <p:nvSpPr>
+          <p:cNvPr id="4" name="Slide Number Placeholder 3"/>
+          <p:cNvSpPr>
+            <a:spLocks noGrp="1"/>
+          </p:cNvSpPr>
+          <p:nvPr>
+            <p:ph type="sldNum" sz="quarter" idx="10"/>
+          </p:nvPr>
+        </p:nvSpPr>
+        <p:spPr/>
+        <p:txBody>
+          <a:bodyPr/>
+          <a:lstStyle/>
+          <a:p>
+            <a:pPr>
+              <a:defRPr/>
+            </a:pPr>
+            <a:fld id="{F3969550-FBCF-404B-9FAA-7B1DCDF2C4FF}" type="slidenum">
+              <a:rPr lang="en-US" smtClean="0"/>
+              <a:pPr>
+                <a:defRPr/>
+              </a:pPr>
+              <a:t>9</a:t>
+            </a:fld>
+            <a:endParaRPr lang="en-US"/>
+          </a:p>
+        </p:txBody>
+      </p:sp>
+    </p:spTree>
+    <p:extLst>
+      <p:ext uri="{BB962C8B-B14F-4D97-AF65-F5344CB8AC3E}">
+        <p14:creationId xmlns:p14="http://schemas.microsoft.com/office/powerpoint/2010/main" val="3826412533"/>
+      </p:ext>
+    </p:extLst>
   </p:cSld>
   <p:clrMapOvr>
     <a:masterClrMapping/>
@@ -3590,7 +5840,7 @@
               <a:pPr>
                 <a:defRPr/>
               </a:pPr>
-              <a:t>6/3/15</a:t>
+              <a:t>6/8/15</a:t>
             </a:fld>
             <a:endParaRPr lang="en-US"/>
           </a:p>
@@ -4165,7 +6415,7 @@
           <p:nvPr/>
         </p:nvPicPr>
         <p:blipFill>
-          <a:blip r:embed="rId2">
+          <a:blip r:embed="rId3">
             <a:extLst>
               <a:ext uri="{28A0092B-C50C-407E-A947-70E740481C1C}">
                 <a14:useLocalDpi xmlns:a14="http://schemas.microsoft.com/office/drawing/2010/main" val="0"/>
@@ -4565,7 +6815,7 @@
             <a:r>
               <a:rPr lang="en-US">
                 <a:ea typeface="ＭＳ Ｐゴシック" charset="0"/>
-                <a:hlinkClick r:id="rId2"/>
+                <a:hlinkClick r:id="rId3"/>
               </a:rPr>
               <a:t>http://www.biostars.org/p/70204/</a:t>
             </a:r>
@@ -4973,7 +7223,7 @@
             <p:nvPr/>
           </p:nvPicPr>
           <p:blipFill>
-            <a:blip r:embed="rId2">
+            <a:blip r:embed="rId3">
               <a:extLst>
                 <a:ext uri="{28A0092B-C50C-407E-A947-70E740481C1C}">
                   <a14:useLocalDpi xmlns:a14="http://schemas.microsoft.com/office/drawing/2010/main" val="0"/>
@@ -5742,7 +7992,7 @@
               <a:buNone/>
             </a:pPr>
             <a:endParaRPr lang="en-US" dirty="0" smtClean="0">
-              <a:hlinkClick r:id="rId2"/>
+              <a:hlinkClick r:id="rId3"/>
             </a:endParaRPr>
           </a:p>
           <a:p>
@@ -5750,7 +8000,7 @@
               <a:buNone/>
             </a:pPr>
             <a:endParaRPr lang="en-US" dirty="0">
-              <a:hlinkClick r:id="rId2"/>
+              <a:hlinkClick r:id="rId3"/>
             </a:endParaRPr>
           </a:p>
           <a:p>
@@ -5758,7 +8008,7 @@
               <a:buNone/>
             </a:pPr>
             <a:endParaRPr lang="en-US" dirty="0" smtClean="0">
-              <a:hlinkClick r:id="rId2"/>
+              <a:hlinkClick r:id="rId3"/>
             </a:endParaRPr>
           </a:p>
           <a:p>
@@ -5766,7 +8016,7 @@
               <a:buNone/>
             </a:pPr>
             <a:endParaRPr lang="en-US" dirty="0">
-              <a:hlinkClick r:id="rId2"/>
+              <a:hlinkClick r:id="rId3"/>
             </a:endParaRPr>
           </a:p>
           <a:p>
@@ -5775,19 +8025,19 @@
             </a:pPr>
             <a:r>
               <a:rPr lang="en-US" sz="4400" dirty="0" smtClean="0">
-                <a:hlinkClick r:id="rId2"/>
+                <a:hlinkClick r:id="rId3"/>
               </a:rPr>
               <a:t>http</a:t>
             </a:r>
             <a:r>
               <a:rPr lang="en-US" sz="4400" dirty="0">
-                <a:hlinkClick r:id="rId2"/>
+                <a:hlinkClick r:id="rId3"/>
               </a:rPr>
               <a:t>://aws.amazon.com/console</a:t>
             </a:r>
             <a:r>
               <a:rPr lang="en-US" sz="4400" dirty="0" smtClean="0">
-                <a:hlinkClick r:id="rId2"/>
+                <a:hlinkClick r:id="rId3"/>
               </a:rPr>
               <a:t>/</a:t>
             </a:r>
@@ -5847,7 +8097,7 @@
           <p:nvPr/>
         </p:nvPicPr>
         <p:blipFill>
-          <a:blip r:embed="rId2">
+          <a:blip r:embed="rId3">
             <a:extLst>
               <a:ext uri="{28A0092B-C50C-407E-A947-70E740481C1C}">
                 <a14:useLocalDpi xmlns:a14="http://schemas.microsoft.com/office/drawing/2010/main" val="0"/>
@@ -6016,7 +8266,7 @@
               <a:rPr lang="en-US" sz="2800" dirty="0">
                 <a:latin typeface="Calibri"/>
                 <a:cs typeface="Calibri"/>
-                <a:hlinkClick r:id="rId3"/>
+                <a:hlinkClick r:id="rId4"/>
               </a:rPr>
               <a:t>http://bioinformatics.ca/workshop_wiki/index.php</a:t>
             </a:r>
@@ -6024,7 +8274,7 @@
               <a:rPr lang="en-US" sz="2800" dirty="0" smtClean="0">
                 <a:latin typeface="Calibri"/>
                 <a:cs typeface="Calibri"/>
-                <a:hlinkClick r:id="rId3"/>
+                <a:hlinkClick r:id="rId4"/>
               </a:rPr>
               <a:t>/</a:t>
             </a:r>
@@ -6194,7 +8444,7 @@
           <p:nvPr/>
         </p:nvPicPr>
         <p:blipFill>
-          <a:blip r:embed="rId2">
+          <a:blip r:embed="rId3">
             <a:extLst>
               <a:ext uri="{28A0092B-C50C-407E-A947-70E740481C1C}">
                 <a14:useLocalDpi xmlns:a14="http://schemas.microsoft.com/office/drawing/2010/main" val="0"/>
@@ -6341,7 +8591,7 @@
               <a:rPr lang="en-US" sz="2800" dirty="0">
                 <a:latin typeface="Calibri"/>
                 <a:cs typeface="Calibri"/>
-                <a:hlinkClick r:id="rId3"/>
+                <a:hlinkClick r:id="rId4"/>
               </a:rPr>
               <a:t>http://bioinformatics.ca/workshop_wiki/index.php</a:t>
             </a:r>
@@ -6349,7 +8599,7 @@
               <a:rPr lang="en-US" sz="2800" dirty="0" smtClean="0">
                 <a:latin typeface="Calibri"/>
                 <a:cs typeface="Calibri"/>
-                <a:hlinkClick r:id="rId3"/>
+                <a:hlinkClick r:id="rId4"/>
               </a:rPr>
               <a:t>/</a:t>
             </a:r>
@@ -6406,7 +8656,7 @@
           <p:nvPr/>
         </p:nvPicPr>
         <p:blipFill>
-          <a:blip r:embed="rId2">
+          <a:blip r:embed="rId3">
             <a:extLst>
               <a:ext uri="{28A0092B-C50C-407E-A947-70E740481C1C}">
                 <a14:useLocalDpi xmlns:a14="http://schemas.microsoft.com/office/drawing/2010/main" val="0"/>
@@ -6553,7 +8803,7 @@
               <a:rPr lang="en-US" sz="2800" dirty="0">
                 <a:latin typeface="Calibri"/>
                 <a:cs typeface="Calibri"/>
-                <a:hlinkClick r:id="rId3"/>
+                <a:hlinkClick r:id="rId4"/>
               </a:rPr>
               <a:t>http://www.rnaseq.wiki</a:t>
             </a:r>
@@ -6561,7 +8811,7 @@
               <a:rPr lang="en-US" sz="2800" dirty="0" smtClean="0">
                 <a:latin typeface="Calibri"/>
                 <a:cs typeface="Calibri"/>
-                <a:hlinkClick r:id="rId3"/>
+                <a:hlinkClick r:id="rId4"/>
               </a:rPr>
               <a:t>/</a:t>
             </a:r>
@@ -6658,6 +8908,13 @@
   <p:clrMapOvr>
     <a:masterClrMapping/>
   </p:clrMapOvr>
+  <p:timing>
+    <p:tnLst>
+      <p:par>
+        <p:cTn xmlns:p14="http://schemas.microsoft.com/office/powerpoint/2010/main" id="1" dur="indefinite" restart="never" nodeType="tmRoot"/>
+      </p:par>
+    </p:tnLst>
+  </p:timing>
 </p:sld>
 </file>
 
@@ -6716,7 +8973,7 @@
           <p:nvPr/>
         </p:nvPicPr>
         <p:blipFill>
-          <a:blip r:embed="rId2">
+          <a:blip r:embed="rId3">
             <a:extLst>
               <a:ext uri="{28A0092B-C50C-407E-A947-70E740481C1C}">
                 <a14:useLocalDpi xmlns:a14="http://schemas.microsoft.com/office/drawing/2010/main" val="0"/>
@@ -6944,7 +9201,7 @@
           <p:nvPr/>
         </p:nvPicPr>
         <p:blipFill>
-          <a:blip r:embed="rId3">
+          <a:blip r:embed="rId4">
             <a:extLst>
               <a:ext uri="{28A0092B-C50C-407E-A947-70E740481C1C}">
                 <a14:useLocalDpi xmlns:a14="http://schemas.microsoft.com/office/drawing/2010/main" val="0"/>
@@ -8284,7 +10541,7 @@
           </p:nvPr>
         </p:nvPicPr>
         <p:blipFill>
-          <a:blip r:embed="rId2">
+          <a:blip r:embed="rId3">
             <a:extLst>
               <a:ext uri="{28A0092B-C50C-407E-A947-70E740481C1C}">
                 <a14:useLocalDpi xmlns:a14="http://schemas.microsoft.com/office/drawing/2010/main" val="0"/>
@@ -8539,7 +10796,7 @@
           <p:nvPr/>
         </p:nvPicPr>
         <p:blipFill>
-          <a:blip r:embed="rId2">
+          <a:blip r:embed="rId3">
             <a:extLst>
               <a:ext uri="{28A0092B-C50C-407E-A947-70E740481C1C}">
                 <a14:useLocalDpi xmlns:a14="http://schemas.microsoft.com/office/drawing/2010/main" val="0"/>
@@ -8644,7 +10901,7 @@
           <p:nvPr/>
         </p:nvPicPr>
         <p:blipFill>
-          <a:blip r:embed="rId2">
+          <a:blip r:embed="rId3">
             <a:extLst>
               <a:ext uri="{28A0092B-C50C-407E-A947-70E740481C1C}">
                 <a14:useLocalDpi xmlns:a14="http://schemas.microsoft.com/office/drawing/2010/main" val="0"/>
@@ -8714,7 +10971,7 @@
           <p:nvPr/>
         </p:nvPicPr>
         <p:blipFill>
-          <a:blip r:embed="rId3">
+          <a:blip r:embed="rId4">
             <a:extLst>
               <a:ext uri="{28A0092B-C50C-407E-A947-70E740481C1C}">
                 <a14:useLocalDpi xmlns:a14="http://schemas.microsoft.com/office/drawing/2010/main" val="0"/>
@@ -8821,7 +11078,7 @@
           <p:nvPr/>
         </p:nvPicPr>
         <p:blipFill>
-          <a:blip r:embed="rId2">
+          <a:blip r:embed="rId3">
             <a:extLst>
               <a:ext uri="{28A0092B-C50C-407E-A947-70E740481C1C}">
                 <a14:useLocalDpi xmlns:a14="http://schemas.microsoft.com/office/drawing/2010/main" val="0"/>
@@ -8851,7 +11108,7 @@
           <p:nvPr/>
         </p:nvPicPr>
         <p:blipFill rotWithShape="1">
-          <a:blip r:embed="rId3">
+          <a:blip r:embed="rId4">
             <a:extLst>
               <a:ext uri="{28A0092B-C50C-407E-A947-70E740481C1C}">
                 <a14:useLocalDpi xmlns:a14="http://schemas.microsoft.com/office/drawing/2010/main" val="0"/>
@@ -9152,7 +11409,7 @@
           <p:nvPr/>
         </p:nvPicPr>
         <p:blipFill>
-          <a:blip r:embed="rId2">
+          <a:blip r:embed="rId3">
             <a:extLst>
               <a:ext uri="{28A0092B-C50C-407E-A947-70E740481C1C}">
                 <a14:useLocalDpi xmlns:a14="http://schemas.microsoft.com/office/drawing/2010/main" val="0"/>
@@ -9574,6 +11831,13 @@
   <p:clrMapOvr>
     <a:masterClrMapping/>
   </p:clrMapOvr>
+  <p:timing>
+    <p:tnLst>
+      <p:par>
+        <p:cTn xmlns:p14="http://schemas.microsoft.com/office/powerpoint/2010/main" id="1" dur="indefinite" restart="never" nodeType="tmRoot"/>
+      </p:par>
+    </p:tnLst>
+  </p:timing>
 </p:sld>
 </file>
 
@@ -10925,8 +13189,8 @@
               <a:t> </a:t>
             </a:r>
             <a:r>
-              <a:rPr lang="en-CA" sz="2000" dirty="0" err="1"/>
-              <a:t>CBWNY.pem</a:t>
+              <a:rPr lang="en-CA" sz="2000" dirty="0" err="1" smtClean="0"/>
+              <a:t>CBW.pem</a:t>
             </a:r>
             <a:endParaRPr lang="en-CA" sz="2000" dirty="0"/>
           </a:p>
@@ -10941,7 +13205,7 @@
           <p:nvPr/>
         </p:nvPicPr>
         <p:blipFill>
-          <a:blip r:embed="rId2">
+          <a:blip r:embed="rId3">
             <a:extLst>
               <a:ext uri="{28A0092B-C50C-407E-A947-70E740481C1C}">
                 <a14:useLocalDpi xmlns:a14="http://schemas.microsoft.com/office/drawing/2010/main" val="0"/>
@@ -12479,7 +14743,7 @@
           <p:nvPr/>
         </p:nvPicPr>
         <p:blipFill>
-          <a:blip r:embed="rId2">
+          <a:blip r:embed="rId3">
             <a:extLst>
               <a:ext uri="{28A0092B-C50C-407E-A947-70E740481C1C}">
                 <a14:useLocalDpi xmlns:a14="http://schemas.microsoft.com/office/drawing/2010/main" val="0"/>
@@ -15991,14 +18255,7 @@
                 <a:latin typeface="Calibri"/>
                 <a:cs typeface="Calibri"/>
               </a:rPr>
-              <a:t> Lu, Malachi </a:t>
-            </a:r>
-            <a:r>
-              <a:rPr lang="en-US" sz="1600" dirty="0" smtClean="0">
-                <a:latin typeface="Calibri"/>
-                <a:cs typeface="Calibri"/>
-              </a:rPr>
-              <a:t>Griffith &amp; </a:t>
+              <a:t> Lu, Malachi Griffith &amp; </a:t>
             </a:r>
             <a:r>
               <a:rPr lang="en-US" sz="1600" dirty="0">
@@ -16080,7 +18337,7 @@
           <p:nvPr/>
         </p:nvPicPr>
         <p:blipFill>
-          <a:blip r:embed="rId2">
+          <a:blip r:embed="rId3">
             <a:extLst>
               <a:ext uri="{28A0092B-C50C-407E-A947-70E740481C1C}">
                 <a14:useLocalDpi xmlns:a14="http://schemas.microsoft.com/office/drawing/2010/main" val="0"/>
@@ -16110,7 +18367,7 @@
           <p:nvPr/>
         </p:nvPicPr>
         <p:blipFill>
-          <a:blip r:embed="rId3">
+          <a:blip r:embed="rId4">
             <a:extLst>
               <a:ext uri="{28A0092B-C50C-407E-A947-70E740481C1C}">
                 <a14:useLocalDpi xmlns:a14="http://schemas.microsoft.com/office/drawing/2010/main" val="0"/>
@@ -30452,7 +32709,7 @@
           <p:nvPr/>
         </p:nvPicPr>
         <p:blipFill>
-          <a:blip r:embed="rId2">
+          <a:blip r:embed="rId3">
             <a:extLst>
               <a:ext uri="{28A0092B-C50C-407E-A947-70E740481C1C}">
                 <a14:useLocalDpi xmlns:a14="http://schemas.microsoft.com/office/drawing/2010/main" val="0"/>
@@ -30655,7 +32912,7 @@
           <p:nvPr/>
         </p:nvPicPr>
         <p:blipFill>
-          <a:blip r:embed="rId3">
+          <a:blip r:embed="rId4">
             <a:extLst>
               <a:ext uri="{28A0092B-C50C-407E-A947-70E740481C1C}">
                 <a14:useLocalDpi xmlns:a14="http://schemas.microsoft.com/office/drawing/2010/main" val="0"/>
